--- a/product/冠德石油+/优惠生活/优惠生活的构想.pptx
+++ b/product/冠德石油+/优惠生活/优惠生活的构想.pptx
@@ -910,6 +910,26 @@
               </a:lnSpc>
             </a:pPr>
             <a:endParaRPr lang="en-US" altLang="zh-CN" sz="1200" dirty="0"/>
+          </a:p>
+          <a:p>
+            <a:pPr>
+              <a:lnSpc>
+                <a:spcPct val="150000"/>
+              </a:lnSpc>
+            </a:pPr>
+            <a:r>
+              <a:rPr lang="zh-CN" altLang="en-US" sz="1200" dirty="0">
+                <a:solidFill>
+                  <a:srgbClr val="C00000"/>
+                </a:solidFill>
+              </a:rPr>
+              <a:t>踏出第一步，否则永远无法开展业务</a:t>
+            </a:r>
+            <a:endParaRPr lang="en-US" altLang="zh-CN" sz="1200" dirty="0">
+              <a:solidFill>
+                <a:srgbClr val="C00000"/>
+              </a:solidFill>
+            </a:endParaRPr>
           </a:p>
           <a:p>
             <a:pPr>

--- a/product/冠德石油+/优惠生活/优惠生活的构想.pptx
+++ b/product/冠德石油+/优惠生活/优惠生活的构想.pptx
@@ -939,7 +939,7 @@
             </a:pPr>
             <a:r>
               <a:rPr lang="zh-CN" altLang="en-US" sz="1200" dirty="0"/>
-              <a:t>开发简单、对原有业务介入少：</a:t>
+              <a:t>开发简单、对原有业务介入少，不影响冠德：</a:t>
             </a:r>
             <a:endParaRPr lang="en-US" altLang="zh-CN" sz="1200" dirty="0"/>
           </a:p>
@@ -1087,31 +1087,6 @@
           </a:prstGeom>
         </p:spPr>
       </p:pic>
-      <p:sp>
-        <p:nvSpPr>
-          <p:cNvPr id="7" name="标题 6">
-            <a:extLst>
-              <a:ext uri="{FF2B5EF4-FFF2-40B4-BE49-F238E27FC236}">
-                <a16:creationId xmlns:a16="http://schemas.microsoft.com/office/drawing/2014/main" id="{A0155B63-664B-425D-8EFC-8BA8EB9DB529}"/>
-              </a:ext>
-            </a:extLst>
-          </p:cNvPr>
-          <p:cNvSpPr>
-            <a:spLocks noGrp="1"/>
-          </p:cNvSpPr>
-          <p:nvPr>
-            <p:ph type="title"/>
-          </p:nvPr>
-        </p:nvSpPr>
-        <p:spPr/>
-        <p:txBody>
-          <a:bodyPr/>
-          <a:lstStyle/>
-          <a:p>
-            <a:endParaRPr lang="zh-CN" altLang="en-US"/>
-          </a:p>
-        </p:txBody>
-      </p:sp>
       <p:sp>
         <p:nvSpPr>
           <p:cNvPr id="6" name="矩形 5">

--- a/product/冠德石油+/优惠生活/优惠生活的构想.pptx
+++ b/product/冠德石油+/优惠生活/优惠生活的构想.pptx
@@ -12,6 +12,7 @@
     <p:sldId id="275" r:id="rId6"/>
     <p:sldId id="277" r:id="rId7"/>
     <p:sldId id="274" r:id="rId8"/>
+    <p:sldId id="280" r:id="rId9"/>
   </p:sldIdLst>
   <p:sldSz cx="12192000" cy="6858000"/>
   <p:notesSz cx="6858000" cy="9144000"/>
@@ -8346,6 +8347,233 @@
 </p:sld>
 </file>
 
+<file path=ppt/slides/slide8.xml><?xml version="1.0" encoding="utf-8"?>
+<p:sld xmlns:a="http://schemas.openxmlformats.org/drawingml/2006/main" xmlns:r="http://schemas.openxmlformats.org/officeDocument/2006/relationships" xmlns:p="http://schemas.openxmlformats.org/presentationml/2006/main">
+  <p:cSld>
+    <p:spTree>
+      <p:nvGrpSpPr>
+        <p:cNvPr id="1" name=""/>
+        <p:cNvGrpSpPr/>
+        <p:nvPr/>
+      </p:nvGrpSpPr>
+      <p:grpSpPr>
+        <a:xfrm>
+          <a:off x="0" y="0"/>
+          <a:ext cx="0" cy="0"/>
+          <a:chOff x="0" y="0"/>
+          <a:chExt cx="0" cy="0"/>
+        </a:xfrm>
+      </p:grpSpPr>
+      <p:sp>
+        <p:nvSpPr>
+          <p:cNvPr id="2" name="内容占位符 1">
+            <a:extLst>
+              <a:ext uri="{FF2B5EF4-FFF2-40B4-BE49-F238E27FC236}">
+                <a16:creationId xmlns:a16="http://schemas.microsoft.com/office/drawing/2014/main" id="{9EDFC4F7-B30D-459F-A82A-62856EA3AEF1}"/>
+              </a:ext>
+            </a:extLst>
+          </p:cNvPr>
+          <p:cNvSpPr>
+            <a:spLocks noGrp="1"/>
+          </p:cNvSpPr>
+          <p:nvPr>
+            <p:ph sz="quarter" idx="10"/>
+          </p:nvPr>
+        </p:nvSpPr>
+        <p:spPr/>
+        <p:txBody>
+          <a:bodyPr/>
+          <a:lstStyle/>
+          <a:p>
+            <a:pPr lvl="0">
+              <a:lnSpc>
+                <a:spcPct val="150000"/>
+              </a:lnSpc>
+              <a:spcBef>
+                <a:spcPts val="0"/>
+              </a:spcBef>
+            </a:pPr>
+            <a:r>
+              <a:rPr lang="en-US" altLang="zh-CN" sz="1200" dirty="0">
+                <a:solidFill>
+                  <a:prstClr val="black"/>
+                </a:solidFill>
+              </a:rPr>
+              <a:t>1</a:t>
+            </a:r>
+            <a:r>
+              <a:rPr lang="zh-CN" altLang="en-US" sz="1200" dirty="0">
+                <a:solidFill>
+                  <a:prstClr val="black"/>
+                </a:solidFill>
+              </a:rPr>
+              <a:t>、所有业务服务统一时间节点上线切换</a:t>
+            </a:r>
+            <a:endParaRPr lang="en-US" altLang="zh-CN" sz="1200" dirty="0">
+              <a:solidFill>
+                <a:prstClr val="black"/>
+              </a:solidFill>
+            </a:endParaRPr>
+          </a:p>
+          <a:p>
+            <a:pPr lvl="0">
+              <a:lnSpc>
+                <a:spcPct val="150000"/>
+              </a:lnSpc>
+              <a:spcBef>
+                <a:spcPts val="0"/>
+              </a:spcBef>
+            </a:pPr>
+            <a:r>
+              <a:rPr lang="en-US" altLang="zh-CN" sz="1200" dirty="0">
+                <a:solidFill>
+                  <a:prstClr val="black"/>
+                </a:solidFill>
+              </a:rPr>
+              <a:t>2</a:t>
+            </a:r>
+            <a:r>
+              <a:rPr lang="zh-CN" altLang="en-US" sz="1200" dirty="0">
+                <a:solidFill>
+                  <a:prstClr val="black"/>
+                </a:solidFill>
+              </a:rPr>
+              <a:t>、需要冠德公众号的软文配合：次文？</a:t>
+            </a:r>
+            <a:endParaRPr lang="en-US" altLang="zh-CN" sz="1200" dirty="0">
+              <a:solidFill>
+                <a:prstClr val="black"/>
+              </a:solidFill>
+            </a:endParaRPr>
+          </a:p>
+          <a:p>
+            <a:pPr lvl="0">
+              <a:lnSpc>
+                <a:spcPct val="150000"/>
+              </a:lnSpc>
+              <a:spcBef>
+                <a:spcPts val="0"/>
+              </a:spcBef>
+            </a:pPr>
+            <a:r>
+              <a:rPr lang="en-US" altLang="zh-CN" sz="1200" dirty="0">
+                <a:solidFill>
+                  <a:prstClr val="black"/>
+                </a:solidFill>
+              </a:rPr>
+              <a:t>3</a:t>
+            </a:r>
+            <a:r>
+              <a:rPr lang="zh-CN" altLang="en-US" sz="1200" dirty="0">
+                <a:solidFill>
+                  <a:prstClr val="black"/>
+                </a:solidFill>
+              </a:rPr>
+              <a:t>、有些伙伴的内容，可以做一次活动。例如租租车，</a:t>
+            </a:r>
+            <a:r>
+              <a:rPr lang="en-US" altLang="zh-CN" sz="1200" dirty="0">
+                <a:solidFill>
+                  <a:prstClr val="black"/>
+                </a:solidFill>
+              </a:rPr>
+              <a:t>9.9</a:t>
+            </a:r>
+            <a:r>
+              <a:rPr lang="zh-CN" altLang="en-US" sz="1200" dirty="0">
+                <a:solidFill>
+                  <a:prstClr val="black"/>
+                </a:solidFill>
+              </a:rPr>
+              <a:t>元活动。例如车发发，送券的活动。活动需要软文以及模板消息的配合与支持。</a:t>
+            </a:r>
+            <a:endParaRPr lang="en-US" altLang="zh-CN" sz="1200" dirty="0">
+              <a:solidFill>
+                <a:prstClr val="black"/>
+              </a:solidFill>
+            </a:endParaRPr>
+          </a:p>
+          <a:p>
+            <a:pPr lvl="0">
+              <a:lnSpc>
+                <a:spcPct val="150000"/>
+              </a:lnSpc>
+              <a:spcBef>
+                <a:spcPts val="0"/>
+              </a:spcBef>
+            </a:pPr>
+            <a:r>
+              <a:rPr lang="en-US" altLang="zh-CN" sz="1200" dirty="0">
+                <a:solidFill>
+                  <a:prstClr val="black"/>
+                </a:solidFill>
+              </a:rPr>
+              <a:t>4</a:t>
+            </a:r>
+            <a:r>
+              <a:rPr lang="zh-CN" altLang="en-US" sz="1200" dirty="0">
+                <a:solidFill>
+                  <a:prstClr val="black"/>
+                </a:solidFill>
+              </a:rPr>
+              <a:t>、其他的</a:t>
+            </a:r>
+            <a:r>
+              <a:rPr lang="en-US" altLang="zh-CN" sz="1200" dirty="0">
+                <a:solidFill>
+                  <a:prstClr val="black"/>
+                </a:solidFill>
+              </a:rPr>
+              <a:t>PR</a:t>
+            </a:r>
+          </a:p>
+        </p:txBody>
+      </p:sp>
+      <p:sp>
+        <p:nvSpPr>
+          <p:cNvPr id="3" name="标题 2">
+            <a:extLst>
+              <a:ext uri="{FF2B5EF4-FFF2-40B4-BE49-F238E27FC236}">
+                <a16:creationId xmlns:a16="http://schemas.microsoft.com/office/drawing/2014/main" id="{AE39EBFA-A12B-4758-B645-E214A0ECB1F7}"/>
+              </a:ext>
+            </a:extLst>
+          </p:cNvPr>
+          <p:cNvSpPr>
+            <a:spLocks noGrp="1"/>
+          </p:cNvSpPr>
+          <p:nvPr>
+            <p:ph type="title"/>
+          </p:nvPr>
+        </p:nvSpPr>
+        <p:spPr/>
+        <p:txBody>
+          <a:bodyPr/>
+          <a:lstStyle/>
+          <a:p>
+            <a:r>
+              <a:rPr lang="en-US" altLang="zh-CN" dirty="0"/>
+              <a:t>PR</a:t>
+            </a:r>
+            <a:r>
+              <a:rPr lang="zh-CN" altLang="en-US" dirty="0"/>
+              <a:t>相关</a:t>
+            </a:r>
+          </a:p>
+        </p:txBody>
+      </p:sp>
+    </p:spTree>
+    <p:extLst>
+      <p:ext uri="{BB962C8B-B14F-4D97-AF65-F5344CB8AC3E}">
+        <p14:creationId xmlns:p14="http://schemas.microsoft.com/office/powerpoint/2010/main" val="869934929"/>
+      </p:ext>
+    </p:extLst>
+  </p:cSld>
+  <p:clrMapOvr>
+    <a:masterClrMapping/>
+  </p:clrMapOvr>
+</p:sld>
+</file>
+
 <file path=ppt/theme/theme1.xml><?xml version="1.0" encoding="utf-8"?>
 <a:theme xmlns:a="http://schemas.openxmlformats.org/drawingml/2006/main" name="Office 主题​​">
   <a:themeElements>

--- a/product/冠德石油+/优惠生活/优惠生活的构想.pptx
+++ b/product/冠德石油+/优惠生活/优惠生活的构想.pptx
@@ -992,6 +992,42 @@
             </a:r>
             <a:endParaRPr lang="en-US" altLang="zh-CN" sz="1200" dirty="0"/>
           </a:p>
+          <a:p>
+            <a:pPr>
+              <a:lnSpc>
+                <a:spcPct val="150000"/>
+              </a:lnSpc>
+            </a:pPr>
+            <a:r>
+              <a:rPr lang="zh-CN" altLang="en-US" sz="1200" dirty="0">
+                <a:solidFill>
+                  <a:srgbClr val="C00000"/>
+                </a:solidFill>
+              </a:rPr>
+              <a:t>预计上线时间点：</a:t>
+            </a:r>
+            <a:r>
+              <a:rPr lang="en-US" altLang="zh-CN" sz="1200" dirty="0">
+                <a:solidFill>
+                  <a:srgbClr val="C00000"/>
+                </a:solidFill>
+              </a:rPr>
+              <a:t>3</a:t>
+            </a:r>
+            <a:r>
+              <a:rPr lang="zh-CN" altLang="en-US" sz="1200" dirty="0">
+                <a:solidFill>
+                  <a:srgbClr val="C00000"/>
+                </a:solidFill>
+              </a:rPr>
+              <a:t>月中旬</a:t>
+            </a:r>
+            <a:endParaRPr lang="en-US" altLang="zh-CN" sz="1200" dirty="0">
+              <a:solidFill>
+                <a:srgbClr val="C00000"/>
+              </a:solidFill>
+            </a:endParaRPr>
+          </a:p>
         </p:txBody>
       </p:sp>
       <p:sp>
@@ -1233,6 +1269,11 @@
           <a:bodyPr/>
           <a:lstStyle/>
           <a:p>
+            <a:pPr>
+              <a:lnSpc>
+                <a:spcPct val="150000"/>
+              </a:lnSpc>
+            </a:pPr>
             <a:r>
               <a:rPr lang="zh-CN" altLang="en-US" sz="1200" dirty="0"/>
               <a:t>这个页面上：</a:t>
@@ -1240,6 +1281,11 @@
             <a:endParaRPr lang="en-US" altLang="zh-CN" sz="1200" dirty="0"/>
           </a:p>
           <a:p>
+            <a:pPr>
+              <a:lnSpc>
+                <a:spcPct val="150000"/>
+              </a:lnSpc>
+            </a:pPr>
             <a:r>
               <a:rPr lang="en-US" altLang="zh-CN" sz="1200" dirty="0"/>
               <a:t>1</a:t>
@@ -1249,43 +1295,82 @@
               <a:t>、增加广告，广告是一个</a:t>
             </a:r>
             <a:r>
+              <a:rPr lang="en-US" altLang="zh-CN" sz="1200" b="1" dirty="0"/>
+              <a:t>H5</a:t>
+            </a:r>
+            <a:r>
+              <a:rPr lang="zh-CN" altLang="en-US" sz="1200" b="1" dirty="0"/>
+              <a:t>链接</a:t>
+            </a:r>
+            <a:endParaRPr lang="en-US" altLang="zh-CN" sz="1200" b="1" dirty="0"/>
+          </a:p>
+          <a:p>
+            <a:pPr>
+              <a:lnSpc>
+                <a:spcPct val="150000"/>
+              </a:lnSpc>
+            </a:pPr>
+            <a:r>
               <a:rPr lang="en-US" altLang="zh-CN" sz="1200" dirty="0"/>
-              <a:t>H5</a:t>
+              <a:t>2</a:t>
             </a:r>
             <a:r>
               <a:rPr lang="zh-CN" altLang="en-US" sz="1200" dirty="0"/>
-              <a:t>链接</a:t>
+              <a:t>、展示冠德加油券入口</a:t>
             </a:r>
             <a:endParaRPr lang="en-US" altLang="zh-CN" sz="1200" dirty="0"/>
           </a:p>
           <a:p>
+            <a:pPr>
+              <a:lnSpc>
+                <a:spcPct val="150000"/>
+              </a:lnSpc>
+            </a:pPr>
             <a:r>
               <a:rPr lang="en-US" altLang="zh-CN" sz="1200" dirty="0"/>
-              <a:t>2</a:t>
+              <a:t>3</a:t>
             </a:r>
             <a:r>
               <a:rPr lang="zh-CN" altLang="en-US" sz="1200" dirty="0"/>
-              <a:t>、展示冠德加油券入口</a:t>
-            </a:r>
-            <a:endParaRPr lang="en-US" altLang="zh-CN" sz="1200" dirty="0"/>
+              <a:t>、展示各类服务，所有的服务均是对方提供的</a:t>
+            </a:r>
+            <a:r>
+              <a:rPr lang="en-US" altLang="zh-CN" sz="1200" b="1" dirty="0"/>
+              <a:t>H5</a:t>
+            </a:r>
+            <a:r>
+              <a:rPr lang="zh-CN" altLang="en-US" sz="1200" b="1" dirty="0"/>
+              <a:t>链接</a:t>
+            </a:r>
+            <a:endParaRPr lang="en-US" altLang="zh-CN" sz="1200" b="1" dirty="0"/>
           </a:p>
           <a:p>
+            <a:pPr>
+              <a:lnSpc>
+                <a:spcPct val="150000"/>
+              </a:lnSpc>
+            </a:pPr>
             <a:r>
               <a:rPr lang="en-US" altLang="zh-CN" sz="1200" dirty="0"/>
-              <a:t>3</a:t>
+              <a:t>4</a:t>
             </a:r>
             <a:r>
               <a:rPr lang="zh-CN" altLang="en-US" sz="1200" dirty="0"/>
-              <a:t>、展示各类服务，所有的服务均是对方提供的</a:t>
-            </a:r>
-            <a:r>
-              <a:rPr lang="en-US" altLang="zh-CN" sz="1200" dirty="0"/>
+              <a:t>、基本原则，先期快速上线，所有的业务均</a:t>
+            </a:r>
+            <a:r>
+              <a:rPr lang="zh-CN" altLang="en-US" sz="1200" b="1" dirty="0"/>
+              <a:t>必须以</a:t>
+            </a:r>
+            <a:r>
+              <a:rPr lang="en-US" altLang="zh-CN" sz="1200" b="1" dirty="0"/>
               <a:t>H5</a:t>
             </a:r>
             <a:r>
               <a:rPr lang="zh-CN" altLang="en-US" sz="1200" dirty="0"/>
-              <a:t>链接</a:t>
-            </a:r>
+              <a:t>的方式提供</a:t>
+            </a:r>
+            <a:endParaRPr lang="en-US" altLang="zh-CN" sz="1200" dirty="0"/>
           </a:p>
         </p:txBody>
       </p:sp>
@@ -1849,1029 +1934,6 @@
           </p:txBody>
         </p:sp>
       </p:grpSp>
-      <p:grpSp>
-        <p:nvGrpSpPr>
-          <p:cNvPr id="47" name="组合 46">
-            <a:extLst>
-              <a:ext uri="{FF2B5EF4-FFF2-40B4-BE49-F238E27FC236}">
-                <a16:creationId xmlns:a16="http://schemas.microsoft.com/office/drawing/2014/main" id="{F74171A4-C285-437B-A3F3-C46E3024AB07}"/>
-              </a:ext>
-            </a:extLst>
-          </p:cNvPr>
-          <p:cNvGrpSpPr/>
-          <p:nvPr/>
-        </p:nvGrpSpPr>
-        <p:grpSpPr>
-          <a:xfrm>
-            <a:off x="881508" y="2970631"/>
-            <a:ext cx="3308563" cy="2202906"/>
-            <a:chOff x="863629" y="2070920"/>
-            <a:chExt cx="3308563" cy="2202906"/>
-          </a:xfrm>
-        </p:grpSpPr>
-        <p:grpSp>
-          <p:nvGrpSpPr>
-            <p:cNvPr id="55" name="组合 54">
-              <a:extLst>
-                <a:ext uri="{FF2B5EF4-FFF2-40B4-BE49-F238E27FC236}">
-                  <a16:creationId xmlns:a16="http://schemas.microsoft.com/office/drawing/2014/main" id="{05B9D5A8-2307-4BFA-827A-97A2E5B2E94F}"/>
-                </a:ext>
-              </a:extLst>
-            </p:cNvPr>
-            <p:cNvGrpSpPr/>
-            <p:nvPr/>
-          </p:nvGrpSpPr>
-          <p:grpSpPr>
-            <a:xfrm>
-              <a:off x="952040" y="2070920"/>
-              <a:ext cx="3131743" cy="2202906"/>
-              <a:chOff x="109797" y="1729407"/>
-              <a:chExt cx="3131743" cy="2171627"/>
-            </a:xfrm>
-          </p:grpSpPr>
-          <p:sp>
-            <p:nvSpPr>
-              <p:cNvPr id="77" name="矩形 76">
-                <a:extLst>
-                  <a:ext uri="{FF2B5EF4-FFF2-40B4-BE49-F238E27FC236}">
-                    <a16:creationId xmlns:a16="http://schemas.microsoft.com/office/drawing/2014/main" id="{6CE526F6-898D-4649-B486-1A4E7E3A4D6A}"/>
-                  </a:ext>
-                </a:extLst>
-              </p:cNvPr>
-              <p:cNvSpPr/>
-              <p:nvPr/>
-            </p:nvSpPr>
-            <p:spPr>
-              <a:xfrm>
-                <a:off x="109797" y="1729407"/>
-                <a:ext cx="3131743" cy="2171627"/>
-              </a:xfrm>
-              <a:prstGeom prst="rect">
-                <a:avLst/>
-              </a:prstGeom>
-              <a:solidFill>
-                <a:schemeClr val="bg1"/>
-              </a:solidFill>
-              <a:ln>
-                <a:solidFill>
-                  <a:srgbClr val="DBDBDB"/>
-                </a:solidFill>
-              </a:ln>
-            </p:spPr>
-            <p:style>
-              <a:lnRef idx="1">
-                <a:schemeClr val="accent1"/>
-              </a:lnRef>
-              <a:fillRef idx="0">
-                <a:schemeClr val="accent1"/>
-              </a:fillRef>
-              <a:effectRef idx="0">
-                <a:schemeClr val="accent1"/>
-              </a:effectRef>
-              <a:fontRef idx="minor">
-                <a:schemeClr val="tx1"/>
-              </a:fontRef>
-            </p:style>
-            <p:txBody>
-              <a:bodyPr rtlCol="0" anchor="ctr"/>
-              <a:lstStyle/>
-              <a:p>
-                <a:pPr algn="ctr"/>
-                <a:endParaRPr lang="zh-CN" altLang="en-US" sz="1000" dirty="0">
-                  <a:solidFill>
-                    <a:schemeClr val="tx1"/>
-                  </a:solidFill>
-                </a:endParaRPr>
-              </a:p>
-            </p:txBody>
-          </p:sp>
-          <p:cxnSp>
-            <p:nvCxnSpPr>
-              <p:cNvPr id="78" name="直接连接符 77">
-                <a:extLst>
-                  <a:ext uri="{FF2B5EF4-FFF2-40B4-BE49-F238E27FC236}">
-                    <a16:creationId xmlns:a16="http://schemas.microsoft.com/office/drawing/2014/main" id="{9445CAE2-67DC-4654-9F43-32E960A5278A}"/>
-                  </a:ext>
-                </a:extLst>
-              </p:cNvPr>
-              <p:cNvCxnSpPr>
-                <a:cxnSpLocks/>
-              </p:cNvCxnSpPr>
-              <p:nvPr/>
-            </p:nvCxnSpPr>
-            <p:spPr>
-              <a:xfrm>
-                <a:off x="242865" y="2009928"/>
-                <a:ext cx="2998675" cy="0"/>
-              </a:xfrm>
-              <a:prstGeom prst="line">
-                <a:avLst/>
-              </a:prstGeom>
-              <a:ln>
-                <a:solidFill>
-                  <a:srgbClr val="DBDBDB"/>
-                </a:solidFill>
-              </a:ln>
-            </p:spPr>
-            <p:style>
-              <a:lnRef idx="1">
-                <a:schemeClr val="accent1"/>
-              </a:lnRef>
-              <a:fillRef idx="0">
-                <a:schemeClr val="accent1"/>
-              </a:fillRef>
-              <a:effectRef idx="0">
-                <a:schemeClr val="accent1"/>
-              </a:effectRef>
-              <a:fontRef idx="minor">
-                <a:schemeClr val="tx1"/>
-              </a:fontRef>
-            </p:style>
-          </p:cxnSp>
-          <p:sp>
-            <p:nvSpPr>
-              <p:cNvPr id="79" name="文本框 78">
-                <a:extLst>
-                  <a:ext uri="{FF2B5EF4-FFF2-40B4-BE49-F238E27FC236}">
-                    <a16:creationId xmlns:a16="http://schemas.microsoft.com/office/drawing/2014/main" id="{19469321-0B56-4590-B10C-9A9AA820A229}"/>
-                  </a:ext>
-                </a:extLst>
-              </p:cNvPr>
-              <p:cNvSpPr txBox="1"/>
-              <p:nvPr/>
-            </p:nvSpPr>
-            <p:spPr>
-              <a:xfrm>
-                <a:off x="191804" y="1792668"/>
-                <a:ext cx="824713" cy="212385"/>
-              </a:xfrm>
-              <a:prstGeom prst="rect">
-                <a:avLst/>
-              </a:prstGeom>
-              <a:noFill/>
-            </p:spPr>
-            <p:txBody>
-              <a:bodyPr wrap="square" rtlCol="0">
-                <a:spAutoFit/>
-              </a:bodyPr>
-              <a:lstStyle/>
-              <a:p>
-                <a:r>
-                  <a:rPr lang="zh-CN" altLang="en-US" sz="800" dirty="0">
-                    <a:solidFill>
-                      <a:schemeClr val="bg1">
-                        <a:lumMod val="75000"/>
-                      </a:schemeClr>
-                    </a:solidFill>
-                    <a:latin typeface="微软雅黑" panose="020B0503020204020204" pitchFamily="34" charset="-122"/>
-                    <a:ea typeface="微软雅黑" panose="020B0503020204020204" pitchFamily="34" charset="-122"/>
-                  </a:rPr>
-                  <a:t>优惠生活</a:t>
-                </a:r>
-              </a:p>
-            </p:txBody>
-          </p:sp>
-        </p:grpSp>
-        <p:grpSp>
-          <p:nvGrpSpPr>
-            <p:cNvPr id="56" name="组合 55">
-              <a:extLst>
-                <a:ext uri="{FF2B5EF4-FFF2-40B4-BE49-F238E27FC236}">
-                  <a16:creationId xmlns:a16="http://schemas.microsoft.com/office/drawing/2014/main" id="{8CF44327-B167-41A4-912A-5BE8CDA12885}"/>
-                </a:ext>
-              </a:extLst>
-            </p:cNvPr>
-            <p:cNvGrpSpPr/>
-            <p:nvPr/>
-          </p:nvGrpSpPr>
-          <p:grpSpPr>
-            <a:xfrm>
-              <a:off x="863629" y="2489697"/>
-              <a:ext cx="3308563" cy="805733"/>
-              <a:chOff x="854415" y="2556530"/>
-              <a:chExt cx="3308563" cy="805733"/>
-            </a:xfrm>
-          </p:grpSpPr>
-          <p:grpSp>
-            <p:nvGrpSpPr>
-              <p:cNvPr id="68" name="组合 67">
-                <a:extLst>
-                  <a:ext uri="{FF2B5EF4-FFF2-40B4-BE49-F238E27FC236}">
-                    <a16:creationId xmlns:a16="http://schemas.microsoft.com/office/drawing/2014/main" id="{AC58E060-369A-4BF3-85F6-9E69449FE887}"/>
-                  </a:ext>
-                </a:extLst>
-              </p:cNvPr>
-              <p:cNvGrpSpPr/>
-              <p:nvPr/>
-            </p:nvGrpSpPr>
-            <p:grpSpPr>
-              <a:xfrm>
-                <a:off x="854415" y="2556530"/>
-                <a:ext cx="1239857" cy="785598"/>
-                <a:chOff x="997827" y="5345661"/>
-                <a:chExt cx="494923" cy="313593"/>
-              </a:xfrm>
-            </p:grpSpPr>
-            <p:sp>
-              <p:nvSpPr>
-                <p:cNvPr id="75" name="矩形: 圆角 74">
-                  <a:extLst>
-                    <a:ext uri="{FF2B5EF4-FFF2-40B4-BE49-F238E27FC236}">
-                      <a16:creationId xmlns:a16="http://schemas.microsoft.com/office/drawing/2014/main" id="{9E8C1FB0-6641-4221-BFB0-25FA2163923E}"/>
-                    </a:ext>
-                  </a:extLst>
-                </p:cNvPr>
-                <p:cNvSpPr/>
-                <p:nvPr/>
-              </p:nvSpPr>
-              <p:spPr>
-                <a:xfrm>
-                  <a:off x="1130148" y="5345661"/>
-                  <a:ext cx="230282" cy="230282"/>
-                </a:xfrm>
-                <a:prstGeom prst="roundRect">
-                  <a:avLst/>
-                </a:prstGeom>
-                <a:solidFill>
-                  <a:srgbClr val="D9D9D9"/>
-                </a:solidFill>
-                <a:ln>
-                  <a:noFill/>
-                </a:ln>
-              </p:spPr>
-              <p:style>
-                <a:lnRef idx="2">
-                  <a:schemeClr val="accent1">
-                    <a:shade val="50000"/>
-                  </a:schemeClr>
-                </a:lnRef>
-                <a:fillRef idx="1">
-                  <a:schemeClr val="accent1"/>
-                </a:fillRef>
-                <a:effectRef idx="0">
-                  <a:schemeClr val="accent1"/>
-                </a:effectRef>
-                <a:fontRef idx="minor">
-                  <a:schemeClr val="lt1"/>
-                </a:fontRef>
-              </p:style>
-              <p:txBody>
-                <a:bodyPr rtlCol="0" anchor="ctr"/>
-                <a:lstStyle/>
-                <a:p>
-                  <a:pPr algn="ctr">
-                    <a:lnSpc>
-                      <a:spcPct val="150000"/>
-                    </a:lnSpc>
-                  </a:pPr>
-                  <a:endParaRPr lang="zh-CN" altLang="en-US" sz="1000" dirty="0">
-                    <a:solidFill>
-                      <a:schemeClr val="tx1"/>
-                    </a:solidFill>
-                    <a:latin typeface="微软雅黑" panose="020B0503020204020204" pitchFamily="34" charset="-122"/>
-                    <a:ea typeface="微软雅黑" panose="020B0503020204020204" pitchFamily="34" charset="-122"/>
-                  </a:endParaRPr>
-                </a:p>
-              </p:txBody>
-            </p:sp>
-            <p:sp>
-              <p:nvSpPr>
-                <p:cNvPr id="76" name="文本框 75">
-                  <a:extLst>
-                    <a:ext uri="{FF2B5EF4-FFF2-40B4-BE49-F238E27FC236}">
-                      <a16:creationId xmlns:a16="http://schemas.microsoft.com/office/drawing/2014/main" id="{98D2F4FF-8E48-4DAA-AC23-11AC607775BA}"/>
-                    </a:ext>
-                  </a:extLst>
-                </p:cNvPr>
-                <p:cNvSpPr txBox="1"/>
-                <p:nvPr/>
-              </p:nvSpPr>
-              <p:spPr>
-                <a:xfrm>
-                  <a:off x="997827" y="5579397"/>
-                  <a:ext cx="494923" cy="79857"/>
-                </a:xfrm>
-                <a:prstGeom prst="rect">
-                  <a:avLst/>
-                </a:prstGeom>
-                <a:noFill/>
-              </p:spPr>
-              <p:txBody>
-                <a:bodyPr wrap="square" rtlCol="0">
-                  <a:spAutoFit/>
-                </a:bodyPr>
-                <a:lstStyle/>
-                <a:p>
-                  <a:pPr algn="ctr"/>
-                  <a:r>
-                    <a:rPr lang="zh-CN" altLang="en-US" sz="700" dirty="0">
-                      <a:latin typeface="微软雅黑" panose="020B0503020204020204" pitchFamily="34" charset="-122"/>
-                      <a:ea typeface="微软雅黑" panose="020B0503020204020204" pitchFamily="34" charset="-122"/>
-                    </a:rPr>
-                    <a:t>新车比价</a:t>
-                  </a:r>
-                </a:p>
-              </p:txBody>
-            </p:sp>
-          </p:grpSp>
-          <p:grpSp>
-            <p:nvGrpSpPr>
-              <p:cNvPr id="69" name="组合 68">
-                <a:extLst>
-                  <a:ext uri="{FF2B5EF4-FFF2-40B4-BE49-F238E27FC236}">
-                    <a16:creationId xmlns:a16="http://schemas.microsoft.com/office/drawing/2014/main" id="{CE2C1050-E6F3-42F0-BE64-4EE6363A841F}"/>
-                  </a:ext>
-                </a:extLst>
-              </p:cNvPr>
-              <p:cNvGrpSpPr/>
-              <p:nvPr/>
-            </p:nvGrpSpPr>
-            <p:grpSpPr>
-              <a:xfrm>
-                <a:off x="1888768" y="2576665"/>
-                <a:ext cx="1239857" cy="785598"/>
-                <a:chOff x="997827" y="5345661"/>
-                <a:chExt cx="494923" cy="313593"/>
-              </a:xfrm>
-            </p:grpSpPr>
-            <p:sp>
-              <p:nvSpPr>
-                <p:cNvPr id="73" name="矩形: 圆角 72">
-                  <a:extLst>
-                    <a:ext uri="{FF2B5EF4-FFF2-40B4-BE49-F238E27FC236}">
-                      <a16:creationId xmlns:a16="http://schemas.microsoft.com/office/drawing/2014/main" id="{172DA6B5-8D7A-4F44-A98E-FD6500690F6C}"/>
-                    </a:ext>
-                  </a:extLst>
-                </p:cNvPr>
-                <p:cNvSpPr/>
-                <p:nvPr/>
-              </p:nvSpPr>
-              <p:spPr>
-                <a:xfrm>
-                  <a:off x="1130148" y="5345661"/>
-                  <a:ext cx="230282" cy="230282"/>
-                </a:xfrm>
-                <a:prstGeom prst="roundRect">
-                  <a:avLst/>
-                </a:prstGeom>
-                <a:solidFill>
-                  <a:srgbClr val="D9D9D9"/>
-                </a:solidFill>
-                <a:ln>
-                  <a:noFill/>
-                </a:ln>
-              </p:spPr>
-              <p:style>
-                <a:lnRef idx="2">
-                  <a:schemeClr val="accent1">
-                    <a:shade val="50000"/>
-                  </a:schemeClr>
-                </a:lnRef>
-                <a:fillRef idx="1">
-                  <a:schemeClr val="accent1"/>
-                </a:fillRef>
-                <a:effectRef idx="0">
-                  <a:schemeClr val="accent1"/>
-                </a:effectRef>
-                <a:fontRef idx="minor">
-                  <a:schemeClr val="lt1"/>
-                </a:fontRef>
-              </p:style>
-              <p:txBody>
-                <a:bodyPr rtlCol="0" anchor="ctr"/>
-                <a:lstStyle/>
-                <a:p>
-                  <a:pPr algn="ctr">
-                    <a:lnSpc>
-                      <a:spcPct val="150000"/>
-                    </a:lnSpc>
-                  </a:pPr>
-                  <a:endParaRPr lang="zh-CN" altLang="en-US" sz="1000" dirty="0">
-                    <a:solidFill>
-                      <a:schemeClr val="tx1"/>
-                    </a:solidFill>
-                    <a:latin typeface="微软雅黑" panose="020B0503020204020204" pitchFamily="34" charset="-122"/>
-                    <a:ea typeface="微软雅黑" panose="020B0503020204020204" pitchFamily="34" charset="-122"/>
-                  </a:endParaRPr>
-                </a:p>
-              </p:txBody>
-            </p:sp>
-            <p:sp>
-              <p:nvSpPr>
-                <p:cNvPr id="74" name="文本框 73">
-                  <a:extLst>
-                    <a:ext uri="{FF2B5EF4-FFF2-40B4-BE49-F238E27FC236}">
-                      <a16:creationId xmlns:a16="http://schemas.microsoft.com/office/drawing/2014/main" id="{21D05421-8617-4398-BC98-EE073E8FCBBA}"/>
-                    </a:ext>
-                  </a:extLst>
-                </p:cNvPr>
-                <p:cNvSpPr txBox="1"/>
-                <p:nvPr/>
-              </p:nvSpPr>
-              <p:spPr>
-                <a:xfrm>
-                  <a:off x="997827" y="5579397"/>
-                  <a:ext cx="494923" cy="79857"/>
-                </a:xfrm>
-                <a:prstGeom prst="rect">
-                  <a:avLst/>
-                </a:prstGeom>
-                <a:noFill/>
-              </p:spPr>
-              <p:txBody>
-                <a:bodyPr wrap="square" rtlCol="0">
-                  <a:spAutoFit/>
-                </a:bodyPr>
-                <a:lstStyle/>
-                <a:p>
-                  <a:pPr algn="ctr"/>
-                  <a:r>
-                    <a:rPr lang="zh-CN" altLang="en-US" sz="700" dirty="0">
-                      <a:latin typeface="微软雅黑" panose="020B0503020204020204" pitchFamily="34" charset="-122"/>
-                      <a:ea typeface="微软雅黑" panose="020B0503020204020204" pitchFamily="34" charset="-122"/>
-                    </a:rPr>
-                    <a:t>手机充值</a:t>
-                  </a:r>
-                </a:p>
-              </p:txBody>
-            </p:sp>
-          </p:grpSp>
-          <p:grpSp>
-            <p:nvGrpSpPr>
-              <p:cNvPr id="70" name="组合 69">
-                <a:extLst>
-                  <a:ext uri="{FF2B5EF4-FFF2-40B4-BE49-F238E27FC236}">
-                    <a16:creationId xmlns:a16="http://schemas.microsoft.com/office/drawing/2014/main" id="{AB1FB7CF-789A-4E33-B1F2-88487D90BD4E}"/>
-                  </a:ext>
-                </a:extLst>
-              </p:cNvPr>
-              <p:cNvGrpSpPr/>
-              <p:nvPr/>
-            </p:nvGrpSpPr>
-            <p:grpSpPr>
-              <a:xfrm>
-                <a:off x="2923121" y="2576665"/>
-                <a:ext cx="1239857" cy="785598"/>
-                <a:chOff x="997827" y="5345661"/>
-                <a:chExt cx="494923" cy="313593"/>
-              </a:xfrm>
-            </p:grpSpPr>
-            <p:sp>
-              <p:nvSpPr>
-                <p:cNvPr id="71" name="矩形: 圆角 70">
-                  <a:extLst>
-                    <a:ext uri="{FF2B5EF4-FFF2-40B4-BE49-F238E27FC236}">
-                      <a16:creationId xmlns:a16="http://schemas.microsoft.com/office/drawing/2014/main" id="{12C8E728-5DFF-4E41-8E81-BB63087AD667}"/>
-                    </a:ext>
-                  </a:extLst>
-                </p:cNvPr>
-                <p:cNvSpPr/>
-                <p:nvPr/>
-              </p:nvSpPr>
-              <p:spPr>
-                <a:xfrm>
-                  <a:off x="1130148" y="5345661"/>
-                  <a:ext cx="230282" cy="230282"/>
-                </a:xfrm>
-                <a:prstGeom prst="roundRect">
-                  <a:avLst/>
-                </a:prstGeom>
-                <a:solidFill>
-                  <a:srgbClr val="D9D9D9"/>
-                </a:solidFill>
-                <a:ln>
-                  <a:noFill/>
-                </a:ln>
-              </p:spPr>
-              <p:style>
-                <a:lnRef idx="2">
-                  <a:schemeClr val="accent1">
-                    <a:shade val="50000"/>
-                  </a:schemeClr>
-                </a:lnRef>
-                <a:fillRef idx="1">
-                  <a:schemeClr val="accent1"/>
-                </a:fillRef>
-                <a:effectRef idx="0">
-                  <a:schemeClr val="accent1"/>
-                </a:effectRef>
-                <a:fontRef idx="minor">
-                  <a:schemeClr val="lt1"/>
-                </a:fontRef>
-              </p:style>
-              <p:txBody>
-                <a:bodyPr rtlCol="0" anchor="ctr"/>
-                <a:lstStyle/>
-                <a:p>
-                  <a:pPr algn="ctr">
-                    <a:lnSpc>
-                      <a:spcPct val="150000"/>
-                    </a:lnSpc>
-                  </a:pPr>
-                  <a:endParaRPr lang="zh-CN" altLang="en-US" sz="1000" dirty="0">
-                    <a:solidFill>
-                      <a:schemeClr val="tx1"/>
-                    </a:solidFill>
-                    <a:latin typeface="微软雅黑" panose="020B0503020204020204" pitchFamily="34" charset="-122"/>
-                    <a:ea typeface="微软雅黑" panose="020B0503020204020204" pitchFamily="34" charset="-122"/>
-                  </a:endParaRPr>
-                </a:p>
-              </p:txBody>
-            </p:sp>
-            <p:sp>
-              <p:nvSpPr>
-                <p:cNvPr id="72" name="文本框 71">
-                  <a:extLst>
-                    <a:ext uri="{FF2B5EF4-FFF2-40B4-BE49-F238E27FC236}">
-                      <a16:creationId xmlns:a16="http://schemas.microsoft.com/office/drawing/2014/main" id="{178EAAAA-D155-4CAC-A707-EB80BC61EDAD}"/>
-                    </a:ext>
-                  </a:extLst>
-                </p:cNvPr>
-                <p:cNvSpPr txBox="1"/>
-                <p:nvPr/>
-              </p:nvSpPr>
-              <p:spPr>
-                <a:xfrm>
-                  <a:off x="997827" y="5579397"/>
-                  <a:ext cx="494923" cy="79857"/>
-                </a:xfrm>
-                <a:prstGeom prst="rect">
-                  <a:avLst/>
-                </a:prstGeom>
-                <a:noFill/>
-              </p:spPr>
-              <p:txBody>
-                <a:bodyPr wrap="square" rtlCol="0">
-                  <a:spAutoFit/>
-                </a:bodyPr>
-                <a:lstStyle/>
-                <a:p>
-                  <a:pPr algn="ctr"/>
-                  <a:r>
-                    <a:rPr lang="zh-CN" altLang="en-US" sz="700" dirty="0">
-                      <a:latin typeface="微软雅黑" panose="020B0503020204020204" pitchFamily="34" charset="-122"/>
-                      <a:ea typeface="微软雅黑" panose="020B0503020204020204" pitchFamily="34" charset="-122"/>
-                    </a:rPr>
-                    <a:t>国际驾照</a:t>
-                  </a:r>
-                </a:p>
-              </p:txBody>
-            </p:sp>
-          </p:grpSp>
-        </p:grpSp>
-        <p:sp>
-          <p:nvSpPr>
-            <p:cNvPr id="57" name="矩形 56">
-              <a:extLst>
-                <a:ext uri="{FF2B5EF4-FFF2-40B4-BE49-F238E27FC236}">
-                  <a16:creationId xmlns:a16="http://schemas.microsoft.com/office/drawing/2014/main" id="{F758B6D0-E75A-4D54-85CE-B6713BCF18F9}"/>
-                </a:ext>
-              </a:extLst>
-            </p:cNvPr>
-            <p:cNvSpPr/>
-            <p:nvPr/>
-          </p:nvSpPr>
-          <p:spPr>
-            <a:xfrm rot="1844245">
-              <a:off x="2484623" y="2587220"/>
-              <a:ext cx="310086" cy="130809"/>
-            </a:xfrm>
-            <a:prstGeom prst="rect">
-              <a:avLst/>
-            </a:prstGeom>
-            <a:solidFill>
-              <a:srgbClr val="09BB07"/>
-            </a:solidFill>
-            <a:ln>
-              <a:noFill/>
-            </a:ln>
-          </p:spPr>
-          <p:style>
-            <a:lnRef idx="2">
-              <a:schemeClr val="accent1">
-                <a:shade val="50000"/>
-              </a:schemeClr>
-            </a:lnRef>
-            <a:fillRef idx="1">
-              <a:schemeClr val="accent1"/>
-            </a:fillRef>
-            <a:effectRef idx="0">
-              <a:schemeClr val="accent1"/>
-            </a:effectRef>
-            <a:fontRef idx="minor">
-              <a:schemeClr val="lt1"/>
-            </a:fontRef>
-          </p:style>
-          <p:txBody>
-            <a:bodyPr rtlCol="0" anchor="ctr"/>
-            <a:lstStyle/>
-            <a:p>
-              <a:pPr algn="ctr"/>
-              <a:r>
-                <a:rPr lang="zh-CN" altLang="en-US" sz="700" dirty="0">
-                  <a:latin typeface="微软雅黑" panose="020B0503020204020204" pitchFamily="34" charset="-122"/>
-                  <a:ea typeface="微软雅黑" panose="020B0503020204020204" pitchFamily="34" charset="-122"/>
-                </a:rPr>
-                <a:t>惠</a:t>
-              </a:r>
-            </a:p>
-          </p:txBody>
-        </p:sp>
-        <p:grpSp>
-          <p:nvGrpSpPr>
-            <p:cNvPr id="58" name="组合 57">
-              <a:extLst>
-                <a:ext uri="{FF2B5EF4-FFF2-40B4-BE49-F238E27FC236}">
-                  <a16:creationId xmlns:a16="http://schemas.microsoft.com/office/drawing/2014/main" id="{BC65E573-9D63-4728-9F9D-36457EAFB79B}"/>
-                </a:ext>
-              </a:extLst>
-            </p:cNvPr>
-            <p:cNvGrpSpPr/>
-            <p:nvPr/>
-          </p:nvGrpSpPr>
-          <p:grpSpPr>
-            <a:xfrm>
-              <a:off x="863629" y="3394014"/>
-              <a:ext cx="3308563" cy="805733"/>
-              <a:chOff x="854415" y="2556530"/>
-              <a:chExt cx="3308563" cy="805733"/>
-            </a:xfrm>
-          </p:grpSpPr>
-          <p:grpSp>
-            <p:nvGrpSpPr>
-              <p:cNvPr id="59" name="组合 58">
-                <a:extLst>
-                  <a:ext uri="{FF2B5EF4-FFF2-40B4-BE49-F238E27FC236}">
-                    <a16:creationId xmlns:a16="http://schemas.microsoft.com/office/drawing/2014/main" id="{C4BEB1FF-71B0-4AE2-B3AF-1182AD1E8746}"/>
-                  </a:ext>
-                </a:extLst>
-              </p:cNvPr>
-              <p:cNvGrpSpPr/>
-              <p:nvPr/>
-            </p:nvGrpSpPr>
-            <p:grpSpPr>
-              <a:xfrm>
-                <a:off x="854415" y="2556530"/>
-                <a:ext cx="1239857" cy="785598"/>
-                <a:chOff x="997827" y="5345661"/>
-                <a:chExt cx="494923" cy="313593"/>
-              </a:xfrm>
-            </p:grpSpPr>
-            <p:sp>
-              <p:nvSpPr>
-                <p:cNvPr id="66" name="矩形: 圆角 65">
-                  <a:extLst>
-                    <a:ext uri="{FF2B5EF4-FFF2-40B4-BE49-F238E27FC236}">
-                      <a16:creationId xmlns:a16="http://schemas.microsoft.com/office/drawing/2014/main" id="{F10B4CD2-2099-4B8E-8ECF-8552D247E1E3}"/>
-                    </a:ext>
-                  </a:extLst>
-                </p:cNvPr>
-                <p:cNvSpPr/>
-                <p:nvPr/>
-              </p:nvSpPr>
-              <p:spPr>
-                <a:xfrm>
-                  <a:off x="1130148" y="5345661"/>
-                  <a:ext cx="230282" cy="230282"/>
-                </a:xfrm>
-                <a:prstGeom prst="roundRect">
-                  <a:avLst/>
-                </a:prstGeom>
-                <a:solidFill>
-                  <a:srgbClr val="D9D9D9"/>
-                </a:solidFill>
-                <a:ln>
-                  <a:noFill/>
-                </a:ln>
-              </p:spPr>
-              <p:style>
-                <a:lnRef idx="2">
-                  <a:schemeClr val="accent1">
-                    <a:shade val="50000"/>
-                  </a:schemeClr>
-                </a:lnRef>
-                <a:fillRef idx="1">
-                  <a:schemeClr val="accent1"/>
-                </a:fillRef>
-                <a:effectRef idx="0">
-                  <a:schemeClr val="accent1"/>
-                </a:effectRef>
-                <a:fontRef idx="minor">
-                  <a:schemeClr val="lt1"/>
-                </a:fontRef>
-              </p:style>
-              <p:txBody>
-                <a:bodyPr rtlCol="0" anchor="ctr"/>
-                <a:lstStyle/>
-                <a:p>
-                  <a:pPr algn="ctr">
-                    <a:lnSpc>
-                      <a:spcPct val="150000"/>
-                    </a:lnSpc>
-                  </a:pPr>
-                  <a:endParaRPr lang="zh-CN" altLang="en-US" sz="1000" dirty="0">
-                    <a:solidFill>
-                      <a:schemeClr val="tx1"/>
-                    </a:solidFill>
-                    <a:latin typeface="微软雅黑" panose="020B0503020204020204" pitchFamily="34" charset="-122"/>
-                    <a:ea typeface="微软雅黑" panose="020B0503020204020204" pitchFamily="34" charset="-122"/>
-                  </a:endParaRPr>
-                </a:p>
-              </p:txBody>
-            </p:sp>
-            <p:sp>
-              <p:nvSpPr>
-                <p:cNvPr id="67" name="文本框 66">
-                  <a:extLst>
-                    <a:ext uri="{FF2B5EF4-FFF2-40B4-BE49-F238E27FC236}">
-                      <a16:creationId xmlns:a16="http://schemas.microsoft.com/office/drawing/2014/main" id="{8C6C5B28-0B91-4E7A-9214-4B9A7B9E944F}"/>
-                    </a:ext>
-                  </a:extLst>
-                </p:cNvPr>
-                <p:cNvSpPr txBox="1"/>
-                <p:nvPr/>
-              </p:nvSpPr>
-              <p:spPr>
-                <a:xfrm>
-                  <a:off x="997827" y="5579397"/>
-                  <a:ext cx="494923" cy="79857"/>
-                </a:xfrm>
-                <a:prstGeom prst="rect">
-                  <a:avLst/>
-                </a:prstGeom>
-                <a:noFill/>
-              </p:spPr>
-              <p:txBody>
-                <a:bodyPr wrap="square" rtlCol="0">
-                  <a:spAutoFit/>
-                </a:bodyPr>
-                <a:lstStyle/>
-                <a:p>
-                  <a:pPr algn="ctr"/>
-                  <a:r>
-                    <a:rPr lang="zh-CN" altLang="en-US" sz="700" dirty="0">
-                      <a:latin typeface="微软雅黑" panose="020B0503020204020204" pitchFamily="34" charset="-122"/>
-                      <a:ea typeface="微软雅黑" panose="020B0503020204020204" pitchFamily="34" charset="-122"/>
-                    </a:rPr>
-                    <a:t>国际租车</a:t>
-                  </a:r>
-                </a:p>
-              </p:txBody>
-            </p:sp>
-          </p:grpSp>
-          <p:grpSp>
-            <p:nvGrpSpPr>
-              <p:cNvPr id="60" name="组合 59">
-                <a:extLst>
-                  <a:ext uri="{FF2B5EF4-FFF2-40B4-BE49-F238E27FC236}">
-                    <a16:creationId xmlns:a16="http://schemas.microsoft.com/office/drawing/2014/main" id="{B87D29C1-AFD3-4743-BF52-860563D0C545}"/>
-                  </a:ext>
-                </a:extLst>
-              </p:cNvPr>
-              <p:cNvGrpSpPr/>
-              <p:nvPr/>
-            </p:nvGrpSpPr>
-            <p:grpSpPr>
-              <a:xfrm>
-                <a:off x="1888768" y="2576665"/>
-                <a:ext cx="1239857" cy="785598"/>
-                <a:chOff x="997827" y="5345661"/>
-                <a:chExt cx="494923" cy="313593"/>
-              </a:xfrm>
-            </p:grpSpPr>
-            <p:sp>
-              <p:nvSpPr>
-                <p:cNvPr id="64" name="矩形: 圆角 63">
-                  <a:extLst>
-                    <a:ext uri="{FF2B5EF4-FFF2-40B4-BE49-F238E27FC236}">
-                      <a16:creationId xmlns:a16="http://schemas.microsoft.com/office/drawing/2014/main" id="{871F3540-06FD-4FF9-88BE-DCFD72C5E3A3}"/>
-                    </a:ext>
-                  </a:extLst>
-                </p:cNvPr>
-                <p:cNvSpPr/>
-                <p:nvPr/>
-              </p:nvSpPr>
-              <p:spPr>
-                <a:xfrm>
-                  <a:off x="1130148" y="5345661"/>
-                  <a:ext cx="230282" cy="230282"/>
-                </a:xfrm>
-                <a:prstGeom prst="roundRect">
-                  <a:avLst/>
-                </a:prstGeom>
-                <a:solidFill>
-                  <a:srgbClr val="D9D9D9"/>
-                </a:solidFill>
-                <a:ln>
-                  <a:noFill/>
-                </a:ln>
-              </p:spPr>
-              <p:style>
-                <a:lnRef idx="2">
-                  <a:schemeClr val="accent1">
-                    <a:shade val="50000"/>
-                  </a:schemeClr>
-                </a:lnRef>
-                <a:fillRef idx="1">
-                  <a:schemeClr val="accent1"/>
-                </a:fillRef>
-                <a:effectRef idx="0">
-                  <a:schemeClr val="accent1"/>
-                </a:effectRef>
-                <a:fontRef idx="minor">
-                  <a:schemeClr val="lt1"/>
-                </a:fontRef>
-              </p:style>
-              <p:txBody>
-                <a:bodyPr rtlCol="0" anchor="ctr"/>
-                <a:lstStyle/>
-                <a:p>
-                  <a:pPr algn="ctr">
-                    <a:lnSpc>
-                      <a:spcPct val="150000"/>
-                    </a:lnSpc>
-                  </a:pPr>
-                  <a:endParaRPr lang="zh-CN" altLang="en-US" sz="1000" dirty="0">
-                    <a:solidFill>
-                      <a:schemeClr val="tx1"/>
-                    </a:solidFill>
-                    <a:latin typeface="微软雅黑" panose="020B0503020204020204" pitchFamily="34" charset="-122"/>
-                    <a:ea typeface="微软雅黑" panose="020B0503020204020204" pitchFamily="34" charset="-122"/>
-                  </a:endParaRPr>
-                </a:p>
-              </p:txBody>
-            </p:sp>
-            <p:sp>
-              <p:nvSpPr>
-                <p:cNvPr id="65" name="文本框 64">
-                  <a:extLst>
-                    <a:ext uri="{FF2B5EF4-FFF2-40B4-BE49-F238E27FC236}">
-                      <a16:creationId xmlns:a16="http://schemas.microsoft.com/office/drawing/2014/main" id="{2CBF769D-6987-49DF-A947-B949E91B3B1A}"/>
-                    </a:ext>
-                  </a:extLst>
-                </p:cNvPr>
-                <p:cNvSpPr txBox="1"/>
-                <p:nvPr/>
-              </p:nvSpPr>
-              <p:spPr>
-                <a:xfrm>
-                  <a:off x="997827" y="5579397"/>
-                  <a:ext cx="494923" cy="79857"/>
-                </a:xfrm>
-                <a:prstGeom prst="rect">
-                  <a:avLst/>
-                </a:prstGeom>
-                <a:noFill/>
-              </p:spPr>
-              <p:txBody>
-                <a:bodyPr wrap="square" rtlCol="0">
-                  <a:spAutoFit/>
-                </a:bodyPr>
-                <a:lstStyle/>
-                <a:p>
-                  <a:pPr algn="ctr"/>
-                  <a:r>
-                    <a:rPr lang="en-US" altLang="zh-CN" sz="700" dirty="0">
-                      <a:latin typeface="微软雅黑" panose="020B0503020204020204" pitchFamily="34" charset="-122"/>
-                      <a:ea typeface="微软雅黑" panose="020B0503020204020204" pitchFamily="34" charset="-122"/>
-                    </a:rPr>
-                    <a:t>XX</a:t>
-                  </a:r>
-                  <a:r>
-                    <a:rPr lang="zh-CN" altLang="en-US" sz="700" dirty="0">
-                      <a:latin typeface="微软雅黑" panose="020B0503020204020204" pitchFamily="34" charset="-122"/>
-                      <a:ea typeface="微软雅黑" panose="020B0503020204020204" pitchFamily="34" charset="-122"/>
-                    </a:rPr>
-                    <a:t>保险</a:t>
-                  </a:r>
-                </a:p>
-              </p:txBody>
-            </p:sp>
-          </p:grpSp>
-          <p:grpSp>
-            <p:nvGrpSpPr>
-              <p:cNvPr id="61" name="组合 60">
-                <a:extLst>
-                  <a:ext uri="{FF2B5EF4-FFF2-40B4-BE49-F238E27FC236}">
-                    <a16:creationId xmlns:a16="http://schemas.microsoft.com/office/drawing/2014/main" id="{6B4AD5FC-EE64-4D9F-A5D5-674C0F21EE12}"/>
-                  </a:ext>
-                </a:extLst>
-              </p:cNvPr>
-              <p:cNvGrpSpPr/>
-              <p:nvPr/>
-            </p:nvGrpSpPr>
-            <p:grpSpPr>
-              <a:xfrm>
-                <a:off x="2923121" y="2576665"/>
-                <a:ext cx="1239857" cy="785598"/>
-                <a:chOff x="997827" y="5345661"/>
-                <a:chExt cx="494923" cy="313593"/>
-              </a:xfrm>
-            </p:grpSpPr>
-            <p:sp>
-              <p:nvSpPr>
-                <p:cNvPr id="62" name="矩形: 圆角 61">
-                  <a:extLst>
-                    <a:ext uri="{FF2B5EF4-FFF2-40B4-BE49-F238E27FC236}">
-                      <a16:creationId xmlns:a16="http://schemas.microsoft.com/office/drawing/2014/main" id="{1548C5E4-CDC7-49EF-89F6-6DE9BAA078CF}"/>
-                    </a:ext>
-                  </a:extLst>
-                </p:cNvPr>
-                <p:cNvSpPr/>
-                <p:nvPr/>
-              </p:nvSpPr>
-              <p:spPr>
-                <a:xfrm>
-                  <a:off x="1130148" y="5345661"/>
-                  <a:ext cx="230282" cy="230282"/>
-                </a:xfrm>
-                <a:prstGeom prst="roundRect">
-                  <a:avLst/>
-                </a:prstGeom>
-                <a:solidFill>
-                  <a:srgbClr val="D9D9D9"/>
-                </a:solidFill>
-                <a:ln>
-                  <a:noFill/>
-                </a:ln>
-              </p:spPr>
-              <p:style>
-                <a:lnRef idx="2">
-                  <a:schemeClr val="accent1">
-                    <a:shade val="50000"/>
-                  </a:schemeClr>
-                </a:lnRef>
-                <a:fillRef idx="1">
-                  <a:schemeClr val="accent1"/>
-                </a:fillRef>
-                <a:effectRef idx="0">
-                  <a:schemeClr val="accent1"/>
-                </a:effectRef>
-                <a:fontRef idx="minor">
-                  <a:schemeClr val="lt1"/>
-                </a:fontRef>
-              </p:style>
-              <p:txBody>
-                <a:bodyPr rtlCol="0" anchor="ctr"/>
-                <a:lstStyle/>
-                <a:p>
-                  <a:pPr algn="ctr">
-                    <a:lnSpc>
-                      <a:spcPct val="150000"/>
-                    </a:lnSpc>
-                  </a:pPr>
-                  <a:endParaRPr lang="zh-CN" altLang="en-US" sz="1000" dirty="0">
-                    <a:solidFill>
-                      <a:schemeClr val="tx1"/>
-                    </a:solidFill>
-                    <a:latin typeface="微软雅黑" panose="020B0503020204020204" pitchFamily="34" charset="-122"/>
-                    <a:ea typeface="微软雅黑" panose="020B0503020204020204" pitchFamily="34" charset="-122"/>
-                  </a:endParaRPr>
-                </a:p>
-              </p:txBody>
-            </p:sp>
-            <p:sp>
-              <p:nvSpPr>
-                <p:cNvPr id="63" name="文本框 62">
-                  <a:extLst>
-                    <a:ext uri="{FF2B5EF4-FFF2-40B4-BE49-F238E27FC236}">
-                      <a16:creationId xmlns:a16="http://schemas.microsoft.com/office/drawing/2014/main" id="{93DA7EF0-4587-47EB-8CA0-B978128A704D}"/>
-                    </a:ext>
-                  </a:extLst>
-                </p:cNvPr>
-                <p:cNvSpPr txBox="1"/>
-                <p:nvPr/>
-              </p:nvSpPr>
-              <p:spPr>
-                <a:xfrm>
-                  <a:off x="997827" y="5579397"/>
-                  <a:ext cx="494923" cy="79857"/>
-                </a:xfrm>
-                <a:prstGeom prst="rect">
-                  <a:avLst/>
-                </a:prstGeom>
-                <a:noFill/>
-              </p:spPr>
-              <p:txBody>
-                <a:bodyPr wrap="square" rtlCol="0">
-                  <a:spAutoFit/>
-                </a:bodyPr>
-                <a:lstStyle/>
-                <a:p>
-                  <a:pPr algn="ctr"/>
-                  <a:r>
-                    <a:rPr lang="zh-CN" altLang="en-US" sz="700" dirty="0">
-                      <a:latin typeface="微软雅黑" panose="020B0503020204020204" pitchFamily="34" charset="-122"/>
-                      <a:ea typeface="微软雅黑" panose="020B0503020204020204" pitchFamily="34" charset="-122"/>
-                    </a:rPr>
-                    <a:t>违章查询</a:t>
-                  </a:r>
-                </a:p>
-              </p:txBody>
-            </p:sp>
-          </p:grpSp>
-        </p:grpSp>
-      </p:grpSp>
       <p:pic>
         <p:nvPicPr>
           <p:cNvPr id="80" name="图片 79">
@@ -3171,64 +2233,1101 @@
           </p:spPr>
         </p:pic>
       </p:grpSp>
-      <p:sp>
-        <p:nvSpPr>
-          <p:cNvPr id="93" name="矩形 92">
+      <p:grpSp>
+        <p:nvGrpSpPr>
+          <p:cNvPr id="4" name="组合 3">
             <a:extLst>
               <a:ext uri="{FF2B5EF4-FFF2-40B4-BE49-F238E27FC236}">
-                <a16:creationId xmlns:a16="http://schemas.microsoft.com/office/drawing/2014/main" id="{0713C0DE-1678-4950-BEC4-39E1856F78C9}"/>
+                <a16:creationId xmlns:a16="http://schemas.microsoft.com/office/drawing/2014/main" id="{D95E7C05-88F1-46A8-AA6A-B0367609768B}"/>
               </a:ext>
             </a:extLst>
           </p:cNvPr>
-          <p:cNvSpPr/>
+          <p:cNvGrpSpPr/>
           <p:nvPr/>
-        </p:nvSpPr>
-        <p:spPr>
-          <a:xfrm rot="1844245">
-            <a:off x="2502502" y="4364071"/>
-            <a:ext cx="310086" cy="130809"/>
+        </p:nvGrpSpPr>
+        <p:grpSpPr>
+          <a:xfrm>
+            <a:off x="881508" y="2970631"/>
+            <a:ext cx="3308563" cy="2202906"/>
+            <a:chOff x="881508" y="2970631"/>
+            <a:chExt cx="3308563" cy="2202906"/>
           </a:xfrm>
-          <a:prstGeom prst="rect">
-            <a:avLst/>
-          </a:prstGeom>
-          <a:solidFill>
-            <a:srgbClr val="09BB07"/>
-          </a:solidFill>
-          <a:ln>
-            <a:noFill/>
-          </a:ln>
-        </p:spPr>
-        <p:style>
-          <a:lnRef idx="2">
-            <a:schemeClr val="accent1">
-              <a:shade val="50000"/>
-            </a:schemeClr>
-          </a:lnRef>
-          <a:fillRef idx="1">
-            <a:schemeClr val="accent1"/>
-          </a:fillRef>
-          <a:effectRef idx="0">
-            <a:schemeClr val="accent1"/>
-          </a:effectRef>
-          <a:fontRef idx="minor">
-            <a:schemeClr val="lt1"/>
-          </a:fontRef>
-        </p:style>
-        <p:txBody>
-          <a:bodyPr rtlCol="0" anchor="ctr"/>
-          <a:lstStyle/>
-          <a:p>
-            <a:pPr algn="ctr"/>
-            <a:r>
-              <a:rPr lang="zh-CN" altLang="en-US" sz="700" dirty="0">
-                <a:latin typeface="微软雅黑" panose="020B0503020204020204" pitchFamily="34" charset="-122"/>
-                <a:ea typeface="微软雅黑" panose="020B0503020204020204" pitchFamily="34" charset="-122"/>
-              </a:rPr>
-              <a:t>惠</a:t>
-            </a:r>
-          </a:p>
-        </p:txBody>
-      </p:sp>
+        </p:grpSpPr>
+        <p:grpSp>
+          <p:nvGrpSpPr>
+            <p:cNvPr id="47" name="组合 46">
+              <a:extLst>
+                <a:ext uri="{FF2B5EF4-FFF2-40B4-BE49-F238E27FC236}">
+                  <a16:creationId xmlns:a16="http://schemas.microsoft.com/office/drawing/2014/main" id="{F74171A4-C285-437B-A3F3-C46E3024AB07}"/>
+                </a:ext>
+              </a:extLst>
+            </p:cNvPr>
+            <p:cNvGrpSpPr/>
+            <p:nvPr/>
+          </p:nvGrpSpPr>
+          <p:grpSpPr>
+            <a:xfrm>
+              <a:off x="881508" y="2970631"/>
+              <a:ext cx="3308563" cy="2202906"/>
+              <a:chOff x="863629" y="2070920"/>
+              <a:chExt cx="3308563" cy="2202906"/>
+            </a:xfrm>
+          </p:grpSpPr>
+          <p:grpSp>
+            <p:nvGrpSpPr>
+              <p:cNvPr id="55" name="组合 54">
+                <a:extLst>
+                  <a:ext uri="{FF2B5EF4-FFF2-40B4-BE49-F238E27FC236}">
+                    <a16:creationId xmlns:a16="http://schemas.microsoft.com/office/drawing/2014/main" id="{05B9D5A8-2307-4BFA-827A-97A2E5B2E94F}"/>
+                  </a:ext>
+                </a:extLst>
+              </p:cNvPr>
+              <p:cNvGrpSpPr/>
+              <p:nvPr/>
+            </p:nvGrpSpPr>
+            <p:grpSpPr>
+              <a:xfrm>
+                <a:off x="952040" y="2070920"/>
+                <a:ext cx="3131743" cy="2202906"/>
+                <a:chOff x="109797" y="1729407"/>
+                <a:chExt cx="3131743" cy="2171627"/>
+              </a:xfrm>
+            </p:grpSpPr>
+            <p:sp>
+              <p:nvSpPr>
+                <p:cNvPr id="77" name="矩形 76">
+                  <a:extLst>
+                    <a:ext uri="{FF2B5EF4-FFF2-40B4-BE49-F238E27FC236}">
+                      <a16:creationId xmlns:a16="http://schemas.microsoft.com/office/drawing/2014/main" id="{6CE526F6-898D-4649-B486-1A4E7E3A4D6A}"/>
+                    </a:ext>
+                  </a:extLst>
+                </p:cNvPr>
+                <p:cNvSpPr/>
+                <p:nvPr/>
+              </p:nvSpPr>
+              <p:spPr>
+                <a:xfrm>
+                  <a:off x="109797" y="1729407"/>
+                  <a:ext cx="3131743" cy="2171627"/>
+                </a:xfrm>
+                <a:prstGeom prst="rect">
+                  <a:avLst/>
+                </a:prstGeom>
+                <a:solidFill>
+                  <a:schemeClr val="bg1"/>
+                </a:solidFill>
+                <a:ln>
+                  <a:solidFill>
+                    <a:srgbClr val="DBDBDB"/>
+                  </a:solidFill>
+                </a:ln>
+              </p:spPr>
+              <p:style>
+                <a:lnRef idx="1">
+                  <a:schemeClr val="accent1"/>
+                </a:lnRef>
+                <a:fillRef idx="0">
+                  <a:schemeClr val="accent1"/>
+                </a:fillRef>
+                <a:effectRef idx="0">
+                  <a:schemeClr val="accent1"/>
+                </a:effectRef>
+                <a:fontRef idx="minor">
+                  <a:schemeClr val="tx1"/>
+                </a:fontRef>
+              </p:style>
+              <p:txBody>
+                <a:bodyPr rtlCol="0" anchor="ctr"/>
+                <a:lstStyle/>
+                <a:p>
+                  <a:pPr algn="ctr"/>
+                  <a:endParaRPr lang="zh-CN" altLang="en-US" sz="1000" dirty="0">
+                    <a:solidFill>
+                      <a:schemeClr val="tx1"/>
+                    </a:solidFill>
+                  </a:endParaRPr>
+                </a:p>
+              </p:txBody>
+            </p:sp>
+            <p:cxnSp>
+              <p:nvCxnSpPr>
+                <p:cNvPr id="78" name="直接连接符 77">
+                  <a:extLst>
+                    <a:ext uri="{FF2B5EF4-FFF2-40B4-BE49-F238E27FC236}">
+                      <a16:creationId xmlns:a16="http://schemas.microsoft.com/office/drawing/2014/main" id="{9445CAE2-67DC-4654-9F43-32E960A5278A}"/>
+                    </a:ext>
+                  </a:extLst>
+                </p:cNvPr>
+                <p:cNvCxnSpPr>
+                  <a:cxnSpLocks/>
+                </p:cNvCxnSpPr>
+                <p:nvPr/>
+              </p:nvCxnSpPr>
+              <p:spPr>
+                <a:xfrm>
+                  <a:off x="242865" y="2009928"/>
+                  <a:ext cx="2998675" cy="0"/>
+                </a:xfrm>
+                <a:prstGeom prst="line">
+                  <a:avLst/>
+                </a:prstGeom>
+                <a:ln>
+                  <a:solidFill>
+                    <a:srgbClr val="DBDBDB"/>
+                  </a:solidFill>
+                </a:ln>
+              </p:spPr>
+              <p:style>
+                <a:lnRef idx="1">
+                  <a:schemeClr val="accent1"/>
+                </a:lnRef>
+                <a:fillRef idx="0">
+                  <a:schemeClr val="accent1"/>
+                </a:fillRef>
+                <a:effectRef idx="0">
+                  <a:schemeClr val="accent1"/>
+                </a:effectRef>
+                <a:fontRef idx="minor">
+                  <a:schemeClr val="tx1"/>
+                </a:fontRef>
+              </p:style>
+            </p:cxnSp>
+            <p:sp>
+              <p:nvSpPr>
+                <p:cNvPr id="79" name="文本框 78">
+                  <a:extLst>
+                    <a:ext uri="{FF2B5EF4-FFF2-40B4-BE49-F238E27FC236}">
+                      <a16:creationId xmlns:a16="http://schemas.microsoft.com/office/drawing/2014/main" id="{19469321-0B56-4590-B10C-9A9AA820A229}"/>
+                    </a:ext>
+                  </a:extLst>
+                </p:cNvPr>
+                <p:cNvSpPr txBox="1"/>
+                <p:nvPr/>
+              </p:nvSpPr>
+              <p:spPr>
+                <a:xfrm>
+                  <a:off x="191804" y="1792668"/>
+                  <a:ext cx="824713" cy="212385"/>
+                </a:xfrm>
+                <a:prstGeom prst="rect">
+                  <a:avLst/>
+                </a:prstGeom>
+                <a:noFill/>
+              </p:spPr>
+              <p:txBody>
+                <a:bodyPr wrap="square" rtlCol="0">
+                  <a:spAutoFit/>
+                </a:bodyPr>
+                <a:lstStyle/>
+                <a:p>
+                  <a:r>
+                    <a:rPr lang="zh-CN" altLang="en-US" sz="800" dirty="0">
+                      <a:solidFill>
+                        <a:schemeClr val="bg1">
+                          <a:lumMod val="75000"/>
+                        </a:schemeClr>
+                      </a:solidFill>
+                      <a:latin typeface="微软雅黑" panose="020B0503020204020204" pitchFamily="34" charset="-122"/>
+                      <a:ea typeface="微软雅黑" panose="020B0503020204020204" pitchFamily="34" charset="-122"/>
+                    </a:rPr>
+                    <a:t>优惠生活</a:t>
+                  </a:r>
+                </a:p>
+              </p:txBody>
+            </p:sp>
+          </p:grpSp>
+          <p:grpSp>
+            <p:nvGrpSpPr>
+              <p:cNvPr id="56" name="组合 55">
+                <a:extLst>
+                  <a:ext uri="{FF2B5EF4-FFF2-40B4-BE49-F238E27FC236}">
+                    <a16:creationId xmlns:a16="http://schemas.microsoft.com/office/drawing/2014/main" id="{8CF44327-B167-41A4-912A-5BE8CDA12885}"/>
+                  </a:ext>
+                </a:extLst>
+              </p:cNvPr>
+              <p:cNvGrpSpPr/>
+              <p:nvPr/>
+            </p:nvGrpSpPr>
+            <p:grpSpPr>
+              <a:xfrm>
+                <a:off x="863629" y="2489697"/>
+                <a:ext cx="3308563" cy="805733"/>
+                <a:chOff x="854415" y="2556530"/>
+                <a:chExt cx="3308563" cy="805733"/>
+              </a:xfrm>
+            </p:grpSpPr>
+            <p:grpSp>
+              <p:nvGrpSpPr>
+                <p:cNvPr id="68" name="组合 67">
+                  <a:extLst>
+                    <a:ext uri="{FF2B5EF4-FFF2-40B4-BE49-F238E27FC236}">
+                      <a16:creationId xmlns:a16="http://schemas.microsoft.com/office/drawing/2014/main" id="{AC58E060-369A-4BF3-85F6-9E69449FE887}"/>
+                    </a:ext>
+                  </a:extLst>
+                </p:cNvPr>
+                <p:cNvGrpSpPr/>
+                <p:nvPr/>
+              </p:nvGrpSpPr>
+              <p:grpSpPr>
+                <a:xfrm>
+                  <a:off x="854415" y="2556530"/>
+                  <a:ext cx="1239857" cy="785598"/>
+                  <a:chOff x="997827" y="5345661"/>
+                  <a:chExt cx="494923" cy="313593"/>
+                </a:xfrm>
+              </p:grpSpPr>
+              <p:sp>
+                <p:nvSpPr>
+                  <p:cNvPr id="75" name="矩形: 圆角 74">
+                    <a:extLst>
+                      <a:ext uri="{FF2B5EF4-FFF2-40B4-BE49-F238E27FC236}">
+                        <a16:creationId xmlns:a16="http://schemas.microsoft.com/office/drawing/2014/main" id="{9E8C1FB0-6641-4221-BFB0-25FA2163923E}"/>
+                      </a:ext>
+                    </a:extLst>
+                  </p:cNvPr>
+                  <p:cNvSpPr/>
+                  <p:nvPr/>
+                </p:nvSpPr>
+                <p:spPr>
+                  <a:xfrm>
+                    <a:off x="1130148" y="5345661"/>
+                    <a:ext cx="230282" cy="230282"/>
+                  </a:xfrm>
+                  <a:prstGeom prst="roundRect">
+                    <a:avLst/>
+                  </a:prstGeom>
+                  <a:solidFill>
+                    <a:srgbClr val="D9D9D9"/>
+                  </a:solidFill>
+                  <a:ln>
+                    <a:noFill/>
+                  </a:ln>
+                </p:spPr>
+                <p:style>
+                  <a:lnRef idx="2">
+                    <a:schemeClr val="accent1">
+                      <a:shade val="50000"/>
+                    </a:schemeClr>
+                  </a:lnRef>
+                  <a:fillRef idx="1">
+                    <a:schemeClr val="accent1"/>
+                  </a:fillRef>
+                  <a:effectRef idx="0">
+                    <a:schemeClr val="accent1"/>
+                  </a:effectRef>
+                  <a:fontRef idx="minor">
+                    <a:schemeClr val="lt1"/>
+                  </a:fontRef>
+                </p:style>
+                <p:txBody>
+                  <a:bodyPr rtlCol="0" anchor="ctr"/>
+                  <a:lstStyle/>
+                  <a:p>
+                    <a:pPr algn="ctr">
+                      <a:lnSpc>
+                        <a:spcPct val="150000"/>
+                      </a:lnSpc>
+                    </a:pPr>
+                    <a:endParaRPr lang="zh-CN" altLang="en-US" sz="1000" dirty="0">
+                      <a:solidFill>
+                        <a:schemeClr val="tx1"/>
+                      </a:solidFill>
+                      <a:latin typeface="微软雅黑" panose="020B0503020204020204" pitchFamily="34" charset="-122"/>
+                      <a:ea typeface="微软雅黑" panose="020B0503020204020204" pitchFamily="34" charset="-122"/>
+                    </a:endParaRPr>
+                  </a:p>
+                </p:txBody>
+              </p:sp>
+              <p:sp>
+                <p:nvSpPr>
+                  <p:cNvPr id="76" name="文本框 75">
+                    <a:extLst>
+                      <a:ext uri="{FF2B5EF4-FFF2-40B4-BE49-F238E27FC236}">
+                        <a16:creationId xmlns:a16="http://schemas.microsoft.com/office/drawing/2014/main" id="{98D2F4FF-8E48-4DAA-AC23-11AC607775BA}"/>
+                      </a:ext>
+                    </a:extLst>
+                  </p:cNvPr>
+                  <p:cNvSpPr txBox="1"/>
+                  <p:nvPr/>
+                </p:nvSpPr>
+                <p:spPr>
+                  <a:xfrm>
+                    <a:off x="997827" y="5579397"/>
+                    <a:ext cx="494923" cy="79857"/>
+                  </a:xfrm>
+                  <a:prstGeom prst="rect">
+                    <a:avLst/>
+                  </a:prstGeom>
+                  <a:noFill/>
+                </p:spPr>
+                <p:txBody>
+                  <a:bodyPr wrap="square" rtlCol="0">
+                    <a:spAutoFit/>
+                  </a:bodyPr>
+                  <a:lstStyle/>
+                  <a:p>
+                    <a:pPr algn="ctr"/>
+                    <a:r>
+                      <a:rPr lang="zh-CN" altLang="en-US" sz="700" dirty="0">
+                        <a:latin typeface="微软雅黑" panose="020B0503020204020204" pitchFamily="34" charset="-122"/>
+                        <a:ea typeface="微软雅黑" panose="020B0503020204020204" pitchFamily="34" charset="-122"/>
+                      </a:rPr>
+                      <a:t>新车比价</a:t>
+                    </a:r>
+                  </a:p>
+                </p:txBody>
+              </p:sp>
+            </p:grpSp>
+            <p:grpSp>
+              <p:nvGrpSpPr>
+                <p:cNvPr id="69" name="组合 68">
+                  <a:extLst>
+                    <a:ext uri="{FF2B5EF4-FFF2-40B4-BE49-F238E27FC236}">
+                      <a16:creationId xmlns:a16="http://schemas.microsoft.com/office/drawing/2014/main" id="{CE2C1050-E6F3-42F0-BE64-4EE6363A841F}"/>
+                    </a:ext>
+                  </a:extLst>
+                </p:cNvPr>
+                <p:cNvGrpSpPr/>
+                <p:nvPr/>
+              </p:nvGrpSpPr>
+              <p:grpSpPr>
+                <a:xfrm>
+                  <a:off x="1888768" y="2576665"/>
+                  <a:ext cx="1239857" cy="785598"/>
+                  <a:chOff x="997827" y="5345661"/>
+                  <a:chExt cx="494923" cy="313593"/>
+                </a:xfrm>
+              </p:grpSpPr>
+              <p:sp>
+                <p:nvSpPr>
+                  <p:cNvPr id="73" name="矩形: 圆角 72">
+                    <a:extLst>
+                      <a:ext uri="{FF2B5EF4-FFF2-40B4-BE49-F238E27FC236}">
+                        <a16:creationId xmlns:a16="http://schemas.microsoft.com/office/drawing/2014/main" id="{172DA6B5-8D7A-4F44-A98E-FD6500690F6C}"/>
+                      </a:ext>
+                    </a:extLst>
+                  </p:cNvPr>
+                  <p:cNvSpPr/>
+                  <p:nvPr/>
+                </p:nvSpPr>
+                <p:spPr>
+                  <a:xfrm>
+                    <a:off x="1130148" y="5345661"/>
+                    <a:ext cx="230282" cy="230282"/>
+                  </a:xfrm>
+                  <a:prstGeom prst="roundRect">
+                    <a:avLst/>
+                  </a:prstGeom>
+                  <a:solidFill>
+                    <a:srgbClr val="D9D9D9"/>
+                  </a:solidFill>
+                  <a:ln>
+                    <a:noFill/>
+                  </a:ln>
+                </p:spPr>
+                <p:style>
+                  <a:lnRef idx="2">
+                    <a:schemeClr val="accent1">
+                      <a:shade val="50000"/>
+                    </a:schemeClr>
+                  </a:lnRef>
+                  <a:fillRef idx="1">
+                    <a:schemeClr val="accent1"/>
+                  </a:fillRef>
+                  <a:effectRef idx="0">
+                    <a:schemeClr val="accent1"/>
+                  </a:effectRef>
+                  <a:fontRef idx="minor">
+                    <a:schemeClr val="lt1"/>
+                  </a:fontRef>
+                </p:style>
+                <p:txBody>
+                  <a:bodyPr rtlCol="0" anchor="ctr"/>
+                  <a:lstStyle/>
+                  <a:p>
+                    <a:pPr algn="ctr">
+                      <a:lnSpc>
+                        <a:spcPct val="150000"/>
+                      </a:lnSpc>
+                    </a:pPr>
+                    <a:endParaRPr lang="zh-CN" altLang="en-US" sz="1000" dirty="0">
+                      <a:solidFill>
+                        <a:schemeClr val="tx1"/>
+                      </a:solidFill>
+                      <a:latin typeface="微软雅黑" panose="020B0503020204020204" pitchFamily="34" charset="-122"/>
+                      <a:ea typeface="微软雅黑" panose="020B0503020204020204" pitchFamily="34" charset="-122"/>
+                    </a:endParaRPr>
+                  </a:p>
+                </p:txBody>
+              </p:sp>
+              <p:sp>
+                <p:nvSpPr>
+                  <p:cNvPr id="74" name="文本框 73">
+                    <a:extLst>
+                      <a:ext uri="{FF2B5EF4-FFF2-40B4-BE49-F238E27FC236}">
+                        <a16:creationId xmlns:a16="http://schemas.microsoft.com/office/drawing/2014/main" id="{21D05421-8617-4398-BC98-EE073E8FCBBA}"/>
+                      </a:ext>
+                    </a:extLst>
+                  </p:cNvPr>
+                  <p:cNvSpPr txBox="1"/>
+                  <p:nvPr/>
+                </p:nvSpPr>
+                <p:spPr>
+                  <a:xfrm>
+                    <a:off x="997827" y="5579397"/>
+                    <a:ext cx="494923" cy="79857"/>
+                  </a:xfrm>
+                  <a:prstGeom prst="rect">
+                    <a:avLst/>
+                  </a:prstGeom>
+                  <a:noFill/>
+                </p:spPr>
+                <p:txBody>
+                  <a:bodyPr wrap="square" rtlCol="0">
+                    <a:spAutoFit/>
+                  </a:bodyPr>
+                  <a:lstStyle/>
+                  <a:p>
+                    <a:pPr algn="ctr"/>
+                    <a:r>
+                      <a:rPr lang="zh-CN" altLang="en-US" sz="700" dirty="0">
+                        <a:latin typeface="微软雅黑" panose="020B0503020204020204" pitchFamily="34" charset="-122"/>
+                        <a:ea typeface="微软雅黑" panose="020B0503020204020204" pitchFamily="34" charset="-122"/>
+                      </a:rPr>
+                      <a:t>车险购买</a:t>
+                    </a:r>
+                  </a:p>
+                </p:txBody>
+              </p:sp>
+            </p:grpSp>
+            <p:grpSp>
+              <p:nvGrpSpPr>
+                <p:cNvPr id="70" name="组合 69">
+                  <a:extLst>
+                    <a:ext uri="{FF2B5EF4-FFF2-40B4-BE49-F238E27FC236}">
+                      <a16:creationId xmlns:a16="http://schemas.microsoft.com/office/drawing/2014/main" id="{AB1FB7CF-789A-4E33-B1F2-88487D90BD4E}"/>
+                    </a:ext>
+                  </a:extLst>
+                </p:cNvPr>
+                <p:cNvGrpSpPr/>
+                <p:nvPr/>
+              </p:nvGrpSpPr>
+              <p:grpSpPr>
+                <a:xfrm>
+                  <a:off x="2923121" y="2576665"/>
+                  <a:ext cx="1239857" cy="785598"/>
+                  <a:chOff x="997827" y="5345661"/>
+                  <a:chExt cx="494923" cy="313593"/>
+                </a:xfrm>
+              </p:grpSpPr>
+              <p:sp>
+                <p:nvSpPr>
+                  <p:cNvPr id="71" name="矩形: 圆角 70">
+                    <a:extLst>
+                      <a:ext uri="{FF2B5EF4-FFF2-40B4-BE49-F238E27FC236}">
+                        <a16:creationId xmlns:a16="http://schemas.microsoft.com/office/drawing/2014/main" id="{12C8E728-5DFF-4E41-8E81-BB63087AD667}"/>
+                      </a:ext>
+                    </a:extLst>
+                  </p:cNvPr>
+                  <p:cNvSpPr/>
+                  <p:nvPr/>
+                </p:nvSpPr>
+                <p:spPr>
+                  <a:xfrm>
+                    <a:off x="1130148" y="5345661"/>
+                    <a:ext cx="230282" cy="230282"/>
+                  </a:xfrm>
+                  <a:prstGeom prst="roundRect">
+                    <a:avLst/>
+                  </a:prstGeom>
+                  <a:solidFill>
+                    <a:srgbClr val="D9D9D9"/>
+                  </a:solidFill>
+                  <a:ln>
+                    <a:noFill/>
+                  </a:ln>
+                </p:spPr>
+                <p:style>
+                  <a:lnRef idx="2">
+                    <a:schemeClr val="accent1">
+                      <a:shade val="50000"/>
+                    </a:schemeClr>
+                  </a:lnRef>
+                  <a:fillRef idx="1">
+                    <a:schemeClr val="accent1"/>
+                  </a:fillRef>
+                  <a:effectRef idx="0">
+                    <a:schemeClr val="accent1"/>
+                  </a:effectRef>
+                  <a:fontRef idx="minor">
+                    <a:schemeClr val="lt1"/>
+                  </a:fontRef>
+                </p:style>
+                <p:txBody>
+                  <a:bodyPr rtlCol="0" anchor="ctr"/>
+                  <a:lstStyle/>
+                  <a:p>
+                    <a:pPr algn="ctr">
+                      <a:lnSpc>
+                        <a:spcPct val="150000"/>
+                      </a:lnSpc>
+                    </a:pPr>
+                    <a:endParaRPr lang="zh-CN" altLang="en-US" sz="1000" dirty="0">
+                      <a:solidFill>
+                        <a:schemeClr val="tx1"/>
+                      </a:solidFill>
+                      <a:latin typeface="微软雅黑" panose="020B0503020204020204" pitchFamily="34" charset="-122"/>
+                      <a:ea typeface="微软雅黑" panose="020B0503020204020204" pitchFamily="34" charset="-122"/>
+                    </a:endParaRPr>
+                  </a:p>
+                </p:txBody>
+              </p:sp>
+              <p:sp>
+                <p:nvSpPr>
+                  <p:cNvPr id="72" name="文本框 71">
+                    <a:extLst>
+                      <a:ext uri="{FF2B5EF4-FFF2-40B4-BE49-F238E27FC236}">
+                        <a16:creationId xmlns:a16="http://schemas.microsoft.com/office/drawing/2014/main" id="{178EAAAA-D155-4CAC-A707-EB80BC61EDAD}"/>
+                      </a:ext>
+                    </a:extLst>
+                  </p:cNvPr>
+                  <p:cNvSpPr txBox="1"/>
+                  <p:nvPr/>
+                </p:nvSpPr>
+                <p:spPr>
+                  <a:xfrm>
+                    <a:off x="997827" y="5579397"/>
+                    <a:ext cx="494923" cy="79857"/>
+                  </a:xfrm>
+                  <a:prstGeom prst="rect">
+                    <a:avLst/>
+                  </a:prstGeom>
+                  <a:noFill/>
+                </p:spPr>
+                <p:txBody>
+                  <a:bodyPr wrap="square" rtlCol="0">
+                    <a:spAutoFit/>
+                  </a:bodyPr>
+                  <a:lstStyle/>
+                  <a:p>
+                    <a:pPr algn="ctr"/>
+                    <a:r>
+                      <a:rPr lang="zh-CN" altLang="en-US" sz="700" dirty="0">
+                        <a:latin typeface="微软雅黑" panose="020B0503020204020204" pitchFamily="34" charset="-122"/>
+                        <a:ea typeface="微软雅黑" panose="020B0503020204020204" pitchFamily="34" charset="-122"/>
+                      </a:rPr>
+                      <a:t>意外健康险</a:t>
+                    </a:r>
+                  </a:p>
+                </p:txBody>
+              </p:sp>
+            </p:grpSp>
+          </p:grpSp>
+          <p:sp>
+            <p:nvSpPr>
+              <p:cNvPr id="57" name="矩形 56">
+                <a:extLst>
+                  <a:ext uri="{FF2B5EF4-FFF2-40B4-BE49-F238E27FC236}">
+                    <a16:creationId xmlns:a16="http://schemas.microsoft.com/office/drawing/2014/main" id="{F758B6D0-E75A-4D54-85CE-B6713BCF18F9}"/>
+                  </a:ext>
+                </a:extLst>
+              </p:cNvPr>
+              <p:cNvSpPr/>
+              <p:nvPr/>
+            </p:nvSpPr>
+            <p:spPr>
+              <a:xfrm rot="1844245">
+                <a:off x="2484625" y="2599344"/>
+                <a:ext cx="310086" cy="130809"/>
+              </a:xfrm>
+              <a:prstGeom prst="rect">
+                <a:avLst/>
+              </a:prstGeom>
+              <a:solidFill>
+                <a:srgbClr val="09BB07"/>
+              </a:solidFill>
+              <a:ln>
+                <a:noFill/>
+              </a:ln>
+            </p:spPr>
+            <p:style>
+              <a:lnRef idx="2">
+                <a:schemeClr val="accent1">
+                  <a:shade val="50000"/>
+                </a:schemeClr>
+              </a:lnRef>
+              <a:fillRef idx="1">
+                <a:schemeClr val="accent1"/>
+              </a:fillRef>
+              <a:effectRef idx="0">
+                <a:schemeClr val="accent1"/>
+              </a:effectRef>
+              <a:fontRef idx="minor">
+                <a:schemeClr val="lt1"/>
+              </a:fontRef>
+            </p:style>
+            <p:txBody>
+              <a:bodyPr rtlCol="0" anchor="ctr"/>
+              <a:lstStyle/>
+              <a:p>
+                <a:pPr algn="ctr"/>
+                <a:r>
+                  <a:rPr lang="zh-CN" altLang="en-US" sz="700" dirty="0">
+                    <a:latin typeface="微软雅黑" panose="020B0503020204020204" pitchFamily="34" charset="-122"/>
+                    <a:ea typeface="微软雅黑" panose="020B0503020204020204" pitchFamily="34" charset="-122"/>
+                  </a:rPr>
+                  <a:t>惠</a:t>
+                </a:r>
+              </a:p>
+            </p:txBody>
+          </p:sp>
+          <p:grpSp>
+            <p:nvGrpSpPr>
+              <p:cNvPr id="58" name="组合 57">
+                <a:extLst>
+                  <a:ext uri="{FF2B5EF4-FFF2-40B4-BE49-F238E27FC236}">
+                    <a16:creationId xmlns:a16="http://schemas.microsoft.com/office/drawing/2014/main" id="{BC65E573-9D63-4728-9F9D-36457EAFB79B}"/>
+                  </a:ext>
+                </a:extLst>
+              </p:cNvPr>
+              <p:cNvGrpSpPr/>
+              <p:nvPr/>
+            </p:nvGrpSpPr>
+            <p:grpSpPr>
+              <a:xfrm>
+                <a:off x="863629" y="3394014"/>
+                <a:ext cx="3308563" cy="805733"/>
+                <a:chOff x="854415" y="2556530"/>
+                <a:chExt cx="3308563" cy="805733"/>
+              </a:xfrm>
+            </p:grpSpPr>
+            <p:grpSp>
+              <p:nvGrpSpPr>
+                <p:cNvPr id="59" name="组合 58">
+                  <a:extLst>
+                    <a:ext uri="{FF2B5EF4-FFF2-40B4-BE49-F238E27FC236}">
+                      <a16:creationId xmlns:a16="http://schemas.microsoft.com/office/drawing/2014/main" id="{C4BEB1FF-71B0-4AE2-B3AF-1182AD1E8746}"/>
+                    </a:ext>
+                  </a:extLst>
+                </p:cNvPr>
+                <p:cNvGrpSpPr/>
+                <p:nvPr/>
+              </p:nvGrpSpPr>
+              <p:grpSpPr>
+                <a:xfrm>
+                  <a:off x="854415" y="2556530"/>
+                  <a:ext cx="1239857" cy="785598"/>
+                  <a:chOff x="997827" y="5345661"/>
+                  <a:chExt cx="494923" cy="313593"/>
+                </a:xfrm>
+              </p:grpSpPr>
+              <p:sp>
+                <p:nvSpPr>
+                  <p:cNvPr id="66" name="矩形: 圆角 65">
+                    <a:extLst>
+                      <a:ext uri="{FF2B5EF4-FFF2-40B4-BE49-F238E27FC236}">
+                        <a16:creationId xmlns:a16="http://schemas.microsoft.com/office/drawing/2014/main" id="{F10B4CD2-2099-4B8E-8ECF-8552D247E1E3}"/>
+                      </a:ext>
+                    </a:extLst>
+                  </p:cNvPr>
+                  <p:cNvSpPr/>
+                  <p:nvPr/>
+                </p:nvSpPr>
+                <p:spPr>
+                  <a:xfrm>
+                    <a:off x="1130148" y="5345661"/>
+                    <a:ext cx="230282" cy="230282"/>
+                  </a:xfrm>
+                  <a:prstGeom prst="roundRect">
+                    <a:avLst/>
+                  </a:prstGeom>
+                  <a:solidFill>
+                    <a:srgbClr val="D9D9D9"/>
+                  </a:solidFill>
+                  <a:ln>
+                    <a:noFill/>
+                  </a:ln>
+                </p:spPr>
+                <p:style>
+                  <a:lnRef idx="2">
+                    <a:schemeClr val="accent1">
+                      <a:shade val="50000"/>
+                    </a:schemeClr>
+                  </a:lnRef>
+                  <a:fillRef idx="1">
+                    <a:schemeClr val="accent1"/>
+                  </a:fillRef>
+                  <a:effectRef idx="0">
+                    <a:schemeClr val="accent1"/>
+                  </a:effectRef>
+                  <a:fontRef idx="minor">
+                    <a:schemeClr val="lt1"/>
+                  </a:fontRef>
+                </p:style>
+                <p:txBody>
+                  <a:bodyPr rtlCol="0" anchor="ctr"/>
+                  <a:lstStyle/>
+                  <a:p>
+                    <a:pPr algn="ctr">
+                      <a:lnSpc>
+                        <a:spcPct val="150000"/>
+                      </a:lnSpc>
+                    </a:pPr>
+                    <a:endParaRPr lang="zh-CN" altLang="en-US" sz="1000" dirty="0">
+                      <a:solidFill>
+                        <a:schemeClr val="tx1"/>
+                      </a:solidFill>
+                      <a:latin typeface="微软雅黑" panose="020B0503020204020204" pitchFamily="34" charset="-122"/>
+                      <a:ea typeface="微软雅黑" panose="020B0503020204020204" pitchFamily="34" charset="-122"/>
+                    </a:endParaRPr>
+                  </a:p>
+                </p:txBody>
+              </p:sp>
+              <p:sp>
+                <p:nvSpPr>
+                  <p:cNvPr id="67" name="文本框 66">
+                    <a:extLst>
+                      <a:ext uri="{FF2B5EF4-FFF2-40B4-BE49-F238E27FC236}">
+                        <a16:creationId xmlns:a16="http://schemas.microsoft.com/office/drawing/2014/main" id="{8C6C5B28-0B91-4E7A-9214-4B9A7B9E944F}"/>
+                      </a:ext>
+                    </a:extLst>
+                  </p:cNvPr>
+                  <p:cNvSpPr txBox="1"/>
+                  <p:nvPr/>
+                </p:nvSpPr>
+                <p:spPr>
+                  <a:xfrm>
+                    <a:off x="997827" y="5579397"/>
+                    <a:ext cx="494923" cy="79857"/>
+                  </a:xfrm>
+                  <a:prstGeom prst="rect">
+                    <a:avLst/>
+                  </a:prstGeom>
+                  <a:noFill/>
+                </p:spPr>
+                <p:txBody>
+                  <a:bodyPr wrap="square" rtlCol="0">
+                    <a:spAutoFit/>
+                  </a:bodyPr>
+                  <a:lstStyle/>
+                  <a:p>
+                    <a:pPr algn="ctr"/>
+                    <a:r>
+                      <a:rPr lang="zh-CN" altLang="en-US" sz="700" dirty="0">
+                        <a:latin typeface="微软雅黑" panose="020B0503020204020204" pitchFamily="34" charset="-122"/>
+                        <a:ea typeface="微软雅黑" panose="020B0503020204020204" pitchFamily="34" charset="-122"/>
+                      </a:rPr>
+                      <a:t>国际租车</a:t>
+                    </a:r>
+                  </a:p>
+                </p:txBody>
+              </p:sp>
+            </p:grpSp>
+            <p:grpSp>
+              <p:nvGrpSpPr>
+                <p:cNvPr id="60" name="组合 59">
+                  <a:extLst>
+                    <a:ext uri="{FF2B5EF4-FFF2-40B4-BE49-F238E27FC236}">
+                      <a16:creationId xmlns:a16="http://schemas.microsoft.com/office/drawing/2014/main" id="{B87D29C1-AFD3-4743-BF52-860563D0C545}"/>
+                    </a:ext>
+                  </a:extLst>
+                </p:cNvPr>
+                <p:cNvGrpSpPr/>
+                <p:nvPr/>
+              </p:nvGrpSpPr>
+              <p:grpSpPr>
+                <a:xfrm>
+                  <a:off x="1888768" y="2576665"/>
+                  <a:ext cx="1239857" cy="785598"/>
+                  <a:chOff x="997827" y="5345661"/>
+                  <a:chExt cx="494923" cy="313593"/>
+                </a:xfrm>
+              </p:grpSpPr>
+              <p:sp>
+                <p:nvSpPr>
+                  <p:cNvPr id="64" name="矩形: 圆角 63">
+                    <a:extLst>
+                      <a:ext uri="{FF2B5EF4-FFF2-40B4-BE49-F238E27FC236}">
+                        <a16:creationId xmlns:a16="http://schemas.microsoft.com/office/drawing/2014/main" id="{871F3540-06FD-4FF9-88BE-DCFD72C5E3A3}"/>
+                      </a:ext>
+                    </a:extLst>
+                  </p:cNvPr>
+                  <p:cNvSpPr/>
+                  <p:nvPr/>
+                </p:nvSpPr>
+                <p:spPr>
+                  <a:xfrm>
+                    <a:off x="1130148" y="5345661"/>
+                    <a:ext cx="230282" cy="230282"/>
+                  </a:xfrm>
+                  <a:prstGeom prst="roundRect">
+                    <a:avLst/>
+                  </a:prstGeom>
+                  <a:solidFill>
+                    <a:srgbClr val="D9D9D9"/>
+                  </a:solidFill>
+                  <a:ln>
+                    <a:noFill/>
+                  </a:ln>
+                </p:spPr>
+                <p:style>
+                  <a:lnRef idx="2">
+                    <a:schemeClr val="accent1">
+                      <a:shade val="50000"/>
+                    </a:schemeClr>
+                  </a:lnRef>
+                  <a:fillRef idx="1">
+                    <a:schemeClr val="accent1"/>
+                  </a:fillRef>
+                  <a:effectRef idx="0">
+                    <a:schemeClr val="accent1"/>
+                  </a:effectRef>
+                  <a:fontRef idx="minor">
+                    <a:schemeClr val="lt1"/>
+                  </a:fontRef>
+                </p:style>
+                <p:txBody>
+                  <a:bodyPr rtlCol="0" anchor="ctr"/>
+                  <a:lstStyle/>
+                  <a:p>
+                    <a:pPr algn="ctr">
+                      <a:lnSpc>
+                        <a:spcPct val="150000"/>
+                      </a:lnSpc>
+                    </a:pPr>
+                    <a:endParaRPr lang="zh-CN" altLang="en-US" sz="1000" dirty="0">
+                      <a:solidFill>
+                        <a:schemeClr val="tx1"/>
+                      </a:solidFill>
+                      <a:latin typeface="微软雅黑" panose="020B0503020204020204" pitchFamily="34" charset="-122"/>
+                      <a:ea typeface="微软雅黑" panose="020B0503020204020204" pitchFamily="34" charset="-122"/>
+                    </a:endParaRPr>
+                  </a:p>
+                </p:txBody>
+              </p:sp>
+              <p:sp>
+                <p:nvSpPr>
+                  <p:cNvPr id="65" name="文本框 64">
+                    <a:extLst>
+                      <a:ext uri="{FF2B5EF4-FFF2-40B4-BE49-F238E27FC236}">
+                        <a16:creationId xmlns:a16="http://schemas.microsoft.com/office/drawing/2014/main" id="{2CBF769D-6987-49DF-A947-B949E91B3B1A}"/>
+                      </a:ext>
+                    </a:extLst>
+                  </p:cNvPr>
+                  <p:cNvSpPr txBox="1"/>
+                  <p:nvPr/>
+                </p:nvSpPr>
+                <p:spPr>
+                  <a:xfrm>
+                    <a:off x="997827" y="5579397"/>
+                    <a:ext cx="494923" cy="79857"/>
+                  </a:xfrm>
+                  <a:prstGeom prst="rect">
+                    <a:avLst/>
+                  </a:prstGeom>
+                  <a:noFill/>
+                </p:spPr>
+                <p:txBody>
+                  <a:bodyPr wrap="square" rtlCol="0">
+                    <a:spAutoFit/>
+                  </a:bodyPr>
+                  <a:lstStyle/>
+                  <a:p>
+                    <a:pPr algn="ctr"/>
+                    <a:r>
+                      <a:rPr lang="zh-CN" altLang="en-US" sz="700" dirty="0">
+                        <a:latin typeface="微软雅黑" panose="020B0503020204020204" pitchFamily="34" charset="-122"/>
+                        <a:ea typeface="微软雅黑" panose="020B0503020204020204" pitchFamily="34" charset="-122"/>
+                      </a:rPr>
+                      <a:t>国际驾照</a:t>
+                    </a:r>
+                  </a:p>
+                </p:txBody>
+              </p:sp>
+            </p:grpSp>
+            <p:grpSp>
+              <p:nvGrpSpPr>
+                <p:cNvPr id="61" name="组合 60">
+                  <a:extLst>
+                    <a:ext uri="{FF2B5EF4-FFF2-40B4-BE49-F238E27FC236}">
+                      <a16:creationId xmlns:a16="http://schemas.microsoft.com/office/drawing/2014/main" id="{6B4AD5FC-EE64-4D9F-A5D5-674C0F21EE12}"/>
+                    </a:ext>
+                  </a:extLst>
+                </p:cNvPr>
+                <p:cNvGrpSpPr/>
+                <p:nvPr/>
+              </p:nvGrpSpPr>
+              <p:grpSpPr>
+                <a:xfrm>
+                  <a:off x="2923121" y="2576665"/>
+                  <a:ext cx="1239857" cy="785598"/>
+                  <a:chOff x="997827" y="5345661"/>
+                  <a:chExt cx="494923" cy="313593"/>
+                </a:xfrm>
+              </p:grpSpPr>
+              <p:sp>
+                <p:nvSpPr>
+                  <p:cNvPr id="62" name="矩形: 圆角 61">
+                    <a:extLst>
+                      <a:ext uri="{FF2B5EF4-FFF2-40B4-BE49-F238E27FC236}">
+                        <a16:creationId xmlns:a16="http://schemas.microsoft.com/office/drawing/2014/main" id="{1548C5E4-CDC7-49EF-89F6-6DE9BAA078CF}"/>
+                      </a:ext>
+                    </a:extLst>
+                  </p:cNvPr>
+                  <p:cNvSpPr/>
+                  <p:nvPr/>
+                </p:nvSpPr>
+                <p:spPr>
+                  <a:xfrm>
+                    <a:off x="1130148" y="5345661"/>
+                    <a:ext cx="230282" cy="230282"/>
+                  </a:xfrm>
+                  <a:prstGeom prst="roundRect">
+                    <a:avLst/>
+                  </a:prstGeom>
+                  <a:solidFill>
+                    <a:srgbClr val="D9D9D9"/>
+                  </a:solidFill>
+                  <a:ln>
+                    <a:noFill/>
+                  </a:ln>
+                </p:spPr>
+                <p:style>
+                  <a:lnRef idx="2">
+                    <a:schemeClr val="accent1">
+                      <a:shade val="50000"/>
+                    </a:schemeClr>
+                  </a:lnRef>
+                  <a:fillRef idx="1">
+                    <a:schemeClr val="accent1"/>
+                  </a:fillRef>
+                  <a:effectRef idx="0">
+                    <a:schemeClr val="accent1"/>
+                  </a:effectRef>
+                  <a:fontRef idx="minor">
+                    <a:schemeClr val="lt1"/>
+                  </a:fontRef>
+                </p:style>
+                <p:txBody>
+                  <a:bodyPr rtlCol="0" anchor="ctr"/>
+                  <a:lstStyle/>
+                  <a:p>
+                    <a:pPr algn="ctr">
+                      <a:lnSpc>
+                        <a:spcPct val="150000"/>
+                      </a:lnSpc>
+                    </a:pPr>
+                    <a:endParaRPr lang="zh-CN" altLang="en-US" sz="1000" dirty="0">
+                      <a:solidFill>
+                        <a:schemeClr val="tx1"/>
+                      </a:solidFill>
+                      <a:latin typeface="微软雅黑" panose="020B0503020204020204" pitchFamily="34" charset="-122"/>
+                      <a:ea typeface="微软雅黑" panose="020B0503020204020204" pitchFamily="34" charset="-122"/>
+                    </a:endParaRPr>
+                  </a:p>
+                </p:txBody>
+              </p:sp>
+              <p:sp>
+                <p:nvSpPr>
+                  <p:cNvPr id="63" name="文本框 62">
+                    <a:extLst>
+                      <a:ext uri="{FF2B5EF4-FFF2-40B4-BE49-F238E27FC236}">
+                        <a16:creationId xmlns:a16="http://schemas.microsoft.com/office/drawing/2014/main" id="{93DA7EF0-4587-47EB-8CA0-B978128A704D}"/>
+                      </a:ext>
+                    </a:extLst>
+                  </p:cNvPr>
+                  <p:cNvSpPr txBox="1"/>
+                  <p:nvPr/>
+                </p:nvSpPr>
+                <p:spPr>
+                  <a:xfrm>
+                    <a:off x="997827" y="5579397"/>
+                    <a:ext cx="494923" cy="79857"/>
+                  </a:xfrm>
+                  <a:prstGeom prst="rect">
+                    <a:avLst/>
+                  </a:prstGeom>
+                  <a:noFill/>
+                </p:spPr>
+                <p:txBody>
+                  <a:bodyPr wrap="square" rtlCol="0">
+                    <a:spAutoFit/>
+                  </a:bodyPr>
+                  <a:lstStyle/>
+                  <a:p>
+                    <a:pPr algn="ctr"/>
+                    <a:r>
+                      <a:rPr lang="zh-CN" altLang="en-US" sz="700" dirty="0">
+                        <a:latin typeface="微软雅黑" panose="020B0503020204020204" pitchFamily="34" charset="-122"/>
+                        <a:ea typeface="微软雅黑" panose="020B0503020204020204" pitchFamily="34" charset="-122"/>
+                      </a:rPr>
+                      <a:t>违章查询</a:t>
+                    </a:r>
+                  </a:p>
+                </p:txBody>
+              </p:sp>
+            </p:grpSp>
+          </p:grpSp>
+        </p:grpSp>
+        <p:sp>
+          <p:nvSpPr>
+            <p:cNvPr id="93" name="矩形 92">
+              <a:extLst>
+                <a:ext uri="{FF2B5EF4-FFF2-40B4-BE49-F238E27FC236}">
+                  <a16:creationId xmlns:a16="http://schemas.microsoft.com/office/drawing/2014/main" id="{0713C0DE-1678-4950-BEC4-39E1856F78C9}"/>
+                </a:ext>
+              </a:extLst>
+            </p:cNvPr>
+            <p:cNvSpPr/>
+            <p:nvPr/>
+          </p:nvSpPr>
+          <p:spPr>
+            <a:xfrm rot="1844245">
+              <a:off x="3536855" y="3495300"/>
+              <a:ext cx="310086" cy="130809"/>
+            </a:xfrm>
+            <a:prstGeom prst="rect">
+              <a:avLst/>
+            </a:prstGeom>
+            <a:solidFill>
+              <a:srgbClr val="09BB07"/>
+            </a:solidFill>
+            <a:ln>
+              <a:noFill/>
+            </a:ln>
+          </p:spPr>
+          <p:style>
+            <a:lnRef idx="2">
+              <a:schemeClr val="accent1">
+                <a:shade val="50000"/>
+              </a:schemeClr>
+            </a:lnRef>
+            <a:fillRef idx="1">
+              <a:schemeClr val="accent1"/>
+            </a:fillRef>
+            <a:effectRef idx="0">
+              <a:schemeClr val="accent1"/>
+            </a:effectRef>
+            <a:fontRef idx="minor">
+              <a:schemeClr val="lt1"/>
+            </a:fontRef>
+          </p:style>
+          <p:txBody>
+            <a:bodyPr rtlCol="0" anchor="ctr"/>
+            <a:lstStyle/>
+            <a:p>
+              <a:pPr algn="ctr"/>
+              <a:r>
+                <a:rPr lang="zh-CN" altLang="en-US" sz="700" dirty="0">
+                  <a:latin typeface="微软雅黑" panose="020B0503020204020204" pitchFamily="34" charset="-122"/>
+                  <a:ea typeface="微软雅黑" panose="020B0503020204020204" pitchFamily="34" charset="-122"/>
+                </a:rPr>
+                <a:t>惠</a:t>
+              </a:r>
+            </a:p>
+          </p:txBody>
+        </p:sp>
+      </p:grpSp>
     </p:spTree>
     <p:extLst>
       <p:ext uri="{BB962C8B-B14F-4D97-AF65-F5344CB8AC3E}">
@@ -3426,11 +3525,21 @@
             <p:ph sz="quarter" idx="10"/>
           </p:nvPr>
         </p:nvSpPr>
-        <p:spPr/>
+        <p:spPr>
+          <a:xfrm>
+            <a:off x="5451681" y="142350"/>
+            <a:ext cx="5677175" cy="6000350"/>
+          </a:xfrm>
+        </p:spPr>
         <p:txBody>
           <a:bodyPr/>
           <a:lstStyle/>
           <a:p>
+            <a:pPr>
+              <a:lnSpc>
+                <a:spcPct val="150000"/>
+              </a:lnSpc>
+            </a:pPr>
             <a:r>
               <a:rPr lang="zh-CN" altLang="en-US" sz="1200" dirty="0"/>
               <a:t>广告合作：</a:t>
@@ -3438,6 +3547,11 @@
             <a:endParaRPr lang="en-US" altLang="zh-CN" sz="1200" dirty="0"/>
           </a:p>
           <a:p>
+            <a:pPr>
+              <a:lnSpc>
+                <a:spcPct val="150000"/>
+              </a:lnSpc>
+            </a:pPr>
             <a:r>
               <a:rPr lang="en-US" altLang="zh-CN" sz="1200" dirty="0"/>
               <a:t>1</a:t>
@@ -3461,6 +3575,11 @@
             </a:endParaRPr>
           </a:p>
           <a:p>
+            <a:pPr>
+              <a:lnSpc>
+                <a:spcPct val="150000"/>
+              </a:lnSpc>
+            </a:pPr>
             <a:r>
               <a:rPr lang="en-US" altLang="zh-CN" sz="1200" dirty="0"/>
               <a:t>2</a:t>
@@ -3484,20 +3603,67 @@
             </a:endParaRPr>
           </a:p>
           <a:p>
+            <a:pPr>
+              <a:lnSpc>
+                <a:spcPct val="150000"/>
+              </a:lnSpc>
+            </a:pPr>
+            <a:r>
+              <a:rPr lang="en-US" altLang="zh-CN" sz="1200" dirty="0"/>
+              <a:t>3</a:t>
+            </a:r>
+            <a:r>
+              <a:rPr lang="zh-CN" altLang="en-US" sz="1200" dirty="0"/>
+              <a:t>、平安证券</a:t>
+            </a:r>
             <a:endParaRPr lang="en-US" altLang="zh-CN" sz="1200" dirty="0"/>
           </a:p>
           <a:p>
+            <a:pPr>
+              <a:lnSpc>
+                <a:spcPct val="150000"/>
+              </a:lnSpc>
+            </a:pPr>
             <a:r>
               <a:rPr lang="en-US" altLang="zh-CN" sz="1200" dirty="0"/>
-              <a:t>BD</a:t>
+              <a:t>4</a:t>
             </a:r>
             <a:r>
               <a:rPr lang="zh-CN" altLang="en-US" sz="1200" dirty="0"/>
-              <a:t>合作：</a:t>
+              <a:t>、车发发</a:t>
             </a:r>
             <a:endParaRPr lang="en-US" altLang="zh-CN" sz="1200" dirty="0"/>
           </a:p>
           <a:p>
+            <a:pPr>
+              <a:lnSpc>
+                <a:spcPct val="150000"/>
+              </a:lnSpc>
+            </a:pPr>
+            <a:endParaRPr lang="en-US" altLang="zh-CN" sz="1200" dirty="0"/>
+          </a:p>
+          <a:p>
+            <a:pPr>
+              <a:lnSpc>
+                <a:spcPct val="150000"/>
+              </a:lnSpc>
+            </a:pPr>
+            <a:r>
+              <a:rPr lang="en-US" altLang="zh-CN" sz="1200" dirty="0"/>
+              <a:t>BD</a:t>
+            </a:r>
+            <a:r>
+              <a:rPr lang="zh-CN" altLang="en-US" sz="1200" dirty="0"/>
+              <a:t>合作：</a:t>
+            </a:r>
+            <a:endParaRPr lang="en-US" altLang="zh-CN" sz="1200" dirty="0"/>
+          </a:p>
+          <a:p>
+            <a:pPr>
+              <a:lnSpc>
+                <a:spcPct val="150000"/>
+              </a:lnSpc>
+            </a:pPr>
             <a:r>
               <a:rPr lang="en-US" altLang="zh-CN" sz="1200" dirty="0"/>
               <a:t>1</a:t>
@@ -3545,6 +3711,11 @@
             </a:endParaRPr>
           </a:p>
           <a:p>
+            <a:pPr>
+              <a:lnSpc>
+                <a:spcPct val="150000"/>
+              </a:lnSpc>
+            </a:pPr>
             <a:r>
               <a:rPr lang="en-US" altLang="zh-CN" sz="1200" dirty="0"/>
               <a:t>2</a:t>
@@ -3588,6 +3759,11 @@
             <a:endParaRPr lang="en-US" altLang="zh-CN" sz="1200" dirty="0"/>
           </a:p>
           <a:p>
+            <a:pPr>
+              <a:lnSpc>
+                <a:spcPct val="150000"/>
+              </a:lnSpc>
+            </a:pPr>
             <a:r>
               <a:rPr lang="en-US" altLang="zh-CN" sz="1200" dirty="0"/>
               <a:t>3</a:t>
@@ -3631,6 +3807,11 @@
             <a:endParaRPr lang="en-US" altLang="zh-CN" sz="1200" dirty="0"/>
           </a:p>
           <a:p>
+            <a:pPr>
+              <a:lnSpc>
+                <a:spcPct val="150000"/>
+              </a:lnSpc>
+            </a:pPr>
             <a:r>
               <a:rPr lang="en-US" altLang="zh-CN" sz="1200" dirty="0"/>
               <a:t>4</a:t>
@@ -3650,6 +3831,11 @@
             <a:endParaRPr lang="en-US" altLang="zh-CN" sz="1200" dirty="0"/>
           </a:p>
           <a:p>
+            <a:pPr>
+              <a:lnSpc>
+                <a:spcPct val="150000"/>
+              </a:lnSpc>
+            </a:pPr>
             <a:r>
               <a:rPr lang="en-US" altLang="zh-CN" sz="1200" dirty="0"/>
               <a:t>5</a:t>
@@ -3660,23 +3846,28 @@
             </a:r>
             <a:r>
               <a:rPr lang="zh-CN" altLang="en-US" sz="1200" b="1" dirty="0"/>
-              <a:t>手机充值</a:t>
+              <a:t>意外健康险：</a:t>
             </a:r>
             <a:r>
               <a:rPr lang="zh-CN" altLang="en-US" sz="1200" dirty="0"/>
-              <a:t>：比微信价格更好，使用“惠”字样标识，</a:t>
-            </a:r>
-            <a:r>
-              <a:rPr lang="zh-CN" altLang="en-US" sz="1200" b="1" dirty="0">
-                <a:solidFill>
-                  <a:srgbClr val="00B050"/>
-                </a:solidFill>
-              </a:rPr>
-              <a:t>合同随时可签</a:t>
+              <a:t>险萝卜，</a:t>
+            </a:r>
+            <a:r>
+              <a:rPr lang="en-US" altLang="zh-CN" sz="1200" dirty="0"/>
+              <a:t>CPA</a:t>
+            </a:r>
+            <a:r>
+              <a:rPr lang="zh-CN" altLang="en-US" sz="1200" dirty="0"/>
+              <a:t>付费，每个险种返佣不一样，等待清单。</a:t>
             </a:r>
             <a:endParaRPr lang="en-US" altLang="zh-CN" sz="1200" dirty="0"/>
           </a:p>
           <a:p>
+            <a:pPr>
+              <a:lnSpc>
+                <a:spcPct val="150000"/>
+              </a:lnSpc>
+            </a:pPr>
             <a:r>
               <a:rPr lang="en-US" altLang="zh-CN" sz="1200" dirty="0"/>
               <a:t>6</a:t>
@@ -3691,11 +3882,24 @@
             </a:r>
             <a:r>
               <a:rPr lang="zh-CN" altLang="en-US" sz="1200" dirty="0"/>
-              <a:t>：</a:t>
+              <a:t>：险萝卜，</a:t>
+            </a:r>
+            <a:r>
+              <a:rPr lang="en-US" altLang="zh-CN" sz="1200" dirty="0"/>
+              <a:t>CPA</a:t>
+            </a:r>
+            <a:r>
+              <a:rPr lang="zh-CN" altLang="en-US" sz="1200" dirty="0"/>
+              <a:t>付费，号称价格比别家都低</a:t>
             </a:r>
             <a:endParaRPr lang="en-US" altLang="zh-CN" sz="1200" dirty="0"/>
           </a:p>
           <a:p>
+            <a:pPr>
+              <a:lnSpc>
+                <a:spcPct val="150000"/>
+              </a:lnSpc>
+            </a:pPr>
             <a:r>
               <a:rPr lang="en-US" altLang="zh-CN" sz="1200" dirty="0"/>
               <a:t>7</a:t>
@@ -3710,43 +3914,55 @@
             </a:r>
             <a:r>
               <a:rPr lang="zh-CN" altLang="en-US" sz="1200" dirty="0"/>
-              <a:t>：车发发提供服务。可找到对方老板，资源对接中</a:t>
+              <a:t>：车发发提供服务，具体合作内容对接中</a:t>
             </a:r>
             <a:endParaRPr lang="en-US" altLang="zh-CN" sz="1200" dirty="0"/>
           </a:p>
           <a:p>
+            <a:pPr>
+              <a:lnSpc>
+                <a:spcPct val="150000"/>
+              </a:lnSpc>
+            </a:pPr>
             <a:r>
               <a:rPr lang="en-US" altLang="zh-CN" sz="1200" dirty="0"/>
-              <a:t>	7.1</a:t>
+              <a:t>8</a:t>
             </a:r>
             <a:r>
               <a:rPr lang="zh-CN" altLang="en-US" sz="1200" dirty="0"/>
-              <a:t>、接入车发发的</a:t>
-            </a:r>
-            <a:r>
-              <a:rPr lang="en-US" altLang="zh-CN" sz="1200" dirty="0"/>
-              <a:t>H5</a:t>
-            </a:r>
-          </a:p>
-          <a:p>
-            <a:r>
-              <a:rPr lang="en-US" altLang="zh-CN" sz="1200" dirty="0"/>
-              <a:t>	7.2</a:t>
+              <a:t>、</a:t>
+            </a:r>
+            <a:r>
+              <a:rPr lang="zh-CN" altLang="en-US" sz="1200" b="1" dirty="0"/>
+              <a:t>年审代办：</a:t>
             </a:r>
             <a:r>
               <a:rPr lang="zh-CN" altLang="en-US" sz="1200" dirty="0"/>
-              <a:t>、我们通过车牌自动获取车型，传给车发发</a:t>
+              <a:t>养车乐，具体的合作信息，后续跟进沟通。</a:t>
             </a:r>
             <a:endParaRPr lang="en-US" altLang="zh-CN" sz="1200" dirty="0"/>
           </a:p>
           <a:p>
+            <a:pPr>
+              <a:lnSpc>
+                <a:spcPct val="150000"/>
+              </a:lnSpc>
+            </a:pPr>
             <a:r>
               <a:rPr lang="en-US" altLang="zh-CN" sz="1200" dirty="0"/>
-              <a:t>	7.3</a:t>
+              <a:t>9</a:t>
             </a:r>
             <a:r>
               <a:rPr lang="zh-CN" altLang="en-US" sz="1200" dirty="0"/>
-              <a:t>、合作银行，结合用户账户，提供保养金融服务</a:t>
+              <a:t>、</a:t>
+            </a:r>
+            <a:r>
+              <a:rPr lang="zh-CN" altLang="en-US" sz="1200" b="1" dirty="0"/>
+              <a:t>违章代办：</a:t>
+            </a:r>
+            <a:r>
+              <a:rPr lang="zh-CN" altLang="en-US" sz="1200" dirty="0"/>
+              <a:t>养车乐，具体的合作信息，后续跟进沟通。</a:t>
             </a:r>
             <a:endParaRPr lang="en-US" altLang="zh-CN" sz="1200" dirty="0"/>
           </a:p>
@@ -4311,1029 +4527,6 @@
           </p:txBody>
         </p:sp>
       </p:grpSp>
-      <p:grpSp>
-        <p:nvGrpSpPr>
-          <p:cNvPr id="47" name="组合 46">
-            <a:extLst>
-              <a:ext uri="{FF2B5EF4-FFF2-40B4-BE49-F238E27FC236}">
-                <a16:creationId xmlns:a16="http://schemas.microsoft.com/office/drawing/2014/main" id="{F74171A4-C285-437B-A3F3-C46E3024AB07}"/>
-              </a:ext>
-            </a:extLst>
-          </p:cNvPr>
-          <p:cNvGrpSpPr/>
-          <p:nvPr/>
-        </p:nvGrpSpPr>
-        <p:grpSpPr>
-          <a:xfrm>
-            <a:off x="881508" y="2970631"/>
-            <a:ext cx="3308563" cy="2202906"/>
-            <a:chOff x="863629" y="2070920"/>
-            <a:chExt cx="3308563" cy="2202906"/>
-          </a:xfrm>
-        </p:grpSpPr>
-        <p:grpSp>
-          <p:nvGrpSpPr>
-            <p:cNvPr id="55" name="组合 54">
-              <a:extLst>
-                <a:ext uri="{FF2B5EF4-FFF2-40B4-BE49-F238E27FC236}">
-                  <a16:creationId xmlns:a16="http://schemas.microsoft.com/office/drawing/2014/main" id="{05B9D5A8-2307-4BFA-827A-97A2E5B2E94F}"/>
-                </a:ext>
-              </a:extLst>
-            </p:cNvPr>
-            <p:cNvGrpSpPr/>
-            <p:nvPr/>
-          </p:nvGrpSpPr>
-          <p:grpSpPr>
-            <a:xfrm>
-              <a:off x="952040" y="2070920"/>
-              <a:ext cx="3131743" cy="2202906"/>
-              <a:chOff x="109797" y="1729407"/>
-              <a:chExt cx="3131743" cy="2171627"/>
-            </a:xfrm>
-          </p:grpSpPr>
-          <p:sp>
-            <p:nvSpPr>
-              <p:cNvPr id="77" name="矩形 76">
-                <a:extLst>
-                  <a:ext uri="{FF2B5EF4-FFF2-40B4-BE49-F238E27FC236}">
-                    <a16:creationId xmlns:a16="http://schemas.microsoft.com/office/drawing/2014/main" id="{6CE526F6-898D-4649-B486-1A4E7E3A4D6A}"/>
-                  </a:ext>
-                </a:extLst>
-              </p:cNvPr>
-              <p:cNvSpPr/>
-              <p:nvPr/>
-            </p:nvSpPr>
-            <p:spPr>
-              <a:xfrm>
-                <a:off x="109797" y="1729407"/>
-                <a:ext cx="3131743" cy="2171627"/>
-              </a:xfrm>
-              <a:prstGeom prst="rect">
-                <a:avLst/>
-              </a:prstGeom>
-              <a:solidFill>
-                <a:schemeClr val="bg1"/>
-              </a:solidFill>
-              <a:ln>
-                <a:solidFill>
-                  <a:srgbClr val="DBDBDB"/>
-                </a:solidFill>
-              </a:ln>
-            </p:spPr>
-            <p:style>
-              <a:lnRef idx="1">
-                <a:schemeClr val="accent1"/>
-              </a:lnRef>
-              <a:fillRef idx="0">
-                <a:schemeClr val="accent1"/>
-              </a:fillRef>
-              <a:effectRef idx="0">
-                <a:schemeClr val="accent1"/>
-              </a:effectRef>
-              <a:fontRef idx="minor">
-                <a:schemeClr val="tx1"/>
-              </a:fontRef>
-            </p:style>
-            <p:txBody>
-              <a:bodyPr rtlCol="0" anchor="ctr"/>
-              <a:lstStyle/>
-              <a:p>
-                <a:pPr algn="ctr"/>
-                <a:endParaRPr lang="zh-CN" altLang="en-US" sz="1000" dirty="0">
-                  <a:solidFill>
-                    <a:schemeClr val="tx1"/>
-                  </a:solidFill>
-                </a:endParaRPr>
-              </a:p>
-            </p:txBody>
-          </p:sp>
-          <p:cxnSp>
-            <p:nvCxnSpPr>
-              <p:cNvPr id="78" name="直接连接符 77">
-                <a:extLst>
-                  <a:ext uri="{FF2B5EF4-FFF2-40B4-BE49-F238E27FC236}">
-                    <a16:creationId xmlns:a16="http://schemas.microsoft.com/office/drawing/2014/main" id="{9445CAE2-67DC-4654-9F43-32E960A5278A}"/>
-                  </a:ext>
-                </a:extLst>
-              </p:cNvPr>
-              <p:cNvCxnSpPr>
-                <a:cxnSpLocks/>
-              </p:cNvCxnSpPr>
-              <p:nvPr/>
-            </p:nvCxnSpPr>
-            <p:spPr>
-              <a:xfrm>
-                <a:off x="242865" y="2009928"/>
-                <a:ext cx="2998675" cy="0"/>
-              </a:xfrm>
-              <a:prstGeom prst="line">
-                <a:avLst/>
-              </a:prstGeom>
-              <a:ln>
-                <a:solidFill>
-                  <a:srgbClr val="DBDBDB"/>
-                </a:solidFill>
-              </a:ln>
-            </p:spPr>
-            <p:style>
-              <a:lnRef idx="1">
-                <a:schemeClr val="accent1"/>
-              </a:lnRef>
-              <a:fillRef idx="0">
-                <a:schemeClr val="accent1"/>
-              </a:fillRef>
-              <a:effectRef idx="0">
-                <a:schemeClr val="accent1"/>
-              </a:effectRef>
-              <a:fontRef idx="minor">
-                <a:schemeClr val="tx1"/>
-              </a:fontRef>
-            </p:style>
-          </p:cxnSp>
-          <p:sp>
-            <p:nvSpPr>
-              <p:cNvPr id="79" name="文本框 78">
-                <a:extLst>
-                  <a:ext uri="{FF2B5EF4-FFF2-40B4-BE49-F238E27FC236}">
-                    <a16:creationId xmlns:a16="http://schemas.microsoft.com/office/drawing/2014/main" id="{19469321-0B56-4590-B10C-9A9AA820A229}"/>
-                  </a:ext>
-                </a:extLst>
-              </p:cNvPr>
-              <p:cNvSpPr txBox="1"/>
-              <p:nvPr/>
-            </p:nvSpPr>
-            <p:spPr>
-              <a:xfrm>
-                <a:off x="191804" y="1792668"/>
-                <a:ext cx="824713" cy="212385"/>
-              </a:xfrm>
-              <a:prstGeom prst="rect">
-                <a:avLst/>
-              </a:prstGeom>
-              <a:noFill/>
-            </p:spPr>
-            <p:txBody>
-              <a:bodyPr wrap="square" rtlCol="0">
-                <a:spAutoFit/>
-              </a:bodyPr>
-              <a:lstStyle/>
-              <a:p>
-                <a:r>
-                  <a:rPr lang="zh-CN" altLang="en-US" sz="800" dirty="0">
-                    <a:solidFill>
-                      <a:schemeClr val="bg1">
-                        <a:lumMod val="75000"/>
-                      </a:schemeClr>
-                    </a:solidFill>
-                    <a:latin typeface="微软雅黑" panose="020B0503020204020204" pitchFamily="34" charset="-122"/>
-                    <a:ea typeface="微软雅黑" panose="020B0503020204020204" pitchFamily="34" charset="-122"/>
-                  </a:rPr>
-                  <a:t>优惠生活</a:t>
-                </a:r>
-              </a:p>
-            </p:txBody>
-          </p:sp>
-        </p:grpSp>
-        <p:grpSp>
-          <p:nvGrpSpPr>
-            <p:cNvPr id="56" name="组合 55">
-              <a:extLst>
-                <a:ext uri="{FF2B5EF4-FFF2-40B4-BE49-F238E27FC236}">
-                  <a16:creationId xmlns:a16="http://schemas.microsoft.com/office/drawing/2014/main" id="{8CF44327-B167-41A4-912A-5BE8CDA12885}"/>
-                </a:ext>
-              </a:extLst>
-            </p:cNvPr>
-            <p:cNvGrpSpPr/>
-            <p:nvPr/>
-          </p:nvGrpSpPr>
-          <p:grpSpPr>
-            <a:xfrm>
-              <a:off x="863629" y="2489697"/>
-              <a:ext cx="3308563" cy="805733"/>
-              <a:chOff x="854415" y="2556530"/>
-              <a:chExt cx="3308563" cy="805733"/>
-            </a:xfrm>
-          </p:grpSpPr>
-          <p:grpSp>
-            <p:nvGrpSpPr>
-              <p:cNvPr id="68" name="组合 67">
-                <a:extLst>
-                  <a:ext uri="{FF2B5EF4-FFF2-40B4-BE49-F238E27FC236}">
-                    <a16:creationId xmlns:a16="http://schemas.microsoft.com/office/drawing/2014/main" id="{AC58E060-369A-4BF3-85F6-9E69449FE887}"/>
-                  </a:ext>
-                </a:extLst>
-              </p:cNvPr>
-              <p:cNvGrpSpPr/>
-              <p:nvPr/>
-            </p:nvGrpSpPr>
-            <p:grpSpPr>
-              <a:xfrm>
-                <a:off x="854415" y="2556530"/>
-                <a:ext cx="1239857" cy="785598"/>
-                <a:chOff x="997827" y="5345661"/>
-                <a:chExt cx="494923" cy="313593"/>
-              </a:xfrm>
-            </p:grpSpPr>
-            <p:sp>
-              <p:nvSpPr>
-                <p:cNvPr id="75" name="矩形: 圆角 74">
-                  <a:extLst>
-                    <a:ext uri="{FF2B5EF4-FFF2-40B4-BE49-F238E27FC236}">
-                      <a16:creationId xmlns:a16="http://schemas.microsoft.com/office/drawing/2014/main" id="{9E8C1FB0-6641-4221-BFB0-25FA2163923E}"/>
-                    </a:ext>
-                  </a:extLst>
-                </p:cNvPr>
-                <p:cNvSpPr/>
-                <p:nvPr/>
-              </p:nvSpPr>
-              <p:spPr>
-                <a:xfrm>
-                  <a:off x="1130148" y="5345661"/>
-                  <a:ext cx="230282" cy="230282"/>
-                </a:xfrm>
-                <a:prstGeom prst="roundRect">
-                  <a:avLst/>
-                </a:prstGeom>
-                <a:solidFill>
-                  <a:srgbClr val="D9D9D9"/>
-                </a:solidFill>
-                <a:ln>
-                  <a:noFill/>
-                </a:ln>
-              </p:spPr>
-              <p:style>
-                <a:lnRef idx="2">
-                  <a:schemeClr val="accent1">
-                    <a:shade val="50000"/>
-                  </a:schemeClr>
-                </a:lnRef>
-                <a:fillRef idx="1">
-                  <a:schemeClr val="accent1"/>
-                </a:fillRef>
-                <a:effectRef idx="0">
-                  <a:schemeClr val="accent1"/>
-                </a:effectRef>
-                <a:fontRef idx="minor">
-                  <a:schemeClr val="lt1"/>
-                </a:fontRef>
-              </p:style>
-              <p:txBody>
-                <a:bodyPr rtlCol="0" anchor="ctr"/>
-                <a:lstStyle/>
-                <a:p>
-                  <a:pPr algn="ctr">
-                    <a:lnSpc>
-                      <a:spcPct val="150000"/>
-                    </a:lnSpc>
-                  </a:pPr>
-                  <a:endParaRPr lang="zh-CN" altLang="en-US" sz="1000" dirty="0">
-                    <a:solidFill>
-                      <a:schemeClr val="tx1"/>
-                    </a:solidFill>
-                    <a:latin typeface="微软雅黑" panose="020B0503020204020204" pitchFamily="34" charset="-122"/>
-                    <a:ea typeface="微软雅黑" panose="020B0503020204020204" pitchFamily="34" charset="-122"/>
-                  </a:endParaRPr>
-                </a:p>
-              </p:txBody>
-            </p:sp>
-            <p:sp>
-              <p:nvSpPr>
-                <p:cNvPr id="76" name="文本框 75">
-                  <a:extLst>
-                    <a:ext uri="{FF2B5EF4-FFF2-40B4-BE49-F238E27FC236}">
-                      <a16:creationId xmlns:a16="http://schemas.microsoft.com/office/drawing/2014/main" id="{98D2F4FF-8E48-4DAA-AC23-11AC607775BA}"/>
-                    </a:ext>
-                  </a:extLst>
-                </p:cNvPr>
-                <p:cNvSpPr txBox="1"/>
-                <p:nvPr/>
-              </p:nvSpPr>
-              <p:spPr>
-                <a:xfrm>
-                  <a:off x="997827" y="5579397"/>
-                  <a:ext cx="494923" cy="79857"/>
-                </a:xfrm>
-                <a:prstGeom prst="rect">
-                  <a:avLst/>
-                </a:prstGeom>
-                <a:noFill/>
-              </p:spPr>
-              <p:txBody>
-                <a:bodyPr wrap="square" rtlCol="0">
-                  <a:spAutoFit/>
-                </a:bodyPr>
-                <a:lstStyle/>
-                <a:p>
-                  <a:pPr algn="ctr"/>
-                  <a:r>
-                    <a:rPr lang="zh-CN" altLang="en-US" sz="700" dirty="0">
-                      <a:latin typeface="微软雅黑" panose="020B0503020204020204" pitchFamily="34" charset="-122"/>
-                      <a:ea typeface="微软雅黑" panose="020B0503020204020204" pitchFamily="34" charset="-122"/>
-                    </a:rPr>
-                    <a:t>新车比价</a:t>
-                  </a:r>
-                </a:p>
-              </p:txBody>
-            </p:sp>
-          </p:grpSp>
-          <p:grpSp>
-            <p:nvGrpSpPr>
-              <p:cNvPr id="69" name="组合 68">
-                <a:extLst>
-                  <a:ext uri="{FF2B5EF4-FFF2-40B4-BE49-F238E27FC236}">
-                    <a16:creationId xmlns:a16="http://schemas.microsoft.com/office/drawing/2014/main" id="{CE2C1050-E6F3-42F0-BE64-4EE6363A841F}"/>
-                  </a:ext>
-                </a:extLst>
-              </p:cNvPr>
-              <p:cNvGrpSpPr/>
-              <p:nvPr/>
-            </p:nvGrpSpPr>
-            <p:grpSpPr>
-              <a:xfrm>
-                <a:off x="1888768" y="2576665"/>
-                <a:ext cx="1239857" cy="785598"/>
-                <a:chOff x="997827" y="5345661"/>
-                <a:chExt cx="494923" cy="313593"/>
-              </a:xfrm>
-            </p:grpSpPr>
-            <p:sp>
-              <p:nvSpPr>
-                <p:cNvPr id="73" name="矩形: 圆角 72">
-                  <a:extLst>
-                    <a:ext uri="{FF2B5EF4-FFF2-40B4-BE49-F238E27FC236}">
-                      <a16:creationId xmlns:a16="http://schemas.microsoft.com/office/drawing/2014/main" id="{172DA6B5-8D7A-4F44-A98E-FD6500690F6C}"/>
-                    </a:ext>
-                  </a:extLst>
-                </p:cNvPr>
-                <p:cNvSpPr/>
-                <p:nvPr/>
-              </p:nvSpPr>
-              <p:spPr>
-                <a:xfrm>
-                  <a:off x="1130148" y="5345661"/>
-                  <a:ext cx="230282" cy="230282"/>
-                </a:xfrm>
-                <a:prstGeom prst="roundRect">
-                  <a:avLst/>
-                </a:prstGeom>
-                <a:solidFill>
-                  <a:srgbClr val="D9D9D9"/>
-                </a:solidFill>
-                <a:ln>
-                  <a:noFill/>
-                </a:ln>
-              </p:spPr>
-              <p:style>
-                <a:lnRef idx="2">
-                  <a:schemeClr val="accent1">
-                    <a:shade val="50000"/>
-                  </a:schemeClr>
-                </a:lnRef>
-                <a:fillRef idx="1">
-                  <a:schemeClr val="accent1"/>
-                </a:fillRef>
-                <a:effectRef idx="0">
-                  <a:schemeClr val="accent1"/>
-                </a:effectRef>
-                <a:fontRef idx="minor">
-                  <a:schemeClr val="lt1"/>
-                </a:fontRef>
-              </p:style>
-              <p:txBody>
-                <a:bodyPr rtlCol="0" anchor="ctr"/>
-                <a:lstStyle/>
-                <a:p>
-                  <a:pPr algn="ctr">
-                    <a:lnSpc>
-                      <a:spcPct val="150000"/>
-                    </a:lnSpc>
-                  </a:pPr>
-                  <a:endParaRPr lang="zh-CN" altLang="en-US" sz="1000" dirty="0">
-                    <a:solidFill>
-                      <a:schemeClr val="tx1"/>
-                    </a:solidFill>
-                    <a:latin typeface="微软雅黑" panose="020B0503020204020204" pitchFamily="34" charset="-122"/>
-                    <a:ea typeface="微软雅黑" panose="020B0503020204020204" pitchFamily="34" charset="-122"/>
-                  </a:endParaRPr>
-                </a:p>
-              </p:txBody>
-            </p:sp>
-            <p:sp>
-              <p:nvSpPr>
-                <p:cNvPr id="74" name="文本框 73">
-                  <a:extLst>
-                    <a:ext uri="{FF2B5EF4-FFF2-40B4-BE49-F238E27FC236}">
-                      <a16:creationId xmlns:a16="http://schemas.microsoft.com/office/drawing/2014/main" id="{21D05421-8617-4398-BC98-EE073E8FCBBA}"/>
-                    </a:ext>
-                  </a:extLst>
-                </p:cNvPr>
-                <p:cNvSpPr txBox="1"/>
-                <p:nvPr/>
-              </p:nvSpPr>
-              <p:spPr>
-                <a:xfrm>
-                  <a:off x="997827" y="5579397"/>
-                  <a:ext cx="494923" cy="79857"/>
-                </a:xfrm>
-                <a:prstGeom prst="rect">
-                  <a:avLst/>
-                </a:prstGeom>
-                <a:noFill/>
-              </p:spPr>
-              <p:txBody>
-                <a:bodyPr wrap="square" rtlCol="0">
-                  <a:spAutoFit/>
-                </a:bodyPr>
-                <a:lstStyle/>
-                <a:p>
-                  <a:pPr algn="ctr"/>
-                  <a:r>
-                    <a:rPr lang="zh-CN" altLang="en-US" sz="700" dirty="0">
-                      <a:latin typeface="微软雅黑" panose="020B0503020204020204" pitchFamily="34" charset="-122"/>
-                      <a:ea typeface="微软雅黑" panose="020B0503020204020204" pitchFamily="34" charset="-122"/>
-                    </a:rPr>
-                    <a:t>手机充值</a:t>
-                  </a:r>
-                </a:p>
-              </p:txBody>
-            </p:sp>
-          </p:grpSp>
-          <p:grpSp>
-            <p:nvGrpSpPr>
-              <p:cNvPr id="70" name="组合 69">
-                <a:extLst>
-                  <a:ext uri="{FF2B5EF4-FFF2-40B4-BE49-F238E27FC236}">
-                    <a16:creationId xmlns:a16="http://schemas.microsoft.com/office/drawing/2014/main" id="{AB1FB7CF-789A-4E33-B1F2-88487D90BD4E}"/>
-                  </a:ext>
-                </a:extLst>
-              </p:cNvPr>
-              <p:cNvGrpSpPr/>
-              <p:nvPr/>
-            </p:nvGrpSpPr>
-            <p:grpSpPr>
-              <a:xfrm>
-                <a:off x="2923121" y="2576665"/>
-                <a:ext cx="1239857" cy="785598"/>
-                <a:chOff x="997827" y="5345661"/>
-                <a:chExt cx="494923" cy="313593"/>
-              </a:xfrm>
-            </p:grpSpPr>
-            <p:sp>
-              <p:nvSpPr>
-                <p:cNvPr id="71" name="矩形: 圆角 70">
-                  <a:extLst>
-                    <a:ext uri="{FF2B5EF4-FFF2-40B4-BE49-F238E27FC236}">
-                      <a16:creationId xmlns:a16="http://schemas.microsoft.com/office/drawing/2014/main" id="{12C8E728-5DFF-4E41-8E81-BB63087AD667}"/>
-                    </a:ext>
-                  </a:extLst>
-                </p:cNvPr>
-                <p:cNvSpPr/>
-                <p:nvPr/>
-              </p:nvSpPr>
-              <p:spPr>
-                <a:xfrm>
-                  <a:off x="1130148" y="5345661"/>
-                  <a:ext cx="230282" cy="230282"/>
-                </a:xfrm>
-                <a:prstGeom prst="roundRect">
-                  <a:avLst/>
-                </a:prstGeom>
-                <a:solidFill>
-                  <a:srgbClr val="D9D9D9"/>
-                </a:solidFill>
-                <a:ln>
-                  <a:noFill/>
-                </a:ln>
-              </p:spPr>
-              <p:style>
-                <a:lnRef idx="2">
-                  <a:schemeClr val="accent1">
-                    <a:shade val="50000"/>
-                  </a:schemeClr>
-                </a:lnRef>
-                <a:fillRef idx="1">
-                  <a:schemeClr val="accent1"/>
-                </a:fillRef>
-                <a:effectRef idx="0">
-                  <a:schemeClr val="accent1"/>
-                </a:effectRef>
-                <a:fontRef idx="minor">
-                  <a:schemeClr val="lt1"/>
-                </a:fontRef>
-              </p:style>
-              <p:txBody>
-                <a:bodyPr rtlCol="0" anchor="ctr"/>
-                <a:lstStyle/>
-                <a:p>
-                  <a:pPr algn="ctr">
-                    <a:lnSpc>
-                      <a:spcPct val="150000"/>
-                    </a:lnSpc>
-                  </a:pPr>
-                  <a:endParaRPr lang="zh-CN" altLang="en-US" sz="1000" dirty="0">
-                    <a:solidFill>
-                      <a:schemeClr val="tx1"/>
-                    </a:solidFill>
-                    <a:latin typeface="微软雅黑" panose="020B0503020204020204" pitchFamily="34" charset="-122"/>
-                    <a:ea typeface="微软雅黑" panose="020B0503020204020204" pitchFamily="34" charset="-122"/>
-                  </a:endParaRPr>
-                </a:p>
-              </p:txBody>
-            </p:sp>
-            <p:sp>
-              <p:nvSpPr>
-                <p:cNvPr id="72" name="文本框 71">
-                  <a:extLst>
-                    <a:ext uri="{FF2B5EF4-FFF2-40B4-BE49-F238E27FC236}">
-                      <a16:creationId xmlns:a16="http://schemas.microsoft.com/office/drawing/2014/main" id="{178EAAAA-D155-4CAC-A707-EB80BC61EDAD}"/>
-                    </a:ext>
-                  </a:extLst>
-                </p:cNvPr>
-                <p:cNvSpPr txBox="1"/>
-                <p:nvPr/>
-              </p:nvSpPr>
-              <p:spPr>
-                <a:xfrm>
-                  <a:off x="997827" y="5579397"/>
-                  <a:ext cx="494923" cy="79857"/>
-                </a:xfrm>
-                <a:prstGeom prst="rect">
-                  <a:avLst/>
-                </a:prstGeom>
-                <a:noFill/>
-              </p:spPr>
-              <p:txBody>
-                <a:bodyPr wrap="square" rtlCol="0">
-                  <a:spAutoFit/>
-                </a:bodyPr>
-                <a:lstStyle/>
-                <a:p>
-                  <a:pPr algn="ctr"/>
-                  <a:r>
-                    <a:rPr lang="zh-CN" altLang="en-US" sz="700" dirty="0">
-                      <a:latin typeface="微软雅黑" panose="020B0503020204020204" pitchFamily="34" charset="-122"/>
-                      <a:ea typeface="微软雅黑" panose="020B0503020204020204" pitchFamily="34" charset="-122"/>
-                    </a:rPr>
-                    <a:t>国际驾照</a:t>
-                  </a:r>
-                </a:p>
-              </p:txBody>
-            </p:sp>
-          </p:grpSp>
-        </p:grpSp>
-        <p:sp>
-          <p:nvSpPr>
-            <p:cNvPr id="57" name="矩形 56">
-              <a:extLst>
-                <a:ext uri="{FF2B5EF4-FFF2-40B4-BE49-F238E27FC236}">
-                  <a16:creationId xmlns:a16="http://schemas.microsoft.com/office/drawing/2014/main" id="{F758B6D0-E75A-4D54-85CE-B6713BCF18F9}"/>
-                </a:ext>
-              </a:extLst>
-            </p:cNvPr>
-            <p:cNvSpPr/>
-            <p:nvPr/>
-          </p:nvSpPr>
-          <p:spPr>
-            <a:xfrm rot="1844245">
-              <a:off x="2484623" y="2587220"/>
-              <a:ext cx="310086" cy="130809"/>
-            </a:xfrm>
-            <a:prstGeom prst="rect">
-              <a:avLst/>
-            </a:prstGeom>
-            <a:solidFill>
-              <a:srgbClr val="09BB07"/>
-            </a:solidFill>
-            <a:ln>
-              <a:noFill/>
-            </a:ln>
-          </p:spPr>
-          <p:style>
-            <a:lnRef idx="2">
-              <a:schemeClr val="accent1">
-                <a:shade val="50000"/>
-              </a:schemeClr>
-            </a:lnRef>
-            <a:fillRef idx="1">
-              <a:schemeClr val="accent1"/>
-            </a:fillRef>
-            <a:effectRef idx="0">
-              <a:schemeClr val="accent1"/>
-            </a:effectRef>
-            <a:fontRef idx="minor">
-              <a:schemeClr val="lt1"/>
-            </a:fontRef>
-          </p:style>
-          <p:txBody>
-            <a:bodyPr rtlCol="0" anchor="ctr"/>
-            <a:lstStyle/>
-            <a:p>
-              <a:pPr algn="ctr"/>
-              <a:r>
-                <a:rPr lang="zh-CN" altLang="en-US" sz="700" dirty="0">
-                  <a:latin typeface="微软雅黑" panose="020B0503020204020204" pitchFamily="34" charset="-122"/>
-                  <a:ea typeface="微软雅黑" panose="020B0503020204020204" pitchFamily="34" charset="-122"/>
-                </a:rPr>
-                <a:t>惠</a:t>
-              </a:r>
-            </a:p>
-          </p:txBody>
-        </p:sp>
-        <p:grpSp>
-          <p:nvGrpSpPr>
-            <p:cNvPr id="58" name="组合 57">
-              <a:extLst>
-                <a:ext uri="{FF2B5EF4-FFF2-40B4-BE49-F238E27FC236}">
-                  <a16:creationId xmlns:a16="http://schemas.microsoft.com/office/drawing/2014/main" id="{BC65E573-9D63-4728-9F9D-36457EAFB79B}"/>
-                </a:ext>
-              </a:extLst>
-            </p:cNvPr>
-            <p:cNvGrpSpPr/>
-            <p:nvPr/>
-          </p:nvGrpSpPr>
-          <p:grpSpPr>
-            <a:xfrm>
-              <a:off x="863629" y="3394014"/>
-              <a:ext cx="3308563" cy="805733"/>
-              <a:chOff x="854415" y="2556530"/>
-              <a:chExt cx="3308563" cy="805733"/>
-            </a:xfrm>
-          </p:grpSpPr>
-          <p:grpSp>
-            <p:nvGrpSpPr>
-              <p:cNvPr id="59" name="组合 58">
-                <a:extLst>
-                  <a:ext uri="{FF2B5EF4-FFF2-40B4-BE49-F238E27FC236}">
-                    <a16:creationId xmlns:a16="http://schemas.microsoft.com/office/drawing/2014/main" id="{C4BEB1FF-71B0-4AE2-B3AF-1182AD1E8746}"/>
-                  </a:ext>
-                </a:extLst>
-              </p:cNvPr>
-              <p:cNvGrpSpPr/>
-              <p:nvPr/>
-            </p:nvGrpSpPr>
-            <p:grpSpPr>
-              <a:xfrm>
-                <a:off x="854415" y="2556530"/>
-                <a:ext cx="1239857" cy="785598"/>
-                <a:chOff x="997827" y="5345661"/>
-                <a:chExt cx="494923" cy="313593"/>
-              </a:xfrm>
-            </p:grpSpPr>
-            <p:sp>
-              <p:nvSpPr>
-                <p:cNvPr id="66" name="矩形: 圆角 65">
-                  <a:extLst>
-                    <a:ext uri="{FF2B5EF4-FFF2-40B4-BE49-F238E27FC236}">
-                      <a16:creationId xmlns:a16="http://schemas.microsoft.com/office/drawing/2014/main" id="{F10B4CD2-2099-4B8E-8ECF-8552D247E1E3}"/>
-                    </a:ext>
-                  </a:extLst>
-                </p:cNvPr>
-                <p:cNvSpPr/>
-                <p:nvPr/>
-              </p:nvSpPr>
-              <p:spPr>
-                <a:xfrm>
-                  <a:off x="1130148" y="5345661"/>
-                  <a:ext cx="230282" cy="230282"/>
-                </a:xfrm>
-                <a:prstGeom prst="roundRect">
-                  <a:avLst/>
-                </a:prstGeom>
-                <a:solidFill>
-                  <a:srgbClr val="D9D9D9"/>
-                </a:solidFill>
-                <a:ln>
-                  <a:noFill/>
-                </a:ln>
-              </p:spPr>
-              <p:style>
-                <a:lnRef idx="2">
-                  <a:schemeClr val="accent1">
-                    <a:shade val="50000"/>
-                  </a:schemeClr>
-                </a:lnRef>
-                <a:fillRef idx="1">
-                  <a:schemeClr val="accent1"/>
-                </a:fillRef>
-                <a:effectRef idx="0">
-                  <a:schemeClr val="accent1"/>
-                </a:effectRef>
-                <a:fontRef idx="minor">
-                  <a:schemeClr val="lt1"/>
-                </a:fontRef>
-              </p:style>
-              <p:txBody>
-                <a:bodyPr rtlCol="0" anchor="ctr"/>
-                <a:lstStyle/>
-                <a:p>
-                  <a:pPr algn="ctr">
-                    <a:lnSpc>
-                      <a:spcPct val="150000"/>
-                    </a:lnSpc>
-                  </a:pPr>
-                  <a:endParaRPr lang="zh-CN" altLang="en-US" sz="1000" dirty="0">
-                    <a:solidFill>
-                      <a:schemeClr val="tx1"/>
-                    </a:solidFill>
-                    <a:latin typeface="微软雅黑" panose="020B0503020204020204" pitchFamily="34" charset="-122"/>
-                    <a:ea typeface="微软雅黑" panose="020B0503020204020204" pitchFamily="34" charset="-122"/>
-                  </a:endParaRPr>
-                </a:p>
-              </p:txBody>
-            </p:sp>
-            <p:sp>
-              <p:nvSpPr>
-                <p:cNvPr id="67" name="文本框 66">
-                  <a:extLst>
-                    <a:ext uri="{FF2B5EF4-FFF2-40B4-BE49-F238E27FC236}">
-                      <a16:creationId xmlns:a16="http://schemas.microsoft.com/office/drawing/2014/main" id="{8C6C5B28-0B91-4E7A-9214-4B9A7B9E944F}"/>
-                    </a:ext>
-                  </a:extLst>
-                </p:cNvPr>
-                <p:cNvSpPr txBox="1"/>
-                <p:nvPr/>
-              </p:nvSpPr>
-              <p:spPr>
-                <a:xfrm>
-                  <a:off x="997827" y="5579397"/>
-                  <a:ext cx="494923" cy="79857"/>
-                </a:xfrm>
-                <a:prstGeom prst="rect">
-                  <a:avLst/>
-                </a:prstGeom>
-                <a:noFill/>
-              </p:spPr>
-              <p:txBody>
-                <a:bodyPr wrap="square" rtlCol="0">
-                  <a:spAutoFit/>
-                </a:bodyPr>
-                <a:lstStyle/>
-                <a:p>
-                  <a:pPr algn="ctr"/>
-                  <a:r>
-                    <a:rPr lang="zh-CN" altLang="en-US" sz="700" dirty="0">
-                      <a:latin typeface="微软雅黑" panose="020B0503020204020204" pitchFamily="34" charset="-122"/>
-                      <a:ea typeface="微软雅黑" panose="020B0503020204020204" pitchFamily="34" charset="-122"/>
-                    </a:rPr>
-                    <a:t>国际租车</a:t>
-                  </a:r>
-                </a:p>
-              </p:txBody>
-            </p:sp>
-          </p:grpSp>
-          <p:grpSp>
-            <p:nvGrpSpPr>
-              <p:cNvPr id="60" name="组合 59">
-                <a:extLst>
-                  <a:ext uri="{FF2B5EF4-FFF2-40B4-BE49-F238E27FC236}">
-                    <a16:creationId xmlns:a16="http://schemas.microsoft.com/office/drawing/2014/main" id="{B87D29C1-AFD3-4743-BF52-860563D0C545}"/>
-                  </a:ext>
-                </a:extLst>
-              </p:cNvPr>
-              <p:cNvGrpSpPr/>
-              <p:nvPr/>
-            </p:nvGrpSpPr>
-            <p:grpSpPr>
-              <a:xfrm>
-                <a:off x="1888768" y="2576665"/>
-                <a:ext cx="1239857" cy="785598"/>
-                <a:chOff x="997827" y="5345661"/>
-                <a:chExt cx="494923" cy="313593"/>
-              </a:xfrm>
-            </p:grpSpPr>
-            <p:sp>
-              <p:nvSpPr>
-                <p:cNvPr id="64" name="矩形: 圆角 63">
-                  <a:extLst>
-                    <a:ext uri="{FF2B5EF4-FFF2-40B4-BE49-F238E27FC236}">
-                      <a16:creationId xmlns:a16="http://schemas.microsoft.com/office/drawing/2014/main" id="{871F3540-06FD-4FF9-88BE-DCFD72C5E3A3}"/>
-                    </a:ext>
-                  </a:extLst>
-                </p:cNvPr>
-                <p:cNvSpPr/>
-                <p:nvPr/>
-              </p:nvSpPr>
-              <p:spPr>
-                <a:xfrm>
-                  <a:off x="1130148" y="5345661"/>
-                  <a:ext cx="230282" cy="230282"/>
-                </a:xfrm>
-                <a:prstGeom prst="roundRect">
-                  <a:avLst/>
-                </a:prstGeom>
-                <a:solidFill>
-                  <a:srgbClr val="D9D9D9"/>
-                </a:solidFill>
-                <a:ln>
-                  <a:noFill/>
-                </a:ln>
-              </p:spPr>
-              <p:style>
-                <a:lnRef idx="2">
-                  <a:schemeClr val="accent1">
-                    <a:shade val="50000"/>
-                  </a:schemeClr>
-                </a:lnRef>
-                <a:fillRef idx="1">
-                  <a:schemeClr val="accent1"/>
-                </a:fillRef>
-                <a:effectRef idx="0">
-                  <a:schemeClr val="accent1"/>
-                </a:effectRef>
-                <a:fontRef idx="minor">
-                  <a:schemeClr val="lt1"/>
-                </a:fontRef>
-              </p:style>
-              <p:txBody>
-                <a:bodyPr rtlCol="0" anchor="ctr"/>
-                <a:lstStyle/>
-                <a:p>
-                  <a:pPr algn="ctr">
-                    <a:lnSpc>
-                      <a:spcPct val="150000"/>
-                    </a:lnSpc>
-                  </a:pPr>
-                  <a:endParaRPr lang="zh-CN" altLang="en-US" sz="1000" dirty="0">
-                    <a:solidFill>
-                      <a:schemeClr val="tx1"/>
-                    </a:solidFill>
-                    <a:latin typeface="微软雅黑" panose="020B0503020204020204" pitchFamily="34" charset="-122"/>
-                    <a:ea typeface="微软雅黑" panose="020B0503020204020204" pitchFamily="34" charset="-122"/>
-                  </a:endParaRPr>
-                </a:p>
-              </p:txBody>
-            </p:sp>
-            <p:sp>
-              <p:nvSpPr>
-                <p:cNvPr id="65" name="文本框 64">
-                  <a:extLst>
-                    <a:ext uri="{FF2B5EF4-FFF2-40B4-BE49-F238E27FC236}">
-                      <a16:creationId xmlns:a16="http://schemas.microsoft.com/office/drawing/2014/main" id="{2CBF769D-6987-49DF-A947-B949E91B3B1A}"/>
-                    </a:ext>
-                  </a:extLst>
-                </p:cNvPr>
-                <p:cNvSpPr txBox="1"/>
-                <p:nvPr/>
-              </p:nvSpPr>
-              <p:spPr>
-                <a:xfrm>
-                  <a:off x="997827" y="5579397"/>
-                  <a:ext cx="494923" cy="79857"/>
-                </a:xfrm>
-                <a:prstGeom prst="rect">
-                  <a:avLst/>
-                </a:prstGeom>
-                <a:noFill/>
-              </p:spPr>
-              <p:txBody>
-                <a:bodyPr wrap="square" rtlCol="0">
-                  <a:spAutoFit/>
-                </a:bodyPr>
-                <a:lstStyle/>
-                <a:p>
-                  <a:pPr algn="ctr"/>
-                  <a:r>
-                    <a:rPr lang="en-US" altLang="zh-CN" sz="700" dirty="0">
-                      <a:latin typeface="微软雅黑" panose="020B0503020204020204" pitchFamily="34" charset="-122"/>
-                      <a:ea typeface="微软雅黑" panose="020B0503020204020204" pitchFamily="34" charset="-122"/>
-                    </a:rPr>
-                    <a:t>XX</a:t>
-                  </a:r>
-                  <a:r>
-                    <a:rPr lang="zh-CN" altLang="en-US" sz="700" dirty="0">
-                      <a:latin typeface="微软雅黑" panose="020B0503020204020204" pitchFamily="34" charset="-122"/>
-                      <a:ea typeface="微软雅黑" panose="020B0503020204020204" pitchFamily="34" charset="-122"/>
-                    </a:rPr>
-                    <a:t>保险</a:t>
-                  </a:r>
-                </a:p>
-              </p:txBody>
-            </p:sp>
-          </p:grpSp>
-          <p:grpSp>
-            <p:nvGrpSpPr>
-              <p:cNvPr id="61" name="组合 60">
-                <a:extLst>
-                  <a:ext uri="{FF2B5EF4-FFF2-40B4-BE49-F238E27FC236}">
-                    <a16:creationId xmlns:a16="http://schemas.microsoft.com/office/drawing/2014/main" id="{6B4AD5FC-EE64-4D9F-A5D5-674C0F21EE12}"/>
-                  </a:ext>
-                </a:extLst>
-              </p:cNvPr>
-              <p:cNvGrpSpPr/>
-              <p:nvPr/>
-            </p:nvGrpSpPr>
-            <p:grpSpPr>
-              <a:xfrm>
-                <a:off x="2923121" y="2576665"/>
-                <a:ext cx="1239857" cy="785598"/>
-                <a:chOff x="997827" y="5345661"/>
-                <a:chExt cx="494923" cy="313593"/>
-              </a:xfrm>
-            </p:grpSpPr>
-            <p:sp>
-              <p:nvSpPr>
-                <p:cNvPr id="62" name="矩形: 圆角 61">
-                  <a:extLst>
-                    <a:ext uri="{FF2B5EF4-FFF2-40B4-BE49-F238E27FC236}">
-                      <a16:creationId xmlns:a16="http://schemas.microsoft.com/office/drawing/2014/main" id="{1548C5E4-CDC7-49EF-89F6-6DE9BAA078CF}"/>
-                    </a:ext>
-                  </a:extLst>
-                </p:cNvPr>
-                <p:cNvSpPr/>
-                <p:nvPr/>
-              </p:nvSpPr>
-              <p:spPr>
-                <a:xfrm>
-                  <a:off x="1130148" y="5345661"/>
-                  <a:ext cx="230282" cy="230282"/>
-                </a:xfrm>
-                <a:prstGeom prst="roundRect">
-                  <a:avLst/>
-                </a:prstGeom>
-                <a:solidFill>
-                  <a:srgbClr val="D9D9D9"/>
-                </a:solidFill>
-                <a:ln>
-                  <a:noFill/>
-                </a:ln>
-              </p:spPr>
-              <p:style>
-                <a:lnRef idx="2">
-                  <a:schemeClr val="accent1">
-                    <a:shade val="50000"/>
-                  </a:schemeClr>
-                </a:lnRef>
-                <a:fillRef idx="1">
-                  <a:schemeClr val="accent1"/>
-                </a:fillRef>
-                <a:effectRef idx="0">
-                  <a:schemeClr val="accent1"/>
-                </a:effectRef>
-                <a:fontRef idx="minor">
-                  <a:schemeClr val="lt1"/>
-                </a:fontRef>
-              </p:style>
-              <p:txBody>
-                <a:bodyPr rtlCol="0" anchor="ctr"/>
-                <a:lstStyle/>
-                <a:p>
-                  <a:pPr algn="ctr">
-                    <a:lnSpc>
-                      <a:spcPct val="150000"/>
-                    </a:lnSpc>
-                  </a:pPr>
-                  <a:endParaRPr lang="zh-CN" altLang="en-US" sz="1000" dirty="0">
-                    <a:solidFill>
-                      <a:schemeClr val="tx1"/>
-                    </a:solidFill>
-                    <a:latin typeface="微软雅黑" panose="020B0503020204020204" pitchFamily="34" charset="-122"/>
-                    <a:ea typeface="微软雅黑" panose="020B0503020204020204" pitchFamily="34" charset="-122"/>
-                  </a:endParaRPr>
-                </a:p>
-              </p:txBody>
-            </p:sp>
-            <p:sp>
-              <p:nvSpPr>
-                <p:cNvPr id="63" name="文本框 62">
-                  <a:extLst>
-                    <a:ext uri="{FF2B5EF4-FFF2-40B4-BE49-F238E27FC236}">
-                      <a16:creationId xmlns:a16="http://schemas.microsoft.com/office/drawing/2014/main" id="{93DA7EF0-4587-47EB-8CA0-B978128A704D}"/>
-                    </a:ext>
-                  </a:extLst>
-                </p:cNvPr>
-                <p:cNvSpPr txBox="1"/>
-                <p:nvPr/>
-              </p:nvSpPr>
-              <p:spPr>
-                <a:xfrm>
-                  <a:off x="997827" y="5579397"/>
-                  <a:ext cx="494923" cy="79857"/>
-                </a:xfrm>
-                <a:prstGeom prst="rect">
-                  <a:avLst/>
-                </a:prstGeom>
-                <a:noFill/>
-              </p:spPr>
-              <p:txBody>
-                <a:bodyPr wrap="square" rtlCol="0">
-                  <a:spAutoFit/>
-                </a:bodyPr>
-                <a:lstStyle/>
-                <a:p>
-                  <a:pPr algn="ctr"/>
-                  <a:r>
-                    <a:rPr lang="zh-CN" altLang="en-US" sz="700" dirty="0">
-                      <a:latin typeface="微软雅黑" panose="020B0503020204020204" pitchFamily="34" charset="-122"/>
-                      <a:ea typeface="微软雅黑" panose="020B0503020204020204" pitchFamily="34" charset="-122"/>
-                    </a:rPr>
-                    <a:t>违章查询</a:t>
-                  </a:r>
-                </a:p>
-              </p:txBody>
-            </p:sp>
-          </p:grpSp>
-        </p:grpSp>
-      </p:grpSp>
       <p:pic>
         <p:nvPicPr>
           <p:cNvPr id="80" name="图片 79">
@@ -5633,64 +4826,1101 @@
           </p:spPr>
         </p:pic>
       </p:grpSp>
-      <p:sp>
-        <p:nvSpPr>
-          <p:cNvPr id="54" name="矩形 53">
+      <p:grpSp>
+        <p:nvGrpSpPr>
+          <p:cNvPr id="107" name="组合 106">
             <a:extLst>
               <a:ext uri="{FF2B5EF4-FFF2-40B4-BE49-F238E27FC236}">
-                <a16:creationId xmlns:a16="http://schemas.microsoft.com/office/drawing/2014/main" id="{9F118294-6184-44E6-80C9-C58FF95F81AD}"/>
+                <a16:creationId xmlns:a16="http://schemas.microsoft.com/office/drawing/2014/main" id="{8CAD8733-790C-42FE-8CEA-777A8206BBD1}"/>
               </a:ext>
             </a:extLst>
           </p:cNvPr>
-          <p:cNvSpPr/>
+          <p:cNvGrpSpPr/>
           <p:nvPr/>
-        </p:nvSpPr>
-        <p:spPr>
-          <a:xfrm rot="1844245">
-            <a:off x="2502502" y="4364071"/>
-            <a:ext cx="310086" cy="130809"/>
+        </p:nvGrpSpPr>
+        <p:grpSpPr>
+          <a:xfrm>
+            <a:off x="881508" y="2970631"/>
+            <a:ext cx="3308563" cy="2202906"/>
+            <a:chOff x="881508" y="2970631"/>
+            <a:chExt cx="3308563" cy="2202906"/>
           </a:xfrm>
-          <a:prstGeom prst="rect">
-            <a:avLst/>
-          </a:prstGeom>
-          <a:solidFill>
-            <a:srgbClr val="09BB07"/>
-          </a:solidFill>
-          <a:ln>
-            <a:noFill/>
-          </a:ln>
-        </p:spPr>
-        <p:style>
-          <a:lnRef idx="2">
-            <a:schemeClr val="accent1">
-              <a:shade val="50000"/>
-            </a:schemeClr>
-          </a:lnRef>
-          <a:fillRef idx="1">
-            <a:schemeClr val="accent1"/>
-          </a:fillRef>
-          <a:effectRef idx="0">
-            <a:schemeClr val="accent1"/>
-          </a:effectRef>
-          <a:fontRef idx="minor">
-            <a:schemeClr val="lt1"/>
-          </a:fontRef>
-        </p:style>
-        <p:txBody>
-          <a:bodyPr rtlCol="0" anchor="ctr"/>
-          <a:lstStyle/>
-          <a:p>
-            <a:pPr algn="ctr"/>
-            <a:r>
-              <a:rPr lang="zh-CN" altLang="en-US" sz="700" dirty="0">
-                <a:latin typeface="微软雅黑" panose="020B0503020204020204" pitchFamily="34" charset="-122"/>
-                <a:ea typeface="微软雅黑" panose="020B0503020204020204" pitchFamily="34" charset="-122"/>
-              </a:rPr>
-              <a:t>惠</a:t>
-            </a:r>
-          </a:p>
-        </p:txBody>
-      </p:sp>
+        </p:grpSpPr>
+        <p:grpSp>
+          <p:nvGrpSpPr>
+            <p:cNvPr id="108" name="组合 107">
+              <a:extLst>
+                <a:ext uri="{FF2B5EF4-FFF2-40B4-BE49-F238E27FC236}">
+                  <a16:creationId xmlns:a16="http://schemas.microsoft.com/office/drawing/2014/main" id="{2781D65E-5EDA-45E2-9D2A-F494DAB5EBB5}"/>
+                </a:ext>
+              </a:extLst>
+            </p:cNvPr>
+            <p:cNvGrpSpPr/>
+            <p:nvPr/>
+          </p:nvGrpSpPr>
+          <p:grpSpPr>
+            <a:xfrm>
+              <a:off x="881508" y="2970631"/>
+              <a:ext cx="3308563" cy="2202906"/>
+              <a:chOff x="863629" y="2070920"/>
+              <a:chExt cx="3308563" cy="2202906"/>
+            </a:xfrm>
+          </p:grpSpPr>
+          <p:grpSp>
+            <p:nvGrpSpPr>
+              <p:cNvPr id="110" name="组合 109">
+                <a:extLst>
+                  <a:ext uri="{FF2B5EF4-FFF2-40B4-BE49-F238E27FC236}">
+                    <a16:creationId xmlns:a16="http://schemas.microsoft.com/office/drawing/2014/main" id="{77C77E1F-B375-4265-851D-E451623B5D50}"/>
+                  </a:ext>
+                </a:extLst>
+              </p:cNvPr>
+              <p:cNvGrpSpPr/>
+              <p:nvPr/>
+            </p:nvGrpSpPr>
+            <p:grpSpPr>
+              <a:xfrm>
+                <a:off x="952040" y="2070920"/>
+                <a:ext cx="3131743" cy="2202906"/>
+                <a:chOff x="109797" y="1729407"/>
+                <a:chExt cx="3131743" cy="2171627"/>
+              </a:xfrm>
+            </p:grpSpPr>
+            <p:sp>
+              <p:nvSpPr>
+                <p:cNvPr id="132" name="矩形 131">
+                  <a:extLst>
+                    <a:ext uri="{FF2B5EF4-FFF2-40B4-BE49-F238E27FC236}">
+                      <a16:creationId xmlns:a16="http://schemas.microsoft.com/office/drawing/2014/main" id="{0ED646E0-2863-4EEA-8D02-4CEAD17C0F22}"/>
+                    </a:ext>
+                  </a:extLst>
+                </p:cNvPr>
+                <p:cNvSpPr/>
+                <p:nvPr/>
+              </p:nvSpPr>
+              <p:spPr>
+                <a:xfrm>
+                  <a:off x="109797" y="1729407"/>
+                  <a:ext cx="3131743" cy="2171627"/>
+                </a:xfrm>
+                <a:prstGeom prst="rect">
+                  <a:avLst/>
+                </a:prstGeom>
+                <a:solidFill>
+                  <a:schemeClr val="bg1"/>
+                </a:solidFill>
+                <a:ln>
+                  <a:solidFill>
+                    <a:srgbClr val="DBDBDB"/>
+                  </a:solidFill>
+                </a:ln>
+              </p:spPr>
+              <p:style>
+                <a:lnRef idx="1">
+                  <a:schemeClr val="accent1"/>
+                </a:lnRef>
+                <a:fillRef idx="0">
+                  <a:schemeClr val="accent1"/>
+                </a:fillRef>
+                <a:effectRef idx="0">
+                  <a:schemeClr val="accent1"/>
+                </a:effectRef>
+                <a:fontRef idx="minor">
+                  <a:schemeClr val="tx1"/>
+                </a:fontRef>
+              </p:style>
+              <p:txBody>
+                <a:bodyPr rtlCol="0" anchor="ctr"/>
+                <a:lstStyle/>
+                <a:p>
+                  <a:pPr algn="ctr"/>
+                  <a:endParaRPr lang="zh-CN" altLang="en-US" sz="1000" dirty="0">
+                    <a:solidFill>
+                      <a:schemeClr val="tx1"/>
+                    </a:solidFill>
+                  </a:endParaRPr>
+                </a:p>
+              </p:txBody>
+            </p:sp>
+            <p:cxnSp>
+              <p:nvCxnSpPr>
+                <p:cNvPr id="133" name="直接连接符 132">
+                  <a:extLst>
+                    <a:ext uri="{FF2B5EF4-FFF2-40B4-BE49-F238E27FC236}">
+                      <a16:creationId xmlns:a16="http://schemas.microsoft.com/office/drawing/2014/main" id="{2ED451B0-1880-4F49-A127-3BC91E1BFF82}"/>
+                    </a:ext>
+                  </a:extLst>
+                </p:cNvPr>
+                <p:cNvCxnSpPr>
+                  <a:cxnSpLocks/>
+                </p:cNvCxnSpPr>
+                <p:nvPr/>
+              </p:nvCxnSpPr>
+              <p:spPr>
+                <a:xfrm>
+                  <a:off x="242865" y="2009928"/>
+                  <a:ext cx="2998675" cy="0"/>
+                </a:xfrm>
+                <a:prstGeom prst="line">
+                  <a:avLst/>
+                </a:prstGeom>
+                <a:ln>
+                  <a:solidFill>
+                    <a:srgbClr val="DBDBDB"/>
+                  </a:solidFill>
+                </a:ln>
+              </p:spPr>
+              <p:style>
+                <a:lnRef idx="1">
+                  <a:schemeClr val="accent1"/>
+                </a:lnRef>
+                <a:fillRef idx="0">
+                  <a:schemeClr val="accent1"/>
+                </a:fillRef>
+                <a:effectRef idx="0">
+                  <a:schemeClr val="accent1"/>
+                </a:effectRef>
+                <a:fontRef idx="minor">
+                  <a:schemeClr val="tx1"/>
+                </a:fontRef>
+              </p:style>
+            </p:cxnSp>
+            <p:sp>
+              <p:nvSpPr>
+                <p:cNvPr id="134" name="文本框 133">
+                  <a:extLst>
+                    <a:ext uri="{FF2B5EF4-FFF2-40B4-BE49-F238E27FC236}">
+                      <a16:creationId xmlns:a16="http://schemas.microsoft.com/office/drawing/2014/main" id="{334A81FB-4C6D-40CF-940F-4AF2B4108EB5}"/>
+                    </a:ext>
+                  </a:extLst>
+                </p:cNvPr>
+                <p:cNvSpPr txBox="1"/>
+                <p:nvPr/>
+              </p:nvSpPr>
+              <p:spPr>
+                <a:xfrm>
+                  <a:off x="191804" y="1792668"/>
+                  <a:ext cx="824713" cy="212385"/>
+                </a:xfrm>
+                <a:prstGeom prst="rect">
+                  <a:avLst/>
+                </a:prstGeom>
+                <a:noFill/>
+              </p:spPr>
+              <p:txBody>
+                <a:bodyPr wrap="square" rtlCol="0">
+                  <a:spAutoFit/>
+                </a:bodyPr>
+                <a:lstStyle/>
+                <a:p>
+                  <a:r>
+                    <a:rPr lang="zh-CN" altLang="en-US" sz="800" dirty="0">
+                      <a:solidFill>
+                        <a:schemeClr val="bg1">
+                          <a:lumMod val="75000"/>
+                        </a:schemeClr>
+                      </a:solidFill>
+                      <a:latin typeface="微软雅黑" panose="020B0503020204020204" pitchFamily="34" charset="-122"/>
+                      <a:ea typeface="微软雅黑" panose="020B0503020204020204" pitchFamily="34" charset="-122"/>
+                    </a:rPr>
+                    <a:t>优惠生活</a:t>
+                  </a:r>
+                </a:p>
+              </p:txBody>
+            </p:sp>
+          </p:grpSp>
+          <p:grpSp>
+            <p:nvGrpSpPr>
+              <p:cNvPr id="111" name="组合 110">
+                <a:extLst>
+                  <a:ext uri="{FF2B5EF4-FFF2-40B4-BE49-F238E27FC236}">
+                    <a16:creationId xmlns:a16="http://schemas.microsoft.com/office/drawing/2014/main" id="{3AA0892B-A494-4AE2-82A2-34FD7FFB3021}"/>
+                  </a:ext>
+                </a:extLst>
+              </p:cNvPr>
+              <p:cNvGrpSpPr/>
+              <p:nvPr/>
+            </p:nvGrpSpPr>
+            <p:grpSpPr>
+              <a:xfrm>
+                <a:off x="863629" y="2489697"/>
+                <a:ext cx="3308563" cy="805733"/>
+                <a:chOff x="854415" y="2556530"/>
+                <a:chExt cx="3308563" cy="805733"/>
+              </a:xfrm>
+            </p:grpSpPr>
+            <p:grpSp>
+              <p:nvGrpSpPr>
+                <p:cNvPr id="123" name="组合 122">
+                  <a:extLst>
+                    <a:ext uri="{FF2B5EF4-FFF2-40B4-BE49-F238E27FC236}">
+                      <a16:creationId xmlns:a16="http://schemas.microsoft.com/office/drawing/2014/main" id="{EC065C56-1F28-4F0A-B4E9-402D47B0327D}"/>
+                    </a:ext>
+                  </a:extLst>
+                </p:cNvPr>
+                <p:cNvGrpSpPr/>
+                <p:nvPr/>
+              </p:nvGrpSpPr>
+              <p:grpSpPr>
+                <a:xfrm>
+                  <a:off x="854415" y="2556530"/>
+                  <a:ext cx="1239857" cy="785598"/>
+                  <a:chOff x="997827" y="5345661"/>
+                  <a:chExt cx="494923" cy="313593"/>
+                </a:xfrm>
+              </p:grpSpPr>
+              <p:sp>
+                <p:nvSpPr>
+                  <p:cNvPr id="130" name="矩形: 圆角 129">
+                    <a:extLst>
+                      <a:ext uri="{FF2B5EF4-FFF2-40B4-BE49-F238E27FC236}">
+                        <a16:creationId xmlns:a16="http://schemas.microsoft.com/office/drawing/2014/main" id="{E87594A1-DE81-4779-9CCD-000C29E1D2DD}"/>
+                      </a:ext>
+                    </a:extLst>
+                  </p:cNvPr>
+                  <p:cNvSpPr/>
+                  <p:nvPr/>
+                </p:nvSpPr>
+                <p:spPr>
+                  <a:xfrm>
+                    <a:off x="1130148" y="5345661"/>
+                    <a:ext cx="230282" cy="230282"/>
+                  </a:xfrm>
+                  <a:prstGeom prst="roundRect">
+                    <a:avLst/>
+                  </a:prstGeom>
+                  <a:solidFill>
+                    <a:srgbClr val="D9D9D9"/>
+                  </a:solidFill>
+                  <a:ln>
+                    <a:noFill/>
+                  </a:ln>
+                </p:spPr>
+                <p:style>
+                  <a:lnRef idx="2">
+                    <a:schemeClr val="accent1">
+                      <a:shade val="50000"/>
+                    </a:schemeClr>
+                  </a:lnRef>
+                  <a:fillRef idx="1">
+                    <a:schemeClr val="accent1"/>
+                  </a:fillRef>
+                  <a:effectRef idx="0">
+                    <a:schemeClr val="accent1"/>
+                  </a:effectRef>
+                  <a:fontRef idx="minor">
+                    <a:schemeClr val="lt1"/>
+                  </a:fontRef>
+                </p:style>
+                <p:txBody>
+                  <a:bodyPr rtlCol="0" anchor="ctr"/>
+                  <a:lstStyle/>
+                  <a:p>
+                    <a:pPr algn="ctr">
+                      <a:lnSpc>
+                        <a:spcPct val="150000"/>
+                      </a:lnSpc>
+                    </a:pPr>
+                    <a:endParaRPr lang="zh-CN" altLang="en-US" sz="1000" dirty="0">
+                      <a:solidFill>
+                        <a:schemeClr val="tx1"/>
+                      </a:solidFill>
+                      <a:latin typeface="微软雅黑" panose="020B0503020204020204" pitchFamily="34" charset="-122"/>
+                      <a:ea typeface="微软雅黑" panose="020B0503020204020204" pitchFamily="34" charset="-122"/>
+                    </a:endParaRPr>
+                  </a:p>
+                </p:txBody>
+              </p:sp>
+              <p:sp>
+                <p:nvSpPr>
+                  <p:cNvPr id="131" name="文本框 130">
+                    <a:extLst>
+                      <a:ext uri="{FF2B5EF4-FFF2-40B4-BE49-F238E27FC236}">
+                        <a16:creationId xmlns:a16="http://schemas.microsoft.com/office/drawing/2014/main" id="{F89549C2-2CD6-4D81-B907-CC4C88AA4637}"/>
+                      </a:ext>
+                    </a:extLst>
+                  </p:cNvPr>
+                  <p:cNvSpPr txBox="1"/>
+                  <p:nvPr/>
+                </p:nvSpPr>
+                <p:spPr>
+                  <a:xfrm>
+                    <a:off x="997827" y="5579397"/>
+                    <a:ext cx="494923" cy="79857"/>
+                  </a:xfrm>
+                  <a:prstGeom prst="rect">
+                    <a:avLst/>
+                  </a:prstGeom>
+                  <a:noFill/>
+                </p:spPr>
+                <p:txBody>
+                  <a:bodyPr wrap="square" rtlCol="0">
+                    <a:spAutoFit/>
+                  </a:bodyPr>
+                  <a:lstStyle/>
+                  <a:p>
+                    <a:pPr algn="ctr"/>
+                    <a:r>
+                      <a:rPr lang="zh-CN" altLang="en-US" sz="700" dirty="0">
+                        <a:latin typeface="微软雅黑" panose="020B0503020204020204" pitchFamily="34" charset="-122"/>
+                        <a:ea typeface="微软雅黑" panose="020B0503020204020204" pitchFamily="34" charset="-122"/>
+                      </a:rPr>
+                      <a:t>新车比价</a:t>
+                    </a:r>
+                  </a:p>
+                </p:txBody>
+              </p:sp>
+            </p:grpSp>
+            <p:grpSp>
+              <p:nvGrpSpPr>
+                <p:cNvPr id="124" name="组合 123">
+                  <a:extLst>
+                    <a:ext uri="{FF2B5EF4-FFF2-40B4-BE49-F238E27FC236}">
+                      <a16:creationId xmlns:a16="http://schemas.microsoft.com/office/drawing/2014/main" id="{686CF66B-53AB-4546-AEA0-600957F3189D}"/>
+                    </a:ext>
+                  </a:extLst>
+                </p:cNvPr>
+                <p:cNvGrpSpPr/>
+                <p:nvPr/>
+              </p:nvGrpSpPr>
+              <p:grpSpPr>
+                <a:xfrm>
+                  <a:off x="1888768" y="2576665"/>
+                  <a:ext cx="1239857" cy="785598"/>
+                  <a:chOff x="997827" y="5345661"/>
+                  <a:chExt cx="494923" cy="313593"/>
+                </a:xfrm>
+              </p:grpSpPr>
+              <p:sp>
+                <p:nvSpPr>
+                  <p:cNvPr id="128" name="矩形: 圆角 127">
+                    <a:extLst>
+                      <a:ext uri="{FF2B5EF4-FFF2-40B4-BE49-F238E27FC236}">
+                        <a16:creationId xmlns:a16="http://schemas.microsoft.com/office/drawing/2014/main" id="{7B82035A-823B-4B8D-A454-E4861F7DE205}"/>
+                      </a:ext>
+                    </a:extLst>
+                  </p:cNvPr>
+                  <p:cNvSpPr/>
+                  <p:nvPr/>
+                </p:nvSpPr>
+                <p:spPr>
+                  <a:xfrm>
+                    <a:off x="1130148" y="5345661"/>
+                    <a:ext cx="230282" cy="230282"/>
+                  </a:xfrm>
+                  <a:prstGeom prst="roundRect">
+                    <a:avLst/>
+                  </a:prstGeom>
+                  <a:solidFill>
+                    <a:srgbClr val="D9D9D9"/>
+                  </a:solidFill>
+                  <a:ln>
+                    <a:noFill/>
+                  </a:ln>
+                </p:spPr>
+                <p:style>
+                  <a:lnRef idx="2">
+                    <a:schemeClr val="accent1">
+                      <a:shade val="50000"/>
+                    </a:schemeClr>
+                  </a:lnRef>
+                  <a:fillRef idx="1">
+                    <a:schemeClr val="accent1"/>
+                  </a:fillRef>
+                  <a:effectRef idx="0">
+                    <a:schemeClr val="accent1"/>
+                  </a:effectRef>
+                  <a:fontRef idx="minor">
+                    <a:schemeClr val="lt1"/>
+                  </a:fontRef>
+                </p:style>
+                <p:txBody>
+                  <a:bodyPr rtlCol="0" anchor="ctr"/>
+                  <a:lstStyle/>
+                  <a:p>
+                    <a:pPr algn="ctr">
+                      <a:lnSpc>
+                        <a:spcPct val="150000"/>
+                      </a:lnSpc>
+                    </a:pPr>
+                    <a:endParaRPr lang="zh-CN" altLang="en-US" sz="1000" dirty="0">
+                      <a:solidFill>
+                        <a:schemeClr val="tx1"/>
+                      </a:solidFill>
+                      <a:latin typeface="微软雅黑" panose="020B0503020204020204" pitchFamily="34" charset="-122"/>
+                      <a:ea typeface="微软雅黑" panose="020B0503020204020204" pitchFamily="34" charset="-122"/>
+                    </a:endParaRPr>
+                  </a:p>
+                </p:txBody>
+              </p:sp>
+              <p:sp>
+                <p:nvSpPr>
+                  <p:cNvPr id="129" name="文本框 128">
+                    <a:extLst>
+                      <a:ext uri="{FF2B5EF4-FFF2-40B4-BE49-F238E27FC236}">
+                        <a16:creationId xmlns:a16="http://schemas.microsoft.com/office/drawing/2014/main" id="{EDA80A8F-7D8B-4B38-8FBF-D3327212A1FE}"/>
+                      </a:ext>
+                    </a:extLst>
+                  </p:cNvPr>
+                  <p:cNvSpPr txBox="1"/>
+                  <p:nvPr/>
+                </p:nvSpPr>
+                <p:spPr>
+                  <a:xfrm>
+                    <a:off x="997827" y="5579397"/>
+                    <a:ext cx="494923" cy="79857"/>
+                  </a:xfrm>
+                  <a:prstGeom prst="rect">
+                    <a:avLst/>
+                  </a:prstGeom>
+                  <a:noFill/>
+                </p:spPr>
+                <p:txBody>
+                  <a:bodyPr wrap="square" rtlCol="0">
+                    <a:spAutoFit/>
+                  </a:bodyPr>
+                  <a:lstStyle/>
+                  <a:p>
+                    <a:pPr algn="ctr"/>
+                    <a:r>
+                      <a:rPr lang="zh-CN" altLang="en-US" sz="700" dirty="0">
+                        <a:latin typeface="微软雅黑" panose="020B0503020204020204" pitchFamily="34" charset="-122"/>
+                        <a:ea typeface="微软雅黑" panose="020B0503020204020204" pitchFamily="34" charset="-122"/>
+                      </a:rPr>
+                      <a:t>车险购买</a:t>
+                    </a:r>
+                  </a:p>
+                </p:txBody>
+              </p:sp>
+            </p:grpSp>
+            <p:grpSp>
+              <p:nvGrpSpPr>
+                <p:cNvPr id="125" name="组合 124">
+                  <a:extLst>
+                    <a:ext uri="{FF2B5EF4-FFF2-40B4-BE49-F238E27FC236}">
+                      <a16:creationId xmlns:a16="http://schemas.microsoft.com/office/drawing/2014/main" id="{19BFDA7C-3AB0-433F-AFB4-6B3C54907C7B}"/>
+                    </a:ext>
+                  </a:extLst>
+                </p:cNvPr>
+                <p:cNvGrpSpPr/>
+                <p:nvPr/>
+              </p:nvGrpSpPr>
+              <p:grpSpPr>
+                <a:xfrm>
+                  <a:off x="2923121" y="2576665"/>
+                  <a:ext cx="1239857" cy="785598"/>
+                  <a:chOff x="997827" y="5345661"/>
+                  <a:chExt cx="494923" cy="313593"/>
+                </a:xfrm>
+              </p:grpSpPr>
+              <p:sp>
+                <p:nvSpPr>
+                  <p:cNvPr id="126" name="矩形: 圆角 125">
+                    <a:extLst>
+                      <a:ext uri="{FF2B5EF4-FFF2-40B4-BE49-F238E27FC236}">
+                        <a16:creationId xmlns:a16="http://schemas.microsoft.com/office/drawing/2014/main" id="{E4D10249-808C-474A-B77B-264F9C943C02}"/>
+                      </a:ext>
+                    </a:extLst>
+                  </p:cNvPr>
+                  <p:cNvSpPr/>
+                  <p:nvPr/>
+                </p:nvSpPr>
+                <p:spPr>
+                  <a:xfrm>
+                    <a:off x="1130148" y="5345661"/>
+                    <a:ext cx="230282" cy="230282"/>
+                  </a:xfrm>
+                  <a:prstGeom prst="roundRect">
+                    <a:avLst/>
+                  </a:prstGeom>
+                  <a:solidFill>
+                    <a:srgbClr val="D9D9D9"/>
+                  </a:solidFill>
+                  <a:ln>
+                    <a:noFill/>
+                  </a:ln>
+                </p:spPr>
+                <p:style>
+                  <a:lnRef idx="2">
+                    <a:schemeClr val="accent1">
+                      <a:shade val="50000"/>
+                    </a:schemeClr>
+                  </a:lnRef>
+                  <a:fillRef idx="1">
+                    <a:schemeClr val="accent1"/>
+                  </a:fillRef>
+                  <a:effectRef idx="0">
+                    <a:schemeClr val="accent1"/>
+                  </a:effectRef>
+                  <a:fontRef idx="minor">
+                    <a:schemeClr val="lt1"/>
+                  </a:fontRef>
+                </p:style>
+                <p:txBody>
+                  <a:bodyPr rtlCol="0" anchor="ctr"/>
+                  <a:lstStyle/>
+                  <a:p>
+                    <a:pPr algn="ctr">
+                      <a:lnSpc>
+                        <a:spcPct val="150000"/>
+                      </a:lnSpc>
+                    </a:pPr>
+                    <a:endParaRPr lang="zh-CN" altLang="en-US" sz="1000" dirty="0">
+                      <a:solidFill>
+                        <a:schemeClr val="tx1"/>
+                      </a:solidFill>
+                      <a:latin typeface="微软雅黑" panose="020B0503020204020204" pitchFamily="34" charset="-122"/>
+                      <a:ea typeface="微软雅黑" panose="020B0503020204020204" pitchFamily="34" charset="-122"/>
+                    </a:endParaRPr>
+                  </a:p>
+                </p:txBody>
+              </p:sp>
+              <p:sp>
+                <p:nvSpPr>
+                  <p:cNvPr id="127" name="文本框 126">
+                    <a:extLst>
+                      <a:ext uri="{FF2B5EF4-FFF2-40B4-BE49-F238E27FC236}">
+                        <a16:creationId xmlns:a16="http://schemas.microsoft.com/office/drawing/2014/main" id="{3CD69D3F-CDC3-4AAE-BED4-FEA1F79013C4}"/>
+                      </a:ext>
+                    </a:extLst>
+                  </p:cNvPr>
+                  <p:cNvSpPr txBox="1"/>
+                  <p:nvPr/>
+                </p:nvSpPr>
+                <p:spPr>
+                  <a:xfrm>
+                    <a:off x="997827" y="5579397"/>
+                    <a:ext cx="494923" cy="79857"/>
+                  </a:xfrm>
+                  <a:prstGeom prst="rect">
+                    <a:avLst/>
+                  </a:prstGeom>
+                  <a:noFill/>
+                </p:spPr>
+                <p:txBody>
+                  <a:bodyPr wrap="square" rtlCol="0">
+                    <a:spAutoFit/>
+                  </a:bodyPr>
+                  <a:lstStyle/>
+                  <a:p>
+                    <a:pPr algn="ctr"/>
+                    <a:r>
+                      <a:rPr lang="zh-CN" altLang="en-US" sz="700" dirty="0">
+                        <a:latin typeface="微软雅黑" panose="020B0503020204020204" pitchFamily="34" charset="-122"/>
+                        <a:ea typeface="微软雅黑" panose="020B0503020204020204" pitchFamily="34" charset="-122"/>
+                      </a:rPr>
+                      <a:t>意外健康险</a:t>
+                    </a:r>
+                  </a:p>
+                </p:txBody>
+              </p:sp>
+            </p:grpSp>
+          </p:grpSp>
+          <p:sp>
+            <p:nvSpPr>
+              <p:cNvPr id="112" name="矩形 111">
+                <a:extLst>
+                  <a:ext uri="{FF2B5EF4-FFF2-40B4-BE49-F238E27FC236}">
+                    <a16:creationId xmlns:a16="http://schemas.microsoft.com/office/drawing/2014/main" id="{28E34B42-F5EE-4534-BF8E-010C9356737C}"/>
+                  </a:ext>
+                </a:extLst>
+              </p:cNvPr>
+              <p:cNvSpPr/>
+              <p:nvPr/>
+            </p:nvSpPr>
+            <p:spPr>
+              <a:xfrm rot="1844245">
+                <a:off x="2484625" y="2599344"/>
+                <a:ext cx="310086" cy="130809"/>
+              </a:xfrm>
+              <a:prstGeom prst="rect">
+                <a:avLst/>
+              </a:prstGeom>
+              <a:solidFill>
+                <a:srgbClr val="09BB07"/>
+              </a:solidFill>
+              <a:ln>
+                <a:noFill/>
+              </a:ln>
+            </p:spPr>
+            <p:style>
+              <a:lnRef idx="2">
+                <a:schemeClr val="accent1">
+                  <a:shade val="50000"/>
+                </a:schemeClr>
+              </a:lnRef>
+              <a:fillRef idx="1">
+                <a:schemeClr val="accent1"/>
+              </a:fillRef>
+              <a:effectRef idx="0">
+                <a:schemeClr val="accent1"/>
+              </a:effectRef>
+              <a:fontRef idx="minor">
+                <a:schemeClr val="lt1"/>
+              </a:fontRef>
+            </p:style>
+            <p:txBody>
+              <a:bodyPr rtlCol="0" anchor="ctr"/>
+              <a:lstStyle/>
+              <a:p>
+                <a:pPr algn="ctr"/>
+                <a:r>
+                  <a:rPr lang="zh-CN" altLang="en-US" sz="700" dirty="0">
+                    <a:latin typeface="微软雅黑" panose="020B0503020204020204" pitchFamily="34" charset="-122"/>
+                    <a:ea typeface="微软雅黑" panose="020B0503020204020204" pitchFamily="34" charset="-122"/>
+                  </a:rPr>
+                  <a:t>惠</a:t>
+                </a:r>
+              </a:p>
+            </p:txBody>
+          </p:sp>
+          <p:grpSp>
+            <p:nvGrpSpPr>
+              <p:cNvPr id="113" name="组合 112">
+                <a:extLst>
+                  <a:ext uri="{FF2B5EF4-FFF2-40B4-BE49-F238E27FC236}">
+                    <a16:creationId xmlns:a16="http://schemas.microsoft.com/office/drawing/2014/main" id="{E4B768C1-46BA-4AD8-A508-1C86DEDC23FC}"/>
+                  </a:ext>
+                </a:extLst>
+              </p:cNvPr>
+              <p:cNvGrpSpPr/>
+              <p:nvPr/>
+            </p:nvGrpSpPr>
+            <p:grpSpPr>
+              <a:xfrm>
+                <a:off x="863629" y="3394014"/>
+                <a:ext cx="3308563" cy="805733"/>
+                <a:chOff x="854415" y="2556530"/>
+                <a:chExt cx="3308563" cy="805733"/>
+              </a:xfrm>
+            </p:grpSpPr>
+            <p:grpSp>
+              <p:nvGrpSpPr>
+                <p:cNvPr id="114" name="组合 113">
+                  <a:extLst>
+                    <a:ext uri="{FF2B5EF4-FFF2-40B4-BE49-F238E27FC236}">
+                      <a16:creationId xmlns:a16="http://schemas.microsoft.com/office/drawing/2014/main" id="{EA6F9AA2-443F-442D-8248-3B0D84272F06}"/>
+                    </a:ext>
+                  </a:extLst>
+                </p:cNvPr>
+                <p:cNvGrpSpPr/>
+                <p:nvPr/>
+              </p:nvGrpSpPr>
+              <p:grpSpPr>
+                <a:xfrm>
+                  <a:off x="854415" y="2556530"/>
+                  <a:ext cx="1239857" cy="785598"/>
+                  <a:chOff x="997827" y="5345661"/>
+                  <a:chExt cx="494923" cy="313593"/>
+                </a:xfrm>
+              </p:grpSpPr>
+              <p:sp>
+                <p:nvSpPr>
+                  <p:cNvPr id="121" name="矩形: 圆角 120">
+                    <a:extLst>
+                      <a:ext uri="{FF2B5EF4-FFF2-40B4-BE49-F238E27FC236}">
+                        <a16:creationId xmlns:a16="http://schemas.microsoft.com/office/drawing/2014/main" id="{04FFD91D-30F8-45C8-A5BF-1A4397575DD2}"/>
+                      </a:ext>
+                    </a:extLst>
+                  </p:cNvPr>
+                  <p:cNvSpPr/>
+                  <p:nvPr/>
+                </p:nvSpPr>
+                <p:spPr>
+                  <a:xfrm>
+                    <a:off x="1130148" y="5345661"/>
+                    <a:ext cx="230282" cy="230282"/>
+                  </a:xfrm>
+                  <a:prstGeom prst="roundRect">
+                    <a:avLst/>
+                  </a:prstGeom>
+                  <a:solidFill>
+                    <a:srgbClr val="D9D9D9"/>
+                  </a:solidFill>
+                  <a:ln>
+                    <a:noFill/>
+                  </a:ln>
+                </p:spPr>
+                <p:style>
+                  <a:lnRef idx="2">
+                    <a:schemeClr val="accent1">
+                      <a:shade val="50000"/>
+                    </a:schemeClr>
+                  </a:lnRef>
+                  <a:fillRef idx="1">
+                    <a:schemeClr val="accent1"/>
+                  </a:fillRef>
+                  <a:effectRef idx="0">
+                    <a:schemeClr val="accent1"/>
+                  </a:effectRef>
+                  <a:fontRef idx="minor">
+                    <a:schemeClr val="lt1"/>
+                  </a:fontRef>
+                </p:style>
+                <p:txBody>
+                  <a:bodyPr rtlCol="0" anchor="ctr"/>
+                  <a:lstStyle/>
+                  <a:p>
+                    <a:pPr algn="ctr">
+                      <a:lnSpc>
+                        <a:spcPct val="150000"/>
+                      </a:lnSpc>
+                    </a:pPr>
+                    <a:endParaRPr lang="zh-CN" altLang="en-US" sz="1000" dirty="0">
+                      <a:solidFill>
+                        <a:schemeClr val="tx1"/>
+                      </a:solidFill>
+                      <a:latin typeface="微软雅黑" panose="020B0503020204020204" pitchFamily="34" charset="-122"/>
+                      <a:ea typeface="微软雅黑" panose="020B0503020204020204" pitchFamily="34" charset="-122"/>
+                    </a:endParaRPr>
+                  </a:p>
+                </p:txBody>
+              </p:sp>
+              <p:sp>
+                <p:nvSpPr>
+                  <p:cNvPr id="122" name="文本框 121">
+                    <a:extLst>
+                      <a:ext uri="{FF2B5EF4-FFF2-40B4-BE49-F238E27FC236}">
+                        <a16:creationId xmlns:a16="http://schemas.microsoft.com/office/drawing/2014/main" id="{B471649E-3ADD-4045-B6AB-B484D549A9CE}"/>
+                      </a:ext>
+                    </a:extLst>
+                  </p:cNvPr>
+                  <p:cNvSpPr txBox="1"/>
+                  <p:nvPr/>
+                </p:nvSpPr>
+                <p:spPr>
+                  <a:xfrm>
+                    <a:off x="997827" y="5579397"/>
+                    <a:ext cx="494923" cy="79857"/>
+                  </a:xfrm>
+                  <a:prstGeom prst="rect">
+                    <a:avLst/>
+                  </a:prstGeom>
+                  <a:noFill/>
+                </p:spPr>
+                <p:txBody>
+                  <a:bodyPr wrap="square" rtlCol="0">
+                    <a:spAutoFit/>
+                  </a:bodyPr>
+                  <a:lstStyle/>
+                  <a:p>
+                    <a:pPr algn="ctr"/>
+                    <a:r>
+                      <a:rPr lang="zh-CN" altLang="en-US" sz="700" dirty="0">
+                        <a:latin typeface="微软雅黑" panose="020B0503020204020204" pitchFamily="34" charset="-122"/>
+                        <a:ea typeface="微软雅黑" panose="020B0503020204020204" pitchFamily="34" charset="-122"/>
+                      </a:rPr>
+                      <a:t>国际租车</a:t>
+                    </a:r>
+                  </a:p>
+                </p:txBody>
+              </p:sp>
+            </p:grpSp>
+            <p:grpSp>
+              <p:nvGrpSpPr>
+                <p:cNvPr id="115" name="组合 114">
+                  <a:extLst>
+                    <a:ext uri="{FF2B5EF4-FFF2-40B4-BE49-F238E27FC236}">
+                      <a16:creationId xmlns:a16="http://schemas.microsoft.com/office/drawing/2014/main" id="{FC770A58-A776-4EBF-9D2E-07E674A36389}"/>
+                    </a:ext>
+                  </a:extLst>
+                </p:cNvPr>
+                <p:cNvGrpSpPr/>
+                <p:nvPr/>
+              </p:nvGrpSpPr>
+              <p:grpSpPr>
+                <a:xfrm>
+                  <a:off x="1888768" y="2576665"/>
+                  <a:ext cx="1239857" cy="785598"/>
+                  <a:chOff x="997827" y="5345661"/>
+                  <a:chExt cx="494923" cy="313593"/>
+                </a:xfrm>
+              </p:grpSpPr>
+              <p:sp>
+                <p:nvSpPr>
+                  <p:cNvPr id="119" name="矩形: 圆角 118">
+                    <a:extLst>
+                      <a:ext uri="{FF2B5EF4-FFF2-40B4-BE49-F238E27FC236}">
+                        <a16:creationId xmlns:a16="http://schemas.microsoft.com/office/drawing/2014/main" id="{FA190C52-6CB7-43F9-92D5-FA42D7D72B28}"/>
+                      </a:ext>
+                    </a:extLst>
+                  </p:cNvPr>
+                  <p:cNvSpPr/>
+                  <p:nvPr/>
+                </p:nvSpPr>
+                <p:spPr>
+                  <a:xfrm>
+                    <a:off x="1130148" y="5345661"/>
+                    <a:ext cx="230282" cy="230282"/>
+                  </a:xfrm>
+                  <a:prstGeom prst="roundRect">
+                    <a:avLst/>
+                  </a:prstGeom>
+                  <a:solidFill>
+                    <a:srgbClr val="D9D9D9"/>
+                  </a:solidFill>
+                  <a:ln>
+                    <a:noFill/>
+                  </a:ln>
+                </p:spPr>
+                <p:style>
+                  <a:lnRef idx="2">
+                    <a:schemeClr val="accent1">
+                      <a:shade val="50000"/>
+                    </a:schemeClr>
+                  </a:lnRef>
+                  <a:fillRef idx="1">
+                    <a:schemeClr val="accent1"/>
+                  </a:fillRef>
+                  <a:effectRef idx="0">
+                    <a:schemeClr val="accent1"/>
+                  </a:effectRef>
+                  <a:fontRef idx="minor">
+                    <a:schemeClr val="lt1"/>
+                  </a:fontRef>
+                </p:style>
+                <p:txBody>
+                  <a:bodyPr rtlCol="0" anchor="ctr"/>
+                  <a:lstStyle/>
+                  <a:p>
+                    <a:pPr algn="ctr">
+                      <a:lnSpc>
+                        <a:spcPct val="150000"/>
+                      </a:lnSpc>
+                    </a:pPr>
+                    <a:endParaRPr lang="zh-CN" altLang="en-US" sz="1000" dirty="0">
+                      <a:solidFill>
+                        <a:schemeClr val="tx1"/>
+                      </a:solidFill>
+                      <a:latin typeface="微软雅黑" panose="020B0503020204020204" pitchFamily="34" charset="-122"/>
+                      <a:ea typeface="微软雅黑" panose="020B0503020204020204" pitchFamily="34" charset="-122"/>
+                    </a:endParaRPr>
+                  </a:p>
+                </p:txBody>
+              </p:sp>
+              <p:sp>
+                <p:nvSpPr>
+                  <p:cNvPr id="120" name="文本框 119">
+                    <a:extLst>
+                      <a:ext uri="{FF2B5EF4-FFF2-40B4-BE49-F238E27FC236}">
+                        <a16:creationId xmlns:a16="http://schemas.microsoft.com/office/drawing/2014/main" id="{241D65B3-D3DA-4792-81A4-1BDA501D6CDA}"/>
+                      </a:ext>
+                    </a:extLst>
+                  </p:cNvPr>
+                  <p:cNvSpPr txBox="1"/>
+                  <p:nvPr/>
+                </p:nvSpPr>
+                <p:spPr>
+                  <a:xfrm>
+                    <a:off x="997827" y="5579397"/>
+                    <a:ext cx="494923" cy="79857"/>
+                  </a:xfrm>
+                  <a:prstGeom prst="rect">
+                    <a:avLst/>
+                  </a:prstGeom>
+                  <a:noFill/>
+                </p:spPr>
+                <p:txBody>
+                  <a:bodyPr wrap="square" rtlCol="0">
+                    <a:spAutoFit/>
+                  </a:bodyPr>
+                  <a:lstStyle/>
+                  <a:p>
+                    <a:pPr algn="ctr"/>
+                    <a:r>
+                      <a:rPr lang="zh-CN" altLang="en-US" sz="700" dirty="0">
+                        <a:latin typeface="微软雅黑" panose="020B0503020204020204" pitchFamily="34" charset="-122"/>
+                        <a:ea typeface="微软雅黑" panose="020B0503020204020204" pitchFamily="34" charset="-122"/>
+                      </a:rPr>
+                      <a:t>国际驾照</a:t>
+                    </a:r>
+                  </a:p>
+                </p:txBody>
+              </p:sp>
+            </p:grpSp>
+            <p:grpSp>
+              <p:nvGrpSpPr>
+                <p:cNvPr id="116" name="组合 115">
+                  <a:extLst>
+                    <a:ext uri="{FF2B5EF4-FFF2-40B4-BE49-F238E27FC236}">
+                      <a16:creationId xmlns:a16="http://schemas.microsoft.com/office/drawing/2014/main" id="{56595B12-F529-441B-9F4B-B785A3FF0B3C}"/>
+                    </a:ext>
+                  </a:extLst>
+                </p:cNvPr>
+                <p:cNvGrpSpPr/>
+                <p:nvPr/>
+              </p:nvGrpSpPr>
+              <p:grpSpPr>
+                <a:xfrm>
+                  <a:off x="2923121" y="2576665"/>
+                  <a:ext cx="1239857" cy="785598"/>
+                  <a:chOff x="997827" y="5345661"/>
+                  <a:chExt cx="494923" cy="313593"/>
+                </a:xfrm>
+              </p:grpSpPr>
+              <p:sp>
+                <p:nvSpPr>
+                  <p:cNvPr id="117" name="矩形: 圆角 116">
+                    <a:extLst>
+                      <a:ext uri="{FF2B5EF4-FFF2-40B4-BE49-F238E27FC236}">
+                        <a16:creationId xmlns:a16="http://schemas.microsoft.com/office/drawing/2014/main" id="{ECF91B65-6391-4DA6-B223-66FAC73F5696}"/>
+                      </a:ext>
+                    </a:extLst>
+                  </p:cNvPr>
+                  <p:cNvSpPr/>
+                  <p:nvPr/>
+                </p:nvSpPr>
+                <p:spPr>
+                  <a:xfrm>
+                    <a:off x="1130148" y="5345661"/>
+                    <a:ext cx="230282" cy="230282"/>
+                  </a:xfrm>
+                  <a:prstGeom prst="roundRect">
+                    <a:avLst/>
+                  </a:prstGeom>
+                  <a:solidFill>
+                    <a:srgbClr val="D9D9D9"/>
+                  </a:solidFill>
+                  <a:ln>
+                    <a:noFill/>
+                  </a:ln>
+                </p:spPr>
+                <p:style>
+                  <a:lnRef idx="2">
+                    <a:schemeClr val="accent1">
+                      <a:shade val="50000"/>
+                    </a:schemeClr>
+                  </a:lnRef>
+                  <a:fillRef idx="1">
+                    <a:schemeClr val="accent1"/>
+                  </a:fillRef>
+                  <a:effectRef idx="0">
+                    <a:schemeClr val="accent1"/>
+                  </a:effectRef>
+                  <a:fontRef idx="minor">
+                    <a:schemeClr val="lt1"/>
+                  </a:fontRef>
+                </p:style>
+                <p:txBody>
+                  <a:bodyPr rtlCol="0" anchor="ctr"/>
+                  <a:lstStyle/>
+                  <a:p>
+                    <a:pPr algn="ctr">
+                      <a:lnSpc>
+                        <a:spcPct val="150000"/>
+                      </a:lnSpc>
+                    </a:pPr>
+                    <a:endParaRPr lang="zh-CN" altLang="en-US" sz="1000" dirty="0">
+                      <a:solidFill>
+                        <a:schemeClr val="tx1"/>
+                      </a:solidFill>
+                      <a:latin typeface="微软雅黑" panose="020B0503020204020204" pitchFamily="34" charset="-122"/>
+                      <a:ea typeface="微软雅黑" panose="020B0503020204020204" pitchFamily="34" charset="-122"/>
+                    </a:endParaRPr>
+                  </a:p>
+                </p:txBody>
+              </p:sp>
+              <p:sp>
+                <p:nvSpPr>
+                  <p:cNvPr id="118" name="文本框 117">
+                    <a:extLst>
+                      <a:ext uri="{FF2B5EF4-FFF2-40B4-BE49-F238E27FC236}">
+                        <a16:creationId xmlns:a16="http://schemas.microsoft.com/office/drawing/2014/main" id="{3A8DFCB1-AD80-48CB-A1F5-AB6069BB04F0}"/>
+                      </a:ext>
+                    </a:extLst>
+                  </p:cNvPr>
+                  <p:cNvSpPr txBox="1"/>
+                  <p:nvPr/>
+                </p:nvSpPr>
+                <p:spPr>
+                  <a:xfrm>
+                    <a:off x="997827" y="5579397"/>
+                    <a:ext cx="494923" cy="79857"/>
+                  </a:xfrm>
+                  <a:prstGeom prst="rect">
+                    <a:avLst/>
+                  </a:prstGeom>
+                  <a:noFill/>
+                </p:spPr>
+                <p:txBody>
+                  <a:bodyPr wrap="square" rtlCol="0">
+                    <a:spAutoFit/>
+                  </a:bodyPr>
+                  <a:lstStyle/>
+                  <a:p>
+                    <a:pPr algn="ctr"/>
+                    <a:r>
+                      <a:rPr lang="zh-CN" altLang="en-US" sz="700" dirty="0">
+                        <a:latin typeface="微软雅黑" panose="020B0503020204020204" pitchFamily="34" charset="-122"/>
+                        <a:ea typeface="微软雅黑" panose="020B0503020204020204" pitchFamily="34" charset="-122"/>
+                      </a:rPr>
+                      <a:t>违章查询</a:t>
+                    </a:r>
+                  </a:p>
+                </p:txBody>
+              </p:sp>
+            </p:grpSp>
+          </p:grpSp>
+        </p:grpSp>
+        <p:sp>
+          <p:nvSpPr>
+            <p:cNvPr id="109" name="矩形 108">
+              <a:extLst>
+                <a:ext uri="{FF2B5EF4-FFF2-40B4-BE49-F238E27FC236}">
+                  <a16:creationId xmlns:a16="http://schemas.microsoft.com/office/drawing/2014/main" id="{FCD40296-19FA-4841-8ECE-621F4D8CB7A6}"/>
+                </a:ext>
+              </a:extLst>
+            </p:cNvPr>
+            <p:cNvSpPr/>
+            <p:nvPr/>
+          </p:nvSpPr>
+          <p:spPr>
+            <a:xfrm rot="1844245">
+              <a:off x="3536855" y="3495300"/>
+              <a:ext cx="310086" cy="130809"/>
+            </a:xfrm>
+            <a:prstGeom prst="rect">
+              <a:avLst/>
+            </a:prstGeom>
+            <a:solidFill>
+              <a:srgbClr val="09BB07"/>
+            </a:solidFill>
+            <a:ln>
+              <a:noFill/>
+            </a:ln>
+          </p:spPr>
+          <p:style>
+            <a:lnRef idx="2">
+              <a:schemeClr val="accent1">
+                <a:shade val="50000"/>
+              </a:schemeClr>
+            </a:lnRef>
+            <a:fillRef idx="1">
+              <a:schemeClr val="accent1"/>
+            </a:fillRef>
+            <a:effectRef idx="0">
+              <a:schemeClr val="accent1"/>
+            </a:effectRef>
+            <a:fontRef idx="minor">
+              <a:schemeClr val="lt1"/>
+            </a:fontRef>
+          </p:style>
+          <p:txBody>
+            <a:bodyPr rtlCol="0" anchor="ctr"/>
+            <a:lstStyle/>
+            <a:p>
+              <a:pPr algn="ctr"/>
+              <a:r>
+                <a:rPr lang="zh-CN" altLang="en-US" sz="700" dirty="0">
+                  <a:latin typeface="微软雅黑" panose="020B0503020204020204" pitchFamily="34" charset="-122"/>
+                  <a:ea typeface="微软雅黑" panose="020B0503020204020204" pitchFamily="34" charset="-122"/>
+                </a:rPr>
+                <a:t>惠</a:t>
+              </a:r>
+            </a:p>
+          </p:txBody>
+        </p:sp>
+      </p:grpSp>
     </p:spTree>
     <p:extLst>
       <p:ext uri="{BB962C8B-B14F-4D97-AF65-F5344CB8AC3E}">
@@ -5946,6 +6176,11 @@
             </a:lvl9pPr>
           </a:lstStyle>
           <a:p>
+            <a:pPr>
+              <a:lnSpc>
+                <a:spcPct val="150000"/>
+              </a:lnSpc>
+            </a:pPr>
             <a:r>
               <a:rPr lang="zh-CN" altLang="en-US" sz="1200" dirty="0"/>
               <a:t>送券消息入口</a:t>
@@ -5953,6 +6188,11 @@
             <a:endParaRPr lang="en-US" altLang="zh-CN" sz="1200" dirty="0"/>
           </a:p>
           <a:p>
+            <a:pPr>
+              <a:lnSpc>
+                <a:spcPct val="150000"/>
+              </a:lnSpc>
+            </a:pPr>
             <a:r>
               <a:rPr lang="zh-CN" altLang="en-US" sz="1200" dirty="0"/>
               <a:t>送券的模板消息，用户打开后，进入“优惠生活”的页面</a:t>
@@ -5960,6 +6200,11 @@
             <a:endParaRPr lang="en-US" altLang="zh-CN" sz="1200" dirty="0"/>
           </a:p>
           <a:p>
+            <a:pPr>
+              <a:lnSpc>
+                <a:spcPct val="150000"/>
+              </a:lnSpc>
+            </a:pPr>
             <a:r>
               <a:rPr lang="zh-CN" altLang="en-US" sz="1200" dirty="0"/>
               <a:t>提升页面的打开率</a:t>
@@ -6079,6 +6324,11 @@
           <a:bodyPr/>
           <a:lstStyle/>
           <a:p>
+            <a:pPr>
+              <a:lnSpc>
+                <a:spcPct val="150000"/>
+              </a:lnSpc>
+            </a:pPr>
             <a:r>
               <a:rPr lang="zh-CN" altLang="en-US" sz="1200" dirty="0"/>
               <a:t>送券，用户收到的模板消息，打开这个页面。</a:t>
@@ -6086,6 +6336,11 @@
             <a:endParaRPr lang="en-US" altLang="zh-CN" sz="1200" dirty="0"/>
           </a:p>
           <a:p>
+            <a:pPr>
+              <a:lnSpc>
+                <a:spcPct val="150000"/>
+              </a:lnSpc>
+            </a:pPr>
             <a:r>
               <a:rPr lang="en-US" altLang="zh-CN" sz="1200" dirty="0"/>
               <a:t>1</a:t>
@@ -6105,6 +6360,11 @@
             <a:endParaRPr lang="en-US" altLang="zh-CN" sz="1200" dirty="0"/>
           </a:p>
           <a:p>
+            <a:pPr>
+              <a:lnSpc>
+                <a:spcPct val="150000"/>
+              </a:lnSpc>
+            </a:pPr>
             <a:r>
               <a:rPr lang="en-US" altLang="zh-CN" sz="1200" dirty="0"/>
               <a:t>2</a:t>
@@ -6954,1029 +7214,6 @@
           </a:p>
         </p:txBody>
       </p:sp>
-      <p:grpSp>
-        <p:nvGrpSpPr>
-          <p:cNvPr id="7" name="组合 6">
-            <a:extLst>
-              <a:ext uri="{FF2B5EF4-FFF2-40B4-BE49-F238E27FC236}">
-                <a16:creationId xmlns:a16="http://schemas.microsoft.com/office/drawing/2014/main" id="{BFE0301A-25A2-4197-BFDD-E5E871532413}"/>
-              </a:ext>
-            </a:extLst>
-          </p:cNvPr>
-          <p:cNvGrpSpPr/>
-          <p:nvPr/>
-        </p:nvGrpSpPr>
-        <p:grpSpPr>
-          <a:xfrm>
-            <a:off x="881508" y="2970631"/>
-            <a:ext cx="3308563" cy="2202906"/>
-            <a:chOff x="863629" y="2070920"/>
-            <a:chExt cx="3308563" cy="2202906"/>
-          </a:xfrm>
-        </p:grpSpPr>
-        <p:grpSp>
-          <p:nvGrpSpPr>
-            <p:cNvPr id="51" name="组合 50">
-              <a:extLst>
-                <a:ext uri="{FF2B5EF4-FFF2-40B4-BE49-F238E27FC236}">
-                  <a16:creationId xmlns:a16="http://schemas.microsoft.com/office/drawing/2014/main" id="{01057F5D-287E-4988-99FF-6157AA2C45B6}"/>
-                </a:ext>
-              </a:extLst>
-            </p:cNvPr>
-            <p:cNvGrpSpPr/>
-            <p:nvPr/>
-          </p:nvGrpSpPr>
-          <p:grpSpPr>
-            <a:xfrm>
-              <a:off x="952040" y="2070920"/>
-              <a:ext cx="3131743" cy="2202906"/>
-              <a:chOff x="109797" y="1729407"/>
-              <a:chExt cx="3131743" cy="2171627"/>
-            </a:xfrm>
-          </p:grpSpPr>
-          <p:sp>
-            <p:nvSpPr>
-              <p:cNvPr id="52" name="矩形 51">
-                <a:extLst>
-                  <a:ext uri="{FF2B5EF4-FFF2-40B4-BE49-F238E27FC236}">
-                    <a16:creationId xmlns:a16="http://schemas.microsoft.com/office/drawing/2014/main" id="{D34FFCF6-A28D-4C5A-9B18-B9B6200C2855}"/>
-                  </a:ext>
-                </a:extLst>
-              </p:cNvPr>
-              <p:cNvSpPr/>
-              <p:nvPr/>
-            </p:nvSpPr>
-            <p:spPr>
-              <a:xfrm>
-                <a:off x="109797" y="1729407"/>
-                <a:ext cx="3131743" cy="2171627"/>
-              </a:xfrm>
-              <a:prstGeom prst="rect">
-                <a:avLst/>
-              </a:prstGeom>
-              <a:solidFill>
-                <a:schemeClr val="bg1"/>
-              </a:solidFill>
-              <a:ln>
-                <a:solidFill>
-                  <a:srgbClr val="DBDBDB"/>
-                </a:solidFill>
-              </a:ln>
-            </p:spPr>
-            <p:style>
-              <a:lnRef idx="1">
-                <a:schemeClr val="accent1"/>
-              </a:lnRef>
-              <a:fillRef idx="0">
-                <a:schemeClr val="accent1"/>
-              </a:fillRef>
-              <a:effectRef idx="0">
-                <a:schemeClr val="accent1"/>
-              </a:effectRef>
-              <a:fontRef idx="minor">
-                <a:schemeClr val="tx1"/>
-              </a:fontRef>
-            </p:style>
-            <p:txBody>
-              <a:bodyPr rtlCol="0" anchor="ctr"/>
-              <a:lstStyle/>
-              <a:p>
-                <a:pPr algn="ctr"/>
-                <a:endParaRPr lang="zh-CN" altLang="en-US" sz="1000" dirty="0">
-                  <a:solidFill>
-                    <a:schemeClr val="tx1"/>
-                  </a:solidFill>
-                </a:endParaRPr>
-              </a:p>
-            </p:txBody>
-          </p:sp>
-          <p:cxnSp>
-            <p:nvCxnSpPr>
-              <p:cNvPr id="53" name="直接连接符 52">
-                <a:extLst>
-                  <a:ext uri="{FF2B5EF4-FFF2-40B4-BE49-F238E27FC236}">
-                    <a16:creationId xmlns:a16="http://schemas.microsoft.com/office/drawing/2014/main" id="{ADF5D842-1678-498D-9E0D-B75F643CFD0D}"/>
-                  </a:ext>
-                </a:extLst>
-              </p:cNvPr>
-              <p:cNvCxnSpPr>
-                <a:cxnSpLocks/>
-              </p:cNvCxnSpPr>
-              <p:nvPr/>
-            </p:nvCxnSpPr>
-            <p:spPr>
-              <a:xfrm>
-                <a:off x="242865" y="2009928"/>
-                <a:ext cx="2998675" cy="0"/>
-              </a:xfrm>
-              <a:prstGeom prst="line">
-                <a:avLst/>
-              </a:prstGeom>
-              <a:ln>
-                <a:solidFill>
-                  <a:srgbClr val="DBDBDB"/>
-                </a:solidFill>
-              </a:ln>
-            </p:spPr>
-            <p:style>
-              <a:lnRef idx="1">
-                <a:schemeClr val="accent1"/>
-              </a:lnRef>
-              <a:fillRef idx="0">
-                <a:schemeClr val="accent1"/>
-              </a:fillRef>
-              <a:effectRef idx="0">
-                <a:schemeClr val="accent1"/>
-              </a:effectRef>
-              <a:fontRef idx="minor">
-                <a:schemeClr val="tx1"/>
-              </a:fontRef>
-            </p:style>
-          </p:cxnSp>
-          <p:sp>
-            <p:nvSpPr>
-              <p:cNvPr id="54" name="文本框 53">
-                <a:extLst>
-                  <a:ext uri="{FF2B5EF4-FFF2-40B4-BE49-F238E27FC236}">
-                    <a16:creationId xmlns:a16="http://schemas.microsoft.com/office/drawing/2014/main" id="{B680E233-FBF5-4843-9543-D3396F9B7A16}"/>
-                  </a:ext>
-                </a:extLst>
-              </p:cNvPr>
-              <p:cNvSpPr txBox="1"/>
-              <p:nvPr/>
-            </p:nvSpPr>
-            <p:spPr>
-              <a:xfrm>
-                <a:off x="191804" y="1792668"/>
-                <a:ext cx="824713" cy="212385"/>
-              </a:xfrm>
-              <a:prstGeom prst="rect">
-                <a:avLst/>
-              </a:prstGeom>
-              <a:noFill/>
-            </p:spPr>
-            <p:txBody>
-              <a:bodyPr wrap="square" rtlCol="0">
-                <a:spAutoFit/>
-              </a:bodyPr>
-              <a:lstStyle/>
-              <a:p>
-                <a:r>
-                  <a:rPr lang="zh-CN" altLang="en-US" sz="800" dirty="0">
-                    <a:solidFill>
-                      <a:schemeClr val="bg1">
-                        <a:lumMod val="75000"/>
-                      </a:schemeClr>
-                    </a:solidFill>
-                    <a:latin typeface="微软雅黑" panose="020B0503020204020204" pitchFamily="34" charset="-122"/>
-                    <a:ea typeface="微软雅黑" panose="020B0503020204020204" pitchFamily="34" charset="-122"/>
-                  </a:rPr>
-                  <a:t>优惠生活</a:t>
-                </a:r>
-              </a:p>
-            </p:txBody>
-          </p:sp>
-        </p:grpSp>
-        <p:grpSp>
-          <p:nvGrpSpPr>
-            <p:cNvPr id="5" name="组合 4">
-              <a:extLst>
-                <a:ext uri="{FF2B5EF4-FFF2-40B4-BE49-F238E27FC236}">
-                  <a16:creationId xmlns:a16="http://schemas.microsoft.com/office/drawing/2014/main" id="{04B68D41-0D91-4DA1-B5A3-111710B3B07A}"/>
-                </a:ext>
-              </a:extLst>
-            </p:cNvPr>
-            <p:cNvGrpSpPr/>
-            <p:nvPr/>
-          </p:nvGrpSpPr>
-          <p:grpSpPr>
-            <a:xfrm>
-              <a:off x="863629" y="2489697"/>
-              <a:ext cx="3308563" cy="805733"/>
-              <a:chOff x="854415" y="2556530"/>
-              <a:chExt cx="3308563" cy="805733"/>
-            </a:xfrm>
-          </p:grpSpPr>
-          <p:grpSp>
-            <p:nvGrpSpPr>
-              <p:cNvPr id="23" name="组合 22">
-                <a:extLst>
-                  <a:ext uri="{FF2B5EF4-FFF2-40B4-BE49-F238E27FC236}">
-                    <a16:creationId xmlns:a16="http://schemas.microsoft.com/office/drawing/2014/main" id="{5E12E0A6-C568-41FD-B2C3-5A49D5B2917C}"/>
-                  </a:ext>
-                </a:extLst>
-              </p:cNvPr>
-              <p:cNvGrpSpPr/>
-              <p:nvPr/>
-            </p:nvGrpSpPr>
-            <p:grpSpPr>
-              <a:xfrm>
-                <a:off x="854415" y="2556530"/>
-                <a:ext cx="1239857" cy="785598"/>
-                <a:chOff x="997827" y="5345661"/>
-                <a:chExt cx="494923" cy="313593"/>
-              </a:xfrm>
-            </p:grpSpPr>
-            <p:sp>
-              <p:nvSpPr>
-                <p:cNvPr id="24" name="矩形: 圆角 23">
-                  <a:extLst>
-                    <a:ext uri="{FF2B5EF4-FFF2-40B4-BE49-F238E27FC236}">
-                      <a16:creationId xmlns:a16="http://schemas.microsoft.com/office/drawing/2014/main" id="{56096C94-6EC4-4D46-BF6D-6134346BCE31}"/>
-                    </a:ext>
-                  </a:extLst>
-                </p:cNvPr>
-                <p:cNvSpPr/>
-                <p:nvPr/>
-              </p:nvSpPr>
-              <p:spPr>
-                <a:xfrm>
-                  <a:off x="1130148" y="5345661"/>
-                  <a:ext cx="230282" cy="230282"/>
-                </a:xfrm>
-                <a:prstGeom prst="roundRect">
-                  <a:avLst/>
-                </a:prstGeom>
-                <a:solidFill>
-                  <a:srgbClr val="D9D9D9"/>
-                </a:solidFill>
-                <a:ln>
-                  <a:noFill/>
-                </a:ln>
-              </p:spPr>
-              <p:style>
-                <a:lnRef idx="2">
-                  <a:schemeClr val="accent1">
-                    <a:shade val="50000"/>
-                  </a:schemeClr>
-                </a:lnRef>
-                <a:fillRef idx="1">
-                  <a:schemeClr val="accent1"/>
-                </a:fillRef>
-                <a:effectRef idx="0">
-                  <a:schemeClr val="accent1"/>
-                </a:effectRef>
-                <a:fontRef idx="minor">
-                  <a:schemeClr val="lt1"/>
-                </a:fontRef>
-              </p:style>
-              <p:txBody>
-                <a:bodyPr rtlCol="0" anchor="ctr"/>
-                <a:lstStyle/>
-                <a:p>
-                  <a:pPr algn="ctr">
-                    <a:lnSpc>
-                      <a:spcPct val="150000"/>
-                    </a:lnSpc>
-                  </a:pPr>
-                  <a:endParaRPr lang="zh-CN" altLang="en-US" sz="1000" dirty="0">
-                    <a:solidFill>
-                      <a:schemeClr val="tx1"/>
-                    </a:solidFill>
-                    <a:latin typeface="微软雅黑" panose="020B0503020204020204" pitchFamily="34" charset="-122"/>
-                    <a:ea typeface="微软雅黑" panose="020B0503020204020204" pitchFamily="34" charset="-122"/>
-                  </a:endParaRPr>
-                </a:p>
-              </p:txBody>
-            </p:sp>
-            <p:sp>
-              <p:nvSpPr>
-                <p:cNvPr id="25" name="文本框 24">
-                  <a:extLst>
-                    <a:ext uri="{FF2B5EF4-FFF2-40B4-BE49-F238E27FC236}">
-                      <a16:creationId xmlns:a16="http://schemas.microsoft.com/office/drawing/2014/main" id="{A4AEA3D2-53FB-46BF-AA2F-0D469589F790}"/>
-                    </a:ext>
-                  </a:extLst>
-                </p:cNvPr>
-                <p:cNvSpPr txBox="1"/>
-                <p:nvPr/>
-              </p:nvSpPr>
-              <p:spPr>
-                <a:xfrm>
-                  <a:off x="997827" y="5579397"/>
-                  <a:ext cx="494923" cy="79857"/>
-                </a:xfrm>
-                <a:prstGeom prst="rect">
-                  <a:avLst/>
-                </a:prstGeom>
-                <a:noFill/>
-              </p:spPr>
-              <p:txBody>
-                <a:bodyPr wrap="square" rtlCol="0">
-                  <a:spAutoFit/>
-                </a:bodyPr>
-                <a:lstStyle/>
-                <a:p>
-                  <a:pPr algn="ctr"/>
-                  <a:r>
-                    <a:rPr lang="zh-CN" altLang="en-US" sz="700" dirty="0">
-                      <a:latin typeface="微软雅黑" panose="020B0503020204020204" pitchFamily="34" charset="-122"/>
-                      <a:ea typeface="微软雅黑" panose="020B0503020204020204" pitchFamily="34" charset="-122"/>
-                    </a:rPr>
-                    <a:t>新车比价</a:t>
-                  </a:r>
-                </a:p>
-              </p:txBody>
-            </p:sp>
-          </p:grpSp>
-          <p:grpSp>
-            <p:nvGrpSpPr>
-              <p:cNvPr id="26" name="组合 25">
-                <a:extLst>
-                  <a:ext uri="{FF2B5EF4-FFF2-40B4-BE49-F238E27FC236}">
-                    <a16:creationId xmlns:a16="http://schemas.microsoft.com/office/drawing/2014/main" id="{2B19FA26-2155-4992-ACA0-8838F8C01A98}"/>
-                  </a:ext>
-                </a:extLst>
-              </p:cNvPr>
-              <p:cNvGrpSpPr/>
-              <p:nvPr/>
-            </p:nvGrpSpPr>
-            <p:grpSpPr>
-              <a:xfrm>
-                <a:off x="1888768" y="2576665"/>
-                <a:ext cx="1239857" cy="785598"/>
-                <a:chOff x="997827" y="5345661"/>
-                <a:chExt cx="494923" cy="313593"/>
-              </a:xfrm>
-            </p:grpSpPr>
-            <p:sp>
-              <p:nvSpPr>
-                <p:cNvPr id="27" name="矩形: 圆角 26">
-                  <a:extLst>
-                    <a:ext uri="{FF2B5EF4-FFF2-40B4-BE49-F238E27FC236}">
-                      <a16:creationId xmlns:a16="http://schemas.microsoft.com/office/drawing/2014/main" id="{D9096E29-A868-4E0C-9939-FC200FEEA994}"/>
-                    </a:ext>
-                  </a:extLst>
-                </p:cNvPr>
-                <p:cNvSpPr/>
-                <p:nvPr/>
-              </p:nvSpPr>
-              <p:spPr>
-                <a:xfrm>
-                  <a:off x="1130148" y="5345661"/>
-                  <a:ext cx="230282" cy="230282"/>
-                </a:xfrm>
-                <a:prstGeom prst="roundRect">
-                  <a:avLst/>
-                </a:prstGeom>
-                <a:solidFill>
-                  <a:srgbClr val="D9D9D9"/>
-                </a:solidFill>
-                <a:ln>
-                  <a:noFill/>
-                </a:ln>
-              </p:spPr>
-              <p:style>
-                <a:lnRef idx="2">
-                  <a:schemeClr val="accent1">
-                    <a:shade val="50000"/>
-                  </a:schemeClr>
-                </a:lnRef>
-                <a:fillRef idx="1">
-                  <a:schemeClr val="accent1"/>
-                </a:fillRef>
-                <a:effectRef idx="0">
-                  <a:schemeClr val="accent1"/>
-                </a:effectRef>
-                <a:fontRef idx="minor">
-                  <a:schemeClr val="lt1"/>
-                </a:fontRef>
-              </p:style>
-              <p:txBody>
-                <a:bodyPr rtlCol="0" anchor="ctr"/>
-                <a:lstStyle/>
-                <a:p>
-                  <a:pPr algn="ctr">
-                    <a:lnSpc>
-                      <a:spcPct val="150000"/>
-                    </a:lnSpc>
-                  </a:pPr>
-                  <a:endParaRPr lang="zh-CN" altLang="en-US" sz="1000" dirty="0">
-                    <a:solidFill>
-                      <a:schemeClr val="tx1"/>
-                    </a:solidFill>
-                    <a:latin typeface="微软雅黑" panose="020B0503020204020204" pitchFamily="34" charset="-122"/>
-                    <a:ea typeface="微软雅黑" panose="020B0503020204020204" pitchFamily="34" charset="-122"/>
-                  </a:endParaRPr>
-                </a:p>
-              </p:txBody>
-            </p:sp>
-            <p:sp>
-              <p:nvSpPr>
-                <p:cNvPr id="28" name="文本框 27">
-                  <a:extLst>
-                    <a:ext uri="{FF2B5EF4-FFF2-40B4-BE49-F238E27FC236}">
-                      <a16:creationId xmlns:a16="http://schemas.microsoft.com/office/drawing/2014/main" id="{FC931B7A-8BF6-4701-93BB-C97AC618CC71}"/>
-                    </a:ext>
-                  </a:extLst>
-                </p:cNvPr>
-                <p:cNvSpPr txBox="1"/>
-                <p:nvPr/>
-              </p:nvSpPr>
-              <p:spPr>
-                <a:xfrm>
-                  <a:off x="997827" y="5579397"/>
-                  <a:ext cx="494923" cy="79857"/>
-                </a:xfrm>
-                <a:prstGeom prst="rect">
-                  <a:avLst/>
-                </a:prstGeom>
-                <a:noFill/>
-              </p:spPr>
-              <p:txBody>
-                <a:bodyPr wrap="square" rtlCol="0">
-                  <a:spAutoFit/>
-                </a:bodyPr>
-                <a:lstStyle/>
-                <a:p>
-                  <a:pPr algn="ctr"/>
-                  <a:r>
-                    <a:rPr lang="zh-CN" altLang="en-US" sz="700" dirty="0">
-                      <a:latin typeface="微软雅黑" panose="020B0503020204020204" pitchFamily="34" charset="-122"/>
-                      <a:ea typeface="微软雅黑" panose="020B0503020204020204" pitchFamily="34" charset="-122"/>
-                    </a:rPr>
-                    <a:t>手机充值</a:t>
-                  </a:r>
-                </a:p>
-              </p:txBody>
-            </p:sp>
-          </p:grpSp>
-          <p:grpSp>
-            <p:nvGrpSpPr>
-              <p:cNvPr id="29" name="组合 28">
-                <a:extLst>
-                  <a:ext uri="{FF2B5EF4-FFF2-40B4-BE49-F238E27FC236}">
-                    <a16:creationId xmlns:a16="http://schemas.microsoft.com/office/drawing/2014/main" id="{929EF652-BB27-44D9-A447-FEB1A34F856F}"/>
-                  </a:ext>
-                </a:extLst>
-              </p:cNvPr>
-              <p:cNvGrpSpPr/>
-              <p:nvPr/>
-            </p:nvGrpSpPr>
-            <p:grpSpPr>
-              <a:xfrm>
-                <a:off x="2923121" y="2576665"/>
-                <a:ext cx="1239857" cy="785598"/>
-                <a:chOff x="997827" y="5345661"/>
-                <a:chExt cx="494923" cy="313593"/>
-              </a:xfrm>
-            </p:grpSpPr>
-            <p:sp>
-              <p:nvSpPr>
-                <p:cNvPr id="30" name="矩形: 圆角 29">
-                  <a:extLst>
-                    <a:ext uri="{FF2B5EF4-FFF2-40B4-BE49-F238E27FC236}">
-                      <a16:creationId xmlns:a16="http://schemas.microsoft.com/office/drawing/2014/main" id="{7B9E14A0-8AB1-4776-AB41-A8FACB6E682C}"/>
-                    </a:ext>
-                  </a:extLst>
-                </p:cNvPr>
-                <p:cNvSpPr/>
-                <p:nvPr/>
-              </p:nvSpPr>
-              <p:spPr>
-                <a:xfrm>
-                  <a:off x="1130148" y="5345661"/>
-                  <a:ext cx="230282" cy="230282"/>
-                </a:xfrm>
-                <a:prstGeom prst="roundRect">
-                  <a:avLst/>
-                </a:prstGeom>
-                <a:solidFill>
-                  <a:srgbClr val="D9D9D9"/>
-                </a:solidFill>
-                <a:ln>
-                  <a:noFill/>
-                </a:ln>
-              </p:spPr>
-              <p:style>
-                <a:lnRef idx="2">
-                  <a:schemeClr val="accent1">
-                    <a:shade val="50000"/>
-                  </a:schemeClr>
-                </a:lnRef>
-                <a:fillRef idx="1">
-                  <a:schemeClr val="accent1"/>
-                </a:fillRef>
-                <a:effectRef idx="0">
-                  <a:schemeClr val="accent1"/>
-                </a:effectRef>
-                <a:fontRef idx="minor">
-                  <a:schemeClr val="lt1"/>
-                </a:fontRef>
-              </p:style>
-              <p:txBody>
-                <a:bodyPr rtlCol="0" anchor="ctr"/>
-                <a:lstStyle/>
-                <a:p>
-                  <a:pPr algn="ctr">
-                    <a:lnSpc>
-                      <a:spcPct val="150000"/>
-                    </a:lnSpc>
-                  </a:pPr>
-                  <a:endParaRPr lang="zh-CN" altLang="en-US" sz="1000" dirty="0">
-                    <a:solidFill>
-                      <a:schemeClr val="tx1"/>
-                    </a:solidFill>
-                    <a:latin typeface="微软雅黑" panose="020B0503020204020204" pitchFamily="34" charset="-122"/>
-                    <a:ea typeface="微软雅黑" panose="020B0503020204020204" pitchFamily="34" charset="-122"/>
-                  </a:endParaRPr>
-                </a:p>
-              </p:txBody>
-            </p:sp>
-            <p:sp>
-              <p:nvSpPr>
-                <p:cNvPr id="31" name="文本框 30">
-                  <a:extLst>
-                    <a:ext uri="{FF2B5EF4-FFF2-40B4-BE49-F238E27FC236}">
-                      <a16:creationId xmlns:a16="http://schemas.microsoft.com/office/drawing/2014/main" id="{18200A16-8F57-4E07-9B74-0FF1C5220C2F}"/>
-                    </a:ext>
-                  </a:extLst>
-                </p:cNvPr>
-                <p:cNvSpPr txBox="1"/>
-                <p:nvPr/>
-              </p:nvSpPr>
-              <p:spPr>
-                <a:xfrm>
-                  <a:off x="997827" y="5579397"/>
-                  <a:ext cx="494923" cy="79857"/>
-                </a:xfrm>
-                <a:prstGeom prst="rect">
-                  <a:avLst/>
-                </a:prstGeom>
-                <a:noFill/>
-              </p:spPr>
-              <p:txBody>
-                <a:bodyPr wrap="square" rtlCol="0">
-                  <a:spAutoFit/>
-                </a:bodyPr>
-                <a:lstStyle/>
-                <a:p>
-                  <a:pPr algn="ctr"/>
-                  <a:r>
-                    <a:rPr lang="zh-CN" altLang="en-US" sz="700" dirty="0">
-                      <a:latin typeface="微软雅黑" panose="020B0503020204020204" pitchFamily="34" charset="-122"/>
-                      <a:ea typeface="微软雅黑" panose="020B0503020204020204" pitchFamily="34" charset="-122"/>
-                    </a:rPr>
-                    <a:t>国际驾照</a:t>
-                  </a:r>
-                </a:p>
-              </p:txBody>
-            </p:sp>
-          </p:grpSp>
-        </p:grpSp>
-        <p:sp>
-          <p:nvSpPr>
-            <p:cNvPr id="6" name="矩形 5">
-              <a:extLst>
-                <a:ext uri="{FF2B5EF4-FFF2-40B4-BE49-F238E27FC236}">
-                  <a16:creationId xmlns:a16="http://schemas.microsoft.com/office/drawing/2014/main" id="{3692E144-CE8B-4726-B9BB-DF98BB6817C7}"/>
-                </a:ext>
-              </a:extLst>
-            </p:cNvPr>
-            <p:cNvSpPr/>
-            <p:nvPr/>
-          </p:nvSpPr>
-          <p:spPr>
-            <a:xfrm rot="1844245">
-              <a:off x="2484623" y="2587220"/>
-              <a:ext cx="310086" cy="130809"/>
-            </a:xfrm>
-            <a:prstGeom prst="rect">
-              <a:avLst/>
-            </a:prstGeom>
-            <a:solidFill>
-              <a:srgbClr val="09BB07"/>
-            </a:solidFill>
-            <a:ln>
-              <a:noFill/>
-            </a:ln>
-          </p:spPr>
-          <p:style>
-            <a:lnRef idx="2">
-              <a:schemeClr val="accent1">
-                <a:shade val="50000"/>
-              </a:schemeClr>
-            </a:lnRef>
-            <a:fillRef idx="1">
-              <a:schemeClr val="accent1"/>
-            </a:fillRef>
-            <a:effectRef idx="0">
-              <a:schemeClr val="accent1"/>
-            </a:effectRef>
-            <a:fontRef idx="minor">
-              <a:schemeClr val="lt1"/>
-            </a:fontRef>
-          </p:style>
-          <p:txBody>
-            <a:bodyPr rtlCol="0" anchor="ctr"/>
-            <a:lstStyle/>
-            <a:p>
-              <a:pPr algn="ctr"/>
-              <a:r>
-                <a:rPr lang="zh-CN" altLang="en-US" sz="700" dirty="0">
-                  <a:latin typeface="微软雅黑" panose="020B0503020204020204" pitchFamily="34" charset="-122"/>
-                  <a:ea typeface="微软雅黑" panose="020B0503020204020204" pitchFamily="34" charset="-122"/>
-                </a:rPr>
-                <a:t>惠</a:t>
-              </a:r>
-            </a:p>
-          </p:txBody>
-        </p:sp>
-        <p:grpSp>
-          <p:nvGrpSpPr>
-            <p:cNvPr id="36" name="组合 35">
-              <a:extLst>
-                <a:ext uri="{FF2B5EF4-FFF2-40B4-BE49-F238E27FC236}">
-                  <a16:creationId xmlns:a16="http://schemas.microsoft.com/office/drawing/2014/main" id="{82877434-EE82-4FE7-B3AB-F158FC4619DC}"/>
-                </a:ext>
-              </a:extLst>
-            </p:cNvPr>
-            <p:cNvGrpSpPr/>
-            <p:nvPr/>
-          </p:nvGrpSpPr>
-          <p:grpSpPr>
-            <a:xfrm>
-              <a:off x="863629" y="3394014"/>
-              <a:ext cx="3308563" cy="805733"/>
-              <a:chOff x="854415" y="2556530"/>
-              <a:chExt cx="3308563" cy="805733"/>
-            </a:xfrm>
-          </p:grpSpPr>
-          <p:grpSp>
-            <p:nvGrpSpPr>
-              <p:cNvPr id="37" name="组合 36">
-                <a:extLst>
-                  <a:ext uri="{FF2B5EF4-FFF2-40B4-BE49-F238E27FC236}">
-                    <a16:creationId xmlns:a16="http://schemas.microsoft.com/office/drawing/2014/main" id="{11502CAB-A5AE-4D5A-95D8-8283099D0AA6}"/>
-                  </a:ext>
-                </a:extLst>
-              </p:cNvPr>
-              <p:cNvGrpSpPr/>
-              <p:nvPr/>
-            </p:nvGrpSpPr>
-            <p:grpSpPr>
-              <a:xfrm>
-                <a:off x="854415" y="2556530"/>
-                <a:ext cx="1239857" cy="785598"/>
-                <a:chOff x="997827" y="5345661"/>
-                <a:chExt cx="494923" cy="313593"/>
-              </a:xfrm>
-            </p:grpSpPr>
-            <p:sp>
-              <p:nvSpPr>
-                <p:cNvPr id="55" name="矩形: 圆角 54">
-                  <a:extLst>
-                    <a:ext uri="{FF2B5EF4-FFF2-40B4-BE49-F238E27FC236}">
-                      <a16:creationId xmlns:a16="http://schemas.microsoft.com/office/drawing/2014/main" id="{91596241-52E4-42A2-BBC1-4C1B63BB46E3}"/>
-                    </a:ext>
-                  </a:extLst>
-                </p:cNvPr>
-                <p:cNvSpPr/>
-                <p:nvPr/>
-              </p:nvSpPr>
-              <p:spPr>
-                <a:xfrm>
-                  <a:off x="1130148" y="5345661"/>
-                  <a:ext cx="230282" cy="230282"/>
-                </a:xfrm>
-                <a:prstGeom prst="roundRect">
-                  <a:avLst/>
-                </a:prstGeom>
-                <a:solidFill>
-                  <a:srgbClr val="D9D9D9"/>
-                </a:solidFill>
-                <a:ln>
-                  <a:noFill/>
-                </a:ln>
-              </p:spPr>
-              <p:style>
-                <a:lnRef idx="2">
-                  <a:schemeClr val="accent1">
-                    <a:shade val="50000"/>
-                  </a:schemeClr>
-                </a:lnRef>
-                <a:fillRef idx="1">
-                  <a:schemeClr val="accent1"/>
-                </a:fillRef>
-                <a:effectRef idx="0">
-                  <a:schemeClr val="accent1"/>
-                </a:effectRef>
-                <a:fontRef idx="minor">
-                  <a:schemeClr val="lt1"/>
-                </a:fontRef>
-              </p:style>
-              <p:txBody>
-                <a:bodyPr rtlCol="0" anchor="ctr"/>
-                <a:lstStyle/>
-                <a:p>
-                  <a:pPr algn="ctr">
-                    <a:lnSpc>
-                      <a:spcPct val="150000"/>
-                    </a:lnSpc>
-                  </a:pPr>
-                  <a:endParaRPr lang="zh-CN" altLang="en-US" sz="1000" dirty="0">
-                    <a:solidFill>
-                      <a:schemeClr val="tx1"/>
-                    </a:solidFill>
-                    <a:latin typeface="微软雅黑" panose="020B0503020204020204" pitchFamily="34" charset="-122"/>
-                    <a:ea typeface="微软雅黑" panose="020B0503020204020204" pitchFamily="34" charset="-122"/>
-                  </a:endParaRPr>
-                </a:p>
-              </p:txBody>
-            </p:sp>
-            <p:sp>
-              <p:nvSpPr>
-                <p:cNvPr id="56" name="文本框 55">
-                  <a:extLst>
-                    <a:ext uri="{FF2B5EF4-FFF2-40B4-BE49-F238E27FC236}">
-                      <a16:creationId xmlns:a16="http://schemas.microsoft.com/office/drawing/2014/main" id="{7EFFDB69-CFE5-42CA-99A6-68696D9C8218}"/>
-                    </a:ext>
-                  </a:extLst>
-                </p:cNvPr>
-                <p:cNvSpPr txBox="1"/>
-                <p:nvPr/>
-              </p:nvSpPr>
-              <p:spPr>
-                <a:xfrm>
-                  <a:off x="997827" y="5579397"/>
-                  <a:ext cx="494923" cy="79857"/>
-                </a:xfrm>
-                <a:prstGeom prst="rect">
-                  <a:avLst/>
-                </a:prstGeom>
-                <a:noFill/>
-              </p:spPr>
-              <p:txBody>
-                <a:bodyPr wrap="square" rtlCol="0">
-                  <a:spAutoFit/>
-                </a:bodyPr>
-                <a:lstStyle/>
-                <a:p>
-                  <a:pPr algn="ctr"/>
-                  <a:r>
-                    <a:rPr lang="zh-CN" altLang="en-US" sz="700" dirty="0">
-                      <a:latin typeface="微软雅黑" panose="020B0503020204020204" pitchFamily="34" charset="-122"/>
-                      <a:ea typeface="微软雅黑" panose="020B0503020204020204" pitchFamily="34" charset="-122"/>
-                    </a:rPr>
-                    <a:t>国际租车</a:t>
-                  </a:r>
-                </a:p>
-              </p:txBody>
-            </p:sp>
-          </p:grpSp>
-          <p:grpSp>
-            <p:nvGrpSpPr>
-              <p:cNvPr id="38" name="组合 37">
-                <a:extLst>
-                  <a:ext uri="{FF2B5EF4-FFF2-40B4-BE49-F238E27FC236}">
-                    <a16:creationId xmlns:a16="http://schemas.microsoft.com/office/drawing/2014/main" id="{3B954292-0BB8-4F57-AB47-66D07BB7CD87}"/>
-                  </a:ext>
-                </a:extLst>
-              </p:cNvPr>
-              <p:cNvGrpSpPr/>
-              <p:nvPr/>
-            </p:nvGrpSpPr>
-            <p:grpSpPr>
-              <a:xfrm>
-                <a:off x="1888768" y="2576665"/>
-                <a:ext cx="1239857" cy="785598"/>
-                <a:chOff x="997827" y="5345661"/>
-                <a:chExt cx="494923" cy="313593"/>
-              </a:xfrm>
-            </p:grpSpPr>
-            <p:sp>
-              <p:nvSpPr>
-                <p:cNvPr id="49" name="矩形: 圆角 48">
-                  <a:extLst>
-                    <a:ext uri="{FF2B5EF4-FFF2-40B4-BE49-F238E27FC236}">
-                      <a16:creationId xmlns:a16="http://schemas.microsoft.com/office/drawing/2014/main" id="{FB1F9255-58FB-494B-A548-37DF9DEC4BA6}"/>
-                    </a:ext>
-                  </a:extLst>
-                </p:cNvPr>
-                <p:cNvSpPr/>
-                <p:nvPr/>
-              </p:nvSpPr>
-              <p:spPr>
-                <a:xfrm>
-                  <a:off x="1130148" y="5345661"/>
-                  <a:ext cx="230282" cy="230282"/>
-                </a:xfrm>
-                <a:prstGeom prst="roundRect">
-                  <a:avLst/>
-                </a:prstGeom>
-                <a:solidFill>
-                  <a:srgbClr val="D9D9D9"/>
-                </a:solidFill>
-                <a:ln>
-                  <a:noFill/>
-                </a:ln>
-              </p:spPr>
-              <p:style>
-                <a:lnRef idx="2">
-                  <a:schemeClr val="accent1">
-                    <a:shade val="50000"/>
-                  </a:schemeClr>
-                </a:lnRef>
-                <a:fillRef idx="1">
-                  <a:schemeClr val="accent1"/>
-                </a:fillRef>
-                <a:effectRef idx="0">
-                  <a:schemeClr val="accent1"/>
-                </a:effectRef>
-                <a:fontRef idx="minor">
-                  <a:schemeClr val="lt1"/>
-                </a:fontRef>
-              </p:style>
-              <p:txBody>
-                <a:bodyPr rtlCol="0" anchor="ctr"/>
-                <a:lstStyle/>
-                <a:p>
-                  <a:pPr algn="ctr">
-                    <a:lnSpc>
-                      <a:spcPct val="150000"/>
-                    </a:lnSpc>
-                  </a:pPr>
-                  <a:endParaRPr lang="zh-CN" altLang="en-US" sz="1000" dirty="0">
-                    <a:solidFill>
-                      <a:schemeClr val="tx1"/>
-                    </a:solidFill>
-                    <a:latin typeface="微软雅黑" panose="020B0503020204020204" pitchFamily="34" charset="-122"/>
-                    <a:ea typeface="微软雅黑" panose="020B0503020204020204" pitchFamily="34" charset="-122"/>
-                  </a:endParaRPr>
-                </a:p>
-              </p:txBody>
-            </p:sp>
-            <p:sp>
-              <p:nvSpPr>
-                <p:cNvPr id="50" name="文本框 49">
-                  <a:extLst>
-                    <a:ext uri="{FF2B5EF4-FFF2-40B4-BE49-F238E27FC236}">
-                      <a16:creationId xmlns:a16="http://schemas.microsoft.com/office/drawing/2014/main" id="{E1F80034-86D9-4BF9-987C-3160678A435C}"/>
-                    </a:ext>
-                  </a:extLst>
-                </p:cNvPr>
-                <p:cNvSpPr txBox="1"/>
-                <p:nvPr/>
-              </p:nvSpPr>
-              <p:spPr>
-                <a:xfrm>
-                  <a:off x="997827" y="5579397"/>
-                  <a:ext cx="494923" cy="79857"/>
-                </a:xfrm>
-                <a:prstGeom prst="rect">
-                  <a:avLst/>
-                </a:prstGeom>
-                <a:noFill/>
-              </p:spPr>
-              <p:txBody>
-                <a:bodyPr wrap="square" rtlCol="0">
-                  <a:spAutoFit/>
-                </a:bodyPr>
-                <a:lstStyle/>
-                <a:p>
-                  <a:pPr algn="ctr"/>
-                  <a:r>
-                    <a:rPr lang="en-US" altLang="zh-CN" sz="700" dirty="0">
-                      <a:latin typeface="微软雅黑" panose="020B0503020204020204" pitchFamily="34" charset="-122"/>
-                      <a:ea typeface="微软雅黑" panose="020B0503020204020204" pitchFamily="34" charset="-122"/>
-                    </a:rPr>
-                    <a:t>XX</a:t>
-                  </a:r>
-                  <a:r>
-                    <a:rPr lang="zh-CN" altLang="en-US" sz="700" dirty="0">
-                      <a:latin typeface="微软雅黑" panose="020B0503020204020204" pitchFamily="34" charset="-122"/>
-                      <a:ea typeface="微软雅黑" panose="020B0503020204020204" pitchFamily="34" charset="-122"/>
-                    </a:rPr>
-                    <a:t>保险</a:t>
-                  </a:r>
-                </a:p>
-              </p:txBody>
-            </p:sp>
-          </p:grpSp>
-          <p:grpSp>
-            <p:nvGrpSpPr>
-              <p:cNvPr id="39" name="组合 38">
-                <a:extLst>
-                  <a:ext uri="{FF2B5EF4-FFF2-40B4-BE49-F238E27FC236}">
-                    <a16:creationId xmlns:a16="http://schemas.microsoft.com/office/drawing/2014/main" id="{D113B51D-64C8-4FED-ACC2-F8A57F955699}"/>
-                  </a:ext>
-                </a:extLst>
-              </p:cNvPr>
-              <p:cNvGrpSpPr/>
-              <p:nvPr/>
-            </p:nvGrpSpPr>
-            <p:grpSpPr>
-              <a:xfrm>
-                <a:off x="2923121" y="2576665"/>
-                <a:ext cx="1239857" cy="785598"/>
-                <a:chOff x="997827" y="5345661"/>
-                <a:chExt cx="494923" cy="313593"/>
-              </a:xfrm>
-            </p:grpSpPr>
-            <p:sp>
-              <p:nvSpPr>
-                <p:cNvPr id="47" name="矩形: 圆角 46">
-                  <a:extLst>
-                    <a:ext uri="{FF2B5EF4-FFF2-40B4-BE49-F238E27FC236}">
-                      <a16:creationId xmlns:a16="http://schemas.microsoft.com/office/drawing/2014/main" id="{981E64D2-BF44-45AB-9182-761F7D91CF13}"/>
-                    </a:ext>
-                  </a:extLst>
-                </p:cNvPr>
-                <p:cNvSpPr/>
-                <p:nvPr/>
-              </p:nvSpPr>
-              <p:spPr>
-                <a:xfrm>
-                  <a:off x="1130148" y="5345661"/>
-                  <a:ext cx="230282" cy="230282"/>
-                </a:xfrm>
-                <a:prstGeom prst="roundRect">
-                  <a:avLst/>
-                </a:prstGeom>
-                <a:solidFill>
-                  <a:srgbClr val="D9D9D9"/>
-                </a:solidFill>
-                <a:ln>
-                  <a:noFill/>
-                </a:ln>
-              </p:spPr>
-              <p:style>
-                <a:lnRef idx="2">
-                  <a:schemeClr val="accent1">
-                    <a:shade val="50000"/>
-                  </a:schemeClr>
-                </a:lnRef>
-                <a:fillRef idx="1">
-                  <a:schemeClr val="accent1"/>
-                </a:fillRef>
-                <a:effectRef idx="0">
-                  <a:schemeClr val="accent1"/>
-                </a:effectRef>
-                <a:fontRef idx="minor">
-                  <a:schemeClr val="lt1"/>
-                </a:fontRef>
-              </p:style>
-              <p:txBody>
-                <a:bodyPr rtlCol="0" anchor="ctr"/>
-                <a:lstStyle/>
-                <a:p>
-                  <a:pPr algn="ctr">
-                    <a:lnSpc>
-                      <a:spcPct val="150000"/>
-                    </a:lnSpc>
-                  </a:pPr>
-                  <a:endParaRPr lang="zh-CN" altLang="en-US" sz="1000" dirty="0">
-                    <a:solidFill>
-                      <a:schemeClr val="tx1"/>
-                    </a:solidFill>
-                    <a:latin typeface="微软雅黑" panose="020B0503020204020204" pitchFamily="34" charset="-122"/>
-                    <a:ea typeface="微软雅黑" panose="020B0503020204020204" pitchFamily="34" charset="-122"/>
-                  </a:endParaRPr>
-                </a:p>
-              </p:txBody>
-            </p:sp>
-            <p:sp>
-              <p:nvSpPr>
-                <p:cNvPr id="48" name="文本框 47">
-                  <a:extLst>
-                    <a:ext uri="{FF2B5EF4-FFF2-40B4-BE49-F238E27FC236}">
-                      <a16:creationId xmlns:a16="http://schemas.microsoft.com/office/drawing/2014/main" id="{A30B311E-1CFF-49D9-A767-5BE02AB74B2B}"/>
-                    </a:ext>
-                  </a:extLst>
-                </p:cNvPr>
-                <p:cNvSpPr txBox="1"/>
-                <p:nvPr/>
-              </p:nvSpPr>
-              <p:spPr>
-                <a:xfrm>
-                  <a:off x="997827" y="5579397"/>
-                  <a:ext cx="494923" cy="79857"/>
-                </a:xfrm>
-                <a:prstGeom prst="rect">
-                  <a:avLst/>
-                </a:prstGeom>
-                <a:noFill/>
-              </p:spPr>
-              <p:txBody>
-                <a:bodyPr wrap="square" rtlCol="0">
-                  <a:spAutoFit/>
-                </a:bodyPr>
-                <a:lstStyle/>
-                <a:p>
-                  <a:pPr algn="ctr"/>
-                  <a:r>
-                    <a:rPr lang="zh-CN" altLang="en-US" sz="700" dirty="0">
-                      <a:latin typeface="微软雅黑" panose="020B0503020204020204" pitchFamily="34" charset="-122"/>
-                      <a:ea typeface="微软雅黑" panose="020B0503020204020204" pitchFamily="34" charset="-122"/>
-                    </a:rPr>
-                    <a:t>违章查询</a:t>
-                  </a:r>
-                </a:p>
-              </p:txBody>
-            </p:sp>
-          </p:grpSp>
-        </p:grpSp>
-      </p:grpSp>
       <p:pic>
         <p:nvPicPr>
           <p:cNvPr id="57" name="图片 56">
@@ -8276,64 +7513,1101 @@
           </p:spPr>
         </p:pic>
       </p:grpSp>
-      <p:sp>
-        <p:nvSpPr>
-          <p:cNvPr id="76" name="矩形 75">
+      <p:grpSp>
+        <p:nvGrpSpPr>
+          <p:cNvPr id="58" name="组合 57">
             <a:extLst>
               <a:ext uri="{FF2B5EF4-FFF2-40B4-BE49-F238E27FC236}">
-                <a16:creationId xmlns:a16="http://schemas.microsoft.com/office/drawing/2014/main" id="{C3932827-BCEE-4264-BE80-ECA9CC8265E6}"/>
+                <a16:creationId xmlns:a16="http://schemas.microsoft.com/office/drawing/2014/main" id="{F894AC6C-F586-4B4B-86A8-3054988E7217}"/>
               </a:ext>
             </a:extLst>
           </p:cNvPr>
-          <p:cNvSpPr/>
+          <p:cNvGrpSpPr/>
           <p:nvPr/>
-        </p:nvSpPr>
-        <p:spPr>
-          <a:xfrm rot="1844245">
-            <a:off x="2502502" y="4364071"/>
-            <a:ext cx="310086" cy="130809"/>
+        </p:nvGrpSpPr>
+        <p:grpSpPr>
+          <a:xfrm>
+            <a:off x="881508" y="2970631"/>
+            <a:ext cx="3308563" cy="2202906"/>
+            <a:chOff x="881508" y="2970631"/>
+            <a:chExt cx="3308563" cy="2202906"/>
           </a:xfrm>
-          <a:prstGeom prst="rect">
-            <a:avLst/>
-          </a:prstGeom>
-          <a:solidFill>
-            <a:srgbClr val="09BB07"/>
-          </a:solidFill>
-          <a:ln>
-            <a:noFill/>
-          </a:ln>
-        </p:spPr>
-        <p:style>
-          <a:lnRef idx="2">
-            <a:schemeClr val="accent1">
-              <a:shade val="50000"/>
-            </a:schemeClr>
-          </a:lnRef>
-          <a:fillRef idx="1">
-            <a:schemeClr val="accent1"/>
-          </a:fillRef>
-          <a:effectRef idx="0">
-            <a:schemeClr val="accent1"/>
-          </a:effectRef>
-          <a:fontRef idx="minor">
-            <a:schemeClr val="lt1"/>
-          </a:fontRef>
-        </p:style>
-        <p:txBody>
-          <a:bodyPr rtlCol="0" anchor="ctr"/>
-          <a:lstStyle/>
-          <a:p>
-            <a:pPr algn="ctr"/>
-            <a:r>
-              <a:rPr lang="zh-CN" altLang="en-US" sz="700" dirty="0">
-                <a:latin typeface="微软雅黑" panose="020B0503020204020204" pitchFamily="34" charset="-122"/>
-                <a:ea typeface="微软雅黑" panose="020B0503020204020204" pitchFamily="34" charset="-122"/>
-              </a:rPr>
-              <a:t>惠</a:t>
-            </a:r>
-          </a:p>
-        </p:txBody>
-      </p:sp>
+        </p:grpSpPr>
+        <p:grpSp>
+          <p:nvGrpSpPr>
+            <p:cNvPr id="59" name="组合 58">
+              <a:extLst>
+                <a:ext uri="{FF2B5EF4-FFF2-40B4-BE49-F238E27FC236}">
+                  <a16:creationId xmlns:a16="http://schemas.microsoft.com/office/drawing/2014/main" id="{4E9EF8BA-25E1-4DB1-8CFB-24D0D01A9E72}"/>
+                </a:ext>
+              </a:extLst>
+            </p:cNvPr>
+            <p:cNvGrpSpPr/>
+            <p:nvPr/>
+          </p:nvGrpSpPr>
+          <p:grpSpPr>
+            <a:xfrm>
+              <a:off x="881508" y="2970631"/>
+              <a:ext cx="3308563" cy="2202906"/>
+              <a:chOff x="863629" y="2070920"/>
+              <a:chExt cx="3308563" cy="2202906"/>
+            </a:xfrm>
+          </p:grpSpPr>
+          <p:grpSp>
+            <p:nvGrpSpPr>
+              <p:cNvPr id="61" name="组合 60">
+                <a:extLst>
+                  <a:ext uri="{FF2B5EF4-FFF2-40B4-BE49-F238E27FC236}">
+                    <a16:creationId xmlns:a16="http://schemas.microsoft.com/office/drawing/2014/main" id="{2E4B546E-59B8-4A3F-92BB-8DF77CD694DB}"/>
+                  </a:ext>
+                </a:extLst>
+              </p:cNvPr>
+              <p:cNvGrpSpPr/>
+              <p:nvPr/>
+            </p:nvGrpSpPr>
+            <p:grpSpPr>
+              <a:xfrm>
+                <a:off x="952040" y="2070920"/>
+                <a:ext cx="3131743" cy="2202906"/>
+                <a:chOff x="109797" y="1729407"/>
+                <a:chExt cx="3131743" cy="2171627"/>
+              </a:xfrm>
+            </p:grpSpPr>
+            <p:sp>
+              <p:nvSpPr>
+                <p:cNvPr id="90" name="矩形 89">
+                  <a:extLst>
+                    <a:ext uri="{FF2B5EF4-FFF2-40B4-BE49-F238E27FC236}">
+                      <a16:creationId xmlns:a16="http://schemas.microsoft.com/office/drawing/2014/main" id="{F2F06A26-61D4-4593-AD0C-86FC2A2EE98C}"/>
+                    </a:ext>
+                  </a:extLst>
+                </p:cNvPr>
+                <p:cNvSpPr/>
+                <p:nvPr/>
+              </p:nvSpPr>
+              <p:spPr>
+                <a:xfrm>
+                  <a:off x="109797" y="1729407"/>
+                  <a:ext cx="3131743" cy="2171627"/>
+                </a:xfrm>
+                <a:prstGeom prst="rect">
+                  <a:avLst/>
+                </a:prstGeom>
+                <a:solidFill>
+                  <a:schemeClr val="bg1"/>
+                </a:solidFill>
+                <a:ln>
+                  <a:solidFill>
+                    <a:srgbClr val="DBDBDB"/>
+                  </a:solidFill>
+                </a:ln>
+              </p:spPr>
+              <p:style>
+                <a:lnRef idx="1">
+                  <a:schemeClr val="accent1"/>
+                </a:lnRef>
+                <a:fillRef idx="0">
+                  <a:schemeClr val="accent1"/>
+                </a:fillRef>
+                <a:effectRef idx="0">
+                  <a:schemeClr val="accent1"/>
+                </a:effectRef>
+                <a:fontRef idx="minor">
+                  <a:schemeClr val="tx1"/>
+                </a:fontRef>
+              </p:style>
+              <p:txBody>
+                <a:bodyPr rtlCol="0" anchor="ctr"/>
+                <a:lstStyle/>
+                <a:p>
+                  <a:pPr algn="ctr"/>
+                  <a:endParaRPr lang="zh-CN" altLang="en-US" sz="1000" dirty="0">
+                    <a:solidFill>
+                      <a:schemeClr val="tx1"/>
+                    </a:solidFill>
+                  </a:endParaRPr>
+                </a:p>
+              </p:txBody>
+            </p:sp>
+            <p:cxnSp>
+              <p:nvCxnSpPr>
+                <p:cNvPr id="91" name="直接连接符 90">
+                  <a:extLst>
+                    <a:ext uri="{FF2B5EF4-FFF2-40B4-BE49-F238E27FC236}">
+                      <a16:creationId xmlns:a16="http://schemas.microsoft.com/office/drawing/2014/main" id="{F7CF6C2A-C9CD-414E-9343-E8C5C00FE40A}"/>
+                    </a:ext>
+                  </a:extLst>
+                </p:cNvPr>
+                <p:cNvCxnSpPr>
+                  <a:cxnSpLocks/>
+                </p:cNvCxnSpPr>
+                <p:nvPr/>
+              </p:nvCxnSpPr>
+              <p:spPr>
+                <a:xfrm>
+                  <a:off x="242865" y="2009928"/>
+                  <a:ext cx="2998675" cy="0"/>
+                </a:xfrm>
+                <a:prstGeom prst="line">
+                  <a:avLst/>
+                </a:prstGeom>
+                <a:ln>
+                  <a:solidFill>
+                    <a:srgbClr val="DBDBDB"/>
+                  </a:solidFill>
+                </a:ln>
+              </p:spPr>
+              <p:style>
+                <a:lnRef idx="1">
+                  <a:schemeClr val="accent1"/>
+                </a:lnRef>
+                <a:fillRef idx="0">
+                  <a:schemeClr val="accent1"/>
+                </a:fillRef>
+                <a:effectRef idx="0">
+                  <a:schemeClr val="accent1"/>
+                </a:effectRef>
+                <a:fontRef idx="minor">
+                  <a:schemeClr val="tx1"/>
+                </a:fontRef>
+              </p:style>
+            </p:cxnSp>
+            <p:sp>
+              <p:nvSpPr>
+                <p:cNvPr id="92" name="文本框 91">
+                  <a:extLst>
+                    <a:ext uri="{FF2B5EF4-FFF2-40B4-BE49-F238E27FC236}">
+                      <a16:creationId xmlns:a16="http://schemas.microsoft.com/office/drawing/2014/main" id="{D585F6D6-B9D2-48A1-8775-AFF82ECAB7E6}"/>
+                    </a:ext>
+                  </a:extLst>
+                </p:cNvPr>
+                <p:cNvSpPr txBox="1"/>
+                <p:nvPr/>
+              </p:nvSpPr>
+              <p:spPr>
+                <a:xfrm>
+                  <a:off x="191804" y="1792668"/>
+                  <a:ext cx="824713" cy="212385"/>
+                </a:xfrm>
+                <a:prstGeom prst="rect">
+                  <a:avLst/>
+                </a:prstGeom>
+                <a:noFill/>
+              </p:spPr>
+              <p:txBody>
+                <a:bodyPr wrap="square" rtlCol="0">
+                  <a:spAutoFit/>
+                </a:bodyPr>
+                <a:lstStyle/>
+                <a:p>
+                  <a:r>
+                    <a:rPr lang="zh-CN" altLang="en-US" sz="800" dirty="0">
+                      <a:solidFill>
+                        <a:schemeClr val="bg1">
+                          <a:lumMod val="75000"/>
+                        </a:schemeClr>
+                      </a:solidFill>
+                      <a:latin typeface="微软雅黑" panose="020B0503020204020204" pitchFamily="34" charset="-122"/>
+                      <a:ea typeface="微软雅黑" panose="020B0503020204020204" pitchFamily="34" charset="-122"/>
+                    </a:rPr>
+                    <a:t>优惠生活</a:t>
+                  </a:r>
+                </a:p>
+              </p:txBody>
+            </p:sp>
+          </p:grpSp>
+          <p:grpSp>
+            <p:nvGrpSpPr>
+              <p:cNvPr id="62" name="组合 61">
+                <a:extLst>
+                  <a:ext uri="{FF2B5EF4-FFF2-40B4-BE49-F238E27FC236}">
+                    <a16:creationId xmlns:a16="http://schemas.microsoft.com/office/drawing/2014/main" id="{DACBA32C-A96A-400B-826C-0CB19C2FA9DE}"/>
+                  </a:ext>
+                </a:extLst>
+              </p:cNvPr>
+              <p:cNvGrpSpPr/>
+              <p:nvPr/>
+            </p:nvGrpSpPr>
+            <p:grpSpPr>
+              <a:xfrm>
+                <a:off x="863629" y="2489697"/>
+                <a:ext cx="3308563" cy="805733"/>
+                <a:chOff x="854415" y="2556530"/>
+                <a:chExt cx="3308563" cy="805733"/>
+              </a:xfrm>
+            </p:grpSpPr>
+            <p:grpSp>
+              <p:nvGrpSpPr>
+                <p:cNvPr id="81" name="组合 80">
+                  <a:extLst>
+                    <a:ext uri="{FF2B5EF4-FFF2-40B4-BE49-F238E27FC236}">
+                      <a16:creationId xmlns:a16="http://schemas.microsoft.com/office/drawing/2014/main" id="{8EE31B90-2881-46C0-A6DF-6BE71631C085}"/>
+                    </a:ext>
+                  </a:extLst>
+                </p:cNvPr>
+                <p:cNvGrpSpPr/>
+                <p:nvPr/>
+              </p:nvGrpSpPr>
+              <p:grpSpPr>
+                <a:xfrm>
+                  <a:off x="854415" y="2556530"/>
+                  <a:ext cx="1239857" cy="785598"/>
+                  <a:chOff x="997827" y="5345661"/>
+                  <a:chExt cx="494923" cy="313593"/>
+                </a:xfrm>
+              </p:grpSpPr>
+              <p:sp>
+                <p:nvSpPr>
+                  <p:cNvPr id="88" name="矩形: 圆角 87">
+                    <a:extLst>
+                      <a:ext uri="{FF2B5EF4-FFF2-40B4-BE49-F238E27FC236}">
+                        <a16:creationId xmlns:a16="http://schemas.microsoft.com/office/drawing/2014/main" id="{B15C092C-C8A7-4496-B4F5-B00930BE2AC5}"/>
+                      </a:ext>
+                    </a:extLst>
+                  </p:cNvPr>
+                  <p:cNvSpPr/>
+                  <p:nvPr/>
+                </p:nvSpPr>
+                <p:spPr>
+                  <a:xfrm>
+                    <a:off x="1130148" y="5345661"/>
+                    <a:ext cx="230282" cy="230282"/>
+                  </a:xfrm>
+                  <a:prstGeom prst="roundRect">
+                    <a:avLst/>
+                  </a:prstGeom>
+                  <a:solidFill>
+                    <a:srgbClr val="D9D9D9"/>
+                  </a:solidFill>
+                  <a:ln>
+                    <a:noFill/>
+                  </a:ln>
+                </p:spPr>
+                <p:style>
+                  <a:lnRef idx="2">
+                    <a:schemeClr val="accent1">
+                      <a:shade val="50000"/>
+                    </a:schemeClr>
+                  </a:lnRef>
+                  <a:fillRef idx="1">
+                    <a:schemeClr val="accent1"/>
+                  </a:fillRef>
+                  <a:effectRef idx="0">
+                    <a:schemeClr val="accent1"/>
+                  </a:effectRef>
+                  <a:fontRef idx="minor">
+                    <a:schemeClr val="lt1"/>
+                  </a:fontRef>
+                </p:style>
+                <p:txBody>
+                  <a:bodyPr rtlCol="0" anchor="ctr"/>
+                  <a:lstStyle/>
+                  <a:p>
+                    <a:pPr algn="ctr">
+                      <a:lnSpc>
+                        <a:spcPct val="150000"/>
+                      </a:lnSpc>
+                    </a:pPr>
+                    <a:endParaRPr lang="zh-CN" altLang="en-US" sz="1000" dirty="0">
+                      <a:solidFill>
+                        <a:schemeClr val="tx1"/>
+                      </a:solidFill>
+                      <a:latin typeface="微软雅黑" panose="020B0503020204020204" pitchFamily="34" charset="-122"/>
+                      <a:ea typeface="微软雅黑" panose="020B0503020204020204" pitchFamily="34" charset="-122"/>
+                    </a:endParaRPr>
+                  </a:p>
+                </p:txBody>
+              </p:sp>
+              <p:sp>
+                <p:nvSpPr>
+                  <p:cNvPr id="89" name="文本框 88">
+                    <a:extLst>
+                      <a:ext uri="{FF2B5EF4-FFF2-40B4-BE49-F238E27FC236}">
+                        <a16:creationId xmlns:a16="http://schemas.microsoft.com/office/drawing/2014/main" id="{B85772A0-EA3C-4BED-852E-E71AE7774905}"/>
+                      </a:ext>
+                    </a:extLst>
+                  </p:cNvPr>
+                  <p:cNvSpPr txBox="1"/>
+                  <p:nvPr/>
+                </p:nvSpPr>
+                <p:spPr>
+                  <a:xfrm>
+                    <a:off x="997827" y="5579397"/>
+                    <a:ext cx="494923" cy="79857"/>
+                  </a:xfrm>
+                  <a:prstGeom prst="rect">
+                    <a:avLst/>
+                  </a:prstGeom>
+                  <a:noFill/>
+                </p:spPr>
+                <p:txBody>
+                  <a:bodyPr wrap="square" rtlCol="0">
+                    <a:spAutoFit/>
+                  </a:bodyPr>
+                  <a:lstStyle/>
+                  <a:p>
+                    <a:pPr algn="ctr"/>
+                    <a:r>
+                      <a:rPr lang="zh-CN" altLang="en-US" sz="700" dirty="0">
+                        <a:latin typeface="微软雅黑" panose="020B0503020204020204" pitchFamily="34" charset="-122"/>
+                        <a:ea typeface="微软雅黑" panose="020B0503020204020204" pitchFamily="34" charset="-122"/>
+                      </a:rPr>
+                      <a:t>新车比价</a:t>
+                    </a:r>
+                  </a:p>
+                </p:txBody>
+              </p:sp>
+            </p:grpSp>
+            <p:grpSp>
+              <p:nvGrpSpPr>
+                <p:cNvPr id="82" name="组合 81">
+                  <a:extLst>
+                    <a:ext uri="{FF2B5EF4-FFF2-40B4-BE49-F238E27FC236}">
+                      <a16:creationId xmlns:a16="http://schemas.microsoft.com/office/drawing/2014/main" id="{6772F622-07C7-4070-BC11-D182C2BB3905}"/>
+                    </a:ext>
+                  </a:extLst>
+                </p:cNvPr>
+                <p:cNvGrpSpPr/>
+                <p:nvPr/>
+              </p:nvGrpSpPr>
+              <p:grpSpPr>
+                <a:xfrm>
+                  <a:off x="1888768" y="2576665"/>
+                  <a:ext cx="1239857" cy="785598"/>
+                  <a:chOff x="997827" y="5345661"/>
+                  <a:chExt cx="494923" cy="313593"/>
+                </a:xfrm>
+              </p:grpSpPr>
+              <p:sp>
+                <p:nvSpPr>
+                  <p:cNvPr id="86" name="矩形: 圆角 85">
+                    <a:extLst>
+                      <a:ext uri="{FF2B5EF4-FFF2-40B4-BE49-F238E27FC236}">
+                        <a16:creationId xmlns:a16="http://schemas.microsoft.com/office/drawing/2014/main" id="{8C4A8E3E-082E-4E3A-AC02-8A86E80B99F2}"/>
+                      </a:ext>
+                    </a:extLst>
+                  </p:cNvPr>
+                  <p:cNvSpPr/>
+                  <p:nvPr/>
+                </p:nvSpPr>
+                <p:spPr>
+                  <a:xfrm>
+                    <a:off x="1130148" y="5345661"/>
+                    <a:ext cx="230282" cy="230282"/>
+                  </a:xfrm>
+                  <a:prstGeom prst="roundRect">
+                    <a:avLst/>
+                  </a:prstGeom>
+                  <a:solidFill>
+                    <a:srgbClr val="D9D9D9"/>
+                  </a:solidFill>
+                  <a:ln>
+                    <a:noFill/>
+                  </a:ln>
+                </p:spPr>
+                <p:style>
+                  <a:lnRef idx="2">
+                    <a:schemeClr val="accent1">
+                      <a:shade val="50000"/>
+                    </a:schemeClr>
+                  </a:lnRef>
+                  <a:fillRef idx="1">
+                    <a:schemeClr val="accent1"/>
+                  </a:fillRef>
+                  <a:effectRef idx="0">
+                    <a:schemeClr val="accent1"/>
+                  </a:effectRef>
+                  <a:fontRef idx="minor">
+                    <a:schemeClr val="lt1"/>
+                  </a:fontRef>
+                </p:style>
+                <p:txBody>
+                  <a:bodyPr rtlCol="0" anchor="ctr"/>
+                  <a:lstStyle/>
+                  <a:p>
+                    <a:pPr algn="ctr">
+                      <a:lnSpc>
+                        <a:spcPct val="150000"/>
+                      </a:lnSpc>
+                    </a:pPr>
+                    <a:endParaRPr lang="zh-CN" altLang="en-US" sz="1000" dirty="0">
+                      <a:solidFill>
+                        <a:schemeClr val="tx1"/>
+                      </a:solidFill>
+                      <a:latin typeface="微软雅黑" panose="020B0503020204020204" pitchFamily="34" charset="-122"/>
+                      <a:ea typeface="微软雅黑" panose="020B0503020204020204" pitchFamily="34" charset="-122"/>
+                    </a:endParaRPr>
+                  </a:p>
+                </p:txBody>
+              </p:sp>
+              <p:sp>
+                <p:nvSpPr>
+                  <p:cNvPr id="87" name="文本框 86">
+                    <a:extLst>
+                      <a:ext uri="{FF2B5EF4-FFF2-40B4-BE49-F238E27FC236}">
+                        <a16:creationId xmlns:a16="http://schemas.microsoft.com/office/drawing/2014/main" id="{20C55D91-2D1A-4D73-8EF4-95BDBAB25212}"/>
+                      </a:ext>
+                    </a:extLst>
+                  </p:cNvPr>
+                  <p:cNvSpPr txBox="1"/>
+                  <p:nvPr/>
+                </p:nvSpPr>
+                <p:spPr>
+                  <a:xfrm>
+                    <a:off x="997827" y="5579397"/>
+                    <a:ext cx="494923" cy="79857"/>
+                  </a:xfrm>
+                  <a:prstGeom prst="rect">
+                    <a:avLst/>
+                  </a:prstGeom>
+                  <a:noFill/>
+                </p:spPr>
+                <p:txBody>
+                  <a:bodyPr wrap="square" rtlCol="0">
+                    <a:spAutoFit/>
+                  </a:bodyPr>
+                  <a:lstStyle/>
+                  <a:p>
+                    <a:pPr algn="ctr"/>
+                    <a:r>
+                      <a:rPr lang="zh-CN" altLang="en-US" sz="700" dirty="0">
+                        <a:latin typeface="微软雅黑" panose="020B0503020204020204" pitchFamily="34" charset="-122"/>
+                        <a:ea typeface="微软雅黑" panose="020B0503020204020204" pitchFamily="34" charset="-122"/>
+                      </a:rPr>
+                      <a:t>车险购买</a:t>
+                    </a:r>
+                  </a:p>
+                </p:txBody>
+              </p:sp>
+            </p:grpSp>
+            <p:grpSp>
+              <p:nvGrpSpPr>
+                <p:cNvPr id="83" name="组合 82">
+                  <a:extLst>
+                    <a:ext uri="{FF2B5EF4-FFF2-40B4-BE49-F238E27FC236}">
+                      <a16:creationId xmlns:a16="http://schemas.microsoft.com/office/drawing/2014/main" id="{056CD231-6D61-454C-A1BE-1E60617421C8}"/>
+                    </a:ext>
+                  </a:extLst>
+                </p:cNvPr>
+                <p:cNvGrpSpPr/>
+                <p:nvPr/>
+              </p:nvGrpSpPr>
+              <p:grpSpPr>
+                <a:xfrm>
+                  <a:off x="2923121" y="2576665"/>
+                  <a:ext cx="1239857" cy="785598"/>
+                  <a:chOff x="997827" y="5345661"/>
+                  <a:chExt cx="494923" cy="313593"/>
+                </a:xfrm>
+              </p:grpSpPr>
+              <p:sp>
+                <p:nvSpPr>
+                  <p:cNvPr id="84" name="矩形: 圆角 83">
+                    <a:extLst>
+                      <a:ext uri="{FF2B5EF4-FFF2-40B4-BE49-F238E27FC236}">
+                        <a16:creationId xmlns:a16="http://schemas.microsoft.com/office/drawing/2014/main" id="{02723D0B-3B2E-4C0B-A974-70C4189E7BEA}"/>
+                      </a:ext>
+                    </a:extLst>
+                  </p:cNvPr>
+                  <p:cNvSpPr/>
+                  <p:nvPr/>
+                </p:nvSpPr>
+                <p:spPr>
+                  <a:xfrm>
+                    <a:off x="1130148" y="5345661"/>
+                    <a:ext cx="230282" cy="230282"/>
+                  </a:xfrm>
+                  <a:prstGeom prst="roundRect">
+                    <a:avLst/>
+                  </a:prstGeom>
+                  <a:solidFill>
+                    <a:srgbClr val="D9D9D9"/>
+                  </a:solidFill>
+                  <a:ln>
+                    <a:noFill/>
+                  </a:ln>
+                </p:spPr>
+                <p:style>
+                  <a:lnRef idx="2">
+                    <a:schemeClr val="accent1">
+                      <a:shade val="50000"/>
+                    </a:schemeClr>
+                  </a:lnRef>
+                  <a:fillRef idx="1">
+                    <a:schemeClr val="accent1"/>
+                  </a:fillRef>
+                  <a:effectRef idx="0">
+                    <a:schemeClr val="accent1"/>
+                  </a:effectRef>
+                  <a:fontRef idx="minor">
+                    <a:schemeClr val="lt1"/>
+                  </a:fontRef>
+                </p:style>
+                <p:txBody>
+                  <a:bodyPr rtlCol="0" anchor="ctr"/>
+                  <a:lstStyle/>
+                  <a:p>
+                    <a:pPr algn="ctr">
+                      <a:lnSpc>
+                        <a:spcPct val="150000"/>
+                      </a:lnSpc>
+                    </a:pPr>
+                    <a:endParaRPr lang="zh-CN" altLang="en-US" sz="1000" dirty="0">
+                      <a:solidFill>
+                        <a:schemeClr val="tx1"/>
+                      </a:solidFill>
+                      <a:latin typeface="微软雅黑" panose="020B0503020204020204" pitchFamily="34" charset="-122"/>
+                      <a:ea typeface="微软雅黑" panose="020B0503020204020204" pitchFamily="34" charset="-122"/>
+                    </a:endParaRPr>
+                  </a:p>
+                </p:txBody>
+              </p:sp>
+              <p:sp>
+                <p:nvSpPr>
+                  <p:cNvPr id="85" name="文本框 84">
+                    <a:extLst>
+                      <a:ext uri="{FF2B5EF4-FFF2-40B4-BE49-F238E27FC236}">
+                        <a16:creationId xmlns:a16="http://schemas.microsoft.com/office/drawing/2014/main" id="{54F178BB-D062-4283-8324-697509D9FEE6}"/>
+                      </a:ext>
+                    </a:extLst>
+                  </p:cNvPr>
+                  <p:cNvSpPr txBox="1"/>
+                  <p:nvPr/>
+                </p:nvSpPr>
+                <p:spPr>
+                  <a:xfrm>
+                    <a:off x="997827" y="5579397"/>
+                    <a:ext cx="494923" cy="79857"/>
+                  </a:xfrm>
+                  <a:prstGeom prst="rect">
+                    <a:avLst/>
+                  </a:prstGeom>
+                  <a:noFill/>
+                </p:spPr>
+                <p:txBody>
+                  <a:bodyPr wrap="square" rtlCol="0">
+                    <a:spAutoFit/>
+                  </a:bodyPr>
+                  <a:lstStyle/>
+                  <a:p>
+                    <a:pPr algn="ctr"/>
+                    <a:r>
+                      <a:rPr lang="zh-CN" altLang="en-US" sz="700" dirty="0">
+                        <a:latin typeface="微软雅黑" panose="020B0503020204020204" pitchFamily="34" charset="-122"/>
+                        <a:ea typeface="微软雅黑" panose="020B0503020204020204" pitchFamily="34" charset="-122"/>
+                      </a:rPr>
+                      <a:t>意外健康险</a:t>
+                    </a:r>
+                  </a:p>
+                </p:txBody>
+              </p:sp>
+            </p:grpSp>
+          </p:grpSp>
+          <p:sp>
+            <p:nvSpPr>
+              <p:cNvPr id="63" name="矩形 62">
+                <a:extLst>
+                  <a:ext uri="{FF2B5EF4-FFF2-40B4-BE49-F238E27FC236}">
+                    <a16:creationId xmlns:a16="http://schemas.microsoft.com/office/drawing/2014/main" id="{4EEAE0C5-5F99-4BAF-823F-01AC7942B3C3}"/>
+                  </a:ext>
+                </a:extLst>
+              </p:cNvPr>
+              <p:cNvSpPr/>
+              <p:nvPr/>
+            </p:nvSpPr>
+            <p:spPr>
+              <a:xfrm rot="1844245">
+                <a:off x="2484625" y="2599344"/>
+                <a:ext cx="310086" cy="130809"/>
+              </a:xfrm>
+              <a:prstGeom prst="rect">
+                <a:avLst/>
+              </a:prstGeom>
+              <a:solidFill>
+                <a:srgbClr val="09BB07"/>
+              </a:solidFill>
+              <a:ln>
+                <a:noFill/>
+              </a:ln>
+            </p:spPr>
+            <p:style>
+              <a:lnRef idx="2">
+                <a:schemeClr val="accent1">
+                  <a:shade val="50000"/>
+                </a:schemeClr>
+              </a:lnRef>
+              <a:fillRef idx="1">
+                <a:schemeClr val="accent1"/>
+              </a:fillRef>
+              <a:effectRef idx="0">
+                <a:schemeClr val="accent1"/>
+              </a:effectRef>
+              <a:fontRef idx="minor">
+                <a:schemeClr val="lt1"/>
+              </a:fontRef>
+            </p:style>
+            <p:txBody>
+              <a:bodyPr rtlCol="0" anchor="ctr"/>
+              <a:lstStyle/>
+              <a:p>
+                <a:pPr algn="ctr"/>
+                <a:r>
+                  <a:rPr lang="zh-CN" altLang="en-US" sz="700" dirty="0">
+                    <a:latin typeface="微软雅黑" panose="020B0503020204020204" pitchFamily="34" charset="-122"/>
+                    <a:ea typeface="微软雅黑" panose="020B0503020204020204" pitchFamily="34" charset="-122"/>
+                  </a:rPr>
+                  <a:t>惠</a:t>
+                </a:r>
+              </a:p>
+            </p:txBody>
+          </p:sp>
+          <p:grpSp>
+            <p:nvGrpSpPr>
+              <p:cNvPr id="70" name="组合 69">
+                <a:extLst>
+                  <a:ext uri="{FF2B5EF4-FFF2-40B4-BE49-F238E27FC236}">
+                    <a16:creationId xmlns:a16="http://schemas.microsoft.com/office/drawing/2014/main" id="{D24BAFE2-F893-47EC-9FF2-68903DC39738}"/>
+                  </a:ext>
+                </a:extLst>
+              </p:cNvPr>
+              <p:cNvGrpSpPr/>
+              <p:nvPr/>
+            </p:nvGrpSpPr>
+            <p:grpSpPr>
+              <a:xfrm>
+                <a:off x="863629" y="3394014"/>
+                <a:ext cx="3308563" cy="805733"/>
+                <a:chOff x="854415" y="2556530"/>
+                <a:chExt cx="3308563" cy="805733"/>
+              </a:xfrm>
+            </p:grpSpPr>
+            <p:grpSp>
+              <p:nvGrpSpPr>
+                <p:cNvPr id="71" name="组合 70">
+                  <a:extLst>
+                    <a:ext uri="{FF2B5EF4-FFF2-40B4-BE49-F238E27FC236}">
+                      <a16:creationId xmlns:a16="http://schemas.microsoft.com/office/drawing/2014/main" id="{0C7A9167-64FB-4825-AECA-F99ADC273CF3}"/>
+                    </a:ext>
+                  </a:extLst>
+                </p:cNvPr>
+                <p:cNvGrpSpPr/>
+                <p:nvPr/>
+              </p:nvGrpSpPr>
+              <p:grpSpPr>
+                <a:xfrm>
+                  <a:off x="854415" y="2556530"/>
+                  <a:ext cx="1239857" cy="785598"/>
+                  <a:chOff x="997827" y="5345661"/>
+                  <a:chExt cx="494923" cy="313593"/>
+                </a:xfrm>
+              </p:grpSpPr>
+              <p:sp>
+                <p:nvSpPr>
+                  <p:cNvPr id="79" name="矩形: 圆角 78">
+                    <a:extLst>
+                      <a:ext uri="{FF2B5EF4-FFF2-40B4-BE49-F238E27FC236}">
+                        <a16:creationId xmlns:a16="http://schemas.microsoft.com/office/drawing/2014/main" id="{A535F93E-F121-4B9A-8A3A-D95AA07894FD}"/>
+                      </a:ext>
+                    </a:extLst>
+                  </p:cNvPr>
+                  <p:cNvSpPr/>
+                  <p:nvPr/>
+                </p:nvSpPr>
+                <p:spPr>
+                  <a:xfrm>
+                    <a:off x="1130148" y="5345661"/>
+                    <a:ext cx="230282" cy="230282"/>
+                  </a:xfrm>
+                  <a:prstGeom prst="roundRect">
+                    <a:avLst/>
+                  </a:prstGeom>
+                  <a:solidFill>
+                    <a:srgbClr val="D9D9D9"/>
+                  </a:solidFill>
+                  <a:ln>
+                    <a:noFill/>
+                  </a:ln>
+                </p:spPr>
+                <p:style>
+                  <a:lnRef idx="2">
+                    <a:schemeClr val="accent1">
+                      <a:shade val="50000"/>
+                    </a:schemeClr>
+                  </a:lnRef>
+                  <a:fillRef idx="1">
+                    <a:schemeClr val="accent1"/>
+                  </a:fillRef>
+                  <a:effectRef idx="0">
+                    <a:schemeClr val="accent1"/>
+                  </a:effectRef>
+                  <a:fontRef idx="minor">
+                    <a:schemeClr val="lt1"/>
+                  </a:fontRef>
+                </p:style>
+                <p:txBody>
+                  <a:bodyPr rtlCol="0" anchor="ctr"/>
+                  <a:lstStyle/>
+                  <a:p>
+                    <a:pPr algn="ctr">
+                      <a:lnSpc>
+                        <a:spcPct val="150000"/>
+                      </a:lnSpc>
+                    </a:pPr>
+                    <a:endParaRPr lang="zh-CN" altLang="en-US" sz="1000" dirty="0">
+                      <a:solidFill>
+                        <a:schemeClr val="tx1"/>
+                      </a:solidFill>
+                      <a:latin typeface="微软雅黑" panose="020B0503020204020204" pitchFamily="34" charset="-122"/>
+                      <a:ea typeface="微软雅黑" panose="020B0503020204020204" pitchFamily="34" charset="-122"/>
+                    </a:endParaRPr>
+                  </a:p>
+                </p:txBody>
+              </p:sp>
+              <p:sp>
+                <p:nvSpPr>
+                  <p:cNvPr id="80" name="文本框 79">
+                    <a:extLst>
+                      <a:ext uri="{FF2B5EF4-FFF2-40B4-BE49-F238E27FC236}">
+                        <a16:creationId xmlns:a16="http://schemas.microsoft.com/office/drawing/2014/main" id="{04457665-FDB7-4B4F-B08C-C4A08D92BB71}"/>
+                      </a:ext>
+                    </a:extLst>
+                  </p:cNvPr>
+                  <p:cNvSpPr txBox="1"/>
+                  <p:nvPr/>
+                </p:nvSpPr>
+                <p:spPr>
+                  <a:xfrm>
+                    <a:off x="997827" y="5579397"/>
+                    <a:ext cx="494923" cy="79857"/>
+                  </a:xfrm>
+                  <a:prstGeom prst="rect">
+                    <a:avLst/>
+                  </a:prstGeom>
+                  <a:noFill/>
+                </p:spPr>
+                <p:txBody>
+                  <a:bodyPr wrap="square" rtlCol="0">
+                    <a:spAutoFit/>
+                  </a:bodyPr>
+                  <a:lstStyle/>
+                  <a:p>
+                    <a:pPr algn="ctr"/>
+                    <a:r>
+                      <a:rPr lang="zh-CN" altLang="en-US" sz="700" dirty="0">
+                        <a:latin typeface="微软雅黑" panose="020B0503020204020204" pitchFamily="34" charset="-122"/>
+                        <a:ea typeface="微软雅黑" panose="020B0503020204020204" pitchFamily="34" charset="-122"/>
+                      </a:rPr>
+                      <a:t>国际租车</a:t>
+                    </a:r>
+                  </a:p>
+                </p:txBody>
+              </p:sp>
+            </p:grpSp>
+            <p:grpSp>
+              <p:nvGrpSpPr>
+                <p:cNvPr id="72" name="组合 71">
+                  <a:extLst>
+                    <a:ext uri="{FF2B5EF4-FFF2-40B4-BE49-F238E27FC236}">
+                      <a16:creationId xmlns:a16="http://schemas.microsoft.com/office/drawing/2014/main" id="{9DBD52E7-30C3-4615-993E-BBAEDF77A64A}"/>
+                    </a:ext>
+                  </a:extLst>
+                </p:cNvPr>
+                <p:cNvGrpSpPr/>
+                <p:nvPr/>
+              </p:nvGrpSpPr>
+              <p:grpSpPr>
+                <a:xfrm>
+                  <a:off x="1888768" y="2576665"/>
+                  <a:ext cx="1239857" cy="785598"/>
+                  <a:chOff x="997827" y="5345661"/>
+                  <a:chExt cx="494923" cy="313593"/>
+                </a:xfrm>
+              </p:grpSpPr>
+              <p:sp>
+                <p:nvSpPr>
+                  <p:cNvPr id="77" name="矩形: 圆角 76">
+                    <a:extLst>
+                      <a:ext uri="{FF2B5EF4-FFF2-40B4-BE49-F238E27FC236}">
+                        <a16:creationId xmlns:a16="http://schemas.microsoft.com/office/drawing/2014/main" id="{F7BC467F-38D4-4CF1-BC4F-63C3DECE1184}"/>
+                      </a:ext>
+                    </a:extLst>
+                  </p:cNvPr>
+                  <p:cNvSpPr/>
+                  <p:nvPr/>
+                </p:nvSpPr>
+                <p:spPr>
+                  <a:xfrm>
+                    <a:off x="1130148" y="5345661"/>
+                    <a:ext cx="230282" cy="230282"/>
+                  </a:xfrm>
+                  <a:prstGeom prst="roundRect">
+                    <a:avLst/>
+                  </a:prstGeom>
+                  <a:solidFill>
+                    <a:srgbClr val="D9D9D9"/>
+                  </a:solidFill>
+                  <a:ln>
+                    <a:noFill/>
+                  </a:ln>
+                </p:spPr>
+                <p:style>
+                  <a:lnRef idx="2">
+                    <a:schemeClr val="accent1">
+                      <a:shade val="50000"/>
+                    </a:schemeClr>
+                  </a:lnRef>
+                  <a:fillRef idx="1">
+                    <a:schemeClr val="accent1"/>
+                  </a:fillRef>
+                  <a:effectRef idx="0">
+                    <a:schemeClr val="accent1"/>
+                  </a:effectRef>
+                  <a:fontRef idx="minor">
+                    <a:schemeClr val="lt1"/>
+                  </a:fontRef>
+                </p:style>
+                <p:txBody>
+                  <a:bodyPr rtlCol="0" anchor="ctr"/>
+                  <a:lstStyle/>
+                  <a:p>
+                    <a:pPr algn="ctr">
+                      <a:lnSpc>
+                        <a:spcPct val="150000"/>
+                      </a:lnSpc>
+                    </a:pPr>
+                    <a:endParaRPr lang="zh-CN" altLang="en-US" sz="1000" dirty="0">
+                      <a:solidFill>
+                        <a:schemeClr val="tx1"/>
+                      </a:solidFill>
+                      <a:latin typeface="微软雅黑" panose="020B0503020204020204" pitchFamily="34" charset="-122"/>
+                      <a:ea typeface="微软雅黑" panose="020B0503020204020204" pitchFamily="34" charset="-122"/>
+                    </a:endParaRPr>
+                  </a:p>
+                </p:txBody>
+              </p:sp>
+              <p:sp>
+                <p:nvSpPr>
+                  <p:cNvPr id="78" name="文本框 77">
+                    <a:extLst>
+                      <a:ext uri="{FF2B5EF4-FFF2-40B4-BE49-F238E27FC236}">
+                        <a16:creationId xmlns:a16="http://schemas.microsoft.com/office/drawing/2014/main" id="{4684B083-C089-4F4E-A714-7C8C4408E9C7}"/>
+                      </a:ext>
+                    </a:extLst>
+                  </p:cNvPr>
+                  <p:cNvSpPr txBox="1"/>
+                  <p:nvPr/>
+                </p:nvSpPr>
+                <p:spPr>
+                  <a:xfrm>
+                    <a:off x="997827" y="5579397"/>
+                    <a:ext cx="494923" cy="79857"/>
+                  </a:xfrm>
+                  <a:prstGeom prst="rect">
+                    <a:avLst/>
+                  </a:prstGeom>
+                  <a:noFill/>
+                </p:spPr>
+                <p:txBody>
+                  <a:bodyPr wrap="square" rtlCol="0">
+                    <a:spAutoFit/>
+                  </a:bodyPr>
+                  <a:lstStyle/>
+                  <a:p>
+                    <a:pPr algn="ctr"/>
+                    <a:r>
+                      <a:rPr lang="zh-CN" altLang="en-US" sz="700" dirty="0">
+                        <a:latin typeface="微软雅黑" panose="020B0503020204020204" pitchFamily="34" charset="-122"/>
+                        <a:ea typeface="微软雅黑" panose="020B0503020204020204" pitchFamily="34" charset="-122"/>
+                      </a:rPr>
+                      <a:t>国际驾照</a:t>
+                    </a:r>
+                  </a:p>
+                </p:txBody>
+              </p:sp>
+            </p:grpSp>
+            <p:grpSp>
+              <p:nvGrpSpPr>
+                <p:cNvPr id="73" name="组合 72">
+                  <a:extLst>
+                    <a:ext uri="{FF2B5EF4-FFF2-40B4-BE49-F238E27FC236}">
+                      <a16:creationId xmlns:a16="http://schemas.microsoft.com/office/drawing/2014/main" id="{4E2084B3-E232-4BAF-8765-D91C05C6E70B}"/>
+                    </a:ext>
+                  </a:extLst>
+                </p:cNvPr>
+                <p:cNvGrpSpPr/>
+                <p:nvPr/>
+              </p:nvGrpSpPr>
+              <p:grpSpPr>
+                <a:xfrm>
+                  <a:off x="2923121" y="2576665"/>
+                  <a:ext cx="1239857" cy="785598"/>
+                  <a:chOff x="997827" y="5345661"/>
+                  <a:chExt cx="494923" cy="313593"/>
+                </a:xfrm>
+              </p:grpSpPr>
+              <p:sp>
+                <p:nvSpPr>
+                  <p:cNvPr id="74" name="矩形: 圆角 73">
+                    <a:extLst>
+                      <a:ext uri="{FF2B5EF4-FFF2-40B4-BE49-F238E27FC236}">
+                        <a16:creationId xmlns:a16="http://schemas.microsoft.com/office/drawing/2014/main" id="{BB0DA932-F9CA-4B8C-A37B-780EA34F37B7}"/>
+                      </a:ext>
+                    </a:extLst>
+                  </p:cNvPr>
+                  <p:cNvSpPr/>
+                  <p:nvPr/>
+                </p:nvSpPr>
+                <p:spPr>
+                  <a:xfrm>
+                    <a:off x="1130148" y="5345661"/>
+                    <a:ext cx="230282" cy="230282"/>
+                  </a:xfrm>
+                  <a:prstGeom prst="roundRect">
+                    <a:avLst/>
+                  </a:prstGeom>
+                  <a:solidFill>
+                    <a:srgbClr val="D9D9D9"/>
+                  </a:solidFill>
+                  <a:ln>
+                    <a:noFill/>
+                  </a:ln>
+                </p:spPr>
+                <p:style>
+                  <a:lnRef idx="2">
+                    <a:schemeClr val="accent1">
+                      <a:shade val="50000"/>
+                    </a:schemeClr>
+                  </a:lnRef>
+                  <a:fillRef idx="1">
+                    <a:schemeClr val="accent1"/>
+                  </a:fillRef>
+                  <a:effectRef idx="0">
+                    <a:schemeClr val="accent1"/>
+                  </a:effectRef>
+                  <a:fontRef idx="minor">
+                    <a:schemeClr val="lt1"/>
+                  </a:fontRef>
+                </p:style>
+                <p:txBody>
+                  <a:bodyPr rtlCol="0" anchor="ctr"/>
+                  <a:lstStyle/>
+                  <a:p>
+                    <a:pPr algn="ctr">
+                      <a:lnSpc>
+                        <a:spcPct val="150000"/>
+                      </a:lnSpc>
+                    </a:pPr>
+                    <a:endParaRPr lang="zh-CN" altLang="en-US" sz="1000" dirty="0">
+                      <a:solidFill>
+                        <a:schemeClr val="tx1"/>
+                      </a:solidFill>
+                      <a:latin typeface="微软雅黑" panose="020B0503020204020204" pitchFamily="34" charset="-122"/>
+                      <a:ea typeface="微软雅黑" panose="020B0503020204020204" pitchFamily="34" charset="-122"/>
+                    </a:endParaRPr>
+                  </a:p>
+                </p:txBody>
+              </p:sp>
+              <p:sp>
+                <p:nvSpPr>
+                  <p:cNvPr id="75" name="文本框 74">
+                    <a:extLst>
+                      <a:ext uri="{FF2B5EF4-FFF2-40B4-BE49-F238E27FC236}">
+                        <a16:creationId xmlns:a16="http://schemas.microsoft.com/office/drawing/2014/main" id="{A207F50E-7FB7-43FC-94B5-76399CB16A5F}"/>
+                      </a:ext>
+                    </a:extLst>
+                  </p:cNvPr>
+                  <p:cNvSpPr txBox="1"/>
+                  <p:nvPr/>
+                </p:nvSpPr>
+                <p:spPr>
+                  <a:xfrm>
+                    <a:off x="997827" y="5579397"/>
+                    <a:ext cx="494923" cy="79857"/>
+                  </a:xfrm>
+                  <a:prstGeom prst="rect">
+                    <a:avLst/>
+                  </a:prstGeom>
+                  <a:noFill/>
+                </p:spPr>
+                <p:txBody>
+                  <a:bodyPr wrap="square" rtlCol="0">
+                    <a:spAutoFit/>
+                  </a:bodyPr>
+                  <a:lstStyle/>
+                  <a:p>
+                    <a:pPr algn="ctr"/>
+                    <a:r>
+                      <a:rPr lang="zh-CN" altLang="en-US" sz="700" dirty="0">
+                        <a:latin typeface="微软雅黑" panose="020B0503020204020204" pitchFamily="34" charset="-122"/>
+                        <a:ea typeface="微软雅黑" panose="020B0503020204020204" pitchFamily="34" charset="-122"/>
+                      </a:rPr>
+                      <a:t>违章查询</a:t>
+                    </a:r>
+                  </a:p>
+                </p:txBody>
+              </p:sp>
+            </p:grpSp>
+          </p:grpSp>
+        </p:grpSp>
+        <p:sp>
+          <p:nvSpPr>
+            <p:cNvPr id="60" name="矩形 59">
+              <a:extLst>
+                <a:ext uri="{FF2B5EF4-FFF2-40B4-BE49-F238E27FC236}">
+                  <a16:creationId xmlns:a16="http://schemas.microsoft.com/office/drawing/2014/main" id="{FC8537F9-3ABF-40A4-84FC-B8D7CC128375}"/>
+                </a:ext>
+              </a:extLst>
+            </p:cNvPr>
+            <p:cNvSpPr/>
+            <p:nvPr/>
+          </p:nvSpPr>
+          <p:spPr>
+            <a:xfrm rot="1844245">
+              <a:off x="3536855" y="3495300"/>
+              <a:ext cx="310086" cy="130809"/>
+            </a:xfrm>
+            <a:prstGeom prst="rect">
+              <a:avLst/>
+            </a:prstGeom>
+            <a:solidFill>
+              <a:srgbClr val="09BB07"/>
+            </a:solidFill>
+            <a:ln>
+              <a:noFill/>
+            </a:ln>
+          </p:spPr>
+          <p:style>
+            <a:lnRef idx="2">
+              <a:schemeClr val="accent1">
+                <a:shade val="50000"/>
+              </a:schemeClr>
+            </a:lnRef>
+            <a:fillRef idx="1">
+              <a:schemeClr val="accent1"/>
+            </a:fillRef>
+            <a:effectRef idx="0">
+              <a:schemeClr val="accent1"/>
+            </a:effectRef>
+            <a:fontRef idx="minor">
+              <a:schemeClr val="lt1"/>
+            </a:fontRef>
+          </p:style>
+          <p:txBody>
+            <a:bodyPr rtlCol="0" anchor="ctr"/>
+            <a:lstStyle/>
+            <a:p>
+              <a:pPr algn="ctr"/>
+              <a:r>
+                <a:rPr lang="zh-CN" altLang="en-US" sz="700" dirty="0">
+                  <a:latin typeface="微软雅黑" panose="020B0503020204020204" pitchFamily="34" charset="-122"/>
+                  <a:ea typeface="微软雅黑" panose="020B0503020204020204" pitchFamily="34" charset="-122"/>
+                </a:rPr>
+                <a:t>惠</a:t>
+              </a:r>
+            </a:p>
+          </p:txBody>
+        </p:sp>
+      </p:grpSp>
     </p:spTree>
     <p:extLst>
       <p:ext uri="{BB962C8B-B14F-4D97-AF65-F5344CB8AC3E}">
@@ -8439,53 +8713,6 @@
                 </a:solidFill>
               </a:rPr>
               <a:t>、需要冠德公众号的软文配合：次文？</a:t>
-            </a:r>
-            <a:endParaRPr lang="en-US" altLang="zh-CN" sz="1200" dirty="0">
-              <a:solidFill>
-                <a:prstClr val="black"/>
-              </a:solidFill>
-            </a:endParaRPr>
-          </a:p>
-          <a:p>
-            <a:pPr lvl="0">
-              <a:lnSpc>
-                <a:spcPct val="150000"/>
-              </a:lnSpc>
-              <a:spcBef>
-                <a:spcPts val="0"/>
-              </a:spcBef>
-            </a:pPr>
-            <a:r>
-              <a:rPr lang="en-US" altLang="zh-CN" sz="1200" dirty="0">
-                <a:solidFill>
-                  <a:prstClr val="black"/>
-                </a:solidFill>
-              </a:rPr>
-              <a:t>3</a:t>
-            </a:r>
-            <a:r>
-              <a:rPr lang="zh-CN" altLang="en-US" sz="1200" dirty="0">
-                <a:solidFill>
-                  <a:prstClr val="black"/>
-                </a:solidFill>
-              </a:rPr>
-              <a:t>、有些伙伴的内容，可以做一次活动。例如租租车，</a:t>
-            </a:r>
-            <a:r>
-              <a:rPr lang="en-US" altLang="zh-CN" sz="1200" dirty="0">
-                <a:solidFill>
-                  <a:prstClr val="black"/>
-                </a:solidFill>
-              </a:rPr>
-              <a:t>9.9</a:t>
-            </a:r>
-            <a:r>
-              <a:rPr lang="zh-CN" altLang="en-US" sz="1200" dirty="0">
-                <a:solidFill>
-                  <a:prstClr val="black"/>
-                </a:solidFill>
-              </a:rPr>
-              <a:t>元活动。例如车发发，送券的活动。活动需要软文以及模板消息的配合与支持。</a:t>
             </a:r>
             <a:endParaRPr lang="en-US" altLang="zh-CN" sz="1200" dirty="0">
               <a:solidFill>

--- a/product/冠德石油+/优惠生活/优惠生活的构想.pptx
+++ b/product/冠德石油+/优惠生活/优惠生活的构想.pptx
@@ -1369,6 +1369,170 @@
             <a:r>
               <a:rPr lang="zh-CN" altLang="en-US" sz="1200" dirty="0"/>
               <a:t>的方式提供</a:t>
+            </a:r>
+            <a:endParaRPr lang="en-US" altLang="zh-CN" sz="1200" dirty="0"/>
+          </a:p>
+          <a:p>
+            <a:pPr>
+              <a:lnSpc>
+                <a:spcPct val="150000"/>
+              </a:lnSpc>
+            </a:pPr>
+            <a:r>
+              <a:rPr lang="zh-CN" altLang="en-US" sz="1200" dirty="0"/>
+              <a:t>明确合作包括：</a:t>
+            </a:r>
+            <a:endParaRPr lang="en-US" altLang="zh-CN" sz="1200" dirty="0"/>
+          </a:p>
+          <a:p>
+            <a:pPr>
+              <a:lnSpc>
+                <a:spcPct val="150000"/>
+              </a:lnSpc>
+            </a:pPr>
+            <a:r>
+              <a:rPr lang="zh-CN" altLang="en-US" sz="1100" dirty="0"/>
+              <a:t>格子：</a:t>
+            </a:r>
+            <a:endParaRPr lang="en-US" altLang="zh-CN" sz="1100" dirty="0"/>
+          </a:p>
+          <a:p>
+            <a:pPr>
+              <a:lnSpc>
+                <a:spcPct val="150000"/>
+              </a:lnSpc>
+            </a:pPr>
+            <a:r>
+              <a:rPr lang="en-US" altLang="zh-CN" sz="1100" dirty="0"/>
+              <a:t>1</a:t>
+            </a:r>
+            <a:r>
+              <a:rPr lang="zh-CN" altLang="en-US" sz="1100" dirty="0"/>
+              <a:t>、新车比价</a:t>
+            </a:r>
+            <a:endParaRPr lang="en-US" altLang="zh-CN" sz="1100" dirty="0"/>
+          </a:p>
+          <a:p>
+            <a:pPr>
+              <a:lnSpc>
+                <a:spcPct val="150000"/>
+              </a:lnSpc>
+            </a:pPr>
+            <a:r>
+              <a:rPr lang="en-US" altLang="zh-CN" sz="1100" dirty="0"/>
+              <a:t>2</a:t>
+            </a:r>
+            <a:r>
+              <a:rPr lang="zh-CN" altLang="en-US" sz="1100" dirty="0"/>
+              <a:t>、车险购买</a:t>
+            </a:r>
+            <a:endParaRPr lang="en-US" altLang="zh-CN" sz="1100" dirty="0"/>
+          </a:p>
+          <a:p>
+            <a:pPr>
+              <a:lnSpc>
+                <a:spcPct val="150000"/>
+              </a:lnSpc>
+            </a:pPr>
+            <a:r>
+              <a:rPr lang="en-US" altLang="zh-CN" sz="1100" dirty="0"/>
+              <a:t>3</a:t>
+            </a:r>
+            <a:r>
+              <a:rPr lang="zh-CN" altLang="en-US" sz="1100" dirty="0"/>
+              <a:t>、国际租车</a:t>
+            </a:r>
+            <a:endParaRPr lang="en-US" altLang="zh-CN" sz="1100" dirty="0"/>
+          </a:p>
+          <a:p>
+            <a:pPr>
+              <a:lnSpc>
+                <a:spcPct val="150000"/>
+              </a:lnSpc>
+            </a:pPr>
+            <a:r>
+              <a:rPr lang="en-US" altLang="zh-CN" sz="1100" dirty="0"/>
+              <a:t>4</a:t>
+            </a:r>
+            <a:r>
+              <a:rPr lang="zh-CN" altLang="en-US" sz="1100" dirty="0"/>
+              <a:t>、国际驾照</a:t>
+            </a:r>
+            <a:endParaRPr lang="en-US" altLang="zh-CN" sz="1100" dirty="0"/>
+          </a:p>
+          <a:p>
+            <a:pPr>
+              <a:lnSpc>
+                <a:spcPct val="150000"/>
+              </a:lnSpc>
+            </a:pPr>
+            <a:r>
+              <a:rPr lang="en-US" altLang="zh-CN" sz="1100" dirty="0"/>
+              <a:t>5</a:t>
+            </a:r>
+            <a:r>
+              <a:rPr lang="zh-CN" altLang="en-US" sz="1100" dirty="0"/>
+              <a:t>、违章查询</a:t>
+            </a:r>
+            <a:endParaRPr lang="en-US" altLang="zh-CN" sz="1100" dirty="0"/>
+          </a:p>
+          <a:p>
+            <a:pPr>
+              <a:lnSpc>
+                <a:spcPct val="150000"/>
+              </a:lnSpc>
+            </a:pPr>
+            <a:r>
+              <a:rPr lang="en-US" altLang="zh-CN" sz="1100" dirty="0"/>
+              <a:t>6</a:t>
+            </a:r>
+            <a:r>
+              <a:rPr lang="zh-CN" altLang="en-US" sz="1100" dirty="0"/>
+              <a:t>、车主意外险</a:t>
+            </a:r>
+            <a:endParaRPr lang="en-US" altLang="zh-CN" sz="1100" dirty="0"/>
+          </a:p>
+          <a:p>
+            <a:pPr>
+              <a:lnSpc>
+                <a:spcPct val="150000"/>
+              </a:lnSpc>
+            </a:pPr>
+            <a:r>
+              <a:rPr lang="zh-CN" altLang="en-US" sz="1100" dirty="0"/>
+              <a:t>条：</a:t>
+            </a:r>
+            <a:endParaRPr lang="en-US" altLang="zh-CN" sz="1100" dirty="0"/>
+          </a:p>
+          <a:p>
+            <a:pPr>
+              <a:lnSpc>
+                <a:spcPct val="150000"/>
+              </a:lnSpc>
+            </a:pPr>
+            <a:r>
+              <a:rPr lang="en-US" altLang="zh-CN" sz="1100" dirty="0"/>
+              <a:t>1</a:t>
+            </a:r>
+            <a:r>
+              <a:rPr lang="zh-CN" altLang="en-US" sz="1100" dirty="0"/>
+              <a:t>、爱车保养</a:t>
+            </a:r>
+            <a:endParaRPr lang="en-US" altLang="zh-CN" sz="1100" dirty="0"/>
+          </a:p>
+          <a:p>
+            <a:pPr>
+              <a:lnSpc>
+                <a:spcPct val="150000"/>
+              </a:lnSpc>
+            </a:pPr>
+            <a:r>
+              <a:rPr lang="en-US" altLang="zh-CN" sz="1100" dirty="0"/>
+              <a:t>2</a:t>
+            </a:r>
+            <a:r>
+              <a:rPr lang="zh-CN" altLang="en-US" sz="1100" dirty="0"/>
+              <a:t>、理财转区</a:t>
             </a:r>
             <a:endParaRPr lang="en-US" altLang="zh-CN" sz="1200" dirty="0"/>
           </a:p>

--- a/product/冠德石油+/优惠生活/优惠生活的构想.pptx
+++ b/product/冠德石油+/优惠生活/优惠生活的构想.pptx
@@ -8,11 +8,13 @@
     <p:sldId id="273" r:id="rId2"/>
     <p:sldId id="278" r:id="rId3"/>
     <p:sldId id="267" r:id="rId4"/>
-    <p:sldId id="279" r:id="rId5"/>
-    <p:sldId id="275" r:id="rId6"/>
-    <p:sldId id="277" r:id="rId7"/>
-    <p:sldId id="274" r:id="rId8"/>
-    <p:sldId id="280" r:id="rId9"/>
+    <p:sldId id="281" r:id="rId5"/>
+    <p:sldId id="282" r:id="rId6"/>
+    <p:sldId id="274" r:id="rId7"/>
+    <p:sldId id="275" r:id="rId8"/>
+    <p:sldId id="279" r:id="rId9"/>
+    <p:sldId id="277" r:id="rId10"/>
+    <p:sldId id="280" r:id="rId11"/>
   </p:sldIdLst>
   <p:sldSz cx="12192000" cy="6858000"/>
   <p:notesSz cx="6858000" cy="9144000"/>
@@ -1062,6 +1064,186 @@
     <p:extLst>
       <p:ext uri="{BB962C8B-B14F-4D97-AF65-F5344CB8AC3E}">
         <p14:creationId xmlns:p14="http://schemas.microsoft.com/office/powerpoint/2010/main" val="3666540776"/>
+      </p:ext>
+    </p:extLst>
+  </p:cSld>
+  <p:clrMapOvr>
+    <a:masterClrMapping/>
+  </p:clrMapOvr>
+</p:sld>
+</file>
+
+<file path=ppt/slides/slide10.xml><?xml version="1.0" encoding="utf-8"?>
+<p:sld xmlns:a="http://schemas.openxmlformats.org/drawingml/2006/main" xmlns:r="http://schemas.openxmlformats.org/officeDocument/2006/relationships" xmlns:p="http://schemas.openxmlformats.org/presentationml/2006/main">
+  <p:cSld>
+    <p:spTree>
+      <p:nvGrpSpPr>
+        <p:cNvPr id="1" name=""/>
+        <p:cNvGrpSpPr/>
+        <p:nvPr/>
+      </p:nvGrpSpPr>
+      <p:grpSpPr>
+        <a:xfrm>
+          <a:off x="0" y="0"/>
+          <a:ext cx="0" cy="0"/>
+          <a:chOff x="0" y="0"/>
+          <a:chExt cx="0" cy="0"/>
+        </a:xfrm>
+      </p:grpSpPr>
+      <p:sp>
+        <p:nvSpPr>
+          <p:cNvPr id="2" name="内容占位符 1">
+            <a:extLst>
+              <a:ext uri="{FF2B5EF4-FFF2-40B4-BE49-F238E27FC236}">
+                <a16:creationId xmlns:a16="http://schemas.microsoft.com/office/drawing/2014/main" id="{9EDFC4F7-B30D-459F-A82A-62856EA3AEF1}"/>
+              </a:ext>
+            </a:extLst>
+          </p:cNvPr>
+          <p:cNvSpPr>
+            <a:spLocks noGrp="1"/>
+          </p:cNvSpPr>
+          <p:nvPr>
+            <p:ph sz="quarter" idx="10"/>
+          </p:nvPr>
+        </p:nvSpPr>
+        <p:spPr/>
+        <p:txBody>
+          <a:bodyPr/>
+          <a:lstStyle/>
+          <a:p>
+            <a:pPr lvl="0">
+              <a:lnSpc>
+                <a:spcPct val="150000"/>
+              </a:lnSpc>
+              <a:spcBef>
+                <a:spcPts val="0"/>
+              </a:spcBef>
+            </a:pPr>
+            <a:r>
+              <a:rPr lang="en-US" altLang="zh-CN" sz="1200" dirty="0">
+                <a:solidFill>
+                  <a:prstClr val="black"/>
+                </a:solidFill>
+              </a:rPr>
+              <a:t>1</a:t>
+            </a:r>
+            <a:r>
+              <a:rPr lang="zh-CN" altLang="en-US" sz="1200" dirty="0">
+                <a:solidFill>
+                  <a:prstClr val="black"/>
+                </a:solidFill>
+              </a:rPr>
+              <a:t>、所有业务服务统一时间节点上线切换</a:t>
+            </a:r>
+            <a:endParaRPr lang="en-US" altLang="zh-CN" sz="1200" dirty="0">
+              <a:solidFill>
+                <a:prstClr val="black"/>
+              </a:solidFill>
+            </a:endParaRPr>
+          </a:p>
+          <a:p>
+            <a:pPr lvl="0">
+              <a:lnSpc>
+                <a:spcPct val="150000"/>
+              </a:lnSpc>
+              <a:spcBef>
+                <a:spcPts val="0"/>
+              </a:spcBef>
+            </a:pPr>
+            <a:r>
+              <a:rPr lang="en-US" altLang="zh-CN" sz="1200" dirty="0">
+                <a:solidFill>
+                  <a:prstClr val="black"/>
+                </a:solidFill>
+              </a:rPr>
+              <a:t>2</a:t>
+            </a:r>
+            <a:r>
+              <a:rPr lang="zh-CN" altLang="en-US" sz="1200" dirty="0">
+                <a:solidFill>
+                  <a:prstClr val="black"/>
+                </a:solidFill>
+              </a:rPr>
+              <a:t>、需要冠德公众号的软文配合：次文？</a:t>
+            </a:r>
+            <a:endParaRPr lang="en-US" altLang="zh-CN" sz="1200" dirty="0">
+              <a:solidFill>
+                <a:prstClr val="black"/>
+              </a:solidFill>
+            </a:endParaRPr>
+          </a:p>
+          <a:p>
+            <a:pPr lvl="0">
+              <a:lnSpc>
+                <a:spcPct val="150000"/>
+              </a:lnSpc>
+              <a:spcBef>
+                <a:spcPts val="0"/>
+              </a:spcBef>
+            </a:pPr>
+            <a:r>
+              <a:rPr lang="en-US" altLang="zh-CN" sz="1200" dirty="0">
+                <a:solidFill>
+                  <a:prstClr val="black"/>
+                </a:solidFill>
+              </a:rPr>
+              <a:t>4</a:t>
+            </a:r>
+            <a:r>
+              <a:rPr lang="zh-CN" altLang="en-US" sz="1200" dirty="0">
+                <a:solidFill>
+                  <a:prstClr val="black"/>
+                </a:solidFill>
+              </a:rPr>
+              <a:t>、其他的</a:t>
+            </a:r>
+            <a:r>
+              <a:rPr lang="en-US" altLang="zh-CN" sz="1200" dirty="0">
+                <a:solidFill>
+                  <a:prstClr val="black"/>
+                </a:solidFill>
+              </a:rPr>
+              <a:t>PR</a:t>
+            </a:r>
+          </a:p>
+        </p:txBody>
+      </p:sp>
+      <p:sp>
+        <p:nvSpPr>
+          <p:cNvPr id="3" name="标题 2">
+            <a:extLst>
+              <a:ext uri="{FF2B5EF4-FFF2-40B4-BE49-F238E27FC236}">
+                <a16:creationId xmlns:a16="http://schemas.microsoft.com/office/drawing/2014/main" id="{AE39EBFA-A12B-4758-B645-E214A0ECB1F7}"/>
+              </a:ext>
+            </a:extLst>
+          </p:cNvPr>
+          <p:cNvSpPr>
+            <a:spLocks noGrp="1"/>
+          </p:cNvSpPr>
+          <p:nvPr>
+            <p:ph type="title"/>
+          </p:nvPr>
+        </p:nvSpPr>
+        <p:spPr/>
+        <p:txBody>
+          <a:bodyPr/>
+          <a:lstStyle/>
+          <a:p>
+            <a:r>
+              <a:rPr lang="en-US" altLang="zh-CN" dirty="0"/>
+              <a:t>PR</a:t>
+            </a:r>
+            <a:r>
+              <a:rPr lang="zh-CN" altLang="en-US" dirty="0"/>
+              <a:t>相关</a:t>
+            </a:r>
+          </a:p>
+        </p:txBody>
+      </p:sp>
+    </p:spTree>
+    <p:extLst>
+      <p:ext uri="{BB962C8B-B14F-4D97-AF65-F5344CB8AC3E}">
+        <p14:creationId xmlns:p14="http://schemas.microsoft.com/office/powerpoint/2010/main" val="869934929"/>
       </p:ext>
     </p:extLst>
   </p:cSld>
@@ -3522,48 +3704,12 @@
           <a:chExt cx="0" cy="0"/>
         </a:xfrm>
       </p:grpSpPr>
-      <p:pic>
-        <p:nvPicPr>
-          <p:cNvPr id="9" name="图片 8">
+      <p:sp>
+        <p:nvSpPr>
+          <p:cNvPr id="2" name="内容占位符 1">
             <a:extLst>
               <a:ext uri="{FF2B5EF4-FFF2-40B4-BE49-F238E27FC236}">
-                <a16:creationId xmlns:a16="http://schemas.microsoft.com/office/drawing/2014/main" id="{8757CB6A-2513-4BAE-8F3C-4584475596B7}"/>
-              </a:ext>
-            </a:extLst>
-          </p:cNvPr>
-          <p:cNvPicPr>
-            <a:picLocks noChangeAspect="1"/>
-          </p:cNvPicPr>
-          <p:nvPr/>
-        </p:nvPicPr>
-        <p:blipFill>
-          <a:blip r:embed="rId2">
-            <a:extLst>
-              <a:ext uri="{28A0092B-C50C-407E-A947-70E740481C1C}">
-                <a14:useLocalDpi xmlns:a14="http://schemas.microsoft.com/office/drawing/2010/main" val="0"/>
-              </a:ext>
-            </a:extLst>
-          </a:blip>
-          <a:stretch>
-            <a:fillRect/>
-          </a:stretch>
-        </p:blipFill>
-        <p:spPr>
-          <a:xfrm>
-            <a:off x="843125" y="0"/>
-            <a:ext cx="3336324" cy="6858000"/>
-          </a:xfrm>
-          <a:prstGeom prst="rect">
-            <a:avLst/>
-          </a:prstGeom>
-        </p:spPr>
-      </p:pic>
-      <p:sp>
-        <p:nvSpPr>
-          <p:cNvPr id="10" name="内容占位符 1">
-            <a:extLst>
-              <a:ext uri="{FF2B5EF4-FFF2-40B4-BE49-F238E27FC236}">
-                <a16:creationId xmlns:a16="http://schemas.microsoft.com/office/drawing/2014/main" id="{7DB221FA-2C78-445F-9EE7-9C0B004D4F67}"/>
+                <a16:creationId xmlns:a16="http://schemas.microsoft.com/office/drawing/2014/main" id="{7B569C9B-85F4-4558-82A8-CC3EF846FA96}"/>
               </a:ext>
             </a:extLst>
           </p:cNvPr>
@@ -3574,27 +3720,1739 @@
             <p:ph sz="quarter" idx="10"/>
           </p:nvPr>
         </p:nvSpPr>
-        <p:spPr>
-          <a:xfrm>
-            <a:off x="5571919" y="617538"/>
-            <a:ext cx="5677175" cy="6000350"/>
-          </a:xfrm>
-        </p:spPr>
+        <p:spPr/>
         <p:txBody>
           <a:bodyPr/>
           <a:lstStyle/>
           <a:p>
-            <a:endParaRPr lang="zh-CN" altLang="en-US" sz="1200" dirty="0"/>
+            <a:pPr>
+              <a:lnSpc>
+                <a:spcPct val="150000"/>
+              </a:lnSpc>
+            </a:pPr>
+            <a:r>
+              <a:rPr lang="zh-CN" altLang="en-US" sz="1200" dirty="0"/>
+              <a:t>用户还不是会员</a:t>
+            </a:r>
+            <a:endParaRPr lang="en-US" altLang="zh-CN" sz="1200" dirty="0"/>
           </a:p>
         </p:txBody>
       </p:sp>
       <p:sp>
         <p:nvSpPr>
-          <p:cNvPr id="11" name="椭圆 10">
-            <a:hlinkClick r:id="rId3" action="ppaction://hlinksldjump"/>
+          <p:cNvPr id="3" name="标题 2">
             <a:extLst>
               <a:ext uri="{FF2B5EF4-FFF2-40B4-BE49-F238E27FC236}">
-                <a16:creationId xmlns:a16="http://schemas.microsoft.com/office/drawing/2014/main" id="{F9B04C39-EDA3-4BDC-A3DF-BA150B415D07}"/>
+                <a16:creationId xmlns:a16="http://schemas.microsoft.com/office/drawing/2014/main" id="{648EAC0E-D0A6-4E88-A93E-182C2527E768}"/>
+              </a:ext>
+            </a:extLst>
+          </p:cNvPr>
+          <p:cNvSpPr>
+            <a:spLocks noGrp="1"/>
+          </p:cNvSpPr>
+          <p:nvPr>
+            <p:ph type="title"/>
+          </p:nvPr>
+        </p:nvSpPr>
+        <p:spPr/>
+        <p:txBody>
+          <a:bodyPr/>
+          <a:lstStyle/>
+          <a:p>
+            <a:r>
+              <a:rPr lang="zh-CN" altLang="en-US" dirty="0"/>
+              <a:t>优惠生活</a:t>
+            </a:r>
+          </a:p>
+        </p:txBody>
+      </p:sp>
+      <p:grpSp>
+        <p:nvGrpSpPr>
+          <p:cNvPr id="41" name="组合 40">
+            <a:extLst>
+              <a:ext uri="{FF2B5EF4-FFF2-40B4-BE49-F238E27FC236}">
+                <a16:creationId xmlns:a16="http://schemas.microsoft.com/office/drawing/2014/main" id="{0085A4BA-73AD-4953-B2B8-4D0F1EEFAF46}"/>
+              </a:ext>
+            </a:extLst>
+          </p:cNvPr>
+          <p:cNvGrpSpPr/>
+          <p:nvPr/>
+        </p:nvGrpSpPr>
+        <p:grpSpPr>
+          <a:xfrm>
+            <a:off x="952040" y="742121"/>
+            <a:ext cx="3131743" cy="1249132"/>
+            <a:chOff x="109797" y="1729408"/>
+            <a:chExt cx="3131743" cy="1249132"/>
+          </a:xfrm>
+        </p:grpSpPr>
+        <p:sp>
+          <p:nvSpPr>
+            <p:cNvPr id="42" name="矩形 41">
+              <a:extLst>
+                <a:ext uri="{FF2B5EF4-FFF2-40B4-BE49-F238E27FC236}">
+                  <a16:creationId xmlns:a16="http://schemas.microsoft.com/office/drawing/2014/main" id="{2D74F255-EDAF-4B50-B18E-922B6D164314}"/>
+                </a:ext>
+              </a:extLst>
+            </p:cNvPr>
+            <p:cNvSpPr/>
+            <p:nvPr/>
+          </p:nvSpPr>
+          <p:spPr>
+            <a:xfrm>
+              <a:off x="109797" y="1729408"/>
+              <a:ext cx="3131743" cy="1249132"/>
+            </a:xfrm>
+            <a:prstGeom prst="rect">
+              <a:avLst/>
+            </a:prstGeom>
+            <a:solidFill>
+              <a:schemeClr val="bg1"/>
+            </a:solidFill>
+            <a:ln>
+              <a:solidFill>
+                <a:srgbClr val="DBDBDB"/>
+              </a:solidFill>
+            </a:ln>
+          </p:spPr>
+          <p:style>
+            <a:lnRef idx="1">
+              <a:schemeClr val="accent1"/>
+            </a:lnRef>
+            <a:fillRef idx="0">
+              <a:schemeClr val="accent1"/>
+            </a:fillRef>
+            <a:effectRef idx="0">
+              <a:schemeClr val="accent1"/>
+            </a:effectRef>
+            <a:fontRef idx="minor">
+              <a:schemeClr val="tx1"/>
+            </a:fontRef>
+          </p:style>
+          <p:txBody>
+            <a:bodyPr rtlCol="0" anchor="ctr"/>
+            <a:lstStyle/>
+            <a:p>
+              <a:pPr algn="ctr"/>
+              <a:endParaRPr lang="zh-CN" altLang="en-US" sz="1000" dirty="0">
+                <a:solidFill>
+                  <a:schemeClr val="tx1"/>
+                </a:solidFill>
+              </a:endParaRPr>
+            </a:p>
+          </p:txBody>
+        </p:sp>
+        <p:cxnSp>
+          <p:nvCxnSpPr>
+            <p:cNvPr id="45" name="直接连接符 44">
+              <a:extLst>
+                <a:ext uri="{FF2B5EF4-FFF2-40B4-BE49-F238E27FC236}">
+                  <a16:creationId xmlns:a16="http://schemas.microsoft.com/office/drawing/2014/main" id="{1EA8BA65-A8B9-4617-8BC3-85A5BA44C01E}"/>
+                </a:ext>
+              </a:extLst>
+            </p:cNvPr>
+            <p:cNvCxnSpPr>
+              <a:cxnSpLocks/>
+            </p:cNvCxnSpPr>
+            <p:nvPr/>
+          </p:nvCxnSpPr>
+          <p:spPr>
+            <a:xfrm>
+              <a:off x="242865" y="2009928"/>
+              <a:ext cx="2998675" cy="0"/>
+            </a:xfrm>
+            <a:prstGeom prst="line">
+              <a:avLst/>
+            </a:prstGeom>
+            <a:ln>
+              <a:solidFill>
+                <a:srgbClr val="DBDBDB"/>
+              </a:solidFill>
+            </a:ln>
+          </p:spPr>
+          <p:style>
+            <a:lnRef idx="1">
+              <a:schemeClr val="accent1"/>
+            </a:lnRef>
+            <a:fillRef idx="0">
+              <a:schemeClr val="accent1"/>
+            </a:fillRef>
+            <a:effectRef idx="0">
+              <a:schemeClr val="accent1"/>
+            </a:effectRef>
+            <a:fontRef idx="minor">
+              <a:schemeClr val="tx1"/>
+            </a:fontRef>
+          </p:style>
+        </p:cxnSp>
+        <p:sp>
+          <p:nvSpPr>
+            <p:cNvPr id="46" name="文本框 45">
+              <a:extLst>
+                <a:ext uri="{FF2B5EF4-FFF2-40B4-BE49-F238E27FC236}">
+                  <a16:creationId xmlns:a16="http://schemas.microsoft.com/office/drawing/2014/main" id="{E0925B24-7054-4AC3-9B0F-949EF5883438}"/>
+                </a:ext>
+              </a:extLst>
+            </p:cNvPr>
+            <p:cNvSpPr txBox="1"/>
+            <p:nvPr/>
+          </p:nvSpPr>
+          <p:spPr>
+            <a:xfrm>
+              <a:off x="191804" y="1792668"/>
+              <a:ext cx="824713" cy="215444"/>
+            </a:xfrm>
+            <a:prstGeom prst="rect">
+              <a:avLst/>
+            </a:prstGeom>
+            <a:noFill/>
+          </p:spPr>
+          <p:txBody>
+            <a:bodyPr wrap="square" rtlCol="0">
+              <a:spAutoFit/>
+            </a:bodyPr>
+            <a:lstStyle/>
+            <a:p>
+              <a:r>
+                <a:rPr lang="zh-CN" altLang="en-US" sz="800" dirty="0">
+                  <a:solidFill>
+                    <a:schemeClr val="bg1">
+                      <a:lumMod val="75000"/>
+                    </a:schemeClr>
+                  </a:solidFill>
+                  <a:latin typeface="微软雅黑" panose="020B0503020204020204" pitchFamily="34" charset="-122"/>
+                  <a:ea typeface="微软雅黑" panose="020B0503020204020204" pitchFamily="34" charset="-122"/>
+                </a:rPr>
+                <a:t>冠德加油券</a:t>
+              </a:r>
+            </a:p>
+          </p:txBody>
+        </p:sp>
+      </p:grpSp>
+      <p:sp>
+        <p:nvSpPr>
+          <p:cNvPr id="10" name="文本框 9">
+            <a:hlinkClick r:id="rId2" action="ppaction://hlinksldjump"/>
+            <a:extLst>
+              <a:ext uri="{FF2B5EF4-FFF2-40B4-BE49-F238E27FC236}">
+                <a16:creationId xmlns:a16="http://schemas.microsoft.com/office/drawing/2014/main" id="{A2FE5F65-9333-4AB5-9D85-4741D68E4FF5}"/>
+              </a:ext>
+            </a:extLst>
+          </p:cNvPr>
+          <p:cNvSpPr txBox="1"/>
+          <p:nvPr/>
+        </p:nvSpPr>
+        <p:spPr>
+          <a:xfrm>
+            <a:off x="3337846" y="783542"/>
+            <a:ext cx="745937" cy="200055"/>
+          </a:xfrm>
+          <a:prstGeom prst="rect">
+            <a:avLst/>
+          </a:prstGeom>
+          <a:noFill/>
+        </p:spPr>
+        <p:txBody>
+          <a:bodyPr wrap="square" rtlCol="0">
+            <a:spAutoFit/>
+          </a:bodyPr>
+          <a:lstStyle/>
+          <a:p>
+            <a:pPr algn="ctr"/>
+            <a:r>
+              <a:rPr lang="zh-CN" altLang="en-US" sz="700" dirty="0">
+                <a:solidFill>
+                  <a:schemeClr val="bg1">
+                    <a:lumMod val="65000"/>
+                  </a:schemeClr>
+                </a:solidFill>
+                <a:latin typeface="微软雅黑" panose="020B0503020204020204" pitchFamily="34" charset="-122"/>
+                <a:ea typeface="微软雅黑" panose="020B0503020204020204" pitchFamily="34" charset="-122"/>
+              </a:rPr>
+              <a:t>查看全部</a:t>
+            </a:r>
+          </a:p>
+        </p:txBody>
+      </p:sp>
+      <p:pic>
+        <p:nvPicPr>
+          <p:cNvPr id="80" name="图片 79">
+            <a:extLst>
+              <a:ext uri="{FF2B5EF4-FFF2-40B4-BE49-F238E27FC236}">
+                <a16:creationId xmlns:a16="http://schemas.microsoft.com/office/drawing/2014/main" id="{04FB0838-C467-4A10-9414-E9827AFC79B8}"/>
+              </a:ext>
+            </a:extLst>
+          </p:cNvPr>
+          <p:cNvPicPr>
+            <a:picLocks noChangeAspect="1"/>
+          </p:cNvPicPr>
+          <p:nvPr/>
+        </p:nvPicPr>
+        <p:blipFill rotWithShape="1">
+          <a:blip r:embed="rId3" cstate="print">
+            <a:extLst>
+              <a:ext uri="{28A0092B-C50C-407E-A947-70E740481C1C}">
+                <a14:useLocalDpi xmlns:a14="http://schemas.microsoft.com/office/drawing/2010/main" val="0"/>
+              </a:ext>
+            </a:extLst>
+          </a:blip>
+          <a:srcRect t="50000" b="35619"/>
+          <a:stretch/>
+        </p:blipFill>
+        <p:spPr>
+          <a:xfrm>
+            <a:off x="952040" y="2012772"/>
+            <a:ext cx="3167500" cy="936340"/>
+          </a:xfrm>
+          <a:prstGeom prst="rect">
+            <a:avLst/>
+          </a:prstGeom>
+        </p:spPr>
+      </p:pic>
+      <p:grpSp>
+        <p:nvGrpSpPr>
+          <p:cNvPr id="87" name="组合 86">
+            <a:extLst>
+              <a:ext uri="{FF2B5EF4-FFF2-40B4-BE49-F238E27FC236}">
+                <a16:creationId xmlns:a16="http://schemas.microsoft.com/office/drawing/2014/main" id="{1D455CFE-0FE3-43CF-A3E2-895606425073}"/>
+              </a:ext>
+            </a:extLst>
+          </p:cNvPr>
+          <p:cNvGrpSpPr/>
+          <p:nvPr/>
+        </p:nvGrpSpPr>
+        <p:grpSpPr>
+          <a:xfrm>
+            <a:off x="948376" y="5265919"/>
+            <a:ext cx="3139069" cy="684079"/>
+            <a:chOff x="105603" y="4956210"/>
+            <a:chExt cx="3139069" cy="684079"/>
+          </a:xfrm>
+        </p:grpSpPr>
+        <p:sp>
+          <p:nvSpPr>
+            <p:cNvPr id="88" name="矩形 87">
+              <a:extLst>
+                <a:ext uri="{FF2B5EF4-FFF2-40B4-BE49-F238E27FC236}">
+                  <a16:creationId xmlns:a16="http://schemas.microsoft.com/office/drawing/2014/main" id="{AA4A5FCD-4F57-42AD-83AF-469D674DAAB1}"/>
+                </a:ext>
+              </a:extLst>
+            </p:cNvPr>
+            <p:cNvSpPr/>
+            <p:nvPr/>
+          </p:nvSpPr>
+          <p:spPr>
+            <a:xfrm>
+              <a:off x="105603" y="4956210"/>
+              <a:ext cx="3139069" cy="684079"/>
+            </a:xfrm>
+            <a:prstGeom prst="rect">
+              <a:avLst/>
+            </a:prstGeom>
+            <a:solidFill>
+              <a:schemeClr val="bg1"/>
+            </a:solidFill>
+            <a:ln>
+              <a:solidFill>
+                <a:srgbClr val="DBDBDB"/>
+              </a:solidFill>
+            </a:ln>
+          </p:spPr>
+          <p:style>
+            <a:lnRef idx="1">
+              <a:schemeClr val="accent1"/>
+            </a:lnRef>
+            <a:fillRef idx="0">
+              <a:schemeClr val="accent1"/>
+            </a:fillRef>
+            <a:effectRef idx="0">
+              <a:schemeClr val="accent1"/>
+            </a:effectRef>
+            <a:fontRef idx="minor">
+              <a:schemeClr val="tx1"/>
+            </a:fontRef>
+          </p:style>
+          <p:txBody>
+            <a:bodyPr rtlCol="0" anchor="ctr"/>
+            <a:lstStyle/>
+            <a:p>
+              <a:pPr algn="ctr"/>
+              <a:endParaRPr lang="zh-CN" altLang="en-US" sz="900">
+                <a:solidFill>
+                  <a:schemeClr val="tx1"/>
+                </a:solidFill>
+              </a:endParaRPr>
+            </a:p>
+          </p:txBody>
+        </p:sp>
+        <p:sp>
+          <p:nvSpPr>
+            <p:cNvPr id="89" name="文本框 88">
+              <a:extLst>
+                <a:ext uri="{FF2B5EF4-FFF2-40B4-BE49-F238E27FC236}">
+                  <a16:creationId xmlns:a16="http://schemas.microsoft.com/office/drawing/2014/main" id="{791EB1B2-E3B4-4CE7-A211-8B7755166575}"/>
+                </a:ext>
+              </a:extLst>
+            </p:cNvPr>
+            <p:cNvSpPr txBox="1"/>
+            <p:nvPr/>
+          </p:nvSpPr>
+          <p:spPr>
+            <a:xfrm>
+              <a:off x="577084" y="5037157"/>
+              <a:ext cx="2524903" cy="261610"/>
+            </a:xfrm>
+            <a:prstGeom prst="rect">
+              <a:avLst/>
+            </a:prstGeom>
+            <a:noFill/>
+          </p:spPr>
+          <p:txBody>
+            <a:bodyPr wrap="square" rtlCol="0">
+              <a:spAutoFit/>
+            </a:bodyPr>
+            <a:lstStyle/>
+            <a:p>
+              <a:r>
+                <a:rPr lang="zh-CN" altLang="en-US" sz="1050" dirty="0">
+                  <a:latin typeface="微软雅黑" panose="020B0503020204020204" pitchFamily="34" charset="-122"/>
+                  <a:ea typeface="微软雅黑" panose="020B0503020204020204" pitchFamily="34" charset="-122"/>
+                </a:rPr>
+                <a:t>爱车保养</a:t>
+              </a:r>
+            </a:p>
+          </p:txBody>
+        </p:sp>
+        <p:sp>
+          <p:nvSpPr>
+            <p:cNvPr id="90" name="文本框 89">
+              <a:extLst>
+                <a:ext uri="{FF2B5EF4-FFF2-40B4-BE49-F238E27FC236}">
+                  <a16:creationId xmlns:a16="http://schemas.microsoft.com/office/drawing/2014/main" id="{76D43240-788C-4BD3-A63E-18DC2B60B7DE}"/>
+                </a:ext>
+              </a:extLst>
+            </p:cNvPr>
+            <p:cNvSpPr txBox="1"/>
+            <p:nvPr/>
+          </p:nvSpPr>
+          <p:spPr>
+            <a:xfrm>
+              <a:off x="577083" y="5263792"/>
+              <a:ext cx="2506802" cy="338554"/>
+            </a:xfrm>
+            <a:prstGeom prst="rect">
+              <a:avLst/>
+            </a:prstGeom>
+            <a:noFill/>
+          </p:spPr>
+          <p:txBody>
+            <a:bodyPr wrap="square" rtlCol="0">
+              <a:spAutoFit/>
+            </a:bodyPr>
+            <a:lstStyle/>
+            <a:p>
+              <a:r>
+                <a:rPr lang="zh-CN" altLang="en-US" sz="800" dirty="0">
+                  <a:solidFill>
+                    <a:schemeClr val="bg1">
+                      <a:lumMod val="75000"/>
+                    </a:schemeClr>
+                  </a:solidFill>
+                  <a:latin typeface="微软雅黑" panose="020B0503020204020204" pitchFamily="34" charset="-122"/>
+                  <a:ea typeface="微软雅黑" panose="020B0503020204020204" pitchFamily="34" charset="-122"/>
+                </a:rPr>
+                <a:t>根据车型自动匹配配件，省心省力，小白操作</a:t>
+              </a:r>
+              <a:endParaRPr lang="en-US" altLang="zh-CN" sz="800" dirty="0">
+                <a:solidFill>
+                  <a:schemeClr val="bg1">
+                    <a:lumMod val="75000"/>
+                  </a:schemeClr>
+                </a:solidFill>
+                <a:latin typeface="微软雅黑" panose="020B0503020204020204" pitchFamily="34" charset="-122"/>
+                <a:ea typeface="微软雅黑" panose="020B0503020204020204" pitchFamily="34" charset="-122"/>
+              </a:endParaRPr>
+            </a:p>
+            <a:p>
+              <a:r>
+                <a:rPr lang="zh-CN" altLang="en-US" sz="800" dirty="0">
+                  <a:solidFill>
+                    <a:schemeClr val="bg1">
+                      <a:lumMod val="75000"/>
+                    </a:schemeClr>
+                  </a:solidFill>
+                  <a:latin typeface="微软雅黑" panose="020B0503020204020204" pitchFamily="34" charset="-122"/>
+                  <a:ea typeface="微软雅黑" panose="020B0503020204020204" pitchFamily="34" charset="-122"/>
+                </a:rPr>
+                <a:t>全网最低价</a:t>
+              </a:r>
+            </a:p>
+          </p:txBody>
+        </p:sp>
+        <p:sp>
+          <p:nvSpPr>
+            <p:cNvPr id="91" name="矩形 90">
+              <a:extLst>
+                <a:ext uri="{FF2B5EF4-FFF2-40B4-BE49-F238E27FC236}">
+                  <a16:creationId xmlns:a16="http://schemas.microsoft.com/office/drawing/2014/main" id="{CF702EE3-8308-42E9-A93B-5DC3FB01F65F}"/>
+                </a:ext>
+              </a:extLst>
+            </p:cNvPr>
+            <p:cNvSpPr/>
+            <p:nvPr/>
+          </p:nvSpPr>
+          <p:spPr>
+            <a:xfrm>
+              <a:off x="220371" y="5065237"/>
+              <a:ext cx="351018" cy="351018"/>
+            </a:xfrm>
+            <a:prstGeom prst="rect">
+              <a:avLst/>
+            </a:prstGeom>
+            <a:solidFill>
+              <a:schemeClr val="bg1">
+                <a:lumMod val="85000"/>
+              </a:schemeClr>
+            </a:solidFill>
+            <a:ln>
+              <a:noFill/>
+            </a:ln>
+          </p:spPr>
+          <p:style>
+            <a:lnRef idx="2">
+              <a:schemeClr val="accent1">
+                <a:shade val="50000"/>
+              </a:schemeClr>
+            </a:lnRef>
+            <a:fillRef idx="1">
+              <a:schemeClr val="accent1"/>
+            </a:fillRef>
+            <a:effectRef idx="0">
+              <a:schemeClr val="accent1"/>
+            </a:effectRef>
+            <a:fontRef idx="minor">
+              <a:schemeClr val="lt1"/>
+            </a:fontRef>
+          </p:style>
+          <p:txBody>
+            <a:bodyPr rtlCol="0" anchor="ctr"/>
+            <a:lstStyle/>
+            <a:p>
+              <a:pPr algn="ctr"/>
+              <a:endParaRPr lang="zh-CN" altLang="en-US" sz="900"/>
+            </a:p>
+          </p:txBody>
+        </p:sp>
+        <p:pic>
+          <p:nvPicPr>
+            <p:cNvPr id="92" name="图片 91">
+              <a:extLst>
+                <a:ext uri="{FF2B5EF4-FFF2-40B4-BE49-F238E27FC236}">
+                  <a16:creationId xmlns:a16="http://schemas.microsoft.com/office/drawing/2014/main" id="{B93DB53D-883D-4C4F-8ACC-F09ADBB86D66}"/>
+                </a:ext>
+              </a:extLst>
+            </p:cNvPr>
+            <p:cNvPicPr>
+              <a:picLocks noChangeAspect="1"/>
+            </p:cNvPicPr>
+            <p:nvPr/>
+          </p:nvPicPr>
+          <p:blipFill rotWithShape="1">
+            <a:blip r:embed="rId4"/>
+            <a:srcRect l="89677" t="36384" r="6682" b="31513"/>
+            <a:stretch/>
+          </p:blipFill>
+          <p:spPr>
+            <a:xfrm>
+              <a:off x="3089580" y="5160106"/>
+              <a:ext cx="120972" cy="161814"/>
+            </a:xfrm>
+            <a:prstGeom prst="rect">
+              <a:avLst/>
+            </a:prstGeom>
+          </p:spPr>
+        </p:pic>
+      </p:grpSp>
+      <p:grpSp>
+        <p:nvGrpSpPr>
+          <p:cNvPr id="4" name="组合 3">
+            <a:extLst>
+              <a:ext uri="{FF2B5EF4-FFF2-40B4-BE49-F238E27FC236}">
+                <a16:creationId xmlns:a16="http://schemas.microsoft.com/office/drawing/2014/main" id="{D95E7C05-88F1-46A8-AA6A-B0367609768B}"/>
+              </a:ext>
+            </a:extLst>
+          </p:cNvPr>
+          <p:cNvGrpSpPr/>
+          <p:nvPr/>
+        </p:nvGrpSpPr>
+        <p:grpSpPr>
+          <a:xfrm>
+            <a:off x="881508" y="2970631"/>
+            <a:ext cx="3308563" cy="2202906"/>
+            <a:chOff x="881508" y="2970631"/>
+            <a:chExt cx="3308563" cy="2202906"/>
+          </a:xfrm>
+        </p:grpSpPr>
+        <p:grpSp>
+          <p:nvGrpSpPr>
+            <p:cNvPr id="47" name="组合 46">
+              <a:extLst>
+                <a:ext uri="{FF2B5EF4-FFF2-40B4-BE49-F238E27FC236}">
+                  <a16:creationId xmlns:a16="http://schemas.microsoft.com/office/drawing/2014/main" id="{F74171A4-C285-437B-A3F3-C46E3024AB07}"/>
+                </a:ext>
+              </a:extLst>
+            </p:cNvPr>
+            <p:cNvGrpSpPr/>
+            <p:nvPr/>
+          </p:nvGrpSpPr>
+          <p:grpSpPr>
+            <a:xfrm>
+              <a:off x="881508" y="2970631"/>
+              <a:ext cx="3308563" cy="2202906"/>
+              <a:chOff x="863629" y="2070920"/>
+              <a:chExt cx="3308563" cy="2202906"/>
+            </a:xfrm>
+          </p:grpSpPr>
+          <p:grpSp>
+            <p:nvGrpSpPr>
+              <p:cNvPr id="55" name="组合 54">
+                <a:extLst>
+                  <a:ext uri="{FF2B5EF4-FFF2-40B4-BE49-F238E27FC236}">
+                    <a16:creationId xmlns:a16="http://schemas.microsoft.com/office/drawing/2014/main" id="{05B9D5A8-2307-4BFA-827A-97A2E5B2E94F}"/>
+                  </a:ext>
+                </a:extLst>
+              </p:cNvPr>
+              <p:cNvGrpSpPr/>
+              <p:nvPr/>
+            </p:nvGrpSpPr>
+            <p:grpSpPr>
+              <a:xfrm>
+                <a:off x="952040" y="2070920"/>
+                <a:ext cx="3131743" cy="2202906"/>
+                <a:chOff x="109797" y="1729407"/>
+                <a:chExt cx="3131743" cy="2171627"/>
+              </a:xfrm>
+            </p:grpSpPr>
+            <p:sp>
+              <p:nvSpPr>
+                <p:cNvPr id="77" name="矩形 76">
+                  <a:extLst>
+                    <a:ext uri="{FF2B5EF4-FFF2-40B4-BE49-F238E27FC236}">
+                      <a16:creationId xmlns:a16="http://schemas.microsoft.com/office/drawing/2014/main" id="{6CE526F6-898D-4649-B486-1A4E7E3A4D6A}"/>
+                    </a:ext>
+                  </a:extLst>
+                </p:cNvPr>
+                <p:cNvSpPr/>
+                <p:nvPr/>
+              </p:nvSpPr>
+              <p:spPr>
+                <a:xfrm>
+                  <a:off x="109797" y="1729407"/>
+                  <a:ext cx="3131743" cy="2171627"/>
+                </a:xfrm>
+                <a:prstGeom prst="rect">
+                  <a:avLst/>
+                </a:prstGeom>
+                <a:solidFill>
+                  <a:schemeClr val="bg1"/>
+                </a:solidFill>
+                <a:ln>
+                  <a:solidFill>
+                    <a:srgbClr val="DBDBDB"/>
+                  </a:solidFill>
+                </a:ln>
+              </p:spPr>
+              <p:style>
+                <a:lnRef idx="1">
+                  <a:schemeClr val="accent1"/>
+                </a:lnRef>
+                <a:fillRef idx="0">
+                  <a:schemeClr val="accent1"/>
+                </a:fillRef>
+                <a:effectRef idx="0">
+                  <a:schemeClr val="accent1"/>
+                </a:effectRef>
+                <a:fontRef idx="minor">
+                  <a:schemeClr val="tx1"/>
+                </a:fontRef>
+              </p:style>
+              <p:txBody>
+                <a:bodyPr rtlCol="0" anchor="ctr"/>
+                <a:lstStyle/>
+                <a:p>
+                  <a:pPr algn="ctr"/>
+                  <a:endParaRPr lang="zh-CN" altLang="en-US" sz="1000" dirty="0">
+                    <a:solidFill>
+                      <a:schemeClr val="tx1"/>
+                    </a:solidFill>
+                  </a:endParaRPr>
+                </a:p>
+              </p:txBody>
+            </p:sp>
+            <p:cxnSp>
+              <p:nvCxnSpPr>
+                <p:cNvPr id="78" name="直接连接符 77">
+                  <a:extLst>
+                    <a:ext uri="{FF2B5EF4-FFF2-40B4-BE49-F238E27FC236}">
+                      <a16:creationId xmlns:a16="http://schemas.microsoft.com/office/drawing/2014/main" id="{9445CAE2-67DC-4654-9F43-32E960A5278A}"/>
+                    </a:ext>
+                  </a:extLst>
+                </p:cNvPr>
+                <p:cNvCxnSpPr>
+                  <a:cxnSpLocks/>
+                </p:cNvCxnSpPr>
+                <p:nvPr/>
+              </p:nvCxnSpPr>
+              <p:spPr>
+                <a:xfrm>
+                  <a:off x="242865" y="2009928"/>
+                  <a:ext cx="2998675" cy="0"/>
+                </a:xfrm>
+                <a:prstGeom prst="line">
+                  <a:avLst/>
+                </a:prstGeom>
+                <a:ln>
+                  <a:solidFill>
+                    <a:srgbClr val="DBDBDB"/>
+                  </a:solidFill>
+                </a:ln>
+              </p:spPr>
+              <p:style>
+                <a:lnRef idx="1">
+                  <a:schemeClr val="accent1"/>
+                </a:lnRef>
+                <a:fillRef idx="0">
+                  <a:schemeClr val="accent1"/>
+                </a:fillRef>
+                <a:effectRef idx="0">
+                  <a:schemeClr val="accent1"/>
+                </a:effectRef>
+                <a:fontRef idx="minor">
+                  <a:schemeClr val="tx1"/>
+                </a:fontRef>
+              </p:style>
+            </p:cxnSp>
+            <p:sp>
+              <p:nvSpPr>
+                <p:cNvPr id="79" name="文本框 78">
+                  <a:extLst>
+                    <a:ext uri="{FF2B5EF4-FFF2-40B4-BE49-F238E27FC236}">
+                      <a16:creationId xmlns:a16="http://schemas.microsoft.com/office/drawing/2014/main" id="{19469321-0B56-4590-B10C-9A9AA820A229}"/>
+                    </a:ext>
+                  </a:extLst>
+                </p:cNvPr>
+                <p:cNvSpPr txBox="1"/>
+                <p:nvPr/>
+              </p:nvSpPr>
+              <p:spPr>
+                <a:xfrm>
+                  <a:off x="191804" y="1792668"/>
+                  <a:ext cx="824713" cy="212385"/>
+                </a:xfrm>
+                <a:prstGeom prst="rect">
+                  <a:avLst/>
+                </a:prstGeom>
+                <a:noFill/>
+              </p:spPr>
+              <p:txBody>
+                <a:bodyPr wrap="square" rtlCol="0">
+                  <a:spAutoFit/>
+                </a:bodyPr>
+                <a:lstStyle/>
+                <a:p>
+                  <a:r>
+                    <a:rPr lang="zh-CN" altLang="en-US" sz="800" dirty="0">
+                      <a:solidFill>
+                        <a:schemeClr val="bg1">
+                          <a:lumMod val="75000"/>
+                        </a:schemeClr>
+                      </a:solidFill>
+                      <a:latin typeface="微软雅黑" panose="020B0503020204020204" pitchFamily="34" charset="-122"/>
+                      <a:ea typeface="微软雅黑" panose="020B0503020204020204" pitchFamily="34" charset="-122"/>
+                    </a:rPr>
+                    <a:t>优惠生活</a:t>
+                  </a:r>
+                </a:p>
+              </p:txBody>
+            </p:sp>
+          </p:grpSp>
+          <p:grpSp>
+            <p:nvGrpSpPr>
+              <p:cNvPr id="56" name="组合 55">
+                <a:extLst>
+                  <a:ext uri="{FF2B5EF4-FFF2-40B4-BE49-F238E27FC236}">
+                    <a16:creationId xmlns:a16="http://schemas.microsoft.com/office/drawing/2014/main" id="{8CF44327-B167-41A4-912A-5BE8CDA12885}"/>
+                  </a:ext>
+                </a:extLst>
+              </p:cNvPr>
+              <p:cNvGrpSpPr/>
+              <p:nvPr/>
+            </p:nvGrpSpPr>
+            <p:grpSpPr>
+              <a:xfrm>
+                <a:off x="863629" y="2489697"/>
+                <a:ext cx="3308563" cy="805733"/>
+                <a:chOff x="854415" y="2556530"/>
+                <a:chExt cx="3308563" cy="805733"/>
+              </a:xfrm>
+            </p:grpSpPr>
+            <p:grpSp>
+              <p:nvGrpSpPr>
+                <p:cNvPr id="68" name="组合 67">
+                  <a:extLst>
+                    <a:ext uri="{FF2B5EF4-FFF2-40B4-BE49-F238E27FC236}">
+                      <a16:creationId xmlns:a16="http://schemas.microsoft.com/office/drawing/2014/main" id="{AC58E060-369A-4BF3-85F6-9E69449FE887}"/>
+                    </a:ext>
+                  </a:extLst>
+                </p:cNvPr>
+                <p:cNvGrpSpPr/>
+                <p:nvPr/>
+              </p:nvGrpSpPr>
+              <p:grpSpPr>
+                <a:xfrm>
+                  <a:off x="854415" y="2556530"/>
+                  <a:ext cx="1239857" cy="785598"/>
+                  <a:chOff x="997827" y="5345661"/>
+                  <a:chExt cx="494923" cy="313593"/>
+                </a:xfrm>
+              </p:grpSpPr>
+              <p:sp>
+                <p:nvSpPr>
+                  <p:cNvPr id="75" name="矩形: 圆角 74">
+                    <a:extLst>
+                      <a:ext uri="{FF2B5EF4-FFF2-40B4-BE49-F238E27FC236}">
+                        <a16:creationId xmlns:a16="http://schemas.microsoft.com/office/drawing/2014/main" id="{9E8C1FB0-6641-4221-BFB0-25FA2163923E}"/>
+                      </a:ext>
+                    </a:extLst>
+                  </p:cNvPr>
+                  <p:cNvSpPr/>
+                  <p:nvPr/>
+                </p:nvSpPr>
+                <p:spPr>
+                  <a:xfrm>
+                    <a:off x="1130148" y="5345661"/>
+                    <a:ext cx="230282" cy="230282"/>
+                  </a:xfrm>
+                  <a:prstGeom prst="roundRect">
+                    <a:avLst/>
+                  </a:prstGeom>
+                  <a:solidFill>
+                    <a:srgbClr val="D9D9D9"/>
+                  </a:solidFill>
+                  <a:ln>
+                    <a:noFill/>
+                  </a:ln>
+                </p:spPr>
+                <p:style>
+                  <a:lnRef idx="2">
+                    <a:schemeClr val="accent1">
+                      <a:shade val="50000"/>
+                    </a:schemeClr>
+                  </a:lnRef>
+                  <a:fillRef idx="1">
+                    <a:schemeClr val="accent1"/>
+                  </a:fillRef>
+                  <a:effectRef idx="0">
+                    <a:schemeClr val="accent1"/>
+                  </a:effectRef>
+                  <a:fontRef idx="minor">
+                    <a:schemeClr val="lt1"/>
+                  </a:fontRef>
+                </p:style>
+                <p:txBody>
+                  <a:bodyPr rtlCol="0" anchor="ctr"/>
+                  <a:lstStyle/>
+                  <a:p>
+                    <a:pPr algn="ctr">
+                      <a:lnSpc>
+                        <a:spcPct val="150000"/>
+                      </a:lnSpc>
+                    </a:pPr>
+                    <a:endParaRPr lang="zh-CN" altLang="en-US" sz="1000" dirty="0">
+                      <a:solidFill>
+                        <a:schemeClr val="tx1"/>
+                      </a:solidFill>
+                      <a:latin typeface="微软雅黑" panose="020B0503020204020204" pitchFamily="34" charset="-122"/>
+                      <a:ea typeface="微软雅黑" panose="020B0503020204020204" pitchFamily="34" charset="-122"/>
+                    </a:endParaRPr>
+                  </a:p>
+                </p:txBody>
+              </p:sp>
+              <p:sp>
+                <p:nvSpPr>
+                  <p:cNvPr id="76" name="文本框 75">
+                    <a:extLst>
+                      <a:ext uri="{FF2B5EF4-FFF2-40B4-BE49-F238E27FC236}">
+                        <a16:creationId xmlns:a16="http://schemas.microsoft.com/office/drawing/2014/main" id="{98D2F4FF-8E48-4DAA-AC23-11AC607775BA}"/>
+                      </a:ext>
+                    </a:extLst>
+                  </p:cNvPr>
+                  <p:cNvSpPr txBox="1"/>
+                  <p:nvPr/>
+                </p:nvSpPr>
+                <p:spPr>
+                  <a:xfrm>
+                    <a:off x="997827" y="5579397"/>
+                    <a:ext cx="494923" cy="79857"/>
+                  </a:xfrm>
+                  <a:prstGeom prst="rect">
+                    <a:avLst/>
+                  </a:prstGeom>
+                  <a:noFill/>
+                </p:spPr>
+                <p:txBody>
+                  <a:bodyPr wrap="square" rtlCol="0">
+                    <a:spAutoFit/>
+                  </a:bodyPr>
+                  <a:lstStyle/>
+                  <a:p>
+                    <a:pPr algn="ctr"/>
+                    <a:r>
+                      <a:rPr lang="zh-CN" altLang="en-US" sz="700" dirty="0">
+                        <a:latin typeface="微软雅黑" panose="020B0503020204020204" pitchFamily="34" charset="-122"/>
+                        <a:ea typeface="微软雅黑" panose="020B0503020204020204" pitchFamily="34" charset="-122"/>
+                      </a:rPr>
+                      <a:t>新车比价</a:t>
+                    </a:r>
+                  </a:p>
+                </p:txBody>
+              </p:sp>
+            </p:grpSp>
+            <p:grpSp>
+              <p:nvGrpSpPr>
+                <p:cNvPr id="69" name="组合 68">
+                  <a:extLst>
+                    <a:ext uri="{FF2B5EF4-FFF2-40B4-BE49-F238E27FC236}">
+                      <a16:creationId xmlns:a16="http://schemas.microsoft.com/office/drawing/2014/main" id="{CE2C1050-E6F3-42F0-BE64-4EE6363A841F}"/>
+                    </a:ext>
+                  </a:extLst>
+                </p:cNvPr>
+                <p:cNvGrpSpPr/>
+                <p:nvPr/>
+              </p:nvGrpSpPr>
+              <p:grpSpPr>
+                <a:xfrm>
+                  <a:off x="1888768" y="2576665"/>
+                  <a:ext cx="1239857" cy="785598"/>
+                  <a:chOff x="997827" y="5345661"/>
+                  <a:chExt cx="494923" cy="313593"/>
+                </a:xfrm>
+              </p:grpSpPr>
+              <p:sp>
+                <p:nvSpPr>
+                  <p:cNvPr id="73" name="矩形: 圆角 72">
+                    <a:extLst>
+                      <a:ext uri="{FF2B5EF4-FFF2-40B4-BE49-F238E27FC236}">
+                        <a16:creationId xmlns:a16="http://schemas.microsoft.com/office/drawing/2014/main" id="{172DA6B5-8D7A-4F44-A98E-FD6500690F6C}"/>
+                      </a:ext>
+                    </a:extLst>
+                  </p:cNvPr>
+                  <p:cNvSpPr/>
+                  <p:nvPr/>
+                </p:nvSpPr>
+                <p:spPr>
+                  <a:xfrm>
+                    <a:off x="1130148" y="5345661"/>
+                    <a:ext cx="230282" cy="230282"/>
+                  </a:xfrm>
+                  <a:prstGeom prst="roundRect">
+                    <a:avLst/>
+                  </a:prstGeom>
+                  <a:solidFill>
+                    <a:srgbClr val="D9D9D9"/>
+                  </a:solidFill>
+                  <a:ln>
+                    <a:noFill/>
+                  </a:ln>
+                </p:spPr>
+                <p:style>
+                  <a:lnRef idx="2">
+                    <a:schemeClr val="accent1">
+                      <a:shade val="50000"/>
+                    </a:schemeClr>
+                  </a:lnRef>
+                  <a:fillRef idx="1">
+                    <a:schemeClr val="accent1"/>
+                  </a:fillRef>
+                  <a:effectRef idx="0">
+                    <a:schemeClr val="accent1"/>
+                  </a:effectRef>
+                  <a:fontRef idx="minor">
+                    <a:schemeClr val="lt1"/>
+                  </a:fontRef>
+                </p:style>
+                <p:txBody>
+                  <a:bodyPr rtlCol="0" anchor="ctr"/>
+                  <a:lstStyle/>
+                  <a:p>
+                    <a:pPr algn="ctr">
+                      <a:lnSpc>
+                        <a:spcPct val="150000"/>
+                      </a:lnSpc>
+                    </a:pPr>
+                    <a:endParaRPr lang="zh-CN" altLang="en-US" sz="1000" dirty="0">
+                      <a:solidFill>
+                        <a:schemeClr val="tx1"/>
+                      </a:solidFill>
+                      <a:latin typeface="微软雅黑" panose="020B0503020204020204" pitchFamily="34" charset="-122"/>
+                      <a:ea typeface="微软雅黑" panose="020B0503020204020204" pitchFamily="34" charset="-122"/>
+                    </a:endParaRPr>
+                  </a:p>
+                </p:txBody>
+              </p:sp>
+              <p:sp>
+                <p:nvSpPr>
+                  <p:cNvPr id="74" name="文本框 73">
+                    <a:extLst>
+                      <a:ext uri="{FF2B5EF4-FFF2-40B4-BE49-F238E27FC236}">
+                        <a16:creationId xmlns:a16="http://schemas.microsoft.com/office/drawing/2014/main" id="{21D05421-8617-4398-BC98-EE073E8FCBBA}"/>
+                      </a:ext>
+                    </a:extLst>
+                  </p:cNvPr>
+                  <p:cNvSpPr txBox="1"/>
+                  <p:nvPr/>
+                </p:nvSpPr>
+                <p:spPr>
+                  <a:xfrm>
+                    <a:off x="997827" y="5579397"/>
+                    <a:ext cx="494923" cy="79857"/>
+                  </a:xfrm>
+                  <a:prstGeom prst="rect">
+                    <a:avLst/>
+                  </a:prstGeom>
+                  <a:noFill/>
+                </p:spPr>
+                <p:txBody>
+                  <a:bodyPr wrap="square" rtlCol="0">
+                    <a:spAutoFit/>
+                  </a:bodyPr>
+                  <a:lstStyle/>
+                  <a:p>
+                    <a:pPr algn="ctr"/>
+                    <a:r>
+                      <a:rPr lang="zh-CN" altLang="en-US" sz="700" dirty="0">
+                        <a:latin typeface="微软雅黑" panose="020B0503020204020204" pitchFamily="34" charset="-122"/>
+                        <a:ea typeface="微软雅黑" panose="020B0503020204020204" pitchFamily="34" charset="-122"/>
+                      </a:rPr>
+                      <a:t>车险购买</a:t>
+                    </a:r>
+                  </a:p>
+                </p:txBody>
+              </p:sp>
+            </p:grpSp>
+            <p:grpSp>
+              <p:nvGrpSpPr>
+                <p:cNvPr id="70" name="组合 69">
+                  <a:extLst>
+                    <a:ext uri="{FF2B5EF4-FFF2-40B4-BE49-F238E27FC236}">
+                      <a16:creationId xmlns:a16="http://schemas.microsoft.com/office/drawing/2014/main" id="{AB1FB7CF-789A-4E33-B1F2-88487D90BD4E}"/>
+                    </a:ext>
+                  </a:extLst>
+                </p:cNvPr>
+                <p:cNvGrpSpPr/>
+                <p:nvPr/>
+              </p:nvGrpSpPr>
+              <p:grpSpPr>
+                <a:xfrm>
+                  <a:off x="2923121" y="2576665"/>
+                  <a:ext cx="1239857" cy="785598"/>
+                  <a:chOff x="997827" y="5345661"/>
+                  <a:chExt cx="494923" cy="313593"/>
+                </a:xfrm>
+              </p:grpSpPr>
+              <p:sp>
+                <p:nvSpPr>
+                  <p:cNvPr id="71" name="矩形: 圆角 70">
+                    <a:extLst>
+                      <a:ext uri="{FF2B5EF4-FFF2-40B4-BE49-F238E27FC236}">
+                        <a16:creationId xmlns:a16="http://schemas.microsoft.com/office/drawing/2014/main" id="{12C8E728-5DFF-4E41-8E81-BB63087AD667}"/>
+                      </a:ext>
+                    </a:extLst>
+                  </p:cNvPr>
+                  <p:cNvSpPr/>
+                  <p:nvPr/>
+                </p:nvSpPr>
+                <p:spPr>
+                  <a:xfrm>
+                    <a:off x="1130148" y="5345661"/>
+                    <a:ext cx="230282" cy="230282"/>
+                  </a:xfrm>
+                  <a:prstGeom prst="roundRect">
+                    <a:avLst/>
+                  </a:prstGeom>
+                  <a:solidFill>
+                    <a:srgbClr val="D9D9D9"/>
+                  </a:solidFill>
+                  <a:ln>
+                    <a:noFill/>
+                  </a:ln>
+                </p:spPr>
+                <p:style>
+                  <a:lnRef idx="2">
+                    <a:schemeClr val="accent1">
+                      <a:shade val="50000"/>
+                    </a:schemeClr>
+                  </a:lnRef>
+                  <a:fillRef idx="1">
+                    <a:schemeClr val="accent1"/>
+                  </a:fillRef>
+                  <a:effectRef idx="0">
+                    <a:schemeClr val="accent1"/>
+                  </a:effectRef>
+                  <a:fontRef idx="minor">
+                    <a:schemeClr val="lt1"/>
+                  </a:fontRef>
+                </p:style>
+                <p:txBody>
+                  <a:bodyPr rtlCol="0" anchor="ctr"/>
+                  <a:lstStyle/>
+                  <a:p>
+                    <a:pPr algn="ctr">
+                      <a:lnSpc>
+                        <a:spcPct val="150000"/>
+                      </a:lnSpc>
+                    </a:pPr>
+                    <a:endParaRPr lang="zh-CN" altLang="en-US" sz="1000" dirty="0">
+                      <a:solidFill>
+                        <a:schemeClr val="tx1"/>
+                      </a:solidFill>
+                      <a:latin typeface="微软雅黑" panose="020B0503020204020204" pitchFamily="34" charset="-122"/>
+                      <a:ea typeface="微软雅黑" panose="020B0503020204020204" pitchFamily="34" charset="-122"/>
+                    </a:endParaRPr>
+                  </a:p>
+                </p:txBody>
+              </p:sp>
+              <p:sp>
+                <p:nvSpPr>
+                  <p:cNvPr id="72" name="文本框 71">
+                    <a:extLst>
+                      <a:ext uri="{FF2B5EF4-FFF2-40B4-BE49-F238E27FC236}">
+                        <a16:creationId xmlns:a16="http://schemas.microsoft.com/office/drawing/2014/main" id="{178EAAAA-D155-4CAC-A707-EB80BC61EDAD}"/>
+                      </a:ext>
+                    </a:extLst>
+                  </p:cNvPr>
+                  <p:cNvSpPr txBox="1"/>
+                  <p:nvPr/>
+                </p:nvSpPr>
+                <p:spPr>
+                  <a:xfrm>
+                    <a:off x="997827" y="5579397"/>
+                    <a:ext cx="494923" cy="79857"/>
+                  </a:xfrm>
+                  <a:prstGeom prst="rect">
+                    <a:avLst/>
+                  </a:prstGeom>
+                  <a:noFill/>
+                </p:spPr>
+                <p:txBody>
+                  <a:bodyPr wrap="square" rtlCol="0">
+                    <a:spAutoFit/>
+                  </a:bodyPr>
+                  <a:lstStyle/>
+                  <a:p>
+                    <a:pPr algn="ctr"/>
+                    <a:r>
+                      <a:rPr lang="zh-CN" altLang="en-US" sz="700" dirty="0">
+                        <a:latin typeface="微软雅黑" panose="020B0503020204020204" pitchFamily="34" charset="-122"/>
+                        <a:ea typeface="微软雅黑" panose="020B0503020204020204" pitchFamily="34" charset="-122"/>
+                      </a:rPr>
+                      <a:t>意外健康险</a:t>
+                    </a:r>
+                  </a:p>
+                </p:txBody>
+              </p:sp>
+            </p:grpSp>
+          </p:grpSp>
+          <p:sp>
+            <p:nvSpPr>
+              <p:cNvPr id="57" name="矩形 56">
+                <a:extLst>
+                  <a:ext uri="{FF2B5EF4-FFF2-40B4-BE49-F238E27FC236}">
+                    <a16:creationId xmlns:a16="http://schemas.microsoft.com/office/drawing/2014/main" id="{F758B6D0-E75A-4D54-85CE-B6713BCF18F9}"/>
+                  </a:ext>
+                </a:extLst>
+              </p:cNvPr>
+              <p:cNvSpPr/>
+              <p:nvPr/>
+            </p:nvSpPr>
+            <p:spPr>
+              <a:xfrm rot="1844245">
+                <a:off x="2484625" y="2599344"/>
+                <a:ext cx="310086" cy="130809"/>
+              </a:xfrm>
+              <a:prstGeom prst="rect">
+                <a:avLst/>
+              </a:prstGeom>
+              <a:solidFill>
+                <a:srgbClr val="09BB07"/>
+              </a:solidFill>
+              <a:ln>
+                <a:noFill/>
+              </a:ln>
+            </p:spPr>
+            <p:style>
+              <a:lnRef idx="2">
+                <a:schemeClr val="accent1">
+                  <a:shade val="50000"/>
+                </a:schemeClr>
+              </a:lnRef>
+              <a:fillRef idx="1">
+                <a:schemeClr val="accent1"/>
+              </a:fillRef>
+              <a:effectRef idx="0">
+                <a:schemeClr val="accent1"/>
+              </a:effectRef>
+              <a:fontRef idx="minor">
+                <a:schemeClr val="lt1"/>
+              </a:fontRef>
+            </p:style>
+            <p:txBody>
+              <a:bodyPr rtlCol="0" anchor="ctr"/>
+              <a:lstStyle/>
+              <a:p>
+                <a:pPr algn="ctr"/>
+                <a:r>
+                  <a:rPr lang="zh-CN" altLang="en-US" sz="700" dirty="0">
+                    <a:latin typeface="微软雅黑" panose="020B0503020204020204" pitchFamily="34" charset="-122"/>
+                    <a:ea typeface="微软雅黑" panose="020B0503020204020204" pitchFamily="34" charset="-122"/>
+                  </a:rPr>
+                  <a:t>惠</a:t>
+                </a:r>
+              </a:p>
+            </p:txBody>
+          </p:sp>
+          <p:grpSp>
+            <p:nvGrpSpPr>
+              <p:cNvPr id="58" name="组合 57">
+                <a:extLst>
+                  <a:ext uri="{FF2B5EF4-FFF2-40B4-BE49-F238E27FC236}">
+                    <a16:creationId xmlns:a16="http://schemas.microsoft.com/office/drawing/2014/main" id="{BC65E573-9D63-4728-9F9D-36457EAFB79B}"/>
+                  </a:ext>
+                </a:extLst>
+              </p:cNvPr>
+              <p:cNvGrpSpPr/>
+              <p:nvPr/>
+            </p:nvGrpSpPr>
+            <p:grpSpPr>
+              <a:xfrm>
+                <a:off x="863629" y="3394014"/>
+                <a:ext cx="3308563" cy="805733"/>
+                <a:chOff x="854415" y="2556530"/>
+                <a:chExt cx="3308563" cy="805733"/>
+              </a:xfrm>
+            </p:grpSpPr>
+            <p:grpSp>
+              <p:nvGrpSpPr>
+                <p:cNvPr id="59" name="组合 58">
+                  <a:extLst>
+                    <a:ext uri="{FF2B5EF4-FFF2-40B4-BE49-F238E27FC236}">
+                      <a16:creationId xmlns:a16="http://schemas.microsoft.com/office/drawing/2014/main" id="{C4BEB1FF-71B0-4AE2-B3AF-1182AD1E8746}"/>
+                    </a:ext>
+                  </a:extLst>
+                </p:cNvPr>
+                <p:cNvGrpSpPr/>
+                <p:nvPr/>
+              </p:nvGrpSpPr>
+              <p:grpSpPr>
+                <a:xfrm>
+                  <a:off x="854415" y="2556530"/>
+                  <a:ext cx="1239857" cy="785598"/>
+                  <a:chOff x="997827" y="5345661"/>
+                  <a:chExt cx="494923" cy="313593"/>
+                </a:xfrm>
+              </p:grpSpPr>
+              <p:sp>
+                <p:nvSpPr>
+                  <p:cNvPr id="66" name="矩形: 圆角 65">
+                    <a:extLst>
+                      <a:ext uri="{FF2B5EF4-FFF2-40B4-BE49-F238E27FC236}">
+                        <a16:creationId xmlns:a16="http://schemas.microsoft.com/office/drawing/2014/main" id="{F10B4CD2-2099-4B8E-8ECF-8552D247E1E3}"/>
+                      </a:ext>
+                    </a:extLst>
+                  </p:cNvPr>
+                  <p:cNvSpPr/>
+                  <p:nvPr/>
+                </p:nvSpPr>
+                <p:spPr>
+                  <a:xfrm>
+                    <a:off x="1130148" y="5345661"/>
+                    <a:ext cx="230282" cy="230282"/>
+                  </a:xfrm>
+                  <a:prstGeom prst="roundRect">
+                    <a:avLst/>
+                  </a:prstGeom>
+                  <a:solidFill>
+                    <a:srgbClr val="D9D9D9"/>
+                  </a:solidFill>
+                  <a:ln>
+                    <a:noFill/>
+                  </a:ln>
+                </p:spPr>
+                <p:style>
+                  <a:lnRef idx="2">
+                    <a:schemeClr val="accent1">
+                      <a:shade val="50000"/>
+                    </a:schemeClr>
+                  </a:lnRef>
+                  <a:fillRef idx="1">
+                    <a:schemeClr val="accent1"/>
+                  </a:fillRef>
+                  <a:effectRef idx="0">
+                    <a:schemeClr val="accent1"/>
+                  </a:effectRef>
+                  <a:fontRef idx="minor">
+                    <a:schemeClr val="lt1"/>
+                  </a:fontRef>
+                </p:style>
+                <p:txBody>
+                  <a:bodyPr rtlCol="0" anchor="ctr"/>
+                  <a:lstStyle/>
+                  <a:p>
+                    <a:pPr algn="ctr">
+                      <a:lnSpc>
+                        <a:spcPct val="150000"/>
+                      </a:lnSpc>
+                    </a:pPr>
+                    <a:endParaRPr lang="zh-CN" altLang="en-US" sz="1000" dirty="0">
+                      <a:solidFill>
+                        <a:schemeClr val="tx1"/>
+                      </a:solidFill>
+                      <a:latin typeface="微软雅黑" panose="020B0503020204020204" pitchFamily="34" charset="-122"/>
+                      <a:ea typeface="微软雅黑" panose="020B0503020204020204" pitchFamily="34" charset="-122"/>
+                    </a:endParaRPr>
+                  </a:p>
+                </p:txBody>
+              </p:sp>
+              <p:sp>
+                <p:nvSpPr>
+                  <p:cNvPr id="67" name="文本框 66">
+                    <a:extLst>
+                      <a:ext uri="{FF2B5EF4-FFF2-40B4-BE49-F238E27FC236}">
+                        <a16:creationId xmlns:a16="http://schemas.microsoft.com/office/drawing/2014/main" id="{8C6C5B28-0B91-4E7A-9214-4B9A7B9E944F}"/>
+                      </a:ext>
+                    </a:extLst>
+                  </p:cNvPr>
+                  <p:cNvSpPr txBox="1"/>
+                  <p:nvPr/>
+                </p:nvSpPr>
+                <p:spPr>
+                  <a:xfrm>
+                    <a:off x="997827" y="5579397"/>
+                    <a:ext cx="494923" cy="79857"/>
+                  </a:xfrm>
+                  <a:prstGeom prst="rect">
+                    <a:avLst/>
+                  </a:prstGeom>
+                  <a:noFill/>
+                </p:spPr>
+                <p:txBody>
+                  <a:bodyPr wrap="square" rtlCol="0">
+                    <a:spAutoFit/>
+                  </a:bodyPr>
+                  <a:lstStyle/>
+                  <a:p>
+                    <a:pPr algn="ctr"/>
+                    <a:r>
+                      <a:rPr lang="zh-CN" altLang="en-US" sz="700" dirty="0">
+                        <a:latin typeface="微软雅黑" panose="020B0503020204020204" pitchFamily="34" charset="-122"/>
+                        <a:ea typeface="微软雅黑" panose="020B0503020204020204" pitchFamily="34" charset="-122"/>
+                      </a:rPr>
+                      <a:t>国际租车</a:t>
+                    </a:r>
+                  </a:p>
+                </p:txBody>
+              </p:sp>
+            </p:grpSp>
+            <p:grpSp>
+              <p:nvGrpSpPr>
+                <p:cNvPr id="60" name="组合 59">
+                  <a:extLst>
+                    <a:ext uri="{FF2B5EF4-FFF2-40B4-BE49-F238E27FC236}">
+                      <a16:creationId xmlns:a16="http://schemas.microsoft.com/office/drawing/2014/main" id="{B87D29C1-AFD3-4743-BF52-860563D0C545}"/>
+                    </a:ext>
+                  </a:extLst>
+                </p:cNvPr>
+                <p:cNvGrpSpPr/>
+                <p:nvPr/>
+              </p:nvGrpSpPr>
+              <p:grpSpPr>
+                <a:xfrm>
+                  <a:off x="1888768" y="2576665"/>
+                  <a:ext cx="1239857" cy="785598"/>
+                  <a:chOff x="997827" y="5345661"/>
+                  <a:chExt cx="494923" cy="313593"/>
+                </a:xfrm>
+              </p:grpSpPr>
+              <p:sp>
+                <p:nvSpPr>
+                  <p:cNvPr id="64" name="矩形: 圆角 63">
+                    <a:extLst>
+                      <a:ext uri="{FF2B5EF4-FFF2-40B4-BE49-F238E27FC236}">
+                        <a16:creationId xmlns:a16="http://schemas.microsoft.com/office/drawing/2014/main" id="{871F3540-06FD-4FF9-88BE-DCFD72C5E3A3}"/>
+                      </a:ext>
+                    </a:extLst>
+                  </p:cNvPr>
+                  <p:cNvSpPr/>
+                  <p:nvPr/>
+                </p:nvSpPr>
+                <p:spPr>
+                  <a:xfrm>
+                    <a:off x="1130148" y="5345661"/>
+                    <a:ext cx="230282" cy="230282"/>
+                  </a:xfrm>
+                  <a:prstGeom prst="roundRect">
+                    <a:avLst/>
+                  </a:prstGeom>
+                  <a:solidFill>
+                    <a:srgbClr val="D9D9D9"/>
+                  </a:solidFill>
+                  <a:ln>
+                    <a:noFill/>
+                  </a:ln>
+                </p:spPr>
+                <p:style>
+                  <a:lnRef idx="2">
+                    <a:schemeClr val="accent1">
+                      <a:shade val="50000"/>
+                    </a:schemeClr>
+                  </a:lnRef>
+                  <a:fillRef idx="1">
+                    <a:schemeClr val="accent1"/>
+                  </a:fillRef>
+                  <a:effectRef idx="0">
+                    <a:schemeClr val="accent1"/>
+                  </a:effectRef>
+                  <a:fontRef idx="minor">
+                    <a:schemeClr val="lt1"/>
+                  </a:fontRef>
+                </p:style>
+                <p:txBody>
+                  <a:bodyPr rtlCol="0" anchor="ctr"/>
+                  <a:lstStyle/>
+                  <a:p>
+                    <a:pPr algn="ctr">
+                      <a:lnSpc>
+                        <a:spcPct val="150000"/>
+                      </a:lnSpc>
+                    </a:pPr>
+                    <a:endParaRPr lang="zh-CN" altLang="en-US" sz="1000" dirty="0">
+                      <a:solidFill>
+                        <a:schemeClr val="tx1"/>
+                      </a:solidFill>
+                      <a:latin typeface="微软雅黑" panose="020B0503020204020204" pitchFamily="34" charset="-122"/>
+                      <a:ea typeface="微软雅黑" panose="020B0503020204020204" pitchFamily="34" charset="-122"/>
+                    </a:endParaRPr>
+                  </a:p>
+                </p:txBody>
+              </p:sp>
+              <p:sp>
+                <p:nvSpPr>
+                  <p:cNvPr id="65" name="文本框 64">
+                    <a:extLst>
+                      <a:ext uri="{FF2B5EF4-FFF2-40B4-BE49-F238E27FC236}">
+                        <a16:creationId xmlns:a16="http://schemas.microsoft.com/office/drawing/2014/main" id="{2CBF769D-6987-49DF-A947-B949E91B3B1A}"/>
+                      </a:ext>
+                    </a:extLst>
+                  </p:cNvPr>
+                  <p:cNvSpPr txBox="1"/>
+                  <p:nvPr/>
+                </p:nvSpPr>
+                <p:spPr>
+                  <a:xfrm>
+                    <a:off x="997827" y="5579397"/>
+                    <a:ext cx="494923" cy="79857"/>
+                  </a:xfrm>
+                  <a:prstGeom prst="rect">
+                    <a:avLst/>
+                  </a:prstGeom>
+                  <a:noFill/>
+                </p:spPr>
+                <p:txBody>
+                  <a:bodyPr wrap="square" rtlCol="0">
+                    <a:spAutoFit/>
+                  </a:bodyPr>
+                  <a:lstStyle/>
+                  <a:p>
+                    <a:pPr algn="ctr"/>
+                    <a:r>
+                      <a:rPr lang="zh-CN" altLang="en-US" sz="700" dirty="0">
+                        <a:latin typeface="微软雅黑" panose="020B0503020204020204" pitchFamily="34" charset="-122"/>
+                        <a:ea typeface="微软雅黑" panose="020B0503020204020204" pitchFamily="34" charset="-122"/>
+                      </a:rPr>
+                      <a:t>国际驾照</a:t>
+                    </a:r>
+                  </a:p>
+                </p:txBody>
+              </p:sp>
+            </p:grpSp>
+            <p:grpSp>
+              <p:nvGrpSpPr>
+                <p:cNvPr id="61" name="组合 60">
+                  <a:extLst>
+                    <a:ext uri="{FF2B5EF4-FFF2-40B4-BE49-F238E27FC236}">
+                      <a16:creationId xmlns:a16="http://schemas.microsoft.com/office/drawing/2014/main" id="{6B4AD5FC-EE64-4D9F-A5D5-674C0F21EE12}"/>
+                    </a:ext>
+                  </a:extLst>
+                </p:cNvPr>
+                <p:cNvGrpSpPr/>
+                <p:nvPr/>
+              </p:nvGrpSpPr>
+              <p:grpSpPr>
+                <a:xfrm>
+                  <a:off x="2923121" y="2576665"/>
+                  <a:ext cx="1239857" cy="785598"/>
+                  <a:chOff x="997827" y="5345661"/>
+                  <a:chExt cx="494923" cy="313593"/>
+                </a:xfrm>
+              </p:grpSpPr>
+              <p:sp>
+                <p:nvSpPr>
+                  <p:cNvPr id="62" name="矩形: 圆角 61">
+                    <a:extLst>
+                      <a:ext uri="{FF2B5EF4-FFF2-40B4-BE49-F238E27FC236}">
+                        <a16:creationId xmlns:a16="http://schemas.microsoft.com/office/drawing/2014/main" id="{1548C5E4-CDC7-49EF-89F6-6DE9BAA078CF}"/>
+                      </a:ext>
+                    </a:extLst>
+                  </p:cNvPr>
+                  <p:cNvSpPr/>
+                  <p:nvPr/>
+                </p:nvSpPr>
+                <p:spPr>
+                  <a:xfrm>
+                    <a:off x="1130148" y="5345661"/>
+                    <a:ext cx="230282" cy="230282"/>
+                  </a:xfrm>
+                  <a:prstGeom prst="roundRect">
+                    <a:avLst/>
+                  </a:prstGeom>
+                  <a:solidFill>
+                    <a:srgbClr val="D9D9D9"/>
+                  </a:solidFill>
+                  <a:ln>
+                    <a:noFill/>
+                  </a:ln>
+                </p:spPr>
+                <p:style>
+                  <a:lnRef idx="2">
+                    <a:schemeClr val="accent1">
+                      <a:shade val="50000"/>
+                    </a:schemeClr>
+                  </a:lnRef>
+                  <a:fillRef idx="1">
+                    <a:schemeClr val="accent1"/>
+                  </a:fillRef>
+                  <a:effectRef idx="0">
+                    <a:schemeClr val="accent1"/>
+                  </a:effectRef>
+                  <a:fontRef idx="minor">
+                    <a:schemeClr val="lt1"/>
+                  </a:fontRef>
+                </p:style>
+                <p:txBody>
+                  <a:bodyPr rtlCol="0" anchor="ctr"/>
+                  <a:lstStyle/>
+                  <a:p>
+                    <a:pPr algn="ctr">
+                      <a:lnSpc>
+                        <a:spcPct val="150000"/>
+                      </a:lnSpc>
+                    </a:pPr>
+                    <a:endParaRPr lang="zh-CN" altLang="en-US" sz="1000" dirty="0">
+                      <a:solidFill>
+                        <a:schemeClr val="tx1"/>
+                      </a:solidFill>
+                      <a:latin typeface="微软雅黑" panose="020B0503020204020204" pitchFamily="34" charset="-122"/>
+                      <a:ea typeface="微软雅黑" panose="020B0503020204020204" pitchFamily="34" charset="-122"/>
+                    </a:endParaRPr>
+                  </a:p>
+                </p:txBody>
+              </p:sp>
+              <p:sp>
+                <p:nvSpPr>
+                  <p:cNvPr id="63" name="文本框 62">
+                    <a:extLst>
+                      <a:ext uri="{FF2B5EF4-FFF2-40B4-BE49-F238E27FC236}">
+                        <a16:creationId xmlns:a16="http://schemas.microsoft.com/office/drawing/2014/main" id="{93DA7EF0-4587-47EB-8CA0-B978128A704D}"/>
+                      </a:ext>
+                    </a:extLst>
+                  </p:cNvPr>
+                  <p:cNvSpPr txBox="1"/>
+                  <p:nvPr/>
+                </p:nvSpPr>
+                <p:spPr>
+                  <a:xfrm>
+                    <a:off x="997827" y="5579397"/>
+                    <a:ext cx="494923" cy="79857"/>
+                  </a:xfrm>
+                  <a:prstGeom prst="rect">
+                    <a:avLst/>
+                  </a:prstGeom>
+                  <a:noFill/>
+                </p:spPr>
+                <p:txBody>
+                  <a:bodyPr wrap="square" rtlCol="0">
+                    <a:spAutoFit/>
+                  </a:bodyPr>
+                  <a:lstStyle/>
+                  <a:p>
+                    <a:pPr algn="ctr"/>
+                    <a:r>
+                      <a:rPr lang="zh-CN" altLang="en-US" sz="700" dirty="0">
+                        <a:latin typeface="微软雅黑" panose="020B0503020204020204" pitchFamily="34" charset="-122"/>
+                        <a:ea typeface="微软雅黑" panose="020B0503020204020204" pitchFamily="34" charset="-122"/>
+                      </a:rPr>
+                      <a:t>违章查询</a:t>
+                    </a:r>
+                  </a:p>
+                </p:txBody>
+              </p:sp>
+            </p:grpSp>
+          </p:grpSp>
+        </p:grpSp>
+        <p:sp>
+          <p:nvSpPr>
+            <p:cNvPr id="93" name="矩形 92">
+              <a:extLst>
+                <a:ext uri="{FF2B5EF4-FFF2-40B4-BE49-F238E27FC236}">
+                  <a16:creationId xmlns:a16="http://schemas.microsoft.com/office/drawing/2014/main" id="{0713C0DE-1678-4950-BEC4-39E1856F78C9}"/>
+                </a:ext>
+              </a:extLst>
+            </p:cNvPr>
+            <p:cNvSpPr/>
+            <p:nvPr/>
+          </p:nvSpPr>
+          <p:spPr>
+            <a:xfrm rot="1844245">
+              <a:off x="3536855" y="3495300"/>
+              <a:ext cx="310086" cy="130809"/>
+            </a:xfrm>
+            <a:prstGeom prst="rect">
+              <a:avLst/>
+            </a:prstGeom>
+            <a:solidFill>
+              <a:srgbClr val="09BB07"/>
+            </a:solidFill>
+            <a:ln>
+              <a:noFill/>
+            </a:ln>
+          </p:spPr>
+          <p:style>
+            <a:lnRef idx="2">
+              <a:schemeClr val="accent1">
+                <a:shade val="50000"/>
+              </a:schemeClr>
+            </a:lnRef>
+            <a:fillRef idx="1">
+              <a:schemeClr val="accent1"/>
+            </a:fillRef>
+            <a:effectRef idx="0">
+              <a:schemeClr val="accent1"/>
+            </a:effectRef>
+            <a:fontRef idx="minor">
+              <a:schemeClr val="lt1"/>
+            </a:fontRef>
+          </p:style>
+          <p:txBody>
+            <a:bodyPr rtlCol="0" anchor="ctr"/>
+            <a:lstStyle/>
+            <a:p>
+              <a:pPr algn="ctr"/>
+              <a:r>
+                <a:rPr lang="zh-CN" altLang="en-US" sz="700" dirty="0">
+                  <a:latin typeface="微软雅黑" panose="020B0503020204020204" pitchFamily="34" charset="-122"/>
+                  <a:ea typeface="微软雅黑" panose="020B0503020204020204" pitchFamily="34" charset="-122"/>
+                </a:rPr>
+                <a:t>惠</a:t>
+              </a:r>
+            </a:p>
+          </p:txBody>
+        </p:sp>
+      </p:grpSp>
+      <p:sp>
+        <p:nvSpPr>
+          <p:cNvPr id="5" name="文本框 4">
+            <a:extLst>
+              <a:ext uri="{FF2B5EF4-FFF2-40B4-BE49-F238E27FC236}">
+                <a16:creationId xmlns:a16="http://schemas.microsoft.com/office/drawing/2014/main" id="{EAF99236-86F8-43FC-9CA5-C5707016343D}"/>
+              </a:ext>
+            </a:extLst>
+          </p:cNvPr>
+          <p:cNvSpPr txBox="1"/>
+          <p:nvPr/>
+        </p:nvSpPr>
+        <p:spPr>
+          <a:xfrm>
+            <a:off x="1034047" y="1120914"/>
+            <a:ext cx="1916167" cy="757643"/>
+          </a:xfrm>
+          <a:prstGeom prst="rect">
+            <a:avLst/>
+          </a:prstGeom>
+          <a:noFill/>
+        </p:spPr>
+        <p:txBody>
+          <a:bodyPr wrap="square" rtlCol="0">
+            <a:spAutoFit/>
+          </a:bodyPr>
+          <a:lstStyle/>
+          <a:p>
+            <a:pPr>
+              <a:lnSpc>
+                <a:spcPct val="150000"/>
+              </a:lnSpc>
+            </a:pPr>
+            <a:r>
+              <a:rPr lang="zh-CN" altLang="en-US" sz="1000" dirty="0">
+                <a:latin typeface="微软雅黑" panose="020B0503020204020204" pitchFamily="34" charset="-122"/>
+                <a:ea typeface="微软雅黑" panose="020B0503020204020204" pitchFamily="34" charset="-122"/>
+              </a:rPr>
+              <a:t>您还不是冠德石油的会员</a:t>
+            </a:r>
+            <a:endParaRPr lang="en-US" altLang="zh-CN" sz="1000" dirty="0">
+              <a:latin typeface="微软雅黑" panose="020B0503020204020204" pitchFamily="34" charset="-122"/>
+              <a:ea typeface="微软雅黑" panose="020B0503020204020204" pitchFamily="34" charset="-122"/>
+            </a:endParaRPr>
+          </a:p>
+          <a:p>
+            <a:pPr>
+              <a:lnSpc>
+                <a:spcPct val="150000"/>
+              </a:lnSpc>
+            </a:pPr>
+            <a:r>
+              <a:rPr lang="zh-CN" altLang="en-US" sz="1000" dirty="0">
+                <a:latin typeface="微软雅黑" panose="020B0503020204020204" pitchFamily="34" charset="-122"/>
+                <a:ea typeface="微软雅黑" panose="020B0503020204020204" pitchFamily="34" charset="-122"/>
+              </a:rPr>
+              <a:t>开通会员领取百元加油券</a:t>
+            </a:r>
+            <a:endParaRPr lang="en-US" altLang="zh-CN" sz="1000" dirty="0">
+              <a:latin typeface="微软雅黑" panose="020B0503020204020204" pitchFamily="34" charset="-122"/>
+              <a:ea typeface="微软雅黑" panose="020B0503020204020204" pitchFamily="34" charset="-122"/>
+            </a:endParaRPr>
+          </a:p>
+          <a:p>
+            <a:pPr>
+              <a:lnSpc>
+                <a:spcPct val="150000"/>
+              </a:lnSpc>
+            </a:pPr>
+            <a:r>
+              <a:rPr lang="zh-CN" altLang="en-US" sz="1000" dirty="0">
+                <a:latin typeface="微软雅黑" panose="020B0503020204020204" pitchFamily="34" charset="-122"/>
+                <a:ea typeface="微软雅黑" panose="020B0503020204020204" pitchFamily="34" charset="-122"/>
+              </a:rPr>
+              <a:t>还能获得加油立享优惠</a:t>
+            </a:r>
+          </a:p>
+        </p:txBody>
+      </p:sp>
+      <p:sp>
+        <p:nvSpPr>
+          <p:cNvPr id="51" name="矩形: 圆角 50">
+            <a:extLst>
+              <a:ext uri="{FF2B5EF4-FFF2-40B4-BE49-F238E27FC236}">
+                <a16:creationId xmlns:a16="http://schemas.microsoft.com/office/drawing/2014/main" id="{01E0BCD0-A639-4D02-A32D-02473AE2F6A1}"/>
               </a:ext>
             </a:extLst>
           </p:cNvPr>
@@ -3603,16 +5461,16 @@
         </p:nvSpPr>
         <p:spPr>
           <a:xfrm>
-            <a:off x="1053547" y="5592417"/>
-            <a:ext cx="602974" cy="602974"/>
+            <a:off x="2910407" y="1368901"/>
+            <a:ext cx="1034353" cy="367886"/>
           </a:xfrm>
-          <a:prstGeom prst="ellipse">
-            <a:avLst/>
+          <a:prstGeom prst="roundRect">
+            <a:avLst>
+              <a:gd name="adj" fmla="val 6455"/>
+            </a:avLst>
           </a:prstGeom>
           <a:solidFill>
-            <a:schemeClr val="bg1">
-              <a:alpha val="50000"/>
-            </a:schemeClr>
+            <a:srgbClr val="09BB07"/>
           </a:solidFill>
           <a:ln>
             <a:noFill/>
@@ -3639,14 +5497,20 @@
           <a:lstStyle/>
           <a:p>
             <a:pPr algn="ctr"/>
-            <a:endParaRPr lang="zh-CN" altLang="en-US" dirty="0"/>
+            <a:r>
+              <a:rPr lang="zh-CN" altLang="en-US" sz="1050" dirty="0">
+                <a:latin typeface="微软雅黑" panose="020B0503020204020204" pitchFamily="34" charset="-122"/>
+                <a:ea typeface="微软雅黑" panose="020B0503020204020204" pitchFamily="34" charset="-122"/>
+              </a:rPr>
+              <a:t>马上开通</a:t>
+            </a:r>
           </a:p>
         </p:txBody>
       </p:sp>
     </p:spTree>
     <p:extLst>
       <p:ext uri="{BB962C8B-B14F-4D97-AF65-F5344CB8AC3E}">
-        <p14:creationId xmlns:p14="http://schemas.microsoft.com/office/powerpoint/2010/main" val="868479101"/>
+        <p14:creationId xmlns:p14="http://schemas.microsoft.com/office/powerpoint/2010/main" val="2119835518"/>
       </p:ext>
     </p:extLst>
   </p:cSld>
@@ -3657,6 +5521,4096 @@
 </file>
 
 <file path=ppt/slides/slide5.xml><?xml version="1.0" encoding="utf-8"?>
+<p:sld xmlns:a="http://schemas.openxmlformats.org/drawingml/2006/main" xmlns:r="http://schemas.openxmlformats.org/officeDocument/2006/relationships" xmlns:p="http://schemas.openxmlformats.org/presentationml/2006/main">
+  <p:cSld>
+    <p:spTree>
+      <p:nvGrpSpPr>
+        <p:cNvPr id="1" name=""/>
+        <p:cNvGrpSpPr/>
+        <p:nvPr/>
+      </p:nvGrpSpPr>
+      <p:grpSpPr>
+        <a:xfrm>
+          <a:off x="0" y="0"/>
+          <a:ext cx="0" cy="0"/>
+          <a:chOff x="0" y="0"/>
+          <a:chExt cx="0" cy="0"/>
+        </a:xfrm>
+      </p:grpSpPr>
+      <p:sp>
+        <p:nvSpPr>
+          <p:cNvPr id="2" name="内容占位符 1">
+            <a:extLst>
+              <a:ext uri="{FF2B5EF4-FFF2-40B4-BE49-F238E27FC236}">
+                <a16:creationId xmlns:a16="http://schemas.microsoft.com/office/drawing/2014/main" id="{7B569C9B-85F4-4558-82A8-CC3EF846FA96}"/>
+              </a:ext>
+            </a:extLst>
+          </p:cNvPr>
+          <p:cNvSpPr>
+            <a:spLocks noGrp="1"/>
+          </p:cNvSpPr>
+          <p:nvPr>
+            <p:ph sz="quarter" idx="10"/>
+          </p:nvPr>
+        </p:nvSpPr>
+        <p:spPr/>
+        <p:txBody>
+          <a:bodyPr/>
+          <a:lstStyle/>
+          <a:p>
+            <a:pPr>
+              <a:lnSpc>
+                <a:spcPct val="150000"/>
+              </a:lnSpc>
+            </a:pPr>
+            <a:r>
+              <a:rPr lang="zh-CN" altLang="en-US" sz="1200" dirty="0"/>
+              <a:t>用户没有加油券了</a:t>
+            </a:r>
+            <a:endParaRPr lang="en-US" altLang="zh-CN" sz="1200" dirty="0"/>
+          </a:p>
+        </p:txBody>
+      </p:sp>
+      <p:sp>
+        <p:nvSpPr>
+          <p:cNvPr id="3" name="标题 2">
+            <a:extLst>
+              <a:ext uri="{FF2B5EF4-FFF2-40B4-BE49-F238E27FC236}">
+                <a16:creationId xmlns:a16="http://schemas.microsoft.com/office/drawing/2014/main" id="{648EAC0E-D0A6-4E88-A93E-182C2527E768}"/>
+              </a:ext>
+            </a:extLst>
+          </p:cNvPr>
+          <p:cNvSpPr>
+            <a:spLocks noGrp="1"/>
+          </p:cNvSpPr>
+          <p:nvPr>
+            <p:ph type="title"/>
+          </p:nvPr>
+        </p:nvSpPr>
+        <p:spPr/>
+        <p:txBody>
+          <a:bodyPr/>
+          <a:lstStyle/>
+          <a:p>
+            <a:r>
+              <a:rPr lang="zh-CN" altLang="en-US" dirty="0"/>
+              <a:t>优惠生活</a:t>
+            </a:r>
+          </a:p>
+        </p:txBody>
+      </p:sp>
+      <p:grpSp>
+        <p:nvGrpSpPr>
+          <p:cNvPr id="41" name="组合 40">
+            <a:extLst>
+              <a:ext uri="{FF2B5EF4-FFF2-40B4-BE49-F238E27FC236}">
+                <a16:creationId xmlns:a16="http://schemas.microsoft.com/office/drawing/2014/main" id="{0085A4BA-73AD-4953-B2B8-4D0F1EEFAF46}"/>
+              </a:ext>
+            </a:extLst>
+          </p:cNvPr>
+          <p:cNvGrpSpPr/>
+          <p:nvPr/>
+        </p:nvGrpSpPr>
+        <p:grpSpPr>
+          <a:xfrm>
+            <a:off x="952040" y="742121"/>
+            <a:ext cx="3131743" cy="1249132"/>
+            <a:chOff x="109797" y="1729408"/>
+            <a:chExt cx="3131743" cy="1249132"/>
+          </a:xfrm>
+        </p:grpSpPr>
+        <p:sp>
+          <p:nvSpPr>
+            <p:cNvPr id="42" name="矩形 41">
+              <a:extLst>
+                <a:ext uri="{FF2B5EF4-FFF2-40B4-BE49-F238E27FC236}">
+                  <a16:creationId xmlns:a16="http://schemas.microsoft.com/office/drawing/2014/main" id="{2D74F255-EDAF-4B50-B18E-922B6D164314}"/>
+                </a:ext>
+              </a:extLst>
+            </p:cNvPr>
+            <p:cNvSpPr/>
+            <p:nvPr/>
+          </p:nvSpPr>
+          <p:spPr>
+            <a:xfrm>
+              <a:off x="109797" y="1729408"/>
+              <a:ext cx="3131743" cy="1249132"/>
+            </a:xfrm>
+            <a:prstGeom prst="rect">
+              <a:avLst/>
+            </a:prstGeom>
+            <a:solidFill>
+              <a:schemeClr val="bg1"/>
+            </a:solidFill>
+            <a:ln>
+              <a:solidFill>
+                <a:srgbClr val="DBDBDB"/>
+              </a:solidFill>
+            </a:ln>
+          </p:spPr>
+          <p:style>
+            <a:lnRef idx="1">
+              <a:schemeClr val="accent1"/>
+            </a:lnRef>
+            <a:fillRef idx="0">
+              <a:schemeClr val="accent1"/>
+            </a:fillRef>
+            <a:effectRef idx="0">
+              <a:schemeClr val="accent1"/>
+            </a:effectRef>
+            <a:fontRef idx="minor">
+              <a:schemeClr val="tx1"/>
+            </a:fontRef>
+          </p:style>
+          <p:txBody>
+            <a:bodyPr rtlCol="0" anchor="ctr"/>
+            <a:lstStyle/>
+            <a:p>
+              <a:pPr algn="ctr"/>
+              <a:endParaRPr lang="zh-CN" altLang="en-US" sz="1000" dirty="0">
+                <a:solidFill>
+                  <a:schemeClr val="tx1"/>
+                </a:solidFill>
+              </a:endParaRPr>
+            </a:p>
+          </p:txBody>
+        </p:sp>
+        <p:cxnSp>
+          <p:nvCxnSpPr>
+            <p:cNvPr id="45" name="直接连接符 44">
+              <a:extLst>
+                <a:ext uri="{FF2B5EF4-FFF2-40B4-BE49-F238E27FC236}">
+                  <a16:creationId xmlns:a16="http://schemas.microsoft.com/office/drawing/2014/main" id="{1EA8BA65-A8B9-4617-8BC3-85A5BA44C01E}"/>
+                </a:ext>
+              </a:extLst>
+            </p:cNvPr>
+            <p:cNvCxnSpPr>
+              <a:cxnSpLocks/>
+            </p:cNvCxnSpPr>
+            <p:nvPr/>
+          </p:nvCxnSpPr>
+          <p:spPr>
+            <a:xfrm>
+              <a:off x="242865" y="2009928"/>
+              <a:ext cx="2998675" cy="0"/>
+            </a:xfrm>
+            <a:prstGeom prst="line">
+              <a:avLst/>
+            </a:prstGeom>
+            <a:ln>
+              <a:solidFill>
+                <a:srgbClr val="DBDBDB"/>
+              </a:solidFill>
+            </a:ln>
+          </p:spPr>
+          <p:style>
+            <a:lnRef idx="1">
+              <a:schemeClr val="accent1"/>
+            </a:lnRef>
+            <a:fillRef idx="0">
+              <a:schemeClr val="accent1"/>
+            </a:fillRef>
+            <a:effectRef idx="0">
+              <a:schemeClr val="accent1"/>
+            </a:effectRef>
+            <a:fontRef idx="minor">
+              <a:schemeClr val="tx1"/>
+            </a:fontRef>
+          </p:style>
+        </p:cxnSp>
+        <p:sp>
+          <p:nvSpPr>
+            <p:cNvPr id="46" name="文本框 45">
+              <a:extLst>
+                <a:ext uri="{FF2B5EF4-FFF2-40B4-BE49-F238E27FC236}">
+                  <a16:creationId xmlns:a16="http://schemas.microsoft.com/office/drawing/2014/main" id="{E0925B24-7054-4AC3-9B0F-949EF5883438}"/>
+                </a:ext>
+              </a:extLst>
+            </p:cNvPr>
+            <p:cNvSpPr txBox="1"/>
+            <p:nvPr/>
+          </p:nvSpPr>
+          <p:spPr>
+            <a:xfrm>
+              <a:off x="191804" y="1792668"/>
+              <a:ext cx="824713" cy="215444"/>
+            </a:xfrm>
+            <a:prstGeom prst="rect">
+              <a:avLst/>
+            </a:prstGeom>
+            <a:noFill/>
+          </p:spPr>
+          <p:txBody>
+            <a:bodyPr wrap="square" rtlCol="0">
+              <a:spAutoFit/>
+            </a:bodyPr>
+            <a:lstStyle/>
+            <a:p>
+              <a:r>
+                <a:rPr lang="zh-CN" altLang="en-US" sz="800" dirty="0">
+                  <a:solidFill>
+                    <a:schemeClr val="bg1">
+                      <a:lumMod val="75000"/>
+                    </a:schemeClr>
+                  </a:solidFill>
+                  <a:latin typeface="微软雅黑" panose="020B0503020204020204" pitchFamily="34" charset="-122"/>
+                  <a:ea typeface="微软雅黑" panose="020B0503020204020204" pitchFamily="34" charset="-122"/>
+                </a:rPr>
+                <a:t>冠德加油券</a:t>
+              </a:r>
+            </a:p>
+          </p:txBody>
+        </p:sp>
+      </p:grpSp>
+      <p:sp>
+        <p:nvSpPr>
+          <p:cNvPr id="10" name="文本框 9">
+            <a:hlinkClick r:id="rId2" action="ppaction://hlinksldjump"/>
+            <a:extLst>
+              <a:ext uri="{FF2B5EF4-FFF2-40B4-BE49-F238E27FC236}">
+                <a16:creationId xmlns:a16="http://schemas.microsoft.com/office/drawing/2014/main" id="{A2FE5F65-9333-4AB5-9D85-4741D68E4FF5}"/>
+              </a:ext>
+            </a:extLst>
+          </p:cNvPr>
+          <p:cNvSpPr txBox="1"/>
+          <p:nvPr/>
+        </p:nvSpPr>
+        <p:spPr>
+          <a:xfrm>
+            <a:off x="3337846" y="783542"/>
+            <a:ext cx="745937" cy="200055"/>
+          </a:xfrm>
+          <a:prstGeom prst="rect">
+            <a:avLst/>
+          </a:prstGeom>
+          <a:noFill/>
+        </p:spPr>
+        <p:txBody>
+          <a:bodyPr wrap="square" rtlCol="0">
+            <a:spAutoFit/>
+          </a:bodyPr>
+          <a:lstStyle/>
+          <a:p>
+            <a:pPr algn="ctr"/>
+            <a:r>
+              <a:rPr lang="zh-CN" altLang="en-US" sz="700" dirty="0">
+                <a:solidFill>
+                  <a:schemeClr val="bg1">
+                    <a:lumMod val="65000"/>
+                  </a:schemeClr>
+                </a:solidFill>
+                <a:latin typeface="微软雅黑" panose="020B0503020204020204" pitchFamily="34" charset="-122"/>
+                <a:ea typeface="微软雅黑" panose="020B0503020204020204" pitchFamily="34" charset="-122"/>
+              </a:rPr>
+              <a:t>查看全部</a:t>
+            </a:r>
+          </a:p>
+        </p:txBody>
+      </p:sp>
+      <p:pic>
+        <p:nvPicPr>
+          <p:cNvPr id="80" name="图片 79">
+            <a:extLst>
+              <a:ext uri="{FF2B5EF4-FFF2-40B4-BE49-F238E27FC236}">
+                <a16:creationId xmlns:a16="http://schemas.microsoft.com/office/drawing/2014/main" id="{04FB0838-C467-4A10-9414-E9827AFC79B8}"/>
+              </a:ext>
+            </a:extLst>
+          </p:cNvPr>
+          <p:cNvPicPr>
+            <a:picLocks noChangeAspect="1"/>
+          </p:cNvPicPr>
+          <p:nvPr/>
+        </p:nvPicPr>
+        <p:blipFill rotWithShape="1">
+          <a:blip r:embed="rId3" cstate="print">
+            <a:extLst>
+              <a:ext uri="{28A0092B-C50C-407E-A947-70E740481C1C}">
+                <a14:useLocalDpi xmlns:a14="http://schemas.microsoft.com/office/drawing/2010/main" val="0"/>
+              </a:ext>
+            </a:extLst>
+          </a:blip>
+          <a:srcRect t="50000" b="35619"/>
+          <a:stretch/>
+        </p:blipFill>
+        <p:spPr>
+          <a:xfrm>
+            <a:off x="952040" y="2012772"/>
+            <a:ext cx="3167500" cy="936340"/>
+          </a:xfrm>
+          <a:prstGeom prst="rect">
+            <a:avLst/>
+          </a:prstGeom>
+        </p:spPr>
+      </p:pic>
+      <p:grpSp>
+        <p:nvGrpSpPr>
+          <p:cNvPr id="87" name="组合 86">
+            <a:extLst>
+              <a:ext uri="{FF2B5EF4-FFF2-40B4-BE49-F238E27FC236}">
+                <a16:creationId xmlns:a16="http://schemas.microsoft.com/office/drawing/2014/main" id="{1D455CFE-0FE3-43CF-A3E2-895606425073}"/>
+              </a:ext>
+            </a:extLst>
+          </p:cNvPr>
+          <p:cNvGrpSpPr/>
+          <p:nvPr/>
+        </p:nvGrpSpPr>
+        <p:grpSpPr>
+          <a:xfrm>
+            <a:off x="948376" y="5265919"/>
+            <a:ext cx="3139069" cy="684079"/>
+            <a:chOff x="105603" y="4956210"/>
+            <a:chExt cx="3139069" cy="684079"/>
+          </a:xfrm>
+        </p:grpSpPr>
+        <p:sp>
+          <p:nvSpPr>
+            <p:cNvPr id="88" name="矩形 87">
+              <a:extLst>
+                <a:ext uri="{FF2B5EF4-FFF2-40B4-BE49-F238E27FC236}">
+                  <a16:creationId xmlns:a16="http://schemas.microsoft.com/office/drawing/2014/main" id="{AA4A5FCD-4F57-42AD-83AF-469D674DAAB1}"/>
+                </a:ext>
+              </a:extLst>
+            </p:cNvPr>
+            <p:cNvSpPr/>
+            <p:nvPr/>
+          </p:nvSpPr>
+          <p:spPr>
+            <a:xfrm>
+              <a:off x="105603" y="4956210"/>
+              <a:ext cx="3139069" cy="684079"/>
+            </a:xfrm>
+            <a:prstGeom prst="rect">
+              <a:avLst/>
+            </a:prstGeom>
+            <a:solidFill>
+              <a:schemeClr val="bg1"/>
+            </a:solidFill>
+            <a:ln>
+              <a:solidFill>
+                <a:srgbClr val="DBDBDB"/>
+              </a:solidFill>
+            </a:ln>
+          </p:spPr>
+          <p:style>
+            <a:lnRef idx="1">
+              <a:schemeClr val="accent1"/>
+            </a:lnRef>
+            <a:fillRef idx="0">
+              <a:schemeClr val="accent1"/>
+            </a:fillRef>
+            <a:effectRef idx="0">
+              <a:schemeClr val="accent1"/>
+            </a:effectRef>
+            <a:fontRef idx="minor">
+              <a:schemeClr val="tx1"/>
+            </a:fontRef>
+          </p:style>
+          <p:txBody>
+            <a:bodyPr rtlCol="0" anchor="ctr"/>
+            <a:lstStyle/>
+            <a:p>
+              <a:pPr algn="ctr"/>
+              <a:endParaRPr lang="zh-CN" altLang="en-US" sz="900">
+                <a:solidFill>
+                  <a:schemeClr val="tx1"/>
+                </a:solidFill>
+              </a:endParaRPr>
+            </a:p>
+          </p:txBody>
+        </p:sp>
+        <p:sp>
+          <p:nvSpPr>
+            <p:cNvPr id="89" name="文本框 88">
+              <a:extLst>
+                <a:ext uri="{FF2B5EF4-FFF2-40B4-BE49-F238E27FC236}">
+                  <a16:creationId xmlns:a16="http://schemas.microsoft.com/office/drawing/2014/main" id="{791EB1B2-E3B4-4CE7-A211-8B7755166575}"/>
+                </a:ext>
+              </a:extLst>
+            </p:cNvPr>
+            <p:cNvSpPr txBox="1"/>
+            <p:nvPr/>
+          </p:nvSpPr>
+          <p:spPr>
+            <a:xfrm>
+              <a:off x="577084" y="5037157"/>
+              <a:ext cx="2524903" cy="261610"/>
+            </a:xfrm>
+            <a:prstGeom prst="rect">
+              <a:avLst/>
+            </a:prstGeom>
+            <a:noFill/>
+          </p:spPr>
+          <p:txBody>
+            <a:bodyPr wrap="square" rtlCol="0">
+              <a:spAutoFit/>
+            </a:bodyPr>
+            <a:lstStyle/>
+            <a:p>
+              <a:r>
+                <a:rPr lang="zh-CN" altLang="en-US" sz="1050" dirty="0">
+                  <a:latin typeface="微软雅黑" panose="020B0503020204020204" pitchFamily="34" charset="-122"/>
+                  <a:ea typeface="微软雅黑" panose="020B0503020204020204" pitchFamily="34" charset="-122"/>
+                </a:rPr>
+                <a:t>爱车保养</a:t>
+              </a:r>
+            </a:p>
+          </p:txBody>
+        </p:sp>
+        <p:sp>
+          <p:nvSpPr>
+            <p:cNvPr id="90" name="文本框 89">
+              <a:extLst>
+                <a:ext uri="{FF2B5EF4-FFF2-40B4-BE49-F238E27FC236}">
+                  <a16:creationId xmlns:a16="http://schemas.microsoft.com/office/drawing/2014/main" id="{76D43240-788C-4BD3-A63E-18DC2B60B7DE}"/>
+                </a:ext>
+              </a:extLst>
+            </p:cNvPr>
+            <p:cNvSpPr txBox="1"/>
+            <p:nvPr/>
+          </p:nvSpPr>
+          <p:spPr>
+            <a:xfrm>
+              <a:off x="577083" y="5263792"/>
+              <a:ext cx="2506802" cy="338554"/>
+            </a:xfrm>
+            <a:prstGeom prst="rect">
+              <a:avLst/>
+            </a:prstGeom>
+            <a:noFill/>
+          </p:spPr>
+          <p:txBody>
+            <a:bodyPr wrap="square" rtlCol="0">
+              <a:spAutoFit/>
+            </a:bodyPr>
+            <a:lstStyle/>
+            <a:p>
+              <a:r>
+                <a:rPr lang="zh-CN" altLang="en-US" sz="800" dirty="0">
+                  <a:solidFill>
+                    <a:schemeClr val="bg1">
+                      <a:lumMod val="75000"/>
+                    </a:schemeClr>
+                  </a:solidFill>
+                  <a:latin typeface="微软雅黑" panose="020B0503020204020204" pitchFamily="34" charset="-122"/>
+                  <a:ea typeface="微软雅黑" panose="020B0503020204020204" pitchFamily="34" charset="-122"/>
+                </a:rPr>
+                <a:t>根据车型自动匹配配件，省心省力，小白操作</a:t>
+              </a:r>
+              <a:endParaRPr lang="en-US" altLang="zh-CN" sz="800" dirty="0">
+                <a:solidFill>
+                  <a:schemeClr val="bg1">
+                    <a:lumMod val="75000"/>
+                  </a:schemeClr>
+                </a:solidFill>
+                <a:latin typeface="微软雅黑" panose="020B0503020204020204" pitchFamily="34" charset="-122"/>
+                <a:ea typeface="微软雅黑" panose="020B0503020204020204" pitchFamily="34" charset="-122"/>
+              </a:endParaRPr>
+            </a:p>
+            <a:p>
+              <a:r>
+                <a:rPr lang="zh-CN" altLang="en-US" sz="800" dirty="0">
+                  <a:solidFill>
+                    <a:schemeClr val="bg1">
+                      <a:lumMod val="75000"/>
+                    </a:schemeClr>
+                  </a:solidFill>
+                  <a:latin typeface="微软雅黑" panose="020B0503020204020204" pitchFamily="34" charset="-122"/>
+                  <a:ea typeface="微软雅黑" panose="020B0503020204020204" pitchFamily="34" charset="-122"/>
+                </a:rPr>
+                <a:t>全网最低价</a:t>
+              </a:r>
+            </a:p>
+          </p:txBody>
+        </p:sp>
+        <p:sp>
+          <p:nvSpPr>
+            <p:cNvPr id="91" name="矩形 90">
+              <a:extLst>
+                <a:ext uri="{FF2B5EF4-FFF2-40B4-BE49-F238E27FC236}">
+                  <a16:creationId xmlns:a16="http://schemas.microsoft.com/office/drawing/2014/main" id="{CF702EE3-8308-42E9-A93B-5DC3FB01F65F}"/>
+                </a:ext>
+              </a:extLst>
+            </p:cNvPr>
+            <p:cNvSpPr/>
+            <p:nvPr/>
+          </p:nvSpPr>
+          <p:spPr>
+            <a:xfrm>
+              <a:off x="220371" y="5065237"/>
+              <a:ext cx="351018" cy="351018"/>
+            </a:xfrm>
+            <a:prstGeom prst="rect">
+              <a:avLst/>
+            </a:prstGeom>
+            <a:solidFill>
+              <a:schemeClr val="bg1">
+                <a:lumMod val="85000"/>
+              </a:schemeClr>
+            </a:solidFill>
+            <a:ln>
+              <a:noFill/>
+            </a:ln>
+          </p:spPr>
+          <p:style>
+            <a:lnRef idx="2">
+              <a:schemeClr val="accent1">
+                <a:shade val="50000"/>
+              </a:schemeClr>
+            </a:lnRef>
+            <a:fillRef idx="1">
+              <a:schemeClr val="accent1"/>
+            </a:fillRef>
+            <a:effectRef idx="0">
+              <a:schemeClr val="accent1"/>
+            </a:effectRef>
+            <a:fontRef idx="minor">
+              <a:schemeClr val="lt1"/>
+            </a:fontRef>
+          </p:style>
+          <p:txBody>
+            <a:bodyPr rtlCol="0" anchor="ctr"/>
+            <a:lstStyle/>
+            <a:p>
+              <a:pPr algn="ctr"/>
+              <a:endParaRPr lang="zh-CN" altLang="en-US" sz="900"/>
+            </a:p>
+          </p:txBody>
+        </p:sp>
+        <p:pic>
+          <p:nvPicPr>
+            <p:cNvPr id="92" name="图片 91">
+              <a:extLst>
+                <a:ext uri="{FF2B5EF4-FFF2-40B4-BE49-F238E27FC236}">
+                  <a16:creationId xmlns:a16="http://schemas.microsoft.com/office/drawing/2014/main" id="{B93DB53D-883D-4C4F-8ACC-F09ADBB86D66}"/>
+                </a:ext>
+              </a:extLst>
+            </p:cNvPr>
+            <p:cNvPicPr>
+              <a:picLocks noChangeAspect="1"/>
+            </p:cNvPicPr>
+            <p:nvPr/>
+          </p:nvPicPr>
+          <p:blipFill rotWithShape="1">
+            <a:blip r:embed="rId4"/>
+            <a:srcRect l="89677" t="36384" r="6682" b="31513"/>
+            <a:stretch/>
+          </p:blipFill>
+          <p:spPr>
+            <a:xfrm>
+              <a:off x="3089580" y="5160106"/>
+              <a:ext cx="120972" cy="161814"/>
+            </a:xfrm>
+            <a:prstGeom prst="rect">
+              <a:avLst/>
+            </a:prstGeom>
+          </p:spPr>
+        </p:pic>
+      </p:grpSp>
+      <p:grpSp>
+        <p:nvGrpSpPr>
+          <p:cNvPr id="4" name="组合 3">
+            <a:extLst>
+              <a:ext uri="{FF2B5EF4-FFF2-40B4-BE49-F238E27FC236}">
+                <a16:creationId xmlns:a16="http://schemas.microsoft.com/office/drawing/2014/main" id="{D95E7C05-88F1-46A8-AA6A-B0367609768B}"/>
+              </a:ext>
+            </a:extLst>
+          </p:cNvPr>
+          <p:cNvGrpSpPr/>
+          <p:nvPr/>
+        </p:nvGrpSpPr>
+        <p:grpSpPr>
+          <a:xfrm>
+            <a:off x="881508" y="2970631"/>
+            <a:ext cx="3308563" cy="2202906"/>
+            <a:chOff x="881508" y="2970631"/>
+            <a:chExt cx="3308563" cy="2202906"/>
+          </a:xfrm>
+        </p:grpSpPr>
+        <p:grpSp>
+          <p:nvGrpSpPr>
+            <p:cNvPr id="47" name="组合 46">
+              <a:extLst>
+                <a:ext uri="{FF2B5EF4-FFF2-40B4-BE49-F238E27FC236}">
+                  <a16:creationId xmlns:a16="http://schemas.microsoft.com/office/drawing/2014/main" id="{F74171A4-C285-437B-A3F3-C46E3024AB07}"/>
+                </a:ext>
+              </a:extLst>
+            </p:cNvPr>
+            <p:cNvGrpSpPr/>
+            <p:nvPr/>
+          </p:nvGrpSpPr>
+          <p:grpSpPr>
+            <a:xfrm>
+              <a:off x="881508" y="2970631"/>
+              <a:ext cx="3308563" cy="2202906"/>
+              <a:chOff x="863629" y="2070920"/>
+              <a:chExt cx="3308563" cy="2202906"/>
+            </a:xfrm>
+          </p:grpSpPr>
+          <p:grpSp>
+            <p:nvGrpSpPr>
+              <p:cNvPr id="55" name="组合 54">
+                <a:extLst>
+                  <a:ext uri="{FF2B5EF4-FFF2-40B4-BE49-F238E27FC236}">
+                    <a16:creationId xmlns:a16="http://schemas.microsoft.com/office/drawing/2014/main" id="{05B9D5A8-2307-4BFA-827A-97A2E5B2E94F}"/>
+                  </a:ext>
+                </a:extLst>
+              </p:cNvPr>
+              <p:cNvGrpSpPr/>
+              <p:nvPr/>
+            </p:nvGrpSpPr>
+            <p:grpSpPr>
+              <a:xfrm>
+                <a:off x="952040" y="2070920"/>
+                <a:ext cx="3131743" cy="2202906"/>
+                <a:chOff x="109797" y="1729407"/>
+                <a:chExt cx="3131743" cy="2171627"/>
+              </a:xfrm>
+            </p:grpSpPr>
+            <p:sp>
+              <p:nvSpPr>
+                <p:cNvPr id="77" name="矩形 76">
+                  <a:extLst>
+                    <a:ext uri="{FF2B5EF4-FFF2-40B4-BE49-F238E27FC236}">
+                      <a16:creationId xmlns:a16="http://schemas.microsoft.com/office/drawing/2014/main" id="{6CE526F6-898D-4649-B486-1A4E7E3A4D6A}"/>
+                    </a:ext>
+                  </a:extLst>
+                </p:cNvPr>
+                <p:cNvSpPr/>
+                <p:nvPr/>
+              </p:nvSpPr>
+              <p:spPr>
+                <a:xfrm>
+                  <a:off x="109797" y="1729407"/>
+                  <a:ext cx="3131743" cy="2171627"/>
+                </a:xfrm>
+                <a:prstGeom prst="rect">
+                  <a:avLst/>
+                </a:prstGeom>
+                <a:solidFill>
+                  <a:schemeClr val="bg1"/>
+                </a:solidFill>
+                <a:ln>
+                  <a:solidFill>
+                    <a:srgbClr val="DBDBDB"/>
+                  </a:solidFill>
+                </a:ln>
+              </p:spPr>
+              <p:style>
+                <a:lnRef idx="1">
+                  <a:schemeClr val="accent1"/>
+                </a:lnRef>
+                <a:fillRef idx="0">
+                  <a:schemeClr val="accent1"/>
+                </a:fillRef>
+                <a:effectRef idx="0">
+                  <a:schemeClr val="accent1"/>
+                </a:effectRef>
+                <a:fontRef idx="minor">
+                  <a:schemeClr val="tx1"/>
+                </a:fontRef>
+              </p:style>
+              <p:txBody>
+                <a:bodyPr rtlCol="0" anchor="ctr"/>
+                <a:lstStyle/>
+                <a:p>
+                  <a:pPr algn="ctr"/>
+                  <a:endParaRPr lang="zh-CN" altLang="en-US" sz="1000" dirty="0">
+                    <a:solidFill>
+                      <a:schemeClr val="tx1"/>
+                    </a:solidFill>
+                  </a:endParaRPr>
+                </a:p>
+              </p:txBody>
+            </p:sp>
+            <p:cxnSp>
+              <p:nvCxnSpPr>
+                <p:cNvPr id="78" name="直接连接符 77">
+                  <a:extLst>
+                    <a:ext uri="{FF2B5EF4-FFF2-40B4-BE49-F238E27FC236}">
+                      <a16:creationId xmlns:a16="http://schemas.microsoft.com/office/drawing/2014/main" id="{9445CAE2-67DC-4654-9F43-32E960A5278A}"/>
+                    </a:ext>
+                  </a:extLst>
+                </p:cNvPr>
+                <p:cNvCxnSpPr>
+                  <a:cxnSpLocks/>
+                </p:cNvCxnSpPr>
+                <p:nvPr/>
+              </p:nvCxnSpPr>
+              <p:spPr>
+                <a:xfrm>
+                  <a:off x="242865" y="2009928"/>
+                  <a:ext cx="2998675" cy="0"/>
+                </a:xfrm>
+                <a:prstGeom prst="line">
+                  <a:avLst/>
+                </a:prstGeom>
+                <a:ln>
+                  <a:solidFill>
+                    <a:srgbClr val="DBDBDB"/>
+                  </a:solidFill>
+                </a:ln>
+              </p:spPr>
+              <p:style>
+                <a:lnRef idx="1">
+                  <a:schemeClr val="accent1"/>
+                </a:lnRef>
+                <a:fillRef idx="0">
+                  <a:schemeClr val="accent1"/>
+                </a:fillRef>
+                <a:effectRef idx="0">
+                  <a:schemeClr val="accent1"/>
+                </a:effectRef>
+                <a:fontRef idx="minor">
+                  <a:schemeClr val="tx1"/>
+                </a:fontRef>
+              </p:style>
+            </p:cxnSp>
+            <p:sp>
+              <p:nvSpPr>
+                <p:cNvPr id="79" name="文本框 78">
+                  <a:extLst>
+                    <a:ext uri="{FF2B5EF4-FFF2-40B4-BE49-F238E27FC236}">
+                      <a16:creationId xmlns:a16="http://schemas.microsoft.com/office/drawing/2014/main" id="{19469321-0B56-4590-B10C-9A9AA820A229}"/>
+                    </a:ext>
+                  </a:extLst>
+                </p:cNvPr>
+                <p:cNvSpPr txBox="1"/>
+                <p:nvPr/>
+              </p:nvSpPr>
+              <p:spPr>
+                <a:xfrm>
+                  <a:off x="191804" y="1792668"/>
+                  <a:ext cx="824713" cy="212385"/>
+                </a:xfrm>
+                <a:prstGeom prst="rect">
+                  <a:avLst/>
+                </a:prstGeom>
+                <a:noFill/>
+              </p:spPr>
+              <p:txBody>
+                <a:bodyPr wrap="square" rtlCol="0">
+                  <a:spAutoFit/>
+                </a:bodyPr>
+                <a:lstStyle/>
+                <a:p>
+                  <a:r>
+                    <a:rPr lang="zh-CN" altLang="en-US" sz="800" dirty="0">
+                      <a:solidFill>
+                        <a:schemeClr val="bg1">
+                          <a:lumMod val="75000"/>
+                        </a:schemeClr>
+                      </a:solidFill>
+                      <a:latin typeface="微软雅黑" panose="020B0503020204020204" pitchFamily="34" charset="-122"/>
+                      <a:ea typeface="微软雅黑" panose="020B0503020204020204" pitchFamily="34" charset="-122"/>
+                    </a:rPr>
+                    <a:t>优惠生活</a:t>
+                  </a:r>
+                </a:p>
+              </p:txBody>
+            </p:sp>
+          </p:grpSp>
+          <p:grpSp>
+            <p:nvGrpSpPr>
+              <p:cNvPr id="56" name="组合 55">
+                <a:extLst>
+                  <a:ext uri="{FF2B5EF4-FFF2-40B4-BE49-F238E27FC236}">
+                    <a16:creationId xmlns:a16="http://schemas.microsoft.com/office/drawing/2014/main" id="{8CF44327-B167-41A4-912A-5BE8CDA12885}"/>
+                  </a:ext>
+                </a:extLst>
+              </p:cNvPr>
+              <p:cNvGrpSpPr/>
+              <p:nvPr/>
+            </p:nvGrpSpPr>
+            <p:grpSpPr>
+              <a:xfrm>
+                <a:off x="863629" y="2489697"/>
+                <a:ext cx="3308563" cy="805733"/>
+                <a:chOff x="854415" y="2556530"/>
+                <a:chExt cx="3308563" cy="805733"/>
+              </a:xfrm>
+            </p:grpSpPr>
+            <p:grpSp>
+              <p:nvGrpSpPr>
+                <p:cNvPr id="68" name="组合 67">
+                  <a:extLst>
+                    <a:ext uri="{FF2B5EF4-FFF2-40B4-BE49-F238E27FC236}">
+                      <a16:creationId xmlns:a16="http://schemas.microsoft.com/office/drawing/2014/main" id="{AC58E060-369A-4BF3-85F6-9E69449FE887}"/>
+                    </a:ext>
+                  </a:extLst>
+                </p:cNvPr>
+                <p:cNvGrpSpPr/>
+                <p:nvPr/>
+              </p:nvGrpSpPr>
+              <p:grpSpPr>
+                <a:xfrm>
+                  <a:off x="854415" y="2556530"/>
+                  <a:ext cx="1239857" cy="785598"/>
+                  <a:chOff x="997827" y="5345661"/>
+                  <a:chExt cx="494923" cy="313593"/>
+                </a:xfrm>
+              </p:grpSpPr>
+              <p:sp>
+                <p:nvSpPr>
+                  <p:cNvPr id="75" name="矩形: 圆角 74">
+                    <a:extLst>
+                      <a:ext uri="{FF2B5EF4-FFF2-40B4-BE49-F238E27FC236}">
+                        <a16:creationId xmlns:a16="http://schemas.microsoft.com/office/drawing/2014/main" id="{9E8C1FB0-6641-4221-BFB0-25FA2163923E}"/>
+                      </a:ext>
+                    </a:extLst>
+                  </p:cNvPr>
+                  <p:cNvSpPr/>
+                  <p:nvPr/>
+                </p:nvSpPr>
+                <p:spPr>
+                  <a:xfrm>
+                    <a:off x="1130148" y="5345661"/>
+                    <a:ext cx="230282" cy="230282"/>
+                  </a:xfrm>
+                  <a:prstGeom prst="roundRect">
+                    <a:avLst/>
+                  </a:prstGeom>
+                  <a:solidFill>
+                    <a:srgbClr val="D9D9D9"/>
+                  </a:solidFill>
+                  <a:ln>
+                    <a:noFill/>
+                  </a:ln>
+                </p:spPr>
+                <p:style>
+                  <a:lnRef idx="2">
+                    <a:schemeClr val="accent1">
+                      <a:shade val="50000"/>
+                    </a:schemeClr>
+                  </a:lnRef>
+                  <a:fillRef idx="1">
+                    <a:schemeClr val="accent1"/>
+                  </a:fillRef>
+                  <a:effectRef idx="0">
+                    <a:schemeClr val="accent1"/>
+                  </a:effectRef>
+                  <a:fontRef idx="minor">
+                    <a:schemeClr val="lt1"/>
+                  </a:fontRef>
+                </p:style>
+                <p:txBody>
+                  <a:bodyPr rtlCol="0" anchor="ctr"/>
+                  <a:lstStyle/>
+                  <a:p>
+                    <a:pPr algn="ctr">
+                      <a:lnSpc>
+                        <a:spcPct val="150000"/>
+                      </a:lnSpc>
+                    </a:pPr>
+                    <a:endParaRPr lang="zh-CN" altLang="en-US" sz="1000" dirty="0">
+                      <a:solidFill>
+                        <a:schemeClr val="tx1"/>
+                      </a:solidFill>
+                      <a:latin typeface="微软雅黑" panose="020B0503020204020204" pitchFamily="34" charset="-122"/>
+                      <a:ea typeface="微软雅黑" panose="020B0503020204020204" pitchFamily="34" charset="-122"/>
+                    </a:endParaRPr>
+                  </a:p>
+                </p:txBody>
+              </p:sp>
+              <p:sp>
+                <p:nvSpPr>
+                  <p:cNvPr id="76" name="文本框 75">
+                    <a:extLst>
+                      <a:ext uri="{FF2B5EF4-FFF2-40B4-BE49-F238E27FC236}">
+                        <a16:creationId xmlns:a16="http://schemas.microsoft.com/office/drawing/2014/main" id="{98D2F4FF-8E48-4DAA-AC23-11AC607775BA}"/>
+                      </a:ext>
+                    </a:extLst>
+                  </p:cNvPr>
+                  <p:cNvSpPr txBox="1"/>
+                  <p:nvPr/>
+                </p:nvSpPr>
+                <p:spPr>
+                  <a:xfrm>
+                    <a:off x="997827" y="5579397"/>
+                    <a:ext cx="494923" cy="79857"/>
+                  </a:xfrm>
+                  <a:prstGeom prst="rect">
+                    <a:avLst/>
+                  </a:prstGeom>
+                  <a:noFill/>
+                </p:spPr>
+                <p:txBody>
+                  <a:bodyPr wrap="square" rtlCol="0">
+                    <a:spAutoFit/>
+                  </a:bodyPr>
+                  <a:lstStyle/>
+                  <a:p>
+                    <a:pPr algn="ctr"/>
+                    <a:r>
+                      <a:rPr lang="zh-CN" altLang="en-US" sz="700" dirty="0">
+                        <a:latin typeface="微软雅黑" panose="020B0503020204020204" pitchFamily="34" charset="-122"/>
+                        <a:ea typeface="微软雅黑" panose="020B0503020204020204" pitchFamily="34" charset="-122"/>
+                      </a:rPr>
+                      <a:t>新车比价</a:t>
+                    </a:r>
+                  </a:p>
+                </p:txBody>
+              </p:sp>
+            </p:grpSp>
+            <p:grpSp>
+              <p:nvGrpSpPr>
+                <p:cNvPr id="69" name="组合 68">
+                  <a:extLst>
+                    <a:ext uri="{FF2B5EF4-FFF2-40B4-BE49-F238E27FC236}">
+                      <a16:creationId xmlns:a16="http://schemas.microsoft.com/office/drawing/2014/main" id="{CE2C1050-E6F3-42F0-BE64-4EE6363A841F}"/>
+                    </a:ext>
+                  </a:extLst>
+                </p:cNvPr>
+                <p:cNvGrpSpPr/>
+                <p:nvPr/>
+              </p:nvGrpSpPr>
+              <p:grpSpPr>
+                <a:xfrm>
+                  <a:off x="1888768" y="2576665"/>
+                  <a:ext cx="1239857" cy="785598"/>
+                  <a:chOff x="997827" y="5345661"/>
+                  <a:chExt cx="494923" cy="313593"/>
+                </a:xfrm>
+              </p:grpSpPr>
+              <p:sp>
+                <p:nvSpPr>
+                  <p:cNvPr id="73" name="矩形: 圆角 72">
+                    <a:extLst>
+                      <a:ext uri="{FF2B5EF4-FFF2-40B4-BE49-F238E27FC236}">
+                        <a16:creationId xmlns:a16="http://schemas.microsoft.com/office/drawing/2014/main" id="{172DA6B5-8D7A-4F44-A98E-FD6500690F6C}"/>
+                      </a:ext>
+                    </a:extLst>
+                  </p:cNvPr>
+                  <p:cNvSpPr/>
+                  <p:nvPr/>
+                </p:nvSpPr>
+                <p:spPr>
+                  <a:xfrm>
+                    <a:off x="1130148" y="5345661"/>
+                    <a:ext cx="230282" cy="230282"/>
+                  </a:xfrm>
+                  <a:prstGeom prst="roundRect">
+                    <a:avLst/>
+                  </a:prstGeom>
+                  <a:solidFill>
+                    <a:srgbClr val="D9D9D9"/>
+                  </a:solidFill>
+                  <a:ln>
+                    <a:noFill/>
+                  </a:ln>
+                </p:spPr>
+                <p:style>
+                  <a:lnRef idx="2">
+                    <a:schemeClr val="accent1">
+                      <a:shade val="50000"/>
+                    </a:schemeClr>
+                  </a:lnRef>
+                  <a:fillRef idx="1">
+                    <a:schemeClr val="accent1"/>
+                  </a:fillRef>
+                  <a:effectRef idx="0">
+                    <a:schemeClr val="accent1"/>
+                  </a:effectRef>
+                  <a:fontRef idx="minor">
+                    <a:schemeClr val="lt1"/>
+                  </a:fontRef>
+                </p:style>
+                <p:txBody>
+                  <a:bodyPr rtlCol="0" anchor="ctr"/>
+                  <a:lstStyle/>
+                  <a:p>
+                    <a:pPr algn="ctr">
+                      <a:lnSpc>
+                        <a:spcPct val="150000"/>
+                      </a:lnSpc>
+                    </a:pPr>
+                    <a:endParaRPr lang="zh-CN" altLang="en-US" sz="1000" dirty="0">
+                      <a:solidFill>
+                        <a:schemeClr val="tx1"/>
+                      </a:solidFill>
+                      <a:latin typeface="微软雅黑" panose="020B0503020204020204" pitchFamily="34" charset="-122"/>
+                      <a:ea typeface="微软雅黑" panose="020B0503020204020204" pitchFamily="34" charset="-122"/>
+                    </a:endParaRPr>
+                  </a:p>
+                </p:txBody>
+              </p:sp>
+              <p:sp>
+                <p:nvSpPr>
+                  <p:cNvPr id="74" name="文本框 73">
+                    <a:extLst>
+                      <a:ext uri="{FF2B5EF4-FFF2-40B4-BE49-F238E27FC236}">
+                        <a16:creationId xmlns:a16="http://schemas.microsoft.com/office/drawing/2014/main" id="{21D05421-8617-4398-BC98-EE073E8FCBBA}"/>
+                      </a:ext>
+                    </a:extLst>
+                  </p:cNvPr>
+                  <p:cNvSpPr txBox="1"/>
+                  <p:nvPr/>
+                </p:nvSpPr>
+                <p:spPr>
+                  <a:xfrm>
+                    <a:off x="997827" y="5579397"/>
+                    <a:ext cx="494923" cy="79857"/>
+                  </a:xfrm>
+                  <a:prstGeom prst="rect">
+                    <a:avLst/>
+                  </a:prstGeom>
+                  <a:noFill/>
+                </p:spPr>
+                <p:txBody>
+                  <a:bodyPr wrap="square" rtlCol="0">
+                    <a:spAutoFit/>
+                  </a:bodyPr>
+                  <a:lstStyle/>
+                  <a:p>
+                    <a:pPr algn="ctr"/>
+                    <a:r>
+                      <a:rPr lang="zh-CN" altLang="en-US" sz="700" dirty="0">
+                        <a:latin typeface="微软雅黑" panose="020B0503020204020204" pitchFamily="34" charset="-122"/>
+                        <a:ea typeface="微软雅黑" panose="020B0503020204020204" pitchFamily="34" charset="-122"/>
+                      </a:rPr>
+                      <a:t>车险购买</a:t>
+                    </a:r>
+                  </a:p>
+                </p:txBody>
+              </p:sp>
+            </p:grpSp>
+            <p:grpSp>
+              <p:nvGrpSpPr>
+                <p:cNvPr id="70" name="组合 69">
+                  <a:extLst>
+                    <a:ext uri="{FF2B5EF4-FFF2-40B4-BE49-F238E27FC236}">
+                      <a16:creationId xmlns:a16="http://schemas.microsoft.com/office/drawing/2014/main" id="{AB1FB7CF-789A-4E33-B1F2-88487D90BD4E}"/>
+                    </a:ext>
+                  </a:extLst>
+                </p:cNvPr>
+                <p:cNvGrpSpPr/>
+                <p:nvPr/>
+              </p:nvGrpSpPr>
+              <p:grpSpPr>
+                <a:xfrm>
+                  <a:off x="2923121" y="2576665"/>
+                  <a:ext cx="1239857" cy="785598"/>
+                  <a:chOff x="997827" y="5345661"/>
+                  <a:chExt cx="494923" cy="313593"/>
+                </a:xfrm>
+              </p:grpSpPr>
+              <p:sp>
+                <p:nvSpPr>
+                  <p:cNvPr id="71" name="矩形: 圆角 70">
+                    <a:extLst>
+                      <a:ext uri="{FF2B5EF4-FFF2-40B4-BE49-F238E27FC236}">
+                        <a16:creationId xmlns:a16="http://schemas.microsoft.com/office/drawing/2014/main" id="{12C8E728-5DFF-4E41-8E81-BB63087AD667}"/>
+                      </a:ext>
+                    </a:extLst>
+                  </p:cNvPr>
+                  <p:cNvSpPr/>
+                  <p:nvPr/>
+                </p:nvSpPr>
+                <p:spPr>
+                  <a:xfrm>
+                    <a:off x="1130148" y="5345661"/>
+                    <a:ext cx="230282" cy="230282"/>
+                  </a:xfrm>
+                  <a:prstGeom prst="roundRect">
+                    <a:avLst/>
+                  </a:prstGeom>
+                  <a:solidFill>
+                    <a:srgbClr val="D9D9D9"/>
+                  </a:solidFill>
+                  <a:ln>
+                    <a:noFill/>
+                  </a:ln>
+                </p:spPr>
+                <p:style>
+                  <a:lnRef idx="2">
+                    <a:schemeClr val="accent1">
+                      <a:shade val="50000"/>
+                    </a:schemeClr>
+                  </a:lnRef>
+                  <a:fillRef idx="1">
+                    <a:schemeClr val="accent1"/>
+                  </a:fillRef>
+                  <a:effectRef idx="0">
+                    <a:schemeClr val="accent1"/>
+                  </a:effectRef>
+                  <a:fontRef idx="minor">
+                    <a:schemeClr val="lt1"/>
+                  </a:fontRef>
+                </p:style>
+                <p:txBody>
+                  <a:bodyPr rtlCol="0" anchor="ctr"/>
+                  <a:lstStyle/>
+                  <a:p>
+                    <a:pPr algn="ctr">
+                      <a:lnSpc>
+                        <a:spcPct val="150000"/>
+                      </a:lnSpc>
+                    </a:pPr>
+                    <a:endParaRPr lang="zh-CN" altLang="en-US" sz="1000" dirty="0">
+                      <a:solidFill>
+                        <a:schemeClr val="tx1"/>
+                      </a:solidFill>
+                      <a:latin typeface="微软雅黑" panose="020B0503020204020204" pitchFamily="34" charset="-122"/>
+                      <a:ea typeface="微软雅黑" panose="020B0503020204020204" pitchFamily="34" charset="-122"/>
+                    </a:endParaRPr>
+                  </a:p>
+                </p:txBody>
+              </p:sp>
+              <p:sp>
+                <p:nvSpPr>
+                  <p:cNvPr id="72" name="文本框 71">
+                    <a:extLst>
+                      <a:ext uri="{FF2B5EF4-FFF2-40B4-BE49-F238E27FC236}">
+                        <a16:creationId xmlns:a16="http://schemas.microsoft.com/office/drawing/2014/main" id="{178EAAAA-D155-4CAC-A707-EB80BC61EDAD}"/>
+                      </a:ext>
+                    </a:extLst>
+                  </p:cNvPr>
+                  <p:cNvSpPr txBox="1"/>
+                  <p:nvPr/>
+                </p:nvSpPr>
+                <p:spPr>
+                  <a:xfrm>
+                    <a:off x="997827" y="5579397"/>
+                    <a:ext cx="494923" cy="79857"/>
+                  </a:xfrm>
+                  <a:prstGeom prst="rect">
+                    <a:avLst/>
+                  </a:prstGeom>
+                  <a:noFill/>
+                </p:spPr>
+                <p:txBody>
+                  <a:bodyPr wrap="square" rtlCol="0">
+                    <a:spAutoFit/>
+                  </a:bodyPr>
+                  <a:lstStyle/>
+                  <a:p>
+                    <a:pPr algn="ctr"/>
+                    <a:r>
+                      <a:rPr lang="zh-CN" altLang="en-US" sz="700" dirty="0">
+                        <a:latin typeface="微软雅黑" panose="020B0503020204020204" pitchFamily="34" charset="-122"/>
+                        <a:ea typeface="微软雅黑" panose="020B0503020204020204" pitchFamily="34" charset="-122"/>
+                      </a:rPr>
+                      <a:t>意外健康险</a:t>
+                    </a:r>
+                  </a:p>
+                </p:txBody>
+              </p:sp>
+            </p:grpSp>
+          </p:grpSp>
+          <p:sp>
+            <p:nvSpPr>
+              <p:cNvPr id="57" name="矩形 56">
+                <a:extLst>
+                  <a:ext uri="{FF2B5EF4-FFF2-40B4-BE49-F238E27FC236}">
+                    <a16:creationId xmlns:a16="http://schemas.microsoft.com/office/drawing/2014/main" id="{F758B6D0-E75A-4D54-85CE-B6713BCF18F9}"/>
+                  </a:ext>
+                </a:extLst>
+              </p:cNvPr>
+              <p:cNvSpPr/>
+              <p:nvPr/>
+            </p:nvSpPr>
+            <p:spPr>
+              <a:xfrm rot="1844245">
+                <a:off x="2484625" y="2599344"/>
+                <a:ext cx="310086" cy="130809"/>
+              </a:xfrm>
+              <a:prstGeom prst="rect">
+                <a:avLst/>
+              </a:prstGeom>
+              <a:solidFill>
+                <a:srgbClr val="09BB07"/>
+              </a:solidFill>
+              <a:ln>
+                <a:noFill/>
+              </a:ln>
+            </p:spPr>
+            <p:style>
+              <a:lnRef idx="2">
+                <a:schemeClr val="accent1">
+                  <a:shade val="50000"/>
+                </a:schemeClr>
+              </a:lnRef>
+              <a:fillRef idx="1">
+                <a:schemeClr val="accent1"/>
+              </a:fillRef>
+              <a:effectRef idx="0">
+                <a:schemeClr val="accent1"/>
+              </a:effectRef>
+              <a:fontRef idx="minor">
+                <a:schemeClr val="lt1"/>
+              </a:fontRef>
+            </p:style>
+            <p:txBody>
+              <a:bodyPr rtlCol="0" anchor="ctr"/>
+              <a:lstStyle/>
+              <a:p>
+                <a:pPr algn="ctr"/>
+                <a:r>
+                  <a:rPr lang="zh-CN" altLang="en-US" sz="700" dirty="0">
+                    <a:latin typeface="微软雅黑" panose="020B0503020204020204" pitchFamily="34" charset="-122"/>
+                    <a:ea typeface="微软雅黑" panose="020B0503020204020204" pitchFamily="34" charset="-122"/>
+                  </a:rPr>
+                  <a:t>惠</a:t>
+                </a:r>
+              </a:p>
+            </p:txBody>
+          </p:sp>
+          <p:grpSp>
+            <p:nvGrpSpPr>
+              <p:cNvPr id="58" name="组合 57">
+                <a:extLst>
+                  <a:ext uri="{FF2B5EF4-FFF2-40B4-BE49-F238E27FC236}">
+                    <a16:creationId xmlns:a16="http://schemas.microsoft.com/office/drawing/2014/main" id="{BC65E573-9D63-4728-9F9D-36457EAFB79B}"/>
+                  </a:ext>
+                </a:extLst>
+              </p:cNvPr>
+              <p:cNvGrpSpPr/>
+              <p:nvPr/>
+            </p:nvGrpSpPr>
+            <p:grpSpPr>
+              <a:xfrm>
+                <a:off x="863629" y="3394014"/>
+                <a:ext cx="3308563" cy="805733"/>
+                <a:chOff x="854415" y="2556530"/>
+                <a:chExt cx="3308563" cy="805733"/>
+              </a:xfrm>
+            </p:grpSpPr>
+            <p:grpSp>
+              <p:nvGrpSpPr>
+                <p:cNvPr id="59" name="组合 58">
+                  <a:extLst>
+                    <a:ext uri="{FF2B5EF4-FFF2-40B4-BE49-F238E27FC236}">
+                      <a16:creationId xmlns:a16="http://schemas.microsoft.com/office/drawing/2014/main" id="{C4BEB1FF-71B0-4AE2-B3AF-1182AD1E8746}"/>
+                    </a:ext>
+                  </a:extLst>
+                </p:cNvPr>
+                <p:cNvGrpSpPr/>
+                <p:nvPr/>
+              </p:nvGrpSpPr>
+              <p:grpSpPr>
+                <a:xfrm>
+                  <a:off x="854415" y="2556530"/>
+                  <a:ext cx="1239857" cy="785598"/>
+                  <a:chOff x="997827" y="5345661"/>
+                  <a:chExt cx="494923" cy="313593"/>
+                </a:xfrm>
+              </p:grpSpPr>
+              <p:sp>
+                <p:nvSpPr>
+                  <p:cNvPr id="66" name="矩形: 圆角 65">
+                    <a:extLst>
+                      <a:ext uri="{FF2B5EF4-FFF2-40B4-BE49-F238E27FC236}">
+                        <a16:creationId xmlns:a16="http://schemas.microsoft.com/office/drawing/2014/main" id="{F10B4CD2-2099-4B8E-8ECF-8552D247E1E3}"/>
+                      </a:ext>
+                    </a:extLst>
+                  </p:cNvPr>
+                  <p:cNvSpPr/>
+                  <p:nvPr/>
+                </p:nvSpPr>
+                <p:spPr>
+                  <a:xfrm>
+                    <a:off x="1130148" y="5345661"/>
+                    <a:ext cx="230282" cy="230282"/>
+                  </a:xfrm>
+                  <a:prstGeom prst="roundRect">
+                    <a:avLst/>
+                  </a:prstGeom>
+                  <a:solidFill>
+                    <a:srgbClr val="D9D9D9"/>
+                  </a:solidFill>
+                  <a:ln>
+                    <a:noFill/>
+                  </a:ln>
+                </p:spPr>
+                <p:style>
+                  <a:lnRef idx="2">
+                    <a:schemeClr val="accent1">
+                      <a:shade val="50000"/>
+                    </a:schemeClr>
+                  </a:lnRef>
+                  <a:fillRef idx="1">
+                    <a:schemeClr val="accent1"/>
+                  </a:fillRef>
+                  <a:effectRef idx="0">
+                    <a:schemeClr val="accent1"/>
+                  </a:effectRef>
+                  <a:fontRef idx="minor">
+                    <a:schemeClr val="lt1"/>
+                  </a:fontRef>
+                </p:style>
+                <p:txBody>
+                  <a:bodyPr rtlCol="0" anchor="ctr"/>
+                  <a:lstStyle/>
+                  <a:p>
+                    <a:pPr algn="ctr">
+                      <a:lnSpc>
+                        <a:spcPct val="150000"/>
+                      </a:lnSpc>
+                    </a:pPr>
+                    <a:endParaRPr lang="zh-CN" altLang="en-US" sz="1000" dirty="0">
+                      <a:solidFill>
+                        <a:schemeClr val="tx1"/>
+                      </a:solidFill>
+                      <a:latin typeface="微软雅黑" panose="020B0503020204020204" pitchFamily="34" charset="-122"/>
+                      <a:ea typeface="微软雅黑" panose="020B0503020204020204" pitchFamily="34" charset="-122"/>
+                    </a:endParaRPr>
+                  </a:p>
+                </p:txBody>
+              </p:sp>
+              <p:sp>
+                <p:nvSpPr>
+                  <p:cNvPr id="67" name="文本框 66">
+                    <a:extLst>
+                      <a:ext uri="{FF2B5EF4-FFF2-40B4-BE49-F238E27FC236}">
+                        <a16:creationId xmlns:a16="http://schemas.microsoft.com/office/drawing/2014/main" id="{8C6C5B28-0B91-4E7A-9214-4B9A7B9E944F}"/>
+                      </a:ext>
+                    </a:extLst>
+                  </p:cNvPr>
+                  <p:cNvSpPr txBox="1"/>
+                  <p:nvPr/>
+                </p:nvSpPr>
+                <p:spPr>
+                  <a:xfrm>
+                    <a:off x="997827" y="5579397"/>
+                    <a:ext cx="494923" cy="79857"/>
+                  </a:xfrm>
+                  <a:prstGeom prst="rect">
+                    <a:avLst/>
+                  </a:prstGeom>
+                  <a:noFill/>
+                </p:spPr>
+                <p:txBody>
+                  <a:bodyPr wrap="square" rtlCol="0">
+                    <a:spAutoFit/>
+                  </a:bodyPr>
+                  <a:lstStyle/>
+                  <a:p>
+                    <a:pPr algn="ctr"/>
+                    <a:r>
+                      <a:rPr lang="zh-CN" altLang="en-US" sz="700" dirty="0">
+                        <a:latin typeface="微软雅黑" panose="020B0503020204020204" pitchFamily="34" charset="-122"/>
+                        <a:ea typeface="微软雅黑" panose="020B0503020204020204" pitchFamily="34" charset="-122"/>
+                      </a:rPr>
+                      <a:t>国际租车</a:t>
+                    </a:r>
+                  </a:p>
+                </p:txBody>
+              </p:sp>
+            </p:grpSp>
+            <p:grpSp>
+              <p:nvGrpSpPr>
+                <p:cNvPr id="60" name="组合 59">
+                  <a:extLst>
+                    <a:ext uri="{FF2B5EF4-FFF2-40B4-BE49-F238E27FC236}">
+                      <a16:creationId xmlns:a16="http://schemas.microsoft.com/office/drawing/2014/main" id="{B87D29C1-AFD3-4743-BF52-860563D0C545}"/>
+                    </a:ext>
+                  </a:extLst>
+                </p:cNvPr>
+                <p:cNvGrpSpPr/>
+                <p:nvPr/>
+              </p:nvGrpSpPr>
+              <p:grpSpPr>
+                <a:xfrm>
+                  <a:off x="1888768" y="2576665"/>
+                  <a:ext cx="1239857" cy="785598"/>
+                  <a:chOff x="997827" y="5345661"/>
+                  <a:chExt cx="494923" cy="313593"/>
+                </a:xfrm>
+              </p:grpSpPr>
+              <p:sp>
+                <p:nvSpPr>
+                  <p:cNvPr id="64" name="矩形: 圆角 63">
+                    <a:extLst>
+                      <a:ext uri="{FF2B5EF4-FFF2-40B4-BE49-F238E27FC236}">
+                        <a16:creationId xmlns:a16="http://schemas.microsoft.com/office/drawing/2014/main" id="{871F3540-06FD-4FF9-88BE-DCFD72C5E3A3}"/>
+                      </a:ext>
+                    </a:extLst>
+                  </p:cNvPr>
+                  <p:cNvSpPr/>
+                  <p:nvPr/>
+                </p:nvSpPr>
+                <p:spPr>
+                  <a:xfrm>
+                    <a:off x="1130148" y="5345661"/>
+                    <a:ext cx="230282" cy="230282"/>
+                  </a:xfrm>
+                  <a:prstGeom prst="roundRect">
+                    <a:avLst/>
+                  </a:prstGeom>
+                  <a:solidFill>
+                    <a:srgbClr val="D9D9D9"/>
+                  </a:solidFill>
+                  <a:ln>
+                    <a:noFill/>
+                  </a:ln>
+                </p:spPr>
+                <p:style>
+                  <a:lnRef idx="2">
+                    <a:schemeClr val="accent1">
+                      <a:shade val="50000"/>
+                    </a:schemeClr>
+                  </a:lnRef>
+                  <a:fillRef idx="1">
+                    <a:schemeClr val="accent1"/>
+                  </a:fillRef>
+                  <a:effectRef idx="0">
+                    <a:schemeClr val="accent1"/>
+                  </a:effectRef>
+                  <a:fontRef idx="minor">
+                    <a:schemeClr val="lt1"/>
+                  </a:fontRef>
+                </p:style>
+                <p:txBody>
+                  <a:bodyPr rtlCol="0" anchor="ctr"/>
+                  <a:lstStyle/>
+                  <a:p>
+                    <a:pPr algn="ctr">
+                      <a:lnSpc>
+                        <a:spcPct val="150000"/>
+                      </a:lnSpc>
+                    </a:pPr>
+                    <a:endParaRPr lang="zh-CN" altLang="en-US" sz="1000" dirty="0">
+                      <a:solidFill>
+                        <a:schemeClr val="tx1"/>
+                      </a:solidFill>
+                      <a:latin typeface="微软雅黑" panose="020B0503020204020204" pitchFamily="34" charset="-122"/>
+                      <a:ea typeface="微软雅黑" panose="020B0503020204020204" pitchFamily="34" charset="-122"/>
+                    </a:endParaRPr>
+                  </a:p>
+                </p:txBody>
+              </p:sp>
+              <p:sp>
+                <p:nvSpPr>
+                  <p:cNvPr id="65" name="文本框 64">
+                    <a:extLst>
+                      <a:ext uri="{FF2B5EF4-FFF2-40B4-BE49-F238E27FC236}">
+                        <a16:creationId xmlns:a16="http://schemas.microsoft.com/office/drawing/2014/main" id="{2CBF769D-6987-49DF-A947-B949E91B3B1A}"/>
+                      </a:ext>
+                    </a:extLst>
+                  </p:cNvPr>
+                  <p:cNvSpPr txBox="1"/>
+                  <p:nvPr/>
+                </p:nvSpPr>
+                <p:spPr>
+                  <a:xfrm>
+                    <a:off x="997827" y="5579397"/>
+                    <a:ext cx="494923" cy="79857"/>
+                  </a:xfrm>
+                  <a:prstGeom prst="rect">
+                    <a:avLst/>
+                  </a:prstGeom>
+                  <a:noFill/>
+                </p:spPr>
+                <p:txBody>
+                  <a:bodyPr wrap="square" rtlCol="0">
+                    <a:spAutoFit/>
+                  </a:bodyPr>
+                  <a:lstStyle/>
+                  <a:p>
+                    <a:pPr algn="ctr"/>
+                    <a:r>
+                      <a:rPr lang="zh-CN" altLang="en-US" sz="700" dirty="0">
+                        <a:latin typeface="微软雅黑" panose="020B0503020204020204" pitchFamily="34" charset="-122"/>
+                        <a:ea typeface="微软雅黑" panose="020B0503020204020204" pitchFamily="34" charset="-122"/>
+                      </a:rPr>
+                      <a:t>国际驾照</a:t>
+                    </a:r>
+                  </a:p>
+                </p:txBody>
+              </p:sp>
+            </p:grpSp>
+            <p:grpSp>
+              <p:nvGrpSpPr>
+                <p:cNvPr id="61" name="组合 60">
+                  <a:extLst>
+                    <a:ext uri="{FF2B5EF4-FFF2-40B4-BE49-F238E27FC236}">
+                      <a16:creationId xmlns:a16="http://schemas.microsoft.com/office/drawing/2014/main" id="{6B4AD5FC-EE64-4D9F-A5D5-674C0F21EE12}"/>
+                    </a:ext>
+                  </a:extLst>
+                </p:cNvPr>
+                <p:cNvGrpSpPr/>
+                <p:nvPr/>
+              </p:nvGrpSpPr>
+              <p:grpSpPr>
+                <a:xfrm>
+                  <a:off x="2923121" y="2576665"/>
+                  <a:ext cx="1239857" cy="785598"/>
+                  <a:chOff x="997827" y="5345661"/>
+                  <a:chExt cx="494923" cy="313593"/>
+                </a:xfrm>
+              </p:grpSpPr>
+              <p:sp>
+                <p:nvSpPr>
+                  <p:cNvPr id="62" name="矩形: 圆角 61">
+                    <a:extLst>
+                      <a:ext uri="{FF2B5EF4-FFF2-40B4-BE49-F238E27FC236}">
+                        <a16:creationId xmlns:a16="http://schemas.microsoft.com/office/drawing/2014/main" id="{1548C5E4-CDC7-49EF-89F6-6DE9BAA078CF}"/>
+                      </a:ext>
+                    </a:extLst>
+                  </p:cNvPr>
+                  <p:cNvSpPr/>
+                  <p:nvPr/>
+                </p:nvSpPr>
+                <p:spPr>
+                  <a:xfrm>
+                    <a:off x="1130148" y="5345661"/>
+                    <a:ext cx="230282" cy="230282"/>
+                  </a:xfrm>
+                  <a:prstGeom prst="roundRect">
+                    <a:avLst/>
+                  </a:prstGeom>
+                  <a:solidFill>
+                    <a:srgbClr val="D9D9D9"/>
+                  </a:solidFill>
+                  <a:ln>
+                    <a:noFill/>
+                  </a:ln>
+                </p:spPr>
+                <p:style>
+                  <a:lnRef idx="2">
+                    <a:schemeClr val="accent1">
+                      <a:shade val="50000"/>
+                    </a:schemeClr>
+                  </a:lnRef>
+                  <a:fillRef idx="1">
+                    <a:schemeClr val="accent1"/>
+                  </a:fillRef>
+                  <a:effectRef idx="0">
+                    <a:schemeClr val="accent1"/>
+                  </a:effectRef>
+                  <a:fontRef idx="minor">
+                    <a:schemeClr val="lt1"/>
+                  </a:fontRef>
+                </p:style>
+                <p:txBody>
+                  <a:bodyPr rtlCol="0" anchor="ctr"/>
+                  <a:lstStyle/>
+                  <a:p>
+                    <a:pPr algn="ctr">
+                      <a:lnSpc>
+                        <a:spcPct val="150000"/>
+                      </a:lnSpc>
+                    </a:pPr>
+                    <a:endParaRPr lang="zh-CN" altLang="en-US" sz="1000" dirty="0">
+                      <a:solidFill>
+                        <a:schemeClr val="tx1"/>
+                      </a:solidFill>
+                      <a:latin typeface="微软雅黑" panose="020B0503020204020204" pitchFamily="34" charset="-122"/>
+                      <a:ea typeface="微软雅黑" panose="020B0503020204020204" pitchFamily="34" charset="-122"/>
+                    </a:endParaRPr>
+                  </a:p>
+                </p:txBody>
+              </p:sp>
+              <p:sp>
+                <p:nvSpPr>
+                  <p:cNvPr id="63" name="文本框 62">
+                    <a:extLst>
+                      <a:ext uri="{FF2B5EF4-FFF2-40B4-BE49-F238E27FC236}">
+                        <a16:creationId xmlns:a16="http://schemas.microsoft.com/office/drawing/2014/main" id="{93DA7EF0-4587-47EB-8CA0-B978128A704D}"/>
+                      </a:ext>
+                    </a:extLst>
+                  </p:cNvPr>
+                  <p:cNvSpPr txBox="1"/>
+                  <p:nvPr/>
+                </p:nvSpPr>
+                <p:spPr>
+                  <a:xfrm>
+                    <a:off x="997827" y="5579397"/>
+                    <a:ext cx="494923" cy="79857"/>
+                  </a:xfrm>
+                  <a:prstGeom prst="rect">
+                    <a:avLst/>
+                  </a:prstGeom>
+                  <a:noFill/>
+                </p:spPr>
+                <p:txBody>
+                  <a:bodyPr wrap="square" rtlCol="0">
+                    <a:spAutoFit/>
+                  </a:bodyPr>
+                  <a:lstStyle/>
+                  <a:p>
+                    <a:pPr algn="ctr"/>
+                    <a:r>
+                      <a:rPr lang="zh-CN" altLang="en-US" sz="700" dirty="0">
+                        <a:latin typeface="微软雅黑" panose="020B0503020204020204" pitchFamily="34" charset="-122"/>
+                        <a:ea typeface="微软雅黑" panose="020B0503020204020204" pitchFamily="34" charset="-122"/>
+                      </a:rPr>
+                      <a:t>违章查询</a:t>
+                    </a:r>
+                  </a:p>
+                </p:txBody>
+              </p:sp>
+            </p:grpSp>
+          </p:grpSp>
+        </p:grpSp>
+        <p:sp>
+          <p:nvSpPr>
+            <p:cNvPr id="93" name="矩形 92">
+              <a:extLst>
+                <a:ext uri="{FF2B5EF4-FFF2-40B4-BE49-F238E27FC236}">
+                  <a16:creationId xmlns:a16="http://schemas.microsoft.com/office/drawing/2014/main" id="{0713C0DE-1678-4950-BEC4-39E1856F78C9}"/>
+                </a:ext>
+              </a:extLst>
+            </p:cNvPr>
+            <p:cNvSpPr/>
+            <p:nvPr/>
+          </p:nvSpPr>
+          <p:spPr>
+            <a:xfrm rot="1844245">
+              <a:off x="3536855" y="3495300"/>
+              <a:ext cx="310086" cy="130809"/>
+            </a:xfrm>
+            <a:prstGeom prst="rect">
+              <a:avLst/>
+            </a:prstGeom>
+            <a:solidFill>
+              <a:srgbClr val="09BB07"/>
+            </a:solidFill>
+            <a:ln>
+              <a:noFill/>
+            </a:ln>
+          </p:spPr>
+          <p:style>
+            <a:lnRef idx="2">
+              <a:schemeClr val="accent1">
+                <a:shade val="50000"/>
+              </a:schemeClr>
+            </a:lnRef>
+            <a:fillRef idx="1">
+              <a:schemeClr val="accent1"/>
+            </a:fillRef>
+            <a:effectRef idx="0">
+              <a:schemeClr val="accent1"/>
+            </a:effectRef>
+            <a:fontRef idx="minor">
+              <a:schemeClr val="lt1"/>
+            </a:fontRef>
+          </p:style>
+          <p:txBody>
+            <a:bodyPr rtlCol="0" anchor="ctr"/>
+            <a:lstStyle/>
+            <a:p>
+              <a:pPr algn="ctr"/>
+              <a:r>
+                <a:rPr lang="zh-CN" altLang="en-US" sz="700" dirty="0">
+                  <a:latin typeface="微软雅黑" panose="020B0503020204020204" pitchFamily="34" charset="-122"/>
+                  <a:ea typeface="微软雅黑" panose="020B0503020204020204" pitchFamily="34" charset="-122"/>
+                </a:rPr>
+                <a:t>惠</a:t>
+              </a:r>
+            </a:p>
+          </p:txBody>
+        </p:sp>
+      </p:grpSp>
+      <p:sp>
+        <p:nvSpPr>
+          <p:cNvPr id="48" name="文本框 47">
+            <a:extLst>
+              <a:ext uri="{FF2B5EF4-FFF2-40B4-BE49-F238E27FC236}">
+                <a16:creationId xmlns:a16="http://schemas.microsoft.com/office/drawing/2014/main" id="{3A66B16B-9156-4B22-831B-B93D48C4C3F8}"/>
+              </a:ext>
+            </a:extLst>
+          </p:cNvPr>
+          <p:cNvSpPr txBox="1"/>
+          <p:nvPr/>
+        </p:nvSpPr>
+        <p:spPr>
+          <a:xfrm>
+            <a:off x="1034047" y="1120914"/>
+            <a:ext cx="2892611" cy="553998"/>
+          </a:xfrm>
+          <a:prstGeom prst="rect">
+            <a:avLst/>
+          </a:prstGeom>
+          <a:noFill/>
+        </p:spPr>
+        <p:txBody>
+          <a:bodyPr wrap="square" rtlCol="0">
+            <a:spAutoFit/>
+          </a:bodyPr>
+          <a:lstStyle/>
+          <a:p>
+            <a:pPr>
+              <a:lnSpc>
+                <a:spcPct val="150000"/>
+              </a:lnSpc>
+            </a:pPr>
+            <a:r>
+              <a:rPr lang="zh-CN" altLang="en-US" sz="1000" dirty="0">
+                <a:latin typeface="微软雅黑" panose="020B0503020204020204" pitchFamily="34" charset="-122"/>
+                <a:ea typeface="微软雅黑" panose="020B0503020204020204" pitchFamily="34" charset="-122"/>
+              </a:rPr>
+              <a:t>您暂时没有可用的加油券了</a:t>
+            </a:r>
+            <a:endParaRPr lang="en-US" altLang="zh-CN" sz="1000" dirty="0">
+              <a:latin typeface="微软雅黑" panose="020B0503020204020204" pitchFamily="34" charset="-122"/>
+              <a:ea typeface="微软雅黑" panose="020B0503020204020204" pitchFamily="34" charset="-122"/>
+            </a:endParaRPr>
+          </a:p>
+          <a:p>
+            <a:pPr>
+              <a:lnSpc>
+                <a:spcPct val="150000"/>
+              </a:lnSpc>
+            </a:pPr>
+            <a:r>
+              <a:rPr lang="zh-CN" altLang="en-US" sz="1000" dirty="0">
+                <a:latin typeface="微软雅黑" panose="020B0503020204020204" pitchFamily="34" charset="-122"/>
+                <a:ea typeface="微软雅黑" panose="020B0503020204020204" pitchFamily="34" charset="-122"/>
+              </a:rPr>
+              <a:t>多去冠德油站加油，就有机会领取哦</a:t>
+            </a:r>
+          </a:p>
+        </p:txBody>
+      </p:sp>
+    </p:spTree>
+    <p:extLst>
+      <p:ext uri="{BB962C8B-B14F-4D97-AF65-F5344CB8AC3E}">
+        <p14:creationId xmlns:p14="http://schemas.microsoft.com/office/powerpoint/2010/main" val="3080013054"/>
+      </p:ext>
+    </p:extLst>
+  </p:cSld>
+  <p:clrMapOvr>
+    <a:masterClrMapping/>
+  </p:clrMapOvr>
+</p:sld>
+</file>
+
+<file path=ppt/slides/slide6.xml><?xml version="1.0" encoding="utf-8"?>
+<p:sld xmlns:a="http://schemas.openxmlformats.org/drawingml/2006/main" xmlns:r="http://schemas.openxmlformats.org/officeDocument/2006/relationships" xmlns:p="http://schemas.openxmlformats.org/presentationml/2006/main">
+  <p:cSld>
+    <p:spTree>
+      <p:nvGrpSpPr>
+        <p:cNvPr id="1" name=""/>
+        <p:cNvGrpSpPr/>
+        <p:nvPr/>
+      </p:nvGrpSpPr>
+      <p:grpSpPr>
+        <a:xfrm>
+          <a:off x="0" y="0"/>
+          <a:ext cx="0" cy="0"/>
+          <a:chOff x="0" y="0"/>
+          <a:chExt cx="0" cy="0"/>
+        </a:xfrm>
+      </p:grpSpPr>
+      <p:sp>
+        <p:nvSpPr>
+          <p:cNvPr id="2" name="内容占位符 1">
+            <a:extLst>
+              <a:ext uri="{FF2B5EF4-FFF2-40B4-BE49-F238E27FC236}">
+                <a16:creationId xmlns:a16="http://schemas.microsoft.com/office/drawing/2014/main" id="{7B569C9B-85F4-4558-82A8-CC3EF846FA96}"/>
+              </a:ext>
+            </a:extLst>
+          </p:cNvPr>
+          <p:cNvSpPr>
+            <a:spLocks noGrp="1"/>
+          </p:cNvSpPr>
+          <p:nvPr>
+            <p:ph sz="quarter" idx="10"/>
+          </p:nvPr>
+        </p:nvSpPr>
+        <p:spPr/>
+        <p:txBody>
+          <a:bodyPr/>
+          <a:lstStyle/>
+          <a:p>
+            <a:pPr>
+              <a:lnSpc>
+                <a:spcPct val="150000"/>
+              </a:lnSpc>
+            </a:pPr>
+            <a:r>
+              <a:rPr lang="zh-CN" altLang="en-US" sz="1200" dirty="0"/>
+              <a:t>送券，用户收到的模板消息，打开这个页面。</a:t>
+            </a:r>
+            <a:endParaRPr lang="en-US" altLang="zh-CN" sz="1200" dirty="0"/>
+          </a:p>
+          <a:p>
+            <a:pPr>
+              <a:lnSpc>
+                <a:spcPct val="150000"/>
+              </a:lnSpc>
+            </a:pPr>
+            <a:r>
+              <a:rPr lang="en-US" altLang="zh-CN" sz="1200" dirty="0"/>
+              <a:t>1</a:t>
+            </a:r>
+            <a:r>
+              <a:rPr lang="zh-CN" altLang="en-US" sz="1200" dirty="0"/>
+              <a:t>、新券，显示</a:t>
+            </a:r>
+            <a:r>
+              <a:rPr lang="en-US" altLang="zh-CN" sz="1200" dirty="0"/>
+              <a:t>new</a:t>
+            </a:r>
+            <a:r>
+              <a:rPr lang="zh-CN" altLang="en-US" sz="1200" dirty="0"/>
+              <a:t>字样</a:t>
+            </a:r>
+            <a:endParaRPr lang="en-US" altLang="zh-CN" sz="1200" dirty="0"/>
+          </a:p>
+          <a:p>
+            <a:pPr>
+              <a:lnSpc>
+                <a:spcPct val="150000"/>
+              </a:lnSpc>
+            </a:pPr>
+            <a:r>
+              <a:rPr lang="en-US" altLang="zh-CN" sz="1200" dirty="0"/>
+              <a:t>2</a:t>
+            </a:r>
+            <a:r>
+              <a:rPr lang="zh-CN" altLang="en-US" sz="1200" dirty="0"/>
+              <a:t>、用户看过一次“查看全部”，则全部</a:t>
+            </a:r>
+            <a:r>
+              <a:rPr lang="en-US" altLang="zh-CN" sz="1200" dirty="0"/>
+              <a:t>new</a:t>
+            </a:r>
+            <a:r>
+              <a:rPr lang="zh-CN" altLang="en-US" sz="1200" dirty="0"/>
+              <a:t>字样消失</a:t>
+            </a:r>
+            <a:endParaRPr lang="en-US" altLang="zh-CN" sz="1200" dirty="0"/>
+          </a:p>
+        </p:txBody>
+      </p:sp>
+      <p:sp>
+        <p:nvSpPr>
+          <p:cNvPr id="3" name="标题 2">
+            <a:extLst>
+              <a:ext uri="{FF2B5EF4-FFF2-40B4-BE49-F238E27FC236}">
+                <a16:creationId xmlns:a16="http://schemas.microsoft.com/office/drawing/2014/main" id="{648EAC0E-D0A6-4E88-A93E-182C2527E768}"/>
+              </a:ext>
+            </a:extLst>
+          </p:cNvPr>
+          <p:cNvSpPr>
+            <a:spLocks noGrp="1"/>
+          </p:cNvSpPr>
+          <p:nvPr>
+            <p:ph type="title"/>
+          </p:nvPr>
+        </p:nvSpPr>
+        <p:spPr/>
+        <p:txBody>
+          <a:bodyPr/>
+          <a:lstStyle/>
+          <a:p>
+            <a:r>
+              <a:rPr lang="zh-CN" altLang="en-US" dirty="0"/>
+              <a:t>优惠生活</a:t>
+            </a:r>
+          </a:p>
+        </p:txBody>
+      </p:sp>
+      <p:grpSp>
+        <p:nvGrpSpPr>
+          <p:cNvPr id="41" name="组合 40">
+            <a:extLst>
+              <a:ext uri="{FF2B5EF4-FFF2-40B4-BE49-F238E27FC236}">
+                <a16:creationId xmlns:a16="http://schemas.microsoft.com/office/drawing/2014/main" id="{0085A4BA-73AD-4953-B2B8-4D0F1EEFAF46}"/>
+              </a:ext>
+            </a:extLst>
+          </p:cNvPr>
+          <p:cNvGrpSpPr/>
+          <p:nvPr/>
+        </p:nvGrpSpPr>
+        <p:grpSpPr>
+          <a:xfrm>
+            <a:off x="952040" y="742121"/>
+            <a:ext cx="3131743" cy="1249132"/>
+            <a:chOff x="109797" y="1729408"/>
+            <a:chExt cx="3131743" cy="1249132"/>
+          </a:xfrm>
+        </p:grpSpPr>
+        <p:sp>
+          <p:nvSpPr>
+            <p:cNvPr id="42" name="矩形 41">
+              <a:extLst>
+                <a:ext uri="{FF2B5EF4-FFF2-40B4-BE49-F238E27FC236}">
+                  <a16:creationId xmlns:a16="http://schemas.microsoft.com/office/drawing/2014/main" id="{2D74F255-EDAF-4B50-B18E-922B6D164314}"/>
+                </a:ext>
+              </a:extLst>
+            </p:cNvPr>
+            <p:cNvSpPr/>
+            <p:nvPr/>
+          </p:nvSpPr>
+          <p:spPr>
+            <a:xfrm>
+              <a:off x="109797" y="1729408"/>
+              <a:ext cx="3131743" cy="1249132"/>
+            </a:xfrm>
+            <a:prstGeom prst="rect">
+              <a:avLst/>
+            </a:prstGeom>
+            <a:solidFill>
+              <a:schemeClr val="bg1"/>
+            </a:solidFill>
+            <a:ln>
+              <a:solidFill>
+                <a:srgbClr val="DBDBDB"/>
+              </a:solidFill>
+            </a:ln>
+          </p:spPr>
+          <p:style>
+            <a:lnRef idx="1">
+              <a:schemeClr val="accent1"/>
+            </a:lnRef>
+            <a:fillRef idx="0">
+              <a:schemeClr val="accent1"/>
+            </a:fillRef>
+            <a:effectRef idx="0">
+              <a:schemeClr val="accent1"/>
+            </a:effectRef>
+            <a:fontRef idx="minor">
+              <a:schemeClr val="tx1"/>
+            </a:fontRef>
+          </p:style>
+          <p:txBody>
+            <a:bodyPr rtlCol="0" anchor="ctr"/>
+            <a:lstStyle/>
+            <a:p>
+              <a:pPr algn="ctr"/>
+              <a:endParaRPr lang="zh-CN" altLang="en-US" sz="1000" dirty="0">
+                <a:solidFill>
+                  <a:schemeClr val="tx1"/>
+                </a:solidFill>
+              </a:endParaRPr>
+            </a:p>
+          </p:txBody>
+        </p:sp>
+        <p:cxnSp>
+          <p:nvCxnSpPr>
+            <p:cNvPr id="45" name="直接连接符 44">
+              <a:extLst>
+                <a:ext uri="{FF2B5EF4-FFF2-40B4-BE49-F238E27FC236}">
+                  <a16:creationId xmlns:a16="http://schemas.microsoft.com/office/drawing/2014/main" id="{1EA8BA65-A8B9-4617-8BC3-85A5BA44C01E}"/>
+                </a:ext>
+              </a:extLst>
+            </p:cNvPr>
+            <p:cNvCxnSpPr>
+              <a:cxnSpLocks/>
+            </p:cNvCxnSpPr>
+            <p:nvPr/>
+          </p:nvCxnSpPr>
+          <p:spPr>
+            <a:xfrm>
+              <a:off x="242865" y="2009928"/>
+              <a:ext cx="2998675" cy="0"/>
+            </a:xfrm>
+            <a:prstGeom prst="line">
+              <a:avLst/>
+            </a:prstGeom>
+            <a:ln>
+              <a:solidFill>
+                <a:srgbClr val="DBDBDB"/>
+              </a:solidFill>
+            </a:ln>
+          </p:spPr>
+          <p:style>
+            <a:lnRef idx="1">
+              <a:schemeClr val="accent1"/>
+            </a:lnRef>
+            <a:fillRef idx="0">
+              <a:schemeClr val="accent1"/>
+            </a:fillRef>
+            <a:effectRef idx="0">
+              <a:schemeClr val="accent1"/>
+            </a:effectRef>
+            <a:fontRef idx="minor">
+              <a:schemeClr val="tx1"/>
+            </a:fontRef>
+          </p:style>
+        </p:cxnSp>
+        <p:sp>
+          <p:nvSpPr>
+            <p:cNvPr id="46" name="文本框 45">
+              <a:extLst>
+                <a:ext uri="{FF2B5EF4-FFF2-40B4-BE49-F238E27FC236}">
+                  <a16:creationId xmlns:a16="http://schemas.microsoft.com/office/drawing/2014/main" id="{E0925B24-7054-4AC3-9B0F-949EF5883438}"/>
+                </a:ext>
+              </a:extLst>
+            </p:cNvPr>
+            <p:cNvSpPr txBox="1"/>
+            <p:nvPr/>
+          </p:nvSpPr>
+          <p:spPr>
+            <a:xfrm>
+              <a:off x="191804" y="1792668"/>
+              <a:ext cx="824713" cy="215444"/>
+            </a:xfrm>
+            <a:prstGeom prst="rect">
+              <a:avLst/>
+            </a:prstGeom>
+            <a:noFill/>
+          </p:spPr>
+          <p:txBody>
+            <a:bodyPr wrap="square" rtlCol="0">
+              <a:spAutoFit/>
+            </a:bodyPr>
+            <a:lstStyle/>
+            <a:p>
+              <a:r>
+                <a:rPr lang="zh-CN" altLang="en-US" sz="800" dirty="0">
+                  <a:solidFill>
+                    <a:schemeClr val="bg1">
+                      <a:lumMod val="75000"/>
+                    </a:schemeClr>
+                  </a:solidFill>
+                  <a:latin typeface="微软雅黑" panose="020B0503020204020204" pitchFamily="34" charset="-122"/>
+                  <a:ea typeface="微软雅黑" panose="020B0503020204020204" pitchFamily="34" charset="-122"/>
+                </a:rPr>
+                <a:t>冠德加油券</a:t>
+              </a:r>
+            </a:p>
+          </p:txBody>
+        </p:sp>
+      </p:grpSp>
+      <p:sp>
+        <p:nvSpPr>
+          <p:cNvPr id="10" name="文本框 9">
+            <a:hlinkClick r:id="rId2" action="ppaction://hlinksldjump"/>
+            <a:extLst>
+              <a:ext uri="{FF2B5EF4-FFF2-40B4-BE49-F238E27FC236}">
+                <a16:creationId xmlns:a16="http://schemas.microsoft.com/office/drawing/2014/main" id="{A2FE5F65-9333-4AB5-9D85-4741D68E4FF5}"/>
+              </a:ext>
+            </a:extLst>
+          </p:cNvPr>
+          <p:cNvSpPr txBox="1"/>
+          <p:nvPr/>
+        </p:nvSpPr>
+        <p:spPr>
+          <a:xfrm>
+            <a:off x="3337846" y="783542"/>
+            <a:ext cx="745937" cy="200055"/>
+          </a:xfrm>
+          <a:prstGeom prst="rect">
+            <a:avLst/>
+          </a:prstGeom>
+          <a:noFill/>
+        </p:spPr>
+        <p:txBody>
+          <a:bodyPr wrap="square" rtlCol="0">
+            <a:spAutoFit/>
+          </a:bodyPr>
+          <a:lstStyle/>
+          <a:p>
+            <a:pPr algn="ctr"/>
+            <a:r>
+              <a:rPr lang="zh-CN" altLang="en-US" sz="700" dirty="0">
+                <a:solidFill>
+                  <a:srgbClr val="0070C0"/>
+                </a:solidFill>
+                <a:latin typeface="微软雅黑" panose="020B0503020204020204" pitchFamily="34" charset="-122"/>
+                <a:ea typeface="微软雅黑" panose="020B0503020204020204" pitchFamily="34" charset="-122"/>
+              </a:rPr>
+              <a:t>查看全部</a:t>
+            </a:r>
+          </a:p>
+        </p:txBody>
+      </p:sp>
+      <p:grpSp>
+        <p:nvGrpSpPr>
+          <p:cNvPr id="13" name="组合 12">
+            <a:extLst>
+              <a:ext uri="{FF2B5EF4-FFF2-40B4-BE49-F238E27FC236}">
+                <a16:creationId xmlns:a16="http://schemas.microsoft.com/office/drawing/2014/main" id="{0468E9B6-2CD2-40FF-BDD0-825183FDC962}"/>
+              </a:ext>
+            </a:extLst>
+          </p:cNvPr>
+          <p:cNvGrpSpPr/>
+          <p:nvPr/>
+        </p:nvGrpSpPr>
+        <p:grpSpPr>
+          <a:xfrm>
+            <a:off x="1163217" y="1099829"/>
+            <a:ext cx="2721962" cy="810000"/>
+            <a:chOff x="1169843" y="1099829"/>
+            <a:chExt cx="2721962" cy="810000"/>
+          </a:xfrm>
+        </p:grpSpPr>
+        <p:sp>
+          <p:nvSpPr>
+            <p:cNvPr id="34" name="椭圆 33">
+              <a:extLst>
+                <a:ext uri="{FF2B5EF4-FFF2-40B4-BE49-F238E27FC236}">
+                  <a16:creationId xmlns:a16="http://schemas.microsoft.com/office/drawing/2014/main" id="{9773A154-FB33-4051-B92E-A1E933213F21}"/>
+                </a:ext>
+              </a:extLst>
+            </p:cNvPr>
+            <p:cNvSpPr/>
+            <p:nvPr/>
+          </p:nvSpPr>
+          <p:spPr>
+            <a:xfrm>
+              <a:off x="1169843" y="1099829"/>
+              <a:ext cx="810000" cy="810000"/>
+            </a:xfrm>
+            <a:prstGeom prst="ellipse">
+              <a:avLst/>
+            </a:prstGeom>
+            <a:solidFill>
+              <a:schemeClr val="bg1"/>
+            </a:solidFill>
+            <a:ln>
+              <a:solidFill>
+                <a:srgbClr val="CECECE"/>
+              </a:solidFill>
+            </a:ln>
+          </p:spPr>
+          <p:style>
+            <a:lnRef idx="2">
+              <a:schemeClr val="accent1">
+                <a:shade val="50000"/>
+              </a:schemeClr>
+            </a:lnRef>
+            <a:fillRef idx="1">
+              <a:schemeClr val="accent1"/>
+            </a:fillRef>
+            <a:effectRef idx="0">
+              <a:schemeClr val="accent1"/>
+            </a:effectRef>
+            <a:fontRef idx="minor">
+              <a:schemeClr val="lt1"/>
+            </a:fontRef>
+          </p:style>
+          <p:txBody>
+            <a:bodyPr rtlCol="0" anchor="ctr"/>
+            <a:lstStyle/>
+            <a:p>
+              <a:pPr algn="ctr">
+                <a:lnSpc>
+                  <a:spcPct val="150000"/>
+                </a:lnSpc>
+              </a:pPr>
+              <a:r>
+                <a:rPr lang="en-US" altLang="zh-CN" sz="1000" dirty="0">
+                  <a:solidFill>
+                    <a:schemeClr val="tx1"/>
+                  </a:solidFill>
+                  <a:latin typeface="微软雅黑" panose="020B0503020204020204" pitchFamily="34" charset="-122"/>
+                  <a:ea typeface="微软雅黑" panose="020B0503020204020204" pitchFamily="34" charset="-122"/>
+                </a:rPr>
+                <a:t>5</a:t>
+              </a:r>
+              <a:r>
+                <a:rPr lang="zh-CN" altLang="en-US" sz="1000" dirty="0">
+                  <a:solidFill>
+                    <a:schemeClr val="tx1"/>
+                  </a:solidFill>
+                  <a:latin typeface="微软雅黑" panose="020B0503020204020204" pitchFamily="34" charset="-122"/>
+                  <a:ea typeface="微软雅黑" panose="020B0503020204020204" pitchFamily="34" charset="-122"/>
+                </a:rPr>
+                <a:t>元</a:t>
+              </a:r>
+            </a:p>
+          </p:txBody>
+        </p:sp>
+        <p:sp>
+          <p:nvSpPr>
+            <p:cNvPr id="40" name="椭圆 39">
+              <a:extLst>
+                <a:ext uri="{FF2B5EF4-FFF2-40B4-BE49-F238E27FC236}">
+                  <a16:creationId xmlns:a16="http://schemas.microsoft.com/office/drawing/2014/main" id="{A4DF3B02-6BB5-45E8-B493-74B50AFEC30F}"/>
+                </a:ext>
+              </a:extLst>
+            </p:cNvPr>
+            <p:cNvSpPr/>
+            <p:nvPr/>
+          </p:nvSpPr>
+          <p:spPr>
+            <a:xfrm>
+              <a:off x="1808103" y="1099829"/>
+              <a:ext cx="809061" cy="809061"/>
+            </a:xfrm>
+            <a:prstGeom prst="ellipse">
+              <a:avLst/>
+            </a:prstGeom>
+            <a:solidFill>
+              <a:schemeClr val="bg1"/>
+            </a:solidFill>
+            <a:ln>
+              <a:solidFill>
+                <a:srgbClr val="CECECE"/>
+              </a:solidFill>
+            </a:ln>
+          </p:spPr>
+          <p:style>
+            <a:lnRef idx="2">
+              <a:schemeClr val="accent1">
+                <a:shade val="50000"/>
+              </a:schemeClr>
+            </a:lnRef>
+            <a:fillRef idx="1">
+              <a:schemeClr val="accent1"/>
+            </a:fillRef>
+            <a:effectRef idx="0">
+              <a:schemeClr val="accent1"/>
+            </a:effectRef>
+            <a:fontRef idx="minor">
+              <a:schemeClr val="lt1"/>
+            </a:fontRef>
+          </p:style>
+          <p:txBody>
+            <a:bodyPr rtlCol="0" anchor="ctr"/>
+            <a:lstStyle/>
+            <a:p>
+              <a:pPr algn="ctr">
+                <a:lnSpc>
+                  <a:spcPct val="150000"/>
+                </a:lnSpc>
+              </a:pPr>
+              <a:r>
+                <a:rPr lang="en-US" altLang="zh-CN" sz="1000" dirty="0">
+                  <a:solidFill>
+                    <a:schemeClr val="tx1"/>
+                  </a:solidFill>
+                  <a:latin typeface="微软雅黑" panose="020B0503020204020204" pitchFamily="34" charset="-122"/>
+                  <a:ea typeface="微软雅黑" panose="020B0503020204020204" pitchFamily="34" charset="-122"/>
+                </a:rPr>
+                <a:t>85</a:t>
+              </a:r>
+              <a:r>
+                <a:rPr lang="zh-CN" altLang="en-US" sz="1000" dirty="0">
+                  <a:solidFill>
+                    <a:schemeClr val="tx1"/>
+                  </a:solidFill>
+                  <a:latin typeface="微软雅黑" panose="020B0503020204020204" pitchFamily="34" charset="-122"/>
+                  <a:ea typeface="微软雅黑" panose="020B0503020204020204" pitchFamily="34" charset="-122"/>
+                </a:rPr>
+                <a:t>折</a:t>
+              </a:r>
+            </a:p>
+          </p:txBody>
+        </p:sp>
+        <p:sp>
+          <p:nvSpPr>
+            <p:cNvPr id="43" name="椭圆 42">
+              <a:extLst>
+                <a:ext uri="{FF2B5EF4-FFF2-40B4-BE49-F238E27FC236}">
+                  <a16:creationId xmlns:a16="http://schemas.microsoft.com/office/drawing/2014/main" id="{CEEDCEB1-F495-4D1B-979D-233DB5C8AF16}"/>
+                </a:ext>
+              </a:extLst>
+            </p:cNvPr>
+            <p:cNvSpPr/>
+            <p:nvPr/>
+          </p:nvSpPr>
+          <p:spPr>
+            <a:xfrm>
+              <a:off x="2445424" y="1099829"/>
+              <a:ext cx="809061" cy="809061"/>
+            </a:xfrm>
+            <a:prstGeom prst="ellipse">
+              <a:avLst/>
+            </a:prstGeom>
+            <a:solidFill>
+              <a:schemeClr val="bg1"/>
+            </a:solidFill>
+            <a:ln>
+              <a:solidFill>
+                <a:srgbClr val="CECECE"/>
+              </a:solidFill>
+            </a:ln>
+          </p:spPr>
+          <p:style>
+            <a:lnRef idx="2">
+              <a:schemeClr val="accent1">
+                <a:shade val="50000"/>
+              </a:schemeClr>
+            </a:lnRef>
+            <a:fillRef idx="1">
+              <a:schemeClr val="accent1"/>
+            </a:fillRef>
+            <a:effectRef idx="0">
+              <a:schemeClr val="accent1"/>
+            </a:effectRef>
+            <a:fontRef idx="minor">
+              <a:schemeClr val="lt1"/>
+            </a:fontRef>
+          </p:style>
+          <p:txBody>
+            <a:bodyPr rtlCol="0" anchor="ctr"/>
+            <a:lstStyle/>
+            <a:p>
+              <a:pPr algn="ctr">
+                <a:lnSpc>
+                  <a:spcPct val="150000"/>
+                </a:lnSpc>
+              </a:pPr>
+              <a:r>
+                <a:rPr lang="en-US" altLang="zh-CN" sz="1000" dirty="0">
+                  <a:solidFill>
+                    <a:schemeClr val="tx1"/>
+                  </a:solidFill>
+                  <a:latin typeface="微软雅黑" panose="020B0503020204020204" pitchFamily="34" charset="-122"/>
+                  <a:ea typeface="微软雅黑" panose="020B0503020204020204" pitchFamily="34" charset="-122"/>
+                </a:rPr>
+                <a:t>100</a:t>
+              </a:r>
+              <a:r>
+                <a:rPr lang="zh-CN" altLang="en-US" sz="1000" dirty="0">
+                  <a:solidFill>
+                    <a:schemeClr val="tx1"/>
+                  </a:solidFill>
+                  <a:latin typeface="微软雅黑" panose="020B0503020204020204" pitchFamily="34" charset="-122"/>
+                  <a:ea typeface="微软雅黑" panose="020B0503020204020204" pitchFamily="34" charset="-122"/>
+                </a:rPr>
+                <a:t>元</a:t>
+              </a:r>
+            </a:p>
+          </p:txBody>
+        </p:sp>
+        <p:sp>
+          <p:nvSpPr>
+            <p:cNvPr id="44" name="椭圆 43">
+              <a:extLst>
+                <a:ext uri="{FF2B5EF4-FFF2-40B4-BE49-F238E27FC236}">
+                  <a16:creationId xmlns:a16="http://schemas.microsoft.com/office/drawing/2014/main" id="{D0BC1156-6014-4E7B-B9EB-B39A8DB01E8D}"/>
+                </a:ext>
+              </a:extLst>
+            </p:cNvPr>
+            <p:cNvSpPr/>
+            <p:nvPr/>
+          </p:nvSpPr>
+          <p:spPr>
+            <a:xfrm>
+              <a:off x="3082744" y="1099829"/>
+              <a:ext cx="809061" cy="809061"/>
+            </a:xfrm>
+            <a:prstGeom prst="ellipse">
+              <a:avLst/>
+            </a:prstGeom>
+            <a:solidFill>
+              <a:schemeClr val="bg1"/>
+            </a:solidFill>
+            <a:ln>
+              <a:solidFill>
+                <a:srgbClr val="CECECE"/>
+              </a:solidFill>
+            </a:ln>
+          </p:spPr>
+          <p:style>
+            <a:lnRef idx="2">
+              <a:schemeClr val="accent1">
+                <a:shade val="50000"/>
+              </a:schemeClr>
+            </a:lnRef>
+            <a:fillRef idx="1">
+              <a:schemeClr val="accent1"/>
+            </a:fillRef>
+            <a:effectRef idx="0">
+              <a:schemeClr val="accent1"/>
+            </a:effectRef>
+            <a:fontRef idx="minor">
+              <a:schemeClr val="lt1"/>
+            </a:fontRef>
+          </p:style>
+          <p:txBody>
+            <a:bodyPr rtlCol="0" anchor="ctr"/>
+            <a:lstStyle/>
+            <a:p>
+              <a:pPr algn="ctr">
+                <a:lnSpc>
+                  <a:spcPct val="150000"/>
+                </a:lnSpc>
+              </a:pPr>
+              <a:r>
+                <a:rPr lang="en-US" altLang="zh-CN" sz="1000" dirty="0">
+                  <a:solidFill>
+                    <a:schemeClr val="tx1"/>
+                  </a:solidFill>
+                  <a:latin typeface="微软雅黑" panose="020B0503020204020204" pitchFamily="34" charset="-122"/>
+                  <a:ea typeface="微软雅黑" panose="020B0503020204020204" pitchFamily="34" charset="-122"/>
+                </a:rPr>
+                <a:t>…</a:t>
+              </a:r>
+              <a:endParaRPr lang="zh-CN" altLang="en-US" sz="1000" dirty="0">
+                <a:solidFill>
+                  <a:schemeClr val="tx1"/>
+                </a:solidFill>
+                <a:latin typeface="微软雅黑" panose="020B0503020204020204" pitchFamily="34" charset="-122"/>
+                <a:ea typeface="微软雅黑" panose="020B0503020204020204" pitchFamily="34" charset="-122"/>
+              </a:endParaRPr>
+            </a:p>
+          </p:txBody>
+        </p:sp>
+      </p:grpSp>
+      <p:sp>
+        <p:nvSpPr>
+          <p:cNvPr id="18" name="矩形: 圆角 17">
+            <a:extLst>
+              <a:ext uri="{FF2B5EF4-FFF2-40B4-BE49-F238E27FC236}">
+                <a16:creationId xmlns:a16="http://schemas.microsoft.com/office/drawing/2014/main" id="{D2857C05-210B-49A8-AD38-C1D97D257187}"/>
+              </a:ext>
+            </a:extLst>
+          </p:cNvPr>
+          <p:cNvSpPr/>
+          <p:nvPr/>
+        </p:nvSpPr>
+        <p:spPr>
+          <a:xfrm>
+            <a:off x="1364595" y="1665103"/>
+            <a:ext cx="405027" cy="142971"/>
+          </a:xfrm>
+          <a:prstGeom prst="roundRect">
+            <a:avLst>
+              <a:gd name="adj" fmla="val 6455"/>
+            </a:avLst>
+          </a:prstGeom>
+          <a:solidFill>
+            <a:srgbClr val="E94F4F"/>
+          </a:solidFill>
+          <a:ln>
+            <a:noFill/>
+          </a:ln>
+        </p:spPr>
+        <p:style>
+          <a:lnRef idx="2">
+            <a:schemeClr val="accent1">
+              <a:shade val="50000"/>
+            </a:schemeClr>
+          </a:lnRef>
+          <a:fillRef idx="1">
+            <a:schemeClr val="accent1"/>
+          </a:fillRef>
+          <a:effectRef idx="0">
+            <a:schemeClr val="accent1"/>
+          </a:effectRef>
+          <a:fontRef idx="minor">
+            <a:schemeClr val="lt1"/>
+          </a:fontRef>
+        </p:style>
+        <p:txBody>
+          <a:bodyPr rot="0" spcFirstLastPara="0" vertOverflow="overflow" horzOverflow="overflow" vert="horz" wrap="square" lIns="91440" tIns="45720" rIns="91440" bIns="45720" numCol="1" spcCol="0" rtlCol="0" fromWordArt="0" anchor="ctr" anchorCtr="0" forceAA="0" compatLnSpc="1">
+            <a:prstTxWarp prst="textNoShape">
+              <a:avLst/>
+            </a:prstTxWarp>
+            <a:noAutofit/>
+          </a:bodyPr>
+          <a:lstStyle/>
+          <a:p>
+            <a:pPr algn="ctr"/>
+            <a:r>
+              <a:rPr lang="en-US" altLang="zh-CN" sz="600" dirty="0">
+                <a:latin typeface="微软雅黑" panose="020B0503020204020204" pitchFamily="34" charset="-122"/>
+                <a:ea typeface="微软雅黑" panose="020B0503020204020204" pitchFamily="34" charset="-122"/>
+              </a:rPr>
+              <a:t>new</a:t>
+            </a:r>
+            <a:endParaRPr lang="zh-CN" altLang="en-US" sz="600" dirty="0">
+              <a:latin typeface="微软雅黑" panose="020B0503020204020204" pitchFamily="34" charset="-122"/>
+              <a:ea typeface="微软雅黑" panose="020B0503020204020204" pitchFamily="34" charset="-122"/>
+            </a:endParaRPr>
+          </a:p>
+        </p:txBody>
+      </p:sp>
+      <p:sp>
+        <p:nvSpPr>
+          <p:cNvPr id="19" name="矩形: 圆角 18">
+            <a:extLst>
+              <a:ext uri="{FF2B5EF4-FFF2-40B4-BE49-F238E27FC236}">
+                <a16:creationId xmlns:a16="http://schemas.microsoft.com/office/drawing/2014/main" id="{E17F49C1-B928-4402-9438-34351603AC8A}"/>
+              </a:ext>
+            </a:extLst>
+          </p:cNvPr>
+          <p:cNvSpPr/>
+          <p:nvPr/>
+        </p:nvSpPr>
+        <p:spPr>
+          <a:xfrm>
+            <a:off x="1981880" y="1665104"/>
+            <a:ext cx="405027" cy="142971"/>
+          </a:xfrm>
+          <a:prstGeom prst="roundRect">
+            <a:avLst>
+              <a:gd name="adj" fmla="val 6455"/>
+            </a:avLst>
+          </a:prstGeom>
+          <a:solidFill>
+            <a:srgbClr val="E94F4F"/>
+          </a:solidFill>
+          <a:ln>
+            <a:noFill/>
+          </a:ln>
+        </p:spPr>
+        <p:style>
+          <a:lnRef idx="2">
+            <a:schemeClr val="accent1">
+              <a:shade val="50000"/>
+            </a:schemeClr>
+          </a:lnRef>
+          <a:fillRef idx="1">
+            <a:schemeClr val="accent1"/>
+          </a:fillRef>
+          <a:effectRef idx="0">
+            <a:schemeClr val="accent1"/>
+          </a:effectRef>
+          <a:fontRef idx="minor">
+            <a:schemeClr val="lt1"/>
+          </a:fontRef>
+        </p:style>
+        <p:txBody>
+          <a:bodyPr rot="0" spcFirstLastPara="0" vertOverflow="overflow" horzOverflow="overflow" vert="horz" wrap="square" lIns="91440" tIns="45720" rIns="91440" bIns="45720" numCol="1" spcCol="0" rtlCol="0" fromWordArt="0" anchor="ctr" anchorCtr="0" forceAA="0" compatLnSpc="1">
+            <a:prstTxWarp prst="textNoShape">
+              <a:avLst/>
+            </a:prstTxWarp>
+            <a:noAutofit/>
+          </a:bodyPr>
+          <a:lstStyle/>
+          <a:p>
+            <a:pPr algn="ctr"/>
+            <a:r>
+              <a:rPr lang="en-US" altLang="zh-CN" sz="600" dirty="0">
+                <a:latin typeface="微软雅黑" panose="020B0503020204020204" pitchFamily="34" charset="-122"/>
+                <a:ea typeface="微软雅黑" panose="020B0503020204020204" pitchFamily="34" charset="-122"/>
+              </a:rPr>
+              <a:t>new</a:t>
+            </a:r>
+            <a:endParaRPr lang="zh-CN" altLang="en-US" sz="600" dirty="0">
+              <a:latin typeface="微软雅黑" panose="020B0503020204020204" pitchFamily="34" charset="-122"/>
+              <a:ea typeface="微软雅黑" panose="020B0503020204020204" pitchFamily="34" charset="-122"/>
+            </a:endParaRPr>
+          </a:p>
+        </p:txBody>
+      </p:sp>
+      <p:sp>
+        <p:nvSpPr>
+          <p:cNvPr id="20" name="矩形: 圆角 19">
+            <a:extLst>
+              <a:ext uri="{FF2B5EF4-FFF2-40B4-BE49-F238E27FC236}">
+                <a16:creationId xmlns:a16="http://schemas.microsoft.com/office/drawing/2014/main" id="{1DEBE4D4-94CD-499D-B50D-873DD6E7E11E}"/>
+              </a:ext>
+            </a:extLst>
+          </p:cNvPr>
+          <p:cNvSpPr/>
+          <p:nvPr/>
+        </p:nvSpPr>
+        <p:spPr>
+          <a:xfrm>
+            <a:off x="2640814" y="1664530"/>
+            <a:ext cx="405027" cy="142971"/>
+          </a:xfrm>
+          <a:prstGeom prst="roundRect">
+            <a:avLst>
+              <a:gd name="adj" fmla="val 6455"/>
+            </a:avLst>
+          </a:prstGeom>
+          <a:solidFill>
+            <a:srgbClr val="E94F4F"/>
+          </a:solidFill>
+          <a:ln>
+            <a:noFill/>
+          </a:ln>
+        </p:spPr>
+        <p:style>
+          <a:lnRef idx="2">
+            <a:schemeClr val="accent1">
+              <a:shade val="50000"/>
+            </a:schemeClr>
+          </a:lnRef>
+          <a:fillRef idx="1">
+            <a:schemeClr val="accent1"/>
+          </a:fillRef>
+          <a:effectRef idx="0">
+            <a:schemeClr val="accent1"/>
+          </a:effectRef>
+          <a:fontRef idx="minor">
+            <a:schemeClr val="lt1"/>
+          </a:fontRef>
+        </p:style>
+        <p:txBody>
+          <a:bodyPr rot="0" spcFirstLastPara="0" vertOverflow="overflow" horzOverflow="overflow" vert="horz" wrap="square" lIns="91440" tIns="45720" rIns="91440" bIns="45720" numCol="1" spcCol="0" rtlCol="0" fromWordArt="0" anchor="ctr" anchorCtr="0" forceAA="0" compatLnSpc="1">
+            <a:prstTxWarp prst="textNoShape">
+              <a:avLst/>
+            </a:prstTxWarp>
+            <a:noAutofit/>
+          </a:bodyPr>
+          <a:lstStyle/>
+          <a:p>
+            <a:pPr algn="ctr"/>
+            <a:r>
+              <a:rPr lang="en-US" altLang="zh-CN" sz="600" dirty="0">
+                <a:latin typeface="微软雅黑" panose="020B0503020204020204" pitchFamily="34" charset="-122"/>
+                <a:ea typeface="微软雅黑" panose="020B0503020204020204" pitchFamily="34" charset="-122"/>
+              </a:rPr>
+              <a:t>new</a:t>
+            </a:r>
+            <a:endParaRPr lang="zh-CN" altLang="en-US" sz="600" dirty="0">
+              <a:latin typeface="微软雅黑" panose="020B0503020204020204" pitchFamily="34" charset="-122"/>
+              <a:ea typeface="微软雅黑" panose="020B0503020204020204" pitchFamily="34" charset="-122"/>
+            </a:endParaRPr>
+          </a:p>
+        </p:txBody>
+      </p:sp>
+      <p:sp>
+        <p:nvSpPr>
+          <p:cNvPr id="4" name="椭圆 3">
+            <a:extLst>
+              <a:ext uri="{FF2B5EF4-FFF2-40B4-BE49-F238E27FC236}">
+                <a16:creationId xmlns:a16="http://schemas.microsoft.com/office/drawing/2014/main" id="{BB37438A-7281-479A-BB20-6E7CFDA89478}"/>
+              </a:ext>
+            </a:extLst>
+          </p:cNvPr>
+          <p:cNvSpPr/>
+          <p:nvPr/>
+        </p:nvSpPr>
+        <p:spPr>
+          <a:xfrm>
+            <a:off x="3221894" y="764409"/>
+            <a:ext cx="231904" cy="231904"/>
+          </a:xfrm>
+          <a:prstGeom prst="ellipse">
+            <a:avLst/>
+          </a:prstGeom>
+          <a:solidFill>
+            <a:srgbClr val="E94F4F"/>
+          </a:solidFill>
+          <a:ln>
+            <a:noFill/>
+          </a:ln>
+        </p:spPr>
+        <p:style>
+          <a:lnRef idx="2">
+            <a:schemeClr val="accent1">
+              <a:shade val="50000"/>
+            </a:schemeClr>
+          </a:lnRef>
+          <a:fillRef idx="1">
+            <a:schemeClr val="accent1"/>
+          </a:fillRef>
+          <a:effectRef idx="0">
+            <a:schemeClr val="accent1"/>
+          </a:effectRef>
+          <a:fontRef idx="minor">
+            <a:schemeClr val="lt1"/>
+          </a:fontRef>
+        </p:style>
+        <p:txBody>
+          <a:bodyPr rtlCol="0" anchor="ctr"/>
+          <a:lstStyle/>
+          <a:p>
+            <a:pPr algn="ctr"/>
+            <a:r>
+              <a:rPr lang="en-US" altLang="zh-CN" sz="600" dirty="0">
+                <a:latin typeface="微软雅黑" panose="020B0503020204020204" pitchFamily="34" charset="-122"/>
+                <a:ea typeface="微软雅黑" panose="020B0503020204020204" pitchFamily="34" charset="-122"/>
+              </a:rPr>
+              <a:t>4</a:t>
+            </a:r>
+            <a:endParaRPr lang="zh-CN" altLang="en-US" sz="600" dirty="0">
+              <a:latin typeface="微软雅黑" panose="020B0503020204020204" pitchFamily="34" charset="-122"/>
+              <a:ea typeface="微软雅黑" panose="020B0503020204020204" pitchFamily="34" charset="-122"/>
+            </a:endParaRPr>
+          </a:p>
+        </p:txBody>
+      </p:sp>
+      <p:pic>
+        <p:nvPicPr>
+          <p:cNvPr id="57" name="图片 56">
+            <a:extLst>
+              <a:ext uri="{FF2B5EF4-FFF2-40B4-BE49-F238E27FC236}">
+                <a16:creationId xmlns:a16="http://schemas.microsoft.com/office/drawing/2014/main" id="{16E199B7-A9C0-4AFC-BAC8-2E5BE3637FE1}"/>
+              </a:ext>
+            </a:extLst>
+          </p:cNvPr>
+          <p:cNvPicPr>
+            <a:picLocks noChangeAspect="1"/>
+          </p:cNvPicPr>
+          <p:nvPr/>
+        </p:nvPicPr>
+        <p:blipFill rotWithShape="1">
+          <a:blip r:embed="rId3" cstate="print">
+            <a:extLst>
+              <a:ext uri="{28A0092B-C50C-407E-A947-70E740481C1C}">
+                <a14:useLocalDpi xmlns:a14="http://schemas.microsoft.com/office/drawing/2010/main" val="0"/>
+              </a:ext>
+            </a:extLst>
+          </a:blip>
+          <a:srcRect t="50000" b="35619"/>
+          <a:stretch/>
+        </p:blipFill>
+        <p:spPr>
+          <a:xfrm>
+            <a:off x="952040" y="2012772"/>
+            <a:ext cx="3167500" cy="936340"/>
+          </a:xfrm>
+          <a:prstGeom prst="rect">
+            <a:avLst/>
+          </a:prstGeom>
+        </p:spPr>
+      </p:pic>
+      <p:grpSp>
+        <p:nvGrpSpPr>
+          <p:cNvPr id="64" name="组合 63">
+            <a:extLst>
+              <a:ext uri="{FF2B5EF4-FFF2-40B4-BE49-F238E27FC236}">
+                <a16:creationId xmlns:a16="http://schemas.microsoft.com/office/drawing/2014/main" id="{3E391EC9-0182-4825-8A71-92F79F4D1D3D}"/>
+              </a:ext>
+            </a:extLst>
+          </p:cNvPr>
+          <p:cNvGrpSpPr/>
+          <p:nvPr/>
+        </p:nvGrpSpPr>
+        <p:grpSpPr>
+          <a:xfrm>
+            <a:off x="948376" y="5265919"/>
+            <a:ext cx="3139069" cy="684079"/>
+            <a:chOff x="105603" y="4956210"/>
+            <a:chExt cx="3139069" cy="684079"/>
+          </a:xfrm>
+        </p:grpSpPr>
+        <p:sp>
+          <p:nvSpPr>
+            <p:cNvPr id="65" name="矩形 64">
+              <a:extLst>
+                <a:ext uri="{FF2B5EF4-FFF2-40B4-BE49-F238E27FC236}">
+                  <a16:creationId xmlns:a16="http://schemas.microsoft.com/office/drawing/2014/main" id="{7AC2149E-284B-4B66-8E7F-369750E4EEFC}"/>
+                </a:ext>
+              </a:extLst>
+            </p:cNvPr>
+            <p:cNvSpPr/>
+            <p:nvPr/>
+          </p:nvSpPr>
+          <p:spPr>
+            <a:xfrm>
+              <a:off x="105603" y="4956210"/>
+              <a:ext cx="3139069" cy="684079"/>
+            </a:xfrm>
+            <a:prstGeom prst="rect">
+              <a:avLst/>
+            </a:prstGeom>
+            <a:solidFill>
+              <a:schemeClr val="bg1"/>
+            </a:solidFill>
+            <a:ln>
+              <a:solidFill>
+                <a:srgbClr val="DBDBDB"/>
+              </a:solidFill>
+            </a:ln>
+          </p:spPr>
+          <p:style>
+            <a:lnRef idx="1">
+              <a:schemeClr val="accent1"/>
+            </a:lnRef>
+            <a:fillRef idx="0">
+              <a:schemeClr val="accent1"/>
+            </a:fillRef>
+            <a:effectRef idx="0">
+              <a:schemeClr val="accent1"/>
+            </a:effectRef>
+            <a:fontRef idx="minor">
+              <a:schemeClr val="tx1"/>
+            </a:fontRef>
+          </p:style>
+          <p:txBody>
+            <a:bodyPr rtlCol="0" anchor="ctr"/>
+            <a:lstStyle/>
+            <a:p>
+              <a:pPr algn="ctr"/>
+              <a:endParaRPr lang="zh-CN" altLang="en-US" sz="900">
+                <a:solidFill>
+                  <a:schemeClr val="tx1"/>
+                </a:solidFill>
+              </a:endParaRPr>
+            </a:p>
+          </p:txBody>
+        </p:sp>
+        <p:sp>
+          <p:nvSpPr>
+            <p:cNvPr id="66" name="文本框 65">
+              <a:extLst>
+                <a:ext uri="{FF2B5EF4-FFF2-40B4-BE49-F238E27FC236}">
+                  <a16:creationId xmlns:a16="http://schemas.microsoft.com/office/drawing/2014/main" id="{7BD7EF6B-CBAD-4C56-8FCF-A8C24DA954B1}"/>
+                </a:ext>
+              </a:extLst>
+            </p:cNvPr>
+            <p:cNvSpPr txBox="1"/>
+            <p:nvPr/>
+          </p:nvSpPr>
+          <p:spPr>
+            <a:xfrm>
+              <a:off x="577084" y="5037157"/>
+              <a:ext cx="2524903" cy="261610"/>
+            </a:xfrm>
+            <a:prstGeom prst="rect">
+              <a:avLst/>
+            </a:prstGeom>
+            <a:noFill/>
+          </p:spPr>
+          <p:txBody>
+            <a:bodyPr wrap="square" rtlCol="0">
+              <a:spAutoFit/>
+            </a:bodyPr>
+            <a:lstStyle/>
+            <a:p>
+              <a:r>
+                <a:rPr lang="zh-CN" altLang="en-US" sz="1050" dirty="0">
+                  <a:latin typeface="微软雅黑" panose="020B0503020204020204" pitchFamily="34" charset="-122"/>
+                  <a:ea typeface="微软雅黑" panose="020B0503020204020204" pitchFamily="34" charset="-122"/>
+                </a:rPr>
+                <a:t>爱车保养</a:t>
+              </a:r>
+            </a:p>
+          </p:txBody>
+        </p:sp>
+        <p:sp>
+          <p:nvSpPr>
+            <p:cNvPr id="67" name="文本框 66">
+              <a:extLst>
+                <a:ext uri="{FF2B5EF4-FFF2-40B4-BE49-F238E27FC236}">
+                  <a16:creationId xmlns:a16="http://schemas.microsoft.com/office/drawing/2014/main" id="{552CA390-FE9A-4E17-912A-BC42D1727541}"/>
+                </a:ext>
+              </a:extLst>
+            </p:cNvPr>
+            <p:cNvSpPr txBox="1"/>
+            <p:nvPr/>
+          </p:nvSpPr>
+          <p:spPr>
+            <a:xfrm>
+              <a:off x="577083" y="5263792"/>
+              <a:ext cx="2506802" cy="338554"/>
+            </a:xfrm>
+            <a:prstGeom prst="rect">
+              <a:avLst/>
+            </a:prstGeom>
+            <a:noFill/>
+          </p:spPr>
+          <p:txBody>
+            <a:bodyPr wrap="square" rtlCol="0">
+              <a:spAutoFit/>
+            </a:bodyPr>
+            <a:lstStyle/>
+            <a:p>
+              <a:r>
+                <a:rPr lang="zh-CN" altLang="en-US" sz="800" dirty="0">
+                  <a:solidFill>
+                    <a:schemeClr val="bg1">
+                      <a:lumMod val="75000"/>
+                    </a:schemeClr>
+                  </a:solidFill>
+                  <a:latin typeface="微软雅黑" panose="020B0503020204020204" pitchFamily="34" charset="-122"/>
+                  <a:ea typeface="微软雅黑" panose="020B0503020204020204" pitchFamily="34" charset="-122"/>
+                </a:rPr>
+                <a:t>根据车型自动匹配配件，省心省力，小白操作</a:t>
+              </a:r>
+              <a:endParaRPr lang="en-US" altLang="zh-CN" sz="800" dirty="0">
+                <a:solidFill>
+                  <a:schemeClr val="bg1">
+                    <a:lumMod val="75000"/>
+                  </a:schemeClr>
+                </a:solidFill>
+                <a:latin typeface="微软雅黑" panose="020B0503020204020204" pitchFamily="34" charset="-122"/>
+                <a:ea typeface="微软雅黑" panose="020B0503020204020204" pitchFamily="34" charset="-122"/>
+              </a:endParaRPr>
+            </a:p>
+            <a:p>
+              <a:r>
+                <a:rPr lang="zh-CN" altLang="en-US" sz="800" dirty="0">
+                  <a:solidFill>
+                    <a:schemeClr val="bg1">
+                      <a:lumMod val="75000"/>
+                    </a:schemeClr>
+                  </a:solidFill>
+                  <a:latin typeface="微软雅黑" panose="020B0503020204020204" pitchFamily="34" charset="-122"/>
+                  <a:ea typeface="微软雅黑" panose="020B0503020204020204" pitchFamily="34" charset="-122"/>
+                </a:rPr>
+                <a:t>全网最低价</a:t>
+              </a:r>
+            </a:p>
+          </p:txBody>
+        </p:sp>
+        <p:sp>
+          <p:nvSpPr>
+            <p:cNvPr id="68" name="矩形 67">
+              <a:extLst>
+                <a:ext uri="{FF2B5EF4-FFF2-40B4-BE49-F238E27FC236}">
+                  <a16:creationId xmlns:a16="http://schemas.microsoft.com/office/drawing/2014/main" id="{421D58C7-B762-4A38-ABE1-CD6DD9159F23}"/>
+                </a:ext>
+              </a:extLst>
+            </p:cNvPr>
+            <p:cNvSpPr/>
+            <p:nvPr/>
+          </p:nvSpPr>
+          <p:spPr>
+            <a:xfrm>
+              <a:off x="220371" y="5065237"/>
+              <a:ext cx="351018" cy="351018"/>
+            </a:xfrm>
+            <a:prstGeom prst="rect">
+              <a:avLst/>
+            </a:prstGeom>
+            <a:solidFill>
+              <a:schemeClr val="bg1">
+                <a:lumMod val="85000"/>
+              </a:schemeClr>
+            </a:solidFill>
+            <a:ln>
+              <a:noFill/>
+            </a:ln>
+          </p:spPr>
+          <p:style>
+            <a:lnRef idx="2">
+              <a:schemeClr val="accent1">
+                <a:shade val="50000"/>
+              </a:schemeClr>
+            </a:lnRef>
+            <a:fillRef idx="1">
+              <a:schemeClr val="accent1"/>
+            </a:fillRef>
+            <a:effectRef idx="0">
+              <a:schemeClr val="accent1"/>
+            </a:effectRef>
+            <a:fontRef idx="minor">
+              <a:schemeClr val="lt1"/>
+            </a:fontRef>
+          </p:style>
+          <p:txBody>
+            <a:bodyPr rtlCol="0" anchor="ctr"/>
+            <a:lstStyle/>
+            <a:p>
+              <a:pPr algn="ctr"/>
+              <a:endParaRPr lang="zh-CN" altLang="en-US" sz="900"/>
+            </a:p>
+          </p:txBody>
+        </p:sp>
+        <p:pic>
+          <p:nvPicPr>
+            <p:cNvPr id="69" name="图片 68">
+              <a:extLst>
+                <a:ext uri="{FF2B5EF4-FFF2-40B4-BE49-F238E27FC236}">
+                  <a16:creationId xmlns:a16="http://schemas.microsoft.com/office/drawing/2014/main" id="{5AC3311F-E472-4F75-8810-87FC233F8EC8}"/>
+                </a:ext>
+              </a:extLst>
+            </p:cNvPr>
+            <p:cNvPicPr>
+              <a:picLocks noChangeAspect="1"/>
+            </p:cNvPicPr>
+            <p:nvPr/>
+          </p:nvPicPr>
+          <p:blipFill rotWithShape="1">
+            <a:blip r:embed="rId4"/>
+            <a:srcRect l="89677" t="36384" r="6682" b="31513"/>
+            <a:stretch/>
+          </p:blipFill>
+          <p:spPr>
+            <a:xfrm>
+              <a:off x="3089580" y="5160106"/>
+              <a:ext cx="120972" cy="161814"/>
+            </a:xfrm>
+            <a:prstGeom prst="rect">
+              <a:avLst/>
+            </a:prstGeom>
+          </p:spPr>
+        </p:pic>
+      </p:grpSp>
+      <p:grpSp>
+        <p:nvGrpSpPr>
+          <p:cNvPr id="58" name="组合 57">
+            <a:extLst>
+              <a:ext uri="{FF2B5EF4-FFF2-40B4-BE49-F238E27FC236}">
+                <a16:creationId xmlns:a16="http://schemas.microsoft.com/office/drawing/2014/main" id="{F894AC6C-F586-4B4B-86A8-3054988E7217}"/>
+              </a:ext>
+            </a:extLst>
+          </p:cNvPr>
+          <p:cNvGrpSpPr/>
+          <p:nvPr/>
+        </p:nvGrpSpPr>
+        <p:grpSpPr>
+          <a:xfrm>
+            <a:off x="881508" y="2970631"/>
+            <a:ext cx="3308563" cy="2202906"/>
+            <a:chOff x="881508" y="2970631"/>
+            <a:chExt cx="3308563" cy="2202906"/>
+          </a:xfrm>
+        </p:grpSpPr>
+        <p:grpSp>
+          <p:nvGrpSpPr>
+            <p:cNvPr id="59" name="组合 58">
+              <a:extLst>
+                <a:ext uri="{FF2B5EF4-FFF2-40B4-BE49-F238E27FC236}">
+                  <a16:creationId xmlns:a16="http://schemas.microsoft.com/office/drawing/2014/main" id="{4E9EF8BA-25E1-4DB1-8CFB-24D0D01A9E72}"/>
+                </a:ext>
+              </a:extLst>
+            </p:cNvPr>
+            <p:cNvGrpSpPr/>
+            <p:nvPr/>
+          </p:nvGrpSpPr>
+          <p:grpSpPr>
+            <a:xfrm>
+              <a:off x="881508" y="2970631"/>
+              <a:ext cx="3308563" cy="2202906"/>
+              <a:chOff x="863629" y="2070920"/>
+              <a:chExt cx="3308563" cy="2202906"/>
+            </a:xfrm>
+          </p:grpSpPr>
+          <p:grpSp>
+            <p:nvGrpSpPr>
+              <p:cNvPr id="61" name="组合 60">
+                <a:extLst>
+                  <a:ext uri="{FF2B5EF4-FFF2-40B4-BE49-F238E27FC236}">
+                    <a16:creationId xmlns:a16="http://schemas.microsoft.com/office/drawing/2014/main" id="{2E4B546E-59B8-4A3F-92BB-8DF77CD694DB}"/>
+                  </a:ext>
+                </a:extLst>
+              </p:cNvPr>
+              <p:cNvGrpSpPr/>
+              <p:nvPr/>
+            </p:nvGrpSpPr>
+            <p:grpSpPr>
+              <a:xfrm>
+                <a:off x="952040" y="2070920"/>
+                <a:ext cx="3131743" cy="2202906"/>
+                <a:chOff x="109797" y="1729407"/>
+                <a:chExt cx="3131743" cy="2171627"/>
+              </a:xfrm>
+            </p:grpSpPr>
+            <p:sp>
+              <p:nvSpPr>
+                <p:cNvPr id="90" name="矩形 89">
+                  <a:extLst>
+                    <a:ext uri="{FF2B5EF4-FFF2-40B4-BE49-F238E27FC236}">
+                      <a16:creationId xmlns:a16="http://schemas.microsoft.com/office/drawing/2014/main" id="{F2F06A26-61D4-4593-AD0C-86FC2A2EE98C}"/>
+                    </a:ext>
+                  </a:extLst>
+                </p:cNvPr>
+                <p:cNvSpPr/>
+                <p:nvPr/>
+              </p:nvSpPr>
+              <p:spPr>
+                <a:xfrm>
+                  <a:off x="109797" y="1729407"/>
+                  <a:ext cx="3131743" cy="2171627"/>
+                </a:xfrm>
+                <a:prstGeom prst="rect">
+                  <a:avLst/>
+                </a:prstGeom>
+                <a:solidFill>
+                  <a:schemeClr val="bg1"/>
+                </a:solidFill>
+                <a:ln>
+                  <a:solidFill>
+                    <a:srgbClr val="DBDBDB"/>
+                  </a:solidFill>
+                </a:ln>
+              </p:spPr>
+              <p:style>
+                <a:lnRef idx="1">
+                  <a:schemeClr val="accent1"/>
+                </a:lnRef>
+                <a:fillRef idx="0">
+                  <a:schemeClr val="accent1"/>
+                </a:fillRef>
+                <a:effectRef idx="0">
+                  <a:schemeClr val="accent1"/>
+                </a:effectRef>
+                <a:fontRef idx="minor">
+                  <a:schemeClr val="tx1"/>
+                </a:fontRef>
+              </p:style>
+              <p:txBody>
+                <a:bodyPr rtlCol="0" anchor="ctr"/>
+                <a:lstStyle/>
+                <a:p>
+                  <a:pPr algn="ctr"/>
+                  <a:endParaRPr lang="zh-CN" altLang="en-US" sz="1000" dirty="0">
+                    <a:solidFill>
+                      <a:schemeClr val="tx1"/>
+                    </a:solidFill>
+                  </a:endParaRPr>
+                </a:p>
+              </p:txBody>
+            </p:sp>
+            <p:cxnSp>
+              <p:nvCxnSpPr>
+                <p:cNvPr id="91" name="直接连接符 90">
+                  <a:extLst>
+                    <a:ext uri="{FF2B5EF4-FFF2-40B4-BE49-F238E27FC236}">
+                      <a16:creationId xmlns:a16="http://schemas.microsoft.com/office/drawing/2014/main" id="{F7CF6C2A-C9CD-414E-9343-E8C5C00FE40A}"/>
+                    </a:ext>
+                  </a:extLst>
+                </p:cNvPr>
+                <p:cNvCxnSpPr>
+                  <a:cxnSpLocks/>
+                </p:cNvCxnSpPr>
+                <p:nvPr/>
+              </p:nvCxnSpPr>
+              <p:spPr>
+                <a:xfrm>
+                  <a:off x="242865" y="2009928"/>
+                  <a:ext cx="2998675" cy="0"/>
+                </a:xfrm>
+                <a:prstGeom prst="line">
+                  <a:avLst/>
+                </a:prstGeom>
+                <a:ln>
+                  <a:solidFill>
+                    <a:srgbClr val="DBDBDB"/>
+                  </a:solidFill>
+                </a:ln>
+              </p:spPr>
+              <p:style>
+                <a:lnRef idx="1">
+                  <a:schemeClr val="accent1"/>
+                </a:lnRef>
+                <a:fillRef idx="0">
+                  <a:schemeClr val="accent1"/>
+                </a:fillRef>
+                <a:effectRef idx="0">
+                  <a:schemeClr val="accent1"/>
+                </a:effectRef>
+                <a:fontRef idx="minor">
+                  <a:schemeClr val="tx1"/>
+                </a:fontRef>
+              </p:style>
+            </p:cxnSp>
+            <p:sp>
+              <p:nvSpPr>
+                <p:cNvPr id="92" name="文本框 91">
+                  <a:extLst>
+                    <a:ext uri="{FF2B5EF4-FFF2-40B4-BE49-F238E27FC236}">
+                      <a16:creationId xmlns:a16="http://schemas.microsoft.com/office/drawing/2014/main" id="{D585F6D6-B9D2-48A1-8775-AFF82ECAB7E6}"/>
+                    </a:ext>
+                  </a:extLst>
+                </p:cNvPr>
+                <p:cNvSpPr txBox="1"/>
+                <p:nvPr/>
+              </p:nvSpPr>
+              <p:spPr>
+                <a:xfrm>
+                  <a:off x="191804" y="1792668"/>
+                  <a:ext cx="824713" cy="212385"/>
+                </a:xfrm>
+                <a:prstGeom prst="rect">
+                  <a:avLst/>
+                </a:prstGeom>
+                <a:noFill/>
+              </p:spPr>
+              <p:txBody>
+                <a:bodyPr wrap="square" rtlCol="0">
+                  <a:spAutoFit/>
+                </a:bodyPr>
+                <a:lstStyle/>
+                <a:p>
+                  <a:r>
+                    <a:rPr lang="zh-CN" altLang="en-US" sz="800" dirty="0">
+                      <a:solidFill>
+                        <a:schemeClr val="bg1">
+                          <a:lumMod val="75000"/>
+                        </a:schemeClr>
+                      </a:solidFill>
+                      <a:latin typeface="微软雅黑" panose="020B0503020204020204" pitchFamily="34" charset="-122"/>
+                      <a:ea typeface="微软雅黑" panose="020B0503020204020204" pitchFamily="34" charset="-122"/>
+                    </a:rPr>
+                    <a:t>优惠生活</a:t>
+                  </a:r>
+                </a:p>
+              </p:txBody>
+            </p:sp>
+          </p:grpSp>
+          <p:grpSp>
+            <p:nvGrpSpPr>
+              <p:cNvPr id="62" name="组合 61">
+                <a:extLst>
+                  <a:ext uri="{FF2B5EF4-FFF2-40B4-BE49-F238E27FC236}">
+                    <a16:creationId xmlns:a16="http://schemas.microsoft.com/office/drawing/2014/main" id="{DACBA32C-A96A-400B-826C-0CB19C2FA9DE}"/>
+                  </a:ext>
+                </a:extLst>
+              </p:cNvPr>
+              <p:cNvGrpSpPr/>
+              <p:nvPr/>
+            </p:nvGrpSpPr>
+            <p:grpSpPr>
+              <a:xfrm>
+                <a:off x="863629" y="2489697"/>
+                <a:ext cx="3308563" cy="805733"/>
+                <a:chOff x="854415" y="2556530"/>
+                <a:chExt cx="3308563" cy="805733"/>
+              </a:xfrm>
+            </p:grpSpPr>
+            <p:grpSp>
+              <p:nvGrpSpPr>
+                <p:cNvPr id="81" name="组合 80">
+                  <a:extLst>
+                    <a:ext uri="{FF2B5EF4-FFF2-40B4-BE49-F238E27FC236}">
+                      <a16:creationId xmlns:a16="http://schemas.microsoft.com/office/drawing/2014/main" id="{8EE31B90-2881-46C0-A6DF-6BE71631C085}"/>
+                    </a:ext>
+                  </a:extLst>
+                </p:cNvPr>
+                <p:cNvGrpSpPr/>
+                <p:nvPr/>
+              </p:nvGrpSpPr>
+              <p:grpSpPr>
+                <a:xfrm>
+                  <a:off x="854415" y="2556530"/>
+                  <a:ext cx="1239857" cy="785598"/>
+                  <a:chOff x="997827" y="5345661"/>
+                  <a:chExt cx="494923" cy="313593"/>
+                </a:xfrm>
+              </p:grpSpPr>
+              <p:sp>
+                <p:nvSpPr>
+                  <p:cNvPr id="88" name="矩形: 圆角 87">
+                    <a:extLst>
+                      <a:ext uri="{FF2B5EF4-FFF2-40B4-BE49-F238E27FC236}">
+                        <a16:creationId xmlns:a16="http://schemas.microsoft.com/office/drawing/2014/main" id="{B15C092C-C8A7-4496-B4F5-B00930BE2AC5}"/>
+                      </a:ext>
+                    </a:extLst>
+                  </p:cNvPr>
+                  <p:cNvSpPr/>
+                  <p:nvPr/>
+                </p:nvSpPr>
+                <p:spPr>
+                  <a:xfrm>
+                    <a:off x="1130148" y="5345661"/>
+                    <a:ext cx="230282" cy="230282"/>
+                  </a:xfrm>
+                  <a:prstGeom prst="roundRect">
+                    <a:avLst/>
+                  </a:prstGeom>
+                  <a:solidFill>
+                    <a:srgbClr val="D9D9D9"/>
+                  </a:solidFill>
+                  <a:ln>
+                    <a:noFill/>
+                  </a:ln>
+                </p:spPr>
+                <p:style>
+                  <a:lnRef idx="2">
+                    <a:schemeClr val="accent1">
+                      <a:shade val="50000"/>
+                    </a:schemeClr>
+                  </a:lnRef>
+                  <a:fillRef idx="1">
+                    <a:schemeClr val="accent1"/>
+                  </a:fillRef>
+                  <a:effectRef idx="0">
+                    <a:schemeClr val="accent1"/>
+                  </a:effectRef>
+                  <a:fontRef idx="minor">
+                    <a:schemeClr val="lt1"/>
+                  </a:fontRef>
+                </p:style>
+                <p:txBody>
+                  <a:bodyPr rtlCol="0" anchor="ctr"/>
+                  <a:lstStyle/>
+                  <a:p>
+                    <a:pPr algn="ctr">
+                      <a:lnSpc>
+                        <a:spcPct val="150000"/>
+                      </a:lnSpc>
+                    </a:pPr>
+                    <a:endParaRPr lang="zh-CN" altLang="en-US" sz="1000" dirty="0">
+                      <a:solidFill>
+                        <a:schemeClr val="tx1"/>
+                      </a:solidFill>
+                      <a:latin typeface="微软雅黑" panose="020B0503020204020204" pitchFamily="34" charset="-122"/>
+                      <a:ea typeface="微软雅黑" panose="020B0503020204020204" pitchFamily="34" charset="-122"/>
+                    </a:endParaRPr>
+                  </a:p>
+                </p:txBody>
+              </p:sp>
+              <p:sp>
+                <p:nvSpPr>
+                  <p:cNvPr id="89" name="文本框 88">
+                    <a:extLst>
+                      <a:ext uri="{FF2B5EF4-FFF2-40B4-BE49-F238E27FC236}">
+                        <a16:creationId xmlns:a16="http://schemas.microsoft.com/office/drawing/2014/main" id="{B85772A0-EA3C-4BED-852E-E71AE7774905}"/>
+                      </a:ext>
+                    </a:extLst>
+                  </p:cNvPr>
+                  <p:cNvSpPr txBox="1"/>
+                  <p:nvPr/>
+                </p:nvSpPr>
+                <p:spPr>
+                  <a:xfrm>
+                    <a:off x="997827" y="5579397"/>
+                    <a:ext cx="494923" cy="79857"/>
+                  </a:xfrm>
+                  <a:prstGeom prst="rect">
+                    <a:avLst/>
+                  </a:prstGeom>
+                  <a:noFill/>
+                </p:spPr>
+                <p:txBody>
+                  <a:bodyPr wrap="square" rtlCol="0">
+                    <a:spAutoFit/>
+                  </a:bodyPr>
+                  <a:lstStyle/>
+                  <a:p>
+                    <a:pPr algn="ctr"/>
+                    <a:r>
+                      <a:rPr lang="zh-CN" altLang="en-US" sz="700" dirty="0">
+                        <a:latin typeface="微软雅黑" panose="020B0503020204020204" pitchFamily="34" charset="-122"/>
+                        <a:ea typeface="微软雅黑" panose="020B0503020204020204" pitchFamily="34" charset="-122"/>
+                      </a:rPr>
+                      <a:t>新车比价</a:t>
+                    </a:r>
+                  </a:p>
+                </p:txBody>
+              </p:sp>
+            </p:grpSp>
+            <p:grpSp>
+              <p:nvGrpSpPr>
+                <p:cNvPr id="82" name="组合 81">
+                  <a:extLst>
+                    <a:ext uri="{FF2B5EF4-FFF2-40B4-BE49-F238E27FC236}">
+                      <a16:creationId xmlns:a16="http://schemas.microsoft.com/office/drawing/2014/main" id="{6772F622-07C7-4070-BC11-D182C2BB3905}"/>
+                    </a:ext>
+                  </a:extLst>
+                </p:cNvPr>
+                <p:cNvGrpSpPr/>
+                <p:nvPr/>
+              </p:nvGrpSpPr>
+              <p:grpSpPr>
+                <a:xfrm>
+                  <a:off x="1888768" y="2576665"/>
+                  <a:ext cx="1239857" cy="785598"/>
+                  <a:chOff x="997827" y="5345661"/>
+                  <a:chExt cx="494923" cy="313593"/>
+                </a:xfrm>
+              </p:grpSpPr>
+              <p:sp>
+                <p:nvSpPr>
+                  <p:cNvPr id="86" name="矩形: 圆角 85">
+                    <a:extLst>
+                      <a:ext uri="{FF2B5EF4-FFF2-40B4-BE49-F238E27FC236}">
+                        <a16:creationId xmlns:a16="http://schemas.microsoft.com/office/drawing/2014/main" id="{8C4A8E3E-082E-4E3A-AC02-8A86E80B99F2}"/>
+                      </a:ext>
+                    </a:extLst>
+                  </p:cNvPr>
+                  <p:cNvSpPr/>
+                  <p:nvPr/>
+                </p:nvSpPr>
+                <p:spPr>
+                  <a:xfrm>
+                    <a:off x="1130148" y="5345661"/>
+                    <a:ext cx="230282" cy="230282"/>
+                  </a:xfrm>
+                  <a:prstGeom prst="roundRect">
+                    <a:avLst/>
+                  </a:prstGeom>
+                  <a:solidFill>
+                    <a:srgbClr val="D9D9D9"/>
+                  </a:solidFill>
+                  <a:ln>
+                    <a:noFill/>
+                  </a:ln>
+                </p:spPr>
+                <p:style>
+                  <a:lnRef idx="2">
+                    <a:schemeClr val="accent1">
+                      <a:shade val="50000"/>
+                    </a:schemeClr>
+                  </a:lnRef>
+                  <a:fillRef idx="1">
+                    <a:schemeClr val="accent1"/>
+                  </a:fillRef>
+                  <a:effectRef idx="0">
+                    <a:schemeClr val="accent1"/>
+                  </a:effectRef>
+                  <a:fontRef idx="minor">
+                    <a:schemeClr val="lt1"/>
+                  </a:fontRef>
+                </p:style>
+                <p:txBody>
+                  <a:bodyPr rtlCol="0" anchor="ctr"/>
+                  <a:lstStyle/>
+                  <a:p>
+                    <a:pPr algn="ctr">
+                      <a:lnSpc>
+                        <a:spcPct val="150000"/>
+                      </a:lnSpc>
+                    </a:pPr>
+                    <a:endParaRPr lang="zh-CN" altLang="en-US" sz="1000" dirty="0">
+                      <a:solidFill>
+                        <a:schemeClr val="tx1"/>
+                      </a:solidFill>
+                      <a:latin typeface="微软雅黑" panose="020B0503020204020204" pitchFamily="34" charset="-122"/>
+                      <a:ea typeface="微软雅黑" panose="020B0503020204020204" pitchFamily="34" charset="-122"/>
+                    </a:endParaRPr>
+                  </a:p>
+                </p:txBody>
+              </p:sp>
+              <p:sp>
+                <p:nvSpPr>
+                  <p:cNvPr id="87" name="文本框 86">
+                    <a:extLst>
+                      <a:ext uri="{FF2B5EF4-FFF2-40B4-BE49-F238E27FC236}">
+                        <a16:creationId xmlns:a16="http://schemas.microsoft.com/office/drawing/2014/main" id="{20C55D91-2D1A-4D73-8EF4-95BDBAB25212}"/>
+                      </a:ext>
+                    </a:extLst>
+                  </p:cNvPr>
+                  <p:cNvSpPr txBox="1"/>
+                  <p:nvPr/>
+                </p:nvSpPr>
+                <p:spPr>
+                  <a:xfrm>
+                    <a:off x="997827" y="5579397"/>
+                    <a:ext cx="494923" cy="79857"/>
+                  </a:xfrm>
+                  <a:prstGeom prst="rect">
+                    <a:avLst/>
+                  </a:prstGeom>
+                  <a:noFill/>
+                </p:spPr>
+                <p:txBody>
+                  <a:bodyPr wrap="square" rtlCol="0">
+                    <a:spAutoFit/>
+                  </a:bodyPr>
+                  <a:lstStyle/>
+                  <a:p>
+                    <a:pPr algn="ctr"/>
+                    <a:r>
+                      <a:rPr lang="zh-CN" altLang="en-US" sz="700" dirty="0">
+                        <a:latin typeface="微软雅黑" panose="020B0503020204020204" pitchFamily="34" charset="-122"/>
+                        <a:ea typeface="微软雅黑" panose="020B0503020204020204" pitchFamily="34" charset="-122"/>
+                      </a:rPr>
+                      <a:t>车险购买</a:t>
+                    </a:r>
+                  </a:p>
+                </p:txBody>
+              </p:sp>
+            </p:grpSp>
+            <p:grpSp>
+              <p:nvGrpSpPr>
+                <p:cNvPr id="83" name="组合 82">
+                  <a:extLst>
+                    <a:ext uri="{FF2B5EF4-FFF2-40B4-BE49-F238E27FC236}">
+                      <a16:creationId xmlns:a16="http://schemas.microsoft.com/office/drawing/2014/main" id="{056CD231-6D61-454C-A1BE-1E60617421C8}"/>
+                    </a:ext>
+                  </a:extLst>
+                </p:cNvPr>
+                <p:cNvGrpSpPr/>
+                <p:nvPr/>
+              </p:nvGrpSpPr>
+              <p:grpSpPr>
+                <a:xfrm>
+                  <a:off x="2923121" y="2576665"/>
+                  <a:ext cx="1239857" cy="785598"/>
+                  <a:chOff x="997827" y="5345661"/>
+                  <a:chExt cx="494923" cy="313593"/>
+                </a:xfrm>
+              </p:grpSpPr>
+              <p:sp>
+                <p:nvSpPr>
+                  <p:cNvPr id="84" name="矩形: 圆角 83">
+                    <a:extLst>
+                      <a:ext uri="{FF2B5EF4-FFF2-40B4-BE49-F238E27FC236}">
+                        <a16:creationId xmlns:a16="http://schemas.microsoft.com/office/drawing/2014/main" id="{02723D0B-3B2E-4C0B-A974-70C4189E7BEA}"/>
+                      </a:ext>
+                    </a:extLst>
+                  </p:cNvPr>
+                  <p:cNvSpPr/>
+                  <p:nvPr/>
+                </p:nvSpPr>
+                <p:spPr>
+                  <a:xfrm>
+                    <a:off x="1130148" y="5345661"/>
+                    <a:ext cx="230282" cy="230282"/>
+                  </a:xfrm>
+                  <a:prstGeom prst="roundRect">
+                    <a:avLst/>
+                  </a:prstGeom>
+                  <a:solidFill>
+                    <a:srgbClr val="D9D9D9"/>
+                  </a:solidFill>
+                  <a:ln>
+                    <a:noFill/>
+                  </a:ln>
+                </p:spPr>
+                <p:style>
+                  <a:lnRef idx="2">
+                    <a:schemeClr val="accent1">
+                      <a:shade val="50000"/>
+                    </a:schemeClr>
+                  </a:lnRef>
+                  <a:fillRef idx="1">
+                    <a:schemeClr val="accent1"/>
+                  </a:fillRef>
+                  <a:effectRef idx="0">
+                    <a:schemeClr val="accent1"/>
+                  </a:effectRef>
+                  <a:fontRef idx="minor">
+                    <a:schemeClr val="lt1"/>
+                  </a:fontRef>
+                </p:style>
+                <p:txBody>
+                  <a:bodyPr rtlCol="0" anchor="ctr"/>
+                  <a:lstStyle/>
+                  <a:p>
+                    <a:pPr algn="ctr">
+                      <a:lnSpc>
+                        <a:spcPct val="150000"/>
+                      </a:lnSpc>
+                    </a:pPr>
+                    <a:endParaRPr lang="zh-CN" altLang="en-US" sz="1000" dirty="0">
+                      <a:solidFill>
+                        <a:schemeClr val="tx1"/>
+                      </a:solidFill>
+                      <a:latin typeface="微软雅黑" panose="020B0503020204020204" pitchFamily="34" charset="-122"/>
+                      <a:ea typeface="微软雅黑" panose="020B0503020204020204" pitchFamily="34" charset="-122"/>
+                    </a:endParaRPr>
+                  </a:p>
+                </p:txBody>
+              </p:sp>
+              <p:sp>
+                <p:nvSpPr>
+                  <p:cNvPr id="85" name="文本框 84">
+                    <a:extLst>
+                      <a:ext uri="{FF2B5EF4-FFF2-40B4-BE49-F238E27FC236}">
+                        <a16:creationId xmlns:a16="http://schemas.microsoft.com/office/drawing/2014/main" id="{54F178BB-D062-4283-8324-697509D9FEE6}"/>
+                      </a:ext>
+                    </a:extLst>
+                  </p:cNvPr>
+                  <p:cNvSpPr txBox="1"/>
+                  <p:nvPr/>
+                </p:nvSpPr>
+                <p:spPr>
+                  <a:xfrm>
+                    <a:off x="997827" y="5579397"/>
+                    <a:ext cx="494923" cy="79857"/>
+                  </a:xfrm>
+                  <a:prstGeom prst="rect">
+                    <a:avLst/>
+                  </a:prstGeom>
+                  <a:noFill/>
+                </p:spPr>
+                <p:txBody>
+                  <a:bodyPr wrap="square" rtlCol="0">
+                    <a:spAutoFit/>
+                  </a:bodyPr>
+                  <a:lstStyle/>
+                  <a:p>
+                    <a:pPr algn="ctr"/>
+                    <a:r>
+                      <a:rPr lang="zh-CN" altLang="en-US" sz="700" dirty="0">
+                        <a:latin typeface="微软雅黑" panose="020B0503020204020204" pitchFamily="34" charset="-122"/>
+                        <a:ea typeface="微软雅黑" panose="020B0503020204020204" pitchFamily="34" charset="-122"/>
+                      </a:rPr>
+                      <a:t>意外健康险</a:t>
+                    </a:r>
+                  </a:p>
+                </p:txBody>
+              </p:sp>
+            </p:grpSp>
+          </p:grpSp>
+          <p:sp>
+            <p:nvSpPr>
+              <p:cNvPr id="63" name="矩形 62">
+                <a:extLst>
+                  <a:ext uri="{FF2B5EF4-FFF2-40B4-BE49-F238E27FC236}">
+                    <a16:creationId xmlns:a16="http://schemas.microsoft.com/office/drawing/2014/main" id="{4EEAE0C5-5F99-4BAF-823F-01AC7942B3C3}"/>
+                  </a:ext>
+                </a:extLst>
+              </p:cNvPr>
+              <p:cNvSpPr/>
+              <p:nvPr/>
+            </p:nvSpPr>
+            <p:spPr>
+              <a:xfrm rot="1844245">
+                <a:off x="2484625" y="2599344"/>
+                <a:ext cx="310086" cy="130809"/>
+              </a:xfrm>
+              <a:prstGeom prst="rect">
+                <a:avLst/>
+              </a:prstGeom>
+              <a:solidFill>
+                <a:srgbClr val="09BB07"/>
+              </a:solidFill>
+              <a:ln>
+                <a:noFill/>
+              </a:ln>
+            </p:spPr>
+            <p:style>
+              <a:lnRef idx="2">
+                <a:schemeClr val="accent1">
+                  <a:shade val="50000"/>
+                </a:schemeClr>
+              </a:lnRef>
+              <a:fillRef idx="1">
+                <a:schemeClr val="accent1"/>
+              </a:fillRef>
+              <a:effectRef idx="0">
+                <a:schemeClr val="accent1"/>
+              </a:effectRef>
+              <a:fontRef idx="minor">
+                <a:schemeClr val="lt1"/>
+              </a:fontRef>
+            </p:style>
+            <p:txBody>
+              <a:bodyPr rtlCol="0" anchor="ctr"/>
+              <a:lstStyle/>
+              <a:p>
+                <a:pPr algn="ctr"/>
+                <a:r>
+                  <a:rPr lang="zh-CN" altLang="en-US" sz="700" dirty="0">
+                    <a:latin typeface="微软雅黑" panose="020B0503020204020204" pitchFamily="34" charset="-122"/>
+                    <a:ea typeface="微软雅黑" panose="020B0503020204020204" pitchFamily="34" charset="-122"/>
+                  </a:rPr>
+                  <a:t>惠</a:t>
+                </a:r>
+              </a:p>
+            </p:txBody>
+          </p:sp>
+          <p:grpSp>
+            <p:nvGrpSpPr>
+              <p:cNvPr id="70" name="组合 69">
+                <a:extLst>
+                  <a:ext uri="{FF2B5EF4-FFF2-40B4-BE49-F238E27FC236}">
+                    <a16:creationId xmlns:a16="http://schemas.microsoft.com/office/drawing/2014/main" id="{D24BAFE2-F893-47EC-9FF2-68903DC39738}"/>
+                  </a:ext>
+                </a:extLst>
+              </p:cNvPr>
+              <p:cNvGrpSpPr/>
+              <p:nvPr/>
+            </p:nvGrpSpPr>
+            <p:grpSpPr>
+              <a:xfrm>
+                <a:off x="863629" y="3394014"/>
+                <a:ext cx="3308563" cy="805733"/>
+                <a:chOff x="854415" y="2556530"/>
+                <a:chExt cx="3308563" cy="805733"/>
+              </a:xfrm>
+            </p:grpSpPr>
+            <p:grpSp>
+              <p:nvGrpSpPr>
+                <p:cNvPr id="71" name="组合 70">
+                  <a:extLst>
+                    <a:ext uri="{FF2B5EF4-FFF2-40B4-BE49-F238E27FC236}">
+                      <a16:creationId xmlns:a16="http://schemas.microsoft.com/office/drawing/2014/main" id="{0C7A9167-64FB-4825-AECA-F99ADC273CF3}"/>
+                    </a:ext>
+                  </a:extLst>
+                </p:cNvPr>
+                <p:cNvGrpSpPr/>
+                <p:nvPr/>
+              </p:nvGrpSpPr>
+              <p:grpSpPr>
+                <a:xfrm>
+                  <a:off x="854415" y="2556530"/>
+                  <a:ext cx="1239857" cy="785598"/>
+                  <a:chOff x="997827" y="5345661"/>
+                  <a:chExt cx="494923" cy="313593"/>
+                </a:xfrm>
+              </p:grpSpPr>
+              <p:sp>
+                <p:nvSpPr>
+                  <p:cNvPr id="79" name="矩形: 圆角 78">
+                    <a:extLst>
+                      <a:ext uri="{FF2B5EF4-FFF2-40B4-BE49-F238E27FC236}">
+                        <a16:creationId xmlns:a16="http://schemas.microsoft.com/office/drawing/2014/main" id="{A535F93E-F121-4B9A-8A3A-D95AA07894FD}"/>
+                      </a:ext>
+                    </a:extLst>
+                  </p:cNvPr>
+                  <p:cNvSpPr/>
+                  <p:nvPr/>
+                </p:nvSpPr>
+                <p:spPr>
+                  <a:xfrm>
+                    <a:off x="1130148" y="5345661"/>
+                    <a:ext cx="230282" cy="230282"/>
+                  </a:xfrm>
+                  <a:prstGeom prst="roundRect">
+                    <a:avLst/>
+                  </a:prstGeom>
+                  <a:solidFill>
+                    <a:srgbClr val="D9D9D9"/>
+                  </a:solidFill>
+                  <a:ln>
+                    <a:noFill/>
+                  </a:ln>
+                </p:spPr>
+                <p:style>
+                  <a:lnRef idx="2">
+                    <a:schemeClr val="accent1">
+                      <a:shade val="50000"/>
+                    </a:schemeClr>
+                  </a:lnRef>
+                  <a:fillRef idx="1">
+                    <a:schemeClr val="accent1"/>
+                  </a:fillRef>
+                  <a:effectRef idx="0">
+                    <a:schemeClr val="accent1"/>
+                  </a:effectRef>
+                  <a:fontRef idx="minor">
+                    <a:schemeClr val="lt1"/>
+                  </a:fontRef>
+                </p:style>
+                <p:txBody>
+                  <a:bodyPr rtlCol="0" anchor="ctr"/>
+                  <a:lstStyle/>
+                  <a:p>
+                    <a:pPr algn="ctr">
+                      <a:lnSpc>
+                        <a:spcPct val="150000"/>
+                      </a:lnSpc>
+                    </a:pPr>
+                    <a:endParaRPr lang="zh-CN" altLang="en-US" sz="1000" dirty="0">
+                      <a:solidFill>
+                        <a:schemeClr val="tx1"/>
+                      </a:solidFill>
+                      <a:latin typeface="微软雅黑" panose="020B0503020204020204" pitchFamily="34" charset="-122"/>
+                      <a:ea typeface="微软雅黑" panose="020B0503020204020204" pitchFamily="34" charset="-122"/>
+                    </a:endParaRPr>
+                  </a:p>
+                </p:txBody>
+              </p:sp>
+              <p:sp>
+                <p:nvSpPr>
+                  <p:cNvPr id="80" name="文本框 79">
+                    <a:extLst>
+                      <a:ext uri="{FF2B5EF4-FFF2-40B4-BE49-F238E27FC236}">
+                        <a16:creationId xmlns:a16="http://schemas.microsoft.com/office/drawing/2014/main" id="{04457665-FDB7-4B4F-B08C-C4A08D92BB71}"/>
+                      </a:ext>
+                    </a:extLst>
+                  </p:cNvPr>
+                  <p:cNvSpPr txBox="1"/>
+                  <p:nvPr/>
+                </p:nvSpPr>
+                <p:spPr>
+                  <a:xfrm>
+                    <a:off x="997827" y="5579397"/>
+                    <a:ext cx="494923" cy="79857"/>
+                  </a:xfrm>
+                  <a:prstGeom prst="rect">
+                    <a:avLst/>
+                  </a:prstGeom>
+                  <a:noFill/>
+                </p:spPr>
+                <p:txBody>
+                  <a:bodyPr wrap="square" rtlCol="0">
+                    <a:spAutoFit/>
+                  </a:bodyPr>
+                  <a:lstStyle/>
+                  <a:p>
+                    <a:pPr algn="ctr"/>
+                    <a:r>
+                      <a:rPr lang="zh-CN" altLang="en-US" sz="700" dirty="0">
+                        <a:latin typeface="微软雅黑" panose="020B0503020204020204" pitchFamily="34" charset="-122"/>
+                        <a:ea typeface="微软雅黑" panose="020B0503020204020204" pitchFamily="34" charset="-122"/>
+                      </a:rPr>
+                      <a:t>国际租车</a:t>
+                    </a:r>
+                  </a:p>
+                </p:txBody>
+              </p:sp>
+            </p:grpSp>
+            <p:grpSp>
+              <p:nvGrpSpPr>
+                <p:cNvPr id="72" name="组合 71">
+                  <a:extLst>
+                    <a:ext uri="{FF2B5EF4-FFF2-40B4-BE49-F238E27FC236}">
+                      <a16:creationId xmlns:a16="http://schemas.microsoft.com/office/drawing/2014/main" id="{9DBD52E7-30C3-4615-993E-BBAEDF77A64A}"/>
+                    </a:ext>
+                  </a:extLst>
+                </p:cNvPr>
+                <p:cNvGrpSpPr/>
+                <p:nvPr/>
+              </p:nvGrpSpPr>
+              <p:grpSpPr>
+                <a:xfrm>
+                  <a:off x="1888768" y="2576665"/>
+                  <a:ext cx="1239857" cy="785598"/>
+                  <a:chOff x="997827" y="5345661"/>
+                  <a:chExt cx="494923" cy="313593"/>
+                </a:xfrm>
+              </p:grpSpPr>
+              <p:sp>
+                <p:nvSpPr>
+                  <p:cNvPr id="77" name="矩形: 圆角 76">
+                    <a:extLst>
+                      <a:ext uri="{FF2B5EF4-FFF2-40B4-BE49-F238E27FC236}">
+                        <a16:creationId xmlns:a16="http://schemas.microsoft.com/office/drawing/2014/main" id="{F7BC467F-38D4-4CF1-BC4F-63C3DECE1184}"/>
+                      </a:ext>
+                    </a:extLst>
+                  </p:cNvPr>
+                  <p:cNvSpPr/>
+                  <p:nvPr/>
+                </p:nvSpPr>
+                <p:spPr>
+                  <a:xfrm>
+                    <a:off x="1130148" y="5345661"/>
+                    <a:ext cx="230282" cy="230282"/>
+                  </a:xfrm>
+                  <a:prstGeom prst="roundRect">
+                    <a:avLst/>
+                  </a:prstGeom>
+                  <a:solidFill>
+                    <a:srgbClr val="D9D9D9"/>
+                  </a:solidFill>
+                  <a:ln>
+                    <a:noFill/>
+                  </a:ln>
+                </p:spPr>
+                <p:style>
+                  <a:lnRef idx="2">
+                    <a:schemeClr val="accent1">
+                      <a:shade val="50000"/>
+                    </a:schemeClr>
+                  </a:lnRef>
+                  <a:fillRef idx="1">
+                    <a:schemeClr val="accent1"/>
+                  </a:fillRef>
+                  <a:effectRef idx="0">
+                    <a:schemeClr val="accent1"/>
+                  </a:effectRef>
+                  <a:fontRef idx="minor">
+                    <a:schemeClr val="lt1"/>
+                  </a:fontRef>
+                </p:style>
+                <p:txBody>
+                  <a:bodyPr rtlCol="0" anchor="ctr"/>
+                  <a:lstStyle/>
+                  <a:p>
+                    <a:pPr algn="ctr">
+                      <a:lnSpc>
+                        <a:spcPct val="150000"/>
+                      </a:lnSpc>
+                    </a:pPr>
+                    <a:endParaRPr lang="zh-CN" altLang="en-US" sz="1000" dirty="0">
+                      <a:solidFill>
+                        <a:schemeClr val="tx1"/>
+                      </a:solidFill>
+                      <a:latin typeface="微软雅黑" panose="020B0503020204020204" pitchFamily="34" charset="-122"/>
+                      <a:ea typeface="微软雅黑" panose="020B0503020204020204" pitchFamily="34" charset="-122"/>
+                    </a:endParaRPr>
+                  </a:p>
+                </p:txBody>
+              </p:sp>
+              <p:sp>
+                <p:nvSpPr>
+                  <p:cNvPr id="78" name="文本框 77">
+                    <a:extLst>
+                      <a:ext uri="{FF2B5EF4-FFF2-40B4-BE49-F238E27FC236}">
+                        <a16:creationId xmlns:a16="http://schemas.microsoft.com/office/drawing/2014/main" id="{4684B083-C089-4F4E-A714-7C8C4408E9C7}"/>
+                      </a:ext>
+                    </a:extLst>
+                  </p:cNvPr>
+                  <p:cNvSpPr txBox="1"/>
+                  <p:nvPr/>
+                </p:nvSpPr>
+                <p:spPr>
+                  <a:xfrm>
+                    <a:off x="997827" y="5579397"/>
+                    <a:ext cx="494923" cy="79857"/>
+                  </a:xfrm>
+                  <a:prstGeom prst="rect">
+                    <a:avLst/>
+                  </a:prstGeom>
+                  <a:noFill/>
+                </p:spPr>
+                <p:txBody>
+                  <a:bodyPr wrap="square" rtlCol="0">
+                    <a:spAutoFit/>
+                  </a:bodyPr>
+                  <a:lstStyle/>
+                  <a:p>
+                    <a:pPr algn="ctr"/>
+                    <a:r>
+                      <a:rPr lang="zh-CN" altLang="en-US" sz="700" dirty="0">
+                        <a:latin typeface="微软雅黑" panose="020B0503020204020204" pitchFamily="34" charset="-122"/>
+                        <a:ea typeface="微软雅黑" panose="020B0503020204020204" pitchFamily="34" charset="-122"/>
+                      </a:rPr>
+                      <a:t>国际驾照</a:t>
+                    </a:r>
+                  </a:p>
+                </p:txBody>
+              </p:sp>
+            </p:grpSp>
+            <p:grpSp>
+              <p:nvGrpSpPr>
+                <p:cNvPr id="73" name="组合 72">
+                  <a:extLst>
+                    <a:ext uri="{FF2B5EF4-FFF2-40B4-BE49-F238E27FC236}">
+                      <a16:creationId xmlns:a16="http://schemas.microsoft.com/office/drawing/2014/main" id="{4E2084B3-E232-4BAF-8765-D91C05C6E70B}"/>
+                    </a:ext>
+                  </a:extLst>
+                </p:cNvPr>
+                <p:cNvGrpSpPr/>
+                <p:nvPr/>
+              </p:nvGrpSpPr>
+              <p:grpSpPr>
+                <a:xfrm>
+                  <a:off x="2923121" y="2576665"/>
+                  <a:ext cx="1239857" cy="785598"/>
+                  <a:chOff x="997827" y="5345661"/>
+                  <a:chExt cx="494923" cy="313593"/>
+                </a:xfrm>
+              </p:grpSpPr>
+              <p:sp>
+                <p:nvSpPr>
+                  <p:cNvPr id="74" name="矩形: 圆角 73">
+                    <a:extLst>
+                      <a:ext uri="{FF2B5EF4-FFF2-40B4-BE49-F238E27FC236}">
+                        <a16:creationId xmlns:a16="http://schemas.microsoft.com/office/drawing/2014/main" id="{BB0DA932-F9CA-4B8C-A37B-780EA34F37B7}"/>
+                      </a:ext>
+                    </a:extLst>
+                  </p:cNvPr>
+                  <p:cNvSpPr/>
+                  <p:nvPr/>
+                </p:nvSpPr>
+                <p:spPr>
+                  <a:xfrm>
+                    <a:off x="1130148" y="5345661"/>
+                    <a:ext cx="230282" cy="230282"/>
+                  </a:xfrm>
+                  <a:prstGeom prst="roundRect">
+                    <a:avLst/>
+                  </a:prstGeom>
+                  <a:solidFill>
+                    <a:srgbClr val="D9D9D9"/>
+                  </a:solidFill>
+                  <a:ln>
+                    <a:noFill/>
+                  </a:ln>
+                </p:spPr>
+                <p:style>
+                  <a:lnRef idx="2">
+                    <a:schemeClr val="accent1">
+                      <a:shade val="50000"/>
+                    </a:schemeClr>
+                  </a:lnRef>
+                  <a:fillRef idx="1">
+                    <a:schemeClr val="accent1"/>
+                  </a:fillRef>
+                  <a:effectRef idx="0">
+                    <a:schemeClr val="accent1"/>
+                  </a:effectRef>
+                  <a:fontRef idx="minor">
+                    <a:schemeClr val="lt1"/>
+                  </a:fontRef>
+                </p:style>
+                <p:txBody>
+                  <a:bodyPr rtlCol="0" anchor="ctr"/>
+                  <a:lstStyle/>
+                  <a:p>
+                    <a:pPr algn="ctr">
+                      <a:lnSpc>
+                        <a:spcPct val="150000"/>
+                      </a:lnSpc>
+                    </a:pPr>
+                    <a:endParaRPr lang="zh-CN" altLang="en-US" sz="1000" dirty="0">
+                      <a:solidFill>
+                        <a:schemeClr val="tx1"/>
+                      </a:solidFill>
+                      <a:latin typeface="微软雅黑" panose="020B0503020204020204" pitchFamily="34" charset="-122"/>
+                      <a:ea typeface="微软雅黑" panose="020B0503020204020204" pitchFamily="34" charset="-122"/>
+                    </a:endParaRPr>
+                  </a:p>
+                </p:txBody>
+              </p:sp>
+              <p:sp>
+                <p:nvSpPr>
+                  <p:cNvPr id="75" name="文本框 74">
+                    <a:extLst>
+                      <a:ext uri="{FF2B5EF4-FFF2-40B4-BE49-F238E27FC236}">
+                        <a16:creationId xmlns:a16="http://schemas.microsoft.com/office/drawing/2014/main" id="{A207F50E-7FB7-43FC-94B5-76399CB16A5F}"/>
+                      </a:ext>
+                    </a:extLst>
+                  </p:cNvPr>
+                  <p:cNvSpPr txBox="1"/>
+                  <p:nvPr/>
+                </p:nvSpPr>
+                <p:spPr>
+                  <a:xfrm>
+                    <a:off x="997827" y="5579397"/>
+                    <a:ext cx="494923" cy="79857"/>
+                  </a:xfrm>
+                  <a:prstGeom prst="rect">
+                    <a:avLst/>
+                  </a:prstGeom>
+                  <a:noFill/>
+                </p:spPr>
+                <p:txBody>
+                  <a:bodyPr wrap="square" rtlCol="0">
+                    <a:spAutoFit/>
+                  </a:bodyPr>
+                  <a:lstStyle/>
+                  <a:p>
+                    <a:pPr algn="ctr"/>
+                    <a:r>
+                      <a:rPr lang="zh-CN" altLang="en-US" sz="700" dirty="0">
+                        <a:latin typeface="微软雅黑" panose="020B0503020204020204" pitchFamily="34" charset="-122"/>
+                        <a:ea typeface="微软雅黑" panose="020B0503020204020204" pitchFamily="34" charset="-122"/>
+                      </a:rPr>
+                      <a:t>违章查询</a:t>
+                    </a:r>
+                  </a:p>
+                </p:txBody>
+              </p:sp>
+            </p:grpSp>
+          </p:grpSp>
+        </p:grpSp>
+        <p:sp>
+          <p:nvSpPr>
+            <p:cNvPr id="60" name="矩形 59">
+              <a:extLst>
+                <a:ext uri="{FF2B5EF4-FFF2-40B4-BE49-F238E27FC236}">
+                  <a16:creationId xmlns:a16="http://schemas.microsoft.com/office/drawing/2014/main" id="{FC8537F9-3ABF-40A4-84FC-B8D7CC128375}"/>
+                </a:ext>
+              </a:extLst>
+            </p:cNvPr>
+            <p:cNvSpPr/>
+            <p:nvPr/>
+          </p:nvSpPr>
+          <p:spPr>
+            <a:xfrm rot="1844245">
+              <a:off x="3536855" y="3495300"/>
+              <a:ext cx="310086" cy="130809"/>
+            </a:xfrm>
+            <a:prstGeom prst="rect">
+              <a:avLst/>
+            </a:prstGeom>
+            <a:solidFill>
+              <a:srgbClr val="09BB07"/>
+            </a:solidFill>
+            <a:ln>
+              <a:noFill/>
+            </a:ln>
+          </p:spPr>
+          <p:style>
+            <a:lnRef idx="2">
+              <a:schemeClr val="accent1">
+                <a:shade val="50000"/>
+              </a:schemeClr>
+            </a:lnRef>
+            <a:fillRef idx="1">
+              <a:schemeClr val="accent1"/>
+            </a:fillRef>
+            <a:effectRef idx="0">
+              <a:schemeClr val="accent1"/>
+            </a:effectRef>
+            <a:fontRef idx="minor">
+              <a:schemeClr val="lt1"/>
+            </a:fontRef>
+          </p:style>
+          <p:txBody>
+            <a:bodyPr rtlCol="0" anchor="ctr"/>
+            <a:lstStyle/>
+            <a:p>
+              <a:pPr algn="ctr"/>
+              <a:r>
+                <a:rPr lang="zh-CN" altLang="en-US" sz="700" dirty="0">
+                  <a:latin typeface="微软雅黑" panose="020B0503020204020204" pitchFamily="34" charset="-122"/>
+                  <a:ea typeface="微软雅黑" panose="020B0503020204020204" pitchFamily="34" charset="-122"/>
+                </a:rPr>
+                <a:t>惠</a:t>
+              </a:r>
+            </a:p>
+          </p:txBody>
+        </p:sp>
+      </p:grpSp>
+    </p:spTree>
+    <p:extLst>
+      <p:ext uri="{BB962C8B-B14F-4D97-AF65-F5344CB8AC3E}">
+        <p14:creationId xmlns:p14="http://schemas.microsoft.com/office/powerpoint/2010/main" val="286263216"/>
+      </p:ext>
+    </p:extLst>
+  </p:cSld>
+  <p:clrMapOvr>
+    <a:masterClrMapping/>
+  </p:clrMapOvr>
+</p:sld>
+</file>
+
+<file path=ppt/slides/slide7.xml><?xml version="1.0" encoding="utf-8"?>
 <p:sld xmlns:a="http://schemas.openxmlformats.org/drawingml/2006/main" xmlns:r="http://schemas.openxmlformats.org/officeDocument/2006/relationships" xmlns:p="http://schemas.openxmlformats.org/presentationml/2006/main">
   <p:cSld>
     <p:spTree>
@@ -6098,7 +12052,158 @@
 </p:sld>
 </file>
 
-<file path=ppt/slides/slide6.xml><?xml version="1.0" encoding="utf-8"?>
+<file path=ppt/slides/slide8.xml><?xml version="1.0" encoding="utf-8"?>
+<p:sld xmlns:a="http://schemas.openxmlformats.org/drawingml/2006/main" xmlns:r="http://schemas.openxmlformats.org/officeDocument/2006/relationships" xmlns:p="http://schemas.openxmlformats.org/presentationml/2006/main">
+  <p:cSld>
+    <p:spTree>
+      <p:nvGrpSpPr>
+        <p:cNvPr id="1" name=""/>
+        <p:cNvGrpSpPr/>
+        <p:nvPr/>
+      </p:nvGrpSpPr>
+      <p:grpSpPr>
+        <a:xfrm>
+          <a:off x="0" y="0"/>
+          <a:ext cx="0" cy="0"/>
+          <a:chOff x="0" y="0"/>
+          <a:chExt cx="0" cy="0"/>
+        </a:xfrm>
+      </p:grpSpPr>
+      <p:pic>
+        <p:nvPicPr>
+          <p:cNvPr id="9" name="图片 8">
+            <a:extLst>
+              <a:ext uri="{FF2B5EF4-FFF2-40B4-BE49-F238E27FC236}">
+                <a16:creationId xmlns:a16="http://schemas.microsoft.com/office/drawing/2014/main" id="{8757CB6A-2513-4BAE-8F3C-4584475596B7}"/>
+              </a:ext>
+            </a:extLst>
+          </p:cNvPr>
+          <p:cNvPicPr>
+            <a:picLocks noChangeAspect="1"/>
+          </p:cNvPicPr>
+          <p:nvPr/>
+        </p:nvPicPr>
+        <p:blipFill>
+          <a:blip r:embed="rId2">
+            <a:extLst>
+              <a:ext uri="{28A0092B-C50C-407E-A947-70E740481C1C}">
+                <a14:useLocalDpi xmlns:a14="http://schemas.microsoft.com/office/drawing/2010/main" val="0"/>
+              </a:ext>
+            </a:extLst>
+          </a:blip>
+          <a:stretch>
+            <a:fillRect/>
+          </a:stretch>
+        </p:blipFill>
+        <p:spPr>
+          <a:xfrm>
+            <a:off x="843125" y="0"/>
+            <a:ext cx="3336324" cy="6858000"/>
+          </a:xfrm>
+          <a:prstGeom prst="rect">
+            <a:avLst/>
+          </a:prstGeom>
+        </p:spPr>
+      </p:pic>
+      <p:sp>
+        <p:nvSpPr>
+          <p:cNvPr id="10" name="内容占位符 1">
+            <a:extLst>
+              <a:ext uri="{FF2B5EF4-FFF2-40B4-BE49-F238E27FC236}">
+                <a16:creationId xmlns:a16="http://schemas.microsoft.com/office/drawing/2014/main" id="{7DB221FA-2C78-445F-9EE7-9C0B004D4F67}"/>
+              </a:ext>
+            </a:extLst>
+          </p:cNvPr>
+          <p:cNvSpPr>
+            <a:spLocks noGrp="1"/>
+          </p:cNvSpPr>
+          <p:nvPr>
+            <p:ph sz="quarter" idx="10"/>
+          </p:nvPr>
+        </p:nvSpPr>
+        <p:spPr>
+          <a:xfrm>
+            <a:off x="5571919" y="617538"/>
+            <a:ext cx="5677175" cy="6000350"/>
+          </a:xfrm>
+        </p:spPr>
+        <p:txBody>
+          <a:bodyPr/>
+          <a:lstStyle/>
+          <a:p>
+            <a:endParaRPr lang="zh-CN" altLang="en-US" sz="1200" dirty="0"/>
+          </a:p>
+        </p:txBody>
+      </p:sp>
+      <p:sp>
+        <p:nvSpPr>
+          <p:cNvPr id="11" name="椭圆 10">
+            <a:hlinkClick r:id="rId3" action="ppaction://hlinksldjump"/>
+            <a:extLst>
+              <a:ext uri="{FF2B5EF4-FFF2-40B4-BE49-F238E27FC236}">
+                <a16:creationId xmlns:a16="http://schemas.microsoft.com/office/drawing/2014/main" id="{F9B04C39-EDA3-4BDC-A3DF-BA150B415D07}"/>
+              </a:ext>
+            </a:extLst>
+          </p:cNvPr>
+          <p:cNvSpPr/>
+          <p:nvPr/>
+        </p:nvSpPr>
+        <p:spPr>
+          <a:xfrm>
+            <a:off x="1053547" y="5592417"/>
+            <a:ext cx="602974" cy="602974"/>
+          </a:xfrm>
+          <a:prstGeom prst="ellipse">
+            <a:avLst/>
+          </a:prstGeom>
+          <a:solidFill>
+            <a:schemeClr val="bg1">
+              <a:alpha val="50000"/>
+            </a:schemeClr>
+          </a:solidFill>
+          <a:ln>
+            <a:noFill/>
+          </a:ln>
+        </p:spPr>
+        <p:style>
+          <a:lnRef idx="2">
+            <a:schemeClr val="accent1">
+              <a:shade val="50000"/>
+            </a:schemeClr>
+          </a:lnRef>
+          <a:fillRef idx="1">
+            <a:schemeClr val="accent1"/>
+          </a:fillRef>
+          <a:effectRef idx="0">
+            <a:schemeClr val="accent1"/>
+          </a:effectRef>
+          <a:fontRef idx="minor">
+            <a:schemeClr val="lt1"/>
+          </a:fontRef>
+        </p:style>
+        <p:txBody>
+          <a:bodyPr rtlCol="0" anchor="ctr"/>
+          <a:lstStyle/>
+          <a:p>
+            <a:pPr algn="ctr"/>
+            <a:endParaRPr lang="zh-CN" altLang="en-US" dirty="0"/>
+          </a:p>
+        </p:txBody>
+      </p:sp>
+    </p:spTree>
+    <p:extLst>
+      <p:ext uri="{BB962C8B-B14F-4D97-AF65-F5344CB8AC3E}">
+        <p14:creationId xmlns:p14="http://schemas.microsoft.com/office/powerpoint/2010/main" val="868479101"/>
+      </p:ext>
+    </p:extLst>
+  </p:cSld>
+  <p:clrMapOvr>
+    <a:masterClrMapping/>
+  </p:clrMapOvr>
+</p:sld>
+</file>
+
+<file path=ppt/slides/slide9.xml><?xml version="1.0" encoding="utf-8"?>
 <p:sld xmlns:a="http://schemas.openxmlformats.org/drawingml/2006/main" xmlns:r="http://schemas.openxmlformats.org/officeDocument/2006/relationships" xmlns:p="http://schemas.openxmlformats.org/presentationml/2006/main">
   <p:cSld>
     <p:spTree>
@@ -6441,2521 +12546,6 @@
     <p:extLst>
       <p:ext uri="{BB962C8B-B14F-4D97-AF65-F5344CB8AC3E}">
         <p14:creationId xmlns:p14="http://schemas.microsoft.com/office/powerpoint/2010/main" val="183709252"/>
-      </p:ext>
-    </p:extLst>
-  </p:cSld>
-  <p:clrMapOvr>
-    <a:masterClrMapping/>
-  </p:clrMapOvr>
-</p:sld>
-</file>
-
-<file path=ppt/slides/slide7.xml><?xml version="1.0" encoding="utf-8"?>
-<p:sld xmlns:a="http://schemas.openxmlformats.org/drawingml/2006/main" xmlns:r="http://schemas.openxmlformats.org/officeDocument/2006/relationships" xmlns:p="http://schemas.openxmlformats.org/presentationml/2006/main">
-  <p:cSld>
-    <p:spTree>
-      <p:nvGrpSpPr>
-        <p:cNvPr id="1" name=""/>
-        <p:cNvGrpSpPr/>
-        <p:nvPr/>
-      </p:nvGrpSpPr>
-      <p:grpSpPr>
-        <a:xfrm>
-          <a:off x="0" y="0"/>
-          <a:ext cx="0" cy="0"/>
-          <a:chOff x="0" y="0"/>
-          <a:chExt cx="0" cy="0"/>
-        </a:xfrm>
-      </p:grpSpPr>
-      <p:sp>
-        <p:nvSpPr>
-          <p:cNvPr id="2" name="内容占位符 1">
-            <a:extLst>
-              <a:ext uri="{FF2B5EF4-FFF2-40B4-BE49-F238E27FC236}">
-                <a16:creationId xmlns:a16="http://schemas.microsoft.com/office/drawing/2014/main" id="{7B569C9B-85F4-4558-82A8-CC3EF846FA96}"/>
-              </a:ext>
-            </a:extLst>
-          </p:cNvPr>
-          <p:cNvSpPr>
-            <a:spLocks noGrp="1"/>
-          </p:cNvSpPr>
-          <p:nvPr>
-            <p:ph sz="quarter" idx="10"/>
-          </p:nvPr>
-        </p:nvSpPr>
-        <p:spPr/>
-        <p:txBody>
-          <a:bodyPr/>
-          <a:lstStyle/>
-          <a:p>
-            <a:pPr>
-              <a:lnSpc>
-                <a:spcPct val="150000"/>
-              </a:lnSpc>
-            </a:pPr>
-            <a:r>
-              <a:rPr lang="zh-CN" altLang="en-US" sz="1200" dirty="0"/>
-              <a:t>送券，用户收到的模板消息，打开这个页面。</a:t>
-            </a:r>
-            <a:endParaRPr lang="en-US" altLang="zh-CN" sz="1200" dirty="0"/>
-          </a:p>
-          <a:p>
-            <a:pPr>
-              <a:lnSpc>
-                <a:spcPct val="150000"/>
-              </a:lnSpc>
-            </a:pPr>
-            <a:r>
-              <a:rPr lang="en-US" altLang="zh-CN" sz="1200" dirty="0"/>
-              <a:t>1</a:t>
-            </a:r>
-            <a:r>
-              <a:rPr lang="zh-CN" altLang="en-US" sz="1200" dirty="0"/>
-              <a:t>、新券，显示</a:t>
-            </a:r>
-            <a:r>
-              <a:rPr lang="en-US" altLang="zh-CN" sz="1200" dirty="0"/>
-              <a:t>new</a:t>
-            </a:r>
-            <a:r>
-              <a:rPr lang="zh-CN" altLang="en-US" sz="1200" dirty="0"/>
-              <a:t>字样</a:t>
-            </a:r>
-            <a:endParaRPr lang="en-US" altLang="zh-CN" sz="1200" dirty="0"/>
-          </a:p>
-          <a:p>
-            <a:pPr>
-              <a:lnSpc>
-                <a:spcPct val="150000"/>
-              </a:lnSpc>
-            </a:pPr>
-            <a:r>
-              <a:rPr lang="en-US" altLang="zh-CN" sz="1200" dirty="0"/>
-              <a:t>2</a:t>
-            </a:r>
-            <a:r>
-              <a:rPr lang="zh-CN" altLang="en-US" sz="1200" dirty="0"/>
-              <a:t>、用户看过一次“查看全部”，则全部</a:t>
-            </a:r>
-            <a:r>
-              <a:rPr lang="en-US" altLang="zh-CN" sz="1200" dirty="0"/>
-              <a:t>new</a:t>
-            </a:r>
-            <a:r>
-              <a:rPr lang="zh-CN" altLang="en-US" sz="1200" dirty="0"/>
-              <a:t>字样消失</a:t>
-            </a:r>
-            <a:endParaRPr lang="en-US" altLang="zh-CN" sz="1200" dirty="0"/>
-          </a:p>
-        </p:txBody>
-      </p:sp>
-      <p:sp>
-        <p:nvSpPr>
-          <p:cNvPr id="3" name="标题 2">
-            <a:extLst>
-              <a:ext uri="{FF2B5EF4-FFF2-40B4-BE49-F238E27FC236}">
-                <a16:creationId xmlns:a16="http://schemas.microsoft.com/office/drawing/2014/main" id="{648EAC0E-D0A6-4E88-A93E-182C2527E768}"/>
-              </a:ext>
-            </a:extLst>
-          </p:cNvPr>
-          <p:cNvSpPr>
-            <a:spLocks noGrp="1"/>
-          </p:cNvSpPr>
-          <p:nvPr>
-            <p:ph type="title"/>
-          </p:nvPr>
-        </p:nvSpPr>
-        <p:spPr/>
-        <p:txBody>
-          <a:bodyPr/>
-          <a:lstStyle/>
-          <a:p>
-            <a:r>
-              <a:rPr lang="zh-CN" altLang="en-US" dirty="0"/>
-              <a:t>优惠生活</a:t>
-            </a:r>
-          </a:p>
-        </p:txBody>
-      </p:sp>
-      <p:grpSp>
-        <p:nvGrpSpPr>
-          <p:cNvPr id="41" name="组合 40">
-            <a:extLst>
-              <a:ext uri="{FF2B5EF4-FFF2-40B4-BE49-F238E27FC236}">
-                <a16:creationId xmlns:a16="http://schemas.microsoft.com/office/drawing/2014/main" id="{0085A4BA-73AD-4953-B2B8-4D0F1EEFAF46}"/>
-              </a:ext>
-            </a:extLst>
-          </p:cNvPr>
-          <p:cNvGrpSpPr/>
-          <p:nvPr/>
-        </p:nvGrpSpPr>
-        <p:grpSpPr>
-          <a:xfrm>
-            <a:off x="952040" y="742121"/>
-            <a:ext cx="3131743" cy="1249132"/>
-            <a:chOff x="109797" y="1729408"/>
-            <a:chExt cx="3131743" cy="1249132"/>
-          </a:xfrm>
-        </p:grpSpPr>
-        <p:sp>
-          <p:nvSpPr>
-            <p:cNvPr id="42" name="矩形 41">
-              <a:extLst>
-                <a:ext uri="{FF2B5EF4-FFF2-40B4-BE49-F238E27FC236}">
-                  <a16:creationId xmlns:a16="http://schemas.microsoft.com/office/drawing/2014/main" id="{2D74F255-EDAF-4B50-B18E-922B6D164314}"/>
-                </a:ext>
-              </a:extLst>
-            </p:cNvPr>
-            <p:cNvSpPr/>
-            <p:nvPr/>
-          </p:nvSpPr>
-          <p:spPr>
-            <a:xfrm>
-              <a:off x="109797" y="1729408"/>
-              <a:ext cx="3131743" cy="1249132"/>
-            </a:xfrm>
-            <a:prstGeom prst="rect">
-              <a:avLst/>
-            </a:prstGeom>
-            <a:solidFill>
-              <a:schemeClr val="bg1"/>
-            </a:solidFill>
-            <a:ln>
-              <a:solidFill>
-                <a:srgbClr val="DBDBDB"/>
-              </a:solidFill>
-            </a:ln>
-          </p:spPr>
-          <p:style>
-            <a:lnRef idx="1">
-              <a:schemeClr val="accent1"/>
-            </a:lnRef>
-            <a:fillRef idx="0">
-              <a:schemeClr val="accent1"/>
-            </a:fillRef>
-            <a:effectRef idx="0">
-              <a:schemeClr val="accent1"/>
-            </a:effectRef>
-            <a:fontRef idx="minor">
-              <a:schemeClr val="tx1"/>
-            </a:fontRef>
-          </p:style>
-          <p:txBody>
-            <a:bodyPr rtlCol="0" anchor="ctr"/>
-            <a:lstStyle/>
-            <a:p>
-              <a:pPr algn="ctr"/>
-              <a:endParaRPr lang="zh-CN" altLang="en-US" sz="1000" dirty="0">
-                <a:solidFill>
-                  <a:schemeClr val="tx1"/>
-                </a:solidFill>
-              </a:endParaRPr>
-            </a:p>
-          </p:txBody>
-        </p:sp>
-        <p:cxnSp>
-          <p:nvCxnSpPr>
-            <p:cNvPr id="45" name="直接连接符 44">
-              <a:extLst>
-                <a:ext uri="{FF2B5EF4-FFF2-40B4-BE49-F238E27FC236}">
-                  <a16:creationId xmlns:a16="http://schemas.microsoft.com/office/drawing/2014/main" id="{1EA8BA65-A8B9-4617-8BC3-85A5BA44C01E}"/>
-                </a:ext>
-              </a:extLst>
-            </p:cNvPr>
-            <p:cNvCxnSpPr>
-              <a:cxnSpLocks/>
-            </p:cNvCxnSpPr>
-            <p:nvPr/>
-          </p:nvCxnSpPr>
-          <p:spPr>
-            <a:xfrm>
-              <a:off x="242865" y="2009928"/>
-              <a:ext cx="2998675" cy="0"/>
-            </a:xfrm>
-            <a:prstGeom prst="line">
-              <a:avLst/>
-            </a:prstGeom>
-            <a:ln>
-              <a:solidFill>
-                <a:srgbClr val="DBDBDB"/>
-              </a:solidFill>
-            </a:ln>
-          </p:spPr>
-          <p:style>
-            <a:lnRef idx="1">
-              <a:schemeClr val="accent1"/>
-            </a:lnRef>
-            <a:fillRef idx="0">
-              <a:schemeClr val="accent1"/>
-            </a:fillRef>
-            <a:effectRef idx="0">
-              <a:schemeClr val="accent1"/>
-            </a:effectRef>
-            <a:fontRef idx="minor">
-              <a:schemeClr val="tx1"/>
-            </a:fontRef>
-          </p:style>
-        </p:cxnSp>
-        <p:sp>
-          <p:nvSpPr>
-            <p:cNvPr id="46" name="文本框 45">
-              <a:extLst>
-                <a:ext uri="{FF2B5EF4-FFF2-40B4-BE49-F238E27FC236}">
-                  <a16:creationId xmlns:a16="http://schemas.microsoft.com/office/drawing/2014/main" id="{E0925B24-7054-4AC3-9B0F-949EF5883438}"/>
-                </a:ext>
-              </a:extLst>
-            </p:cNvPr>
-            <p:cNvSpPr txBox="1"/>
-            <p:nvPr/>
-          </p:nvSpPr>
-          <p:spPr>
-            <a:xfrm>
-              <a:off x="191804" y="1792668"/>
-              <a:ext cx="824713" cy="215444"/>
-            </a:xfrm>
-            <a:prstGeom prst="rect">
-              <a:avLst/>
-            </a:prstGeom>
-            <a:noFill/>
-          </p:spPr>
-          <p:txBody>
-            <a:bodyPr wrap="square" rtlCol="0">
-              <a:spAutoFit/>
-            </a:bodyPr>
-            <a:lstStyle/>
-            <a:p>
-              <a:r>
-                <a:rPr lang="zh-CN" altLang="en-US" sz="800" dirty="0">
-                  <a:solidFill>
-                    <a:schemeClr val="bg1">
-                      <a:lumMod val="75000"/>
-                    </a:schemeClr>
-                  </a:solidFill>
-                  <a:latin typeface="微软雅黑" panose="020B0503020204020204" pitchFamily="34" charset="-122"/>
-                  <a:ea typeface="微软雅黑" panose="020B0503020204020204" pitchFamily="34" charset="-122"/>
-                </a:rPr>
-                <a:t>冠德加油券</a:t>
-              </a:r>
-            </a:p>
-          </p:txBody>
-        </p:sp>
-      </p:grpSp>
-      <p:sp>
-        <p:nvSpPr>
-          <p:cNvPr id="10" name="文本框 9">
-            <a:hlinkClick r:id="rId2" action="ppaction://hlinksldjump"/>
-            <a:extLst>
-              <a:ext uri="{FF2B5EF4-FFF2-40B4-BE49-F238E27FC236}">
-                <a16:creationId xmlns:a16="http://schemas.microsoft.com/office/drawing/2014/main" id="{A2FE5F65-9333-4AB5-9D85-4741D68E4FF5}"/>
-              </a:ext>
-            </a:extLst>
-          </p:cNvPr>
-          <p:cNvSpPr txBox="1"/>
-          <p:nvPr/>
-        </p:nvSpPr>
-        <p:spPr>
-          <a:xfrm>
-            <a:off x="3337846" y="783542"/>
-            <a:ext cx="745937" cy="200055"/>
-          </a:xfrm>
-          <a:prstGeom prst="rect">
-            <a:avLst/>
-          </a:prstGeom>
-          <a:noFill/>
-        </p:spPr>
-        <p:txBody>
-          <a:bodyPr wrap="square" rtlCol="0">
-            <a:spAutoFit/>
-          </a:bodyPr>
-          <a:lstStyle/>
-          <a:p>
-            <a:pPr algn="ctr"/>
-            <a:r>
-              <a:rPr lang="zh-CN" altLang="en-US" sz="700" dirty="0">
-                <a:solidFill>
-                  <a:srgbClr val="0070C0"/>
-                </a:solidFill>
-                <a:latin typeface="微软雅黑" panose="020B0503020204020204" pitchFamily="34" charset="-122"/>
-                <a:ea typeface="微软雅黑" panose="020B0503020204020204" pitchFamily="34" charset="-122"/>
-              </a:rPr>
-              <a:t>查看全部</a:t>
-            </a:r>
-          </a:p>
-        </p:txBody>
-      </p:sp>
-      <p:grpSp>
-        <p:nvGrpSpPr>
-          <p:cNvPr id="13" name="组合 12">
-            <a:extLst>
-              <a:ext uri="{FF2B5EF4-FFF2-40B4-BE49-F238E27FC236}">
-                <a16:creationId xmlns:a16="http://schemas.microsoft.com/office/drawing/2014/main" id="{0468E9B6-2CD2-40FF-BDD0-825183FDC962}"/>
-              </a:ext>
-            </a:extLst>
-          </p:cNvPr>
-          <p:cNvGrpSpPr/>
-          <p:nvPr/>
-        </p:nvGrpSpPr>
-        <p:grpSpPr>
-          <a:xfrm>
-            <a:off x="1163217" y="1099829"/>
-            <a:ext cx="2721962" cy="810000"/>
-            <a:chOff x="1169843" y="1099829"/>
-            <a:chExt cx="2721962" cy="810000"/>
-          </a:xfrm>
-        </p:grpSpPr>
-        <p:sp>
-          <p:nvSpPr>
-            <p:cNvPr id="34" name="椭圆 33">
-              <a:extLst>
-                <a:ext uri="{FF2B5EF4-FFF2-40B4-BE49-F238E27FC236}">
-                  <a16:creationId xmlns:a16="http://schemas.microsoft.com/office/drawing/2014/main" id="{9773A154-FB33-4051-B92E-A1E933213F21}"/>
-                </a:ext>
-              </a:extLst>
-            </p:cNvPr>
-            <p:cNvSpPr/>
-            <p:nvPr/>
-          </p:nvSpPr>
-          <p:spPr>
-            <a:xfrm>
-              <a:off x="1169843" y="1099829"/>
-              <a:ext cx="810000" cy="810000"/>
-            </a:xfrm>
-            <a:prstGeom prst="ellipse">
-              <a:avLst/>
-            </a:prstGeom>
-            <a:solidFill>
-              <a:schemeClr val="bg1"/>
-            </a:solidFill>
-            <a:ln>
-              <a:solidFill>
-                <a:srgbClr val="CECECE"/>
-              </a:solidFill>
-            </a:ln>
-          </p:spPr>
-          <p:style>
-            <a:lnRef idx="2">
-              <a:schemeClr val="accent1">
-                <a:shade val="50000"/>
-              </a:schemeClr>
-            </a:lnRef>
-            <a:fillRef idx="1">
-              <a:schemeClr val="accent1"/>
-            </a:fillRef>
-            <a:effectRef idx="0">
-              <a:schemeClr val="accent1"/>
-            </a:effectRef>
-            <a:fontRef idx="minor">
-              <a:schemeClr val="lt1"/>
-            </a:fontRef>
-          </p:style>
-          <p:txBody>
-            <a:bodyPr rtlCol="0" anchor="ctr"/>
-            <a:lstStyle/>
-            <a:p>
-              <a:pPr algn="ctr">
-                <a:lnSpc>
-                  <a:spcPct val="150000"/>
-                </a:lnSpc>
-              </a:pPr>
-              <a:r>
-                <a:rPr lang="en-US" altLang="zh-CN" sz="1000" dirty="0">
-                  <a:solidFill>
-                    <a:schemeClr val="tx1"/>
-                  </a:solidFill>
-                  <a:latin typeface="微软雅黑" panose="020B0503020204020204" pitchFamily="34" charset="-122"/>
-                  <a:ea typeface="微软雅黑" panose="020B0503020204020204" pitchFamily="34" charset="-122"/>
-                </a:rPr>
-                <a:t>5</a:t>
-              </a:r>
-              <a:r>
-                <a:rPr lang="zh-CN" altLang="en-US" sz="1000" dirty="0">
-                  <a:solidFill>
-                    <a:schemeClr val="tx1"/>
-                  </a:solidFill>
-                  <a:latin typeface="微软雅黑" panose="020B0503020204020204" pitchFamily="34" charset="-122"/>
-                  <a:ea typeface="微软雅黑" panose="020B0503020204020204" pitchFamily="34" charset="-122"/>
-                </a:rPr>
-                <a:t>元</a:t>
-              </a:r>
-            </a:p>
-          </p:txBody>
-        </p:sp>
-        <p:sp>
-          <p:nvSpPr>
-            <p:cNvPr id="40" name="椭圆 39">
-              <a:extLst>
-                <a:ext uri="{FF2B5EF4-FFF2-40B4-BE49-F238E27FC236}">
-                  <a16:creationId xmlns:a16="http://schemas.microsoft.com/office/drawing/2014/main" id="{A4DF3B02-6BB5-45E8-B493-74B50AFEC30F}"/>
-                </a:ext>
-              </a:extLst>
-            </p:cNvPr>
-            <p:cNvSpPr/>
-            <p:nvPr/>
-          </p:nvSpPr>
-          <p:spPr>
-            <a:xfrm>
-              <a:off x="1808103" y="1099829"/>
-              <a:ext cx="809061" cy="809061"/>
-            </a:xfrm>
-            <a:prstGeom prst="ellipse">
-              <a:avLst/>
-            </a:prstGeom>
-            <a:solidFill>
-              <a:schemeClr val="bg1"/>
-            </a:solidFill>
-            <a:ln>
-              <a:solidFill>
-                <a:srgbClr val="CECECE"/>
-              </a:solidFill>
-            </a:ln>
-          </p:spPr>
-          <p:style>
-            <a:lnRef idx="2">
-              <a:schemeClr val="accent1">
-                <a:shade val="50000"/>
-              </a:schemeClr>
-            </a:lnRef>
-            <a:fillRef idx="1">
-              <a:schemeClr val="accent1"/>
-            </a:fillRef>
-            <a:effectRef idx="0">
-              <a:schemeClr val="accent1"/>
-            </a:effectRef>
-            <a:fontRef idx="minor">
-              <a:schemeClr val="lt1"/>
-            </a:fontRef>
-          </p:style>
-          <p:txBody>
-            <a:bodyPr rtlCol="0" anchor="ctr"/>
-            <a:lstStyle/>
-            <a:p>
-              <a:pPr algn="ctr">
-                <a:lnSpc>
-                  <a:spcPct val="150000"/>
-                </a:lnSpc>
-              </a:pPr>
-              <a:r>
-                <a:rPr lang="en-US" altLang="zh-CN" sz="1000" dirty="0">
-                  <a:solidFill>
-                    <a:schemeClr val="tx1"/>
-                  </a:solidFill>
-                  <a:latin typeface="微软雅黑" panose="020B0503020204020204" pitchFamily="34" charset="-122"/>
-                  <a:ea typeface="微软雅黑" panose="020B0503020204020204" pitchFamily="34" charset="-122"/>
-                </a:rPr>
-                <a:t>85</a:t>
-              </a:r>
-              <a:r>
-                <a:rPr lang="zh-CN" altLang="en-US" sz="1000" dirty="0">
-                  <a:solidFill>
-                    <a:schemeClr val="tx1"/>
-                  </a:solidFill>
-                  <a:latin typeface="微软雅黑" panose="020B0503020204020204" pitchFamily="34" charset="-122"/>
-                  <a:ea typeface="微软雅黑" panose="020B0503020204020204" pitchFamily="34" charset="-122"/>
-                </a:rPr>
-                <a:t>折</a:t>
-              </a:r>
-            </a:p>
-          </p:txBody>
-        </p:sp>
-        <p:sp>
-          <p:nvSpPr>
-            <p:cNvPr id="43" name="椭圆 42">
-              <a:extLst>
-                <a:ext uri="{FF2B5EF4-FFF2-40B4-BE49-F238E27FC236}">
-                  <a16:creationId xmlns:a16="http://schemas.microsoft.com/office/drawing/2014/main" id="{CEEDCEB1-F495-4D1B-979D-233DB5C8AF16}"/>
-                </a:ext>
-              </a:extLst>
-            </p:cNvPr>
-            <p:cNvSpPr/>
-            <p:nvPr/>
-          </p:nvSpPr>
-          <p:spPr>
-            <a:xfrm>
-              <a:off x="2445424" y="1099829"/>
-              <a:ext cx="809061" cy="809061"/>
-            </a:xfrm>
-            <a:prstGeom prst="ellipse">
-              <a:avLst/>
-            </a:prstGeom>
-            <a:solidFill>
-              <a:schemeClr val="bg1"/>
-            </a:solidFill>
-            <a:ln>
-              <a:solidFill>
-                <a:srgbClr val="CECECE"/>
-              </a:solidFill>
-            </a:ln>
-          </p:spPr>
-          <p:style>
-            <a:lnRef idx="2">
-              <a:schemeClr val="accent1">
-                <a:shade val="50000"/>
-              </a:schemeClr>
-            </a:lnRef>
-            <a:fillRef idx="1">
-              <a:schemeClr val="accent1"/>
-            </a:fillRef>
-            <a:effectRef idx="0">
-              <a:schemeClr val="accent1"/>
-            </a:effectRef>
-            <a:fontRef idx="minor">
-              <a:schemeClr val="lt1"/>
-            </a:fontRef>
-          </p:style>
-          <p:txBody>
-            <a:bodyPr rtlCol="0" anchor="ctr"/>
-            <a:lstStyle/>
-            <a:p>
-              <a:pPr algn="ctr">
-                <a:lnSpc>
-                  <a:spcPct val="150000"/>
-                </a:lnSpc>
-              </a:pPr>
-              <a:r>
-                <a:rPr lang="en-US" altLang="zh-CN" sz="1000" dirty="0">
-                  <a:solidFill>
-                    <a:schemeClr val="tx1"/>
-                  </a:solidFill>
-                  <a:latin typeface="微软雅黑" panose="020B0503020204020204" pitchFamily="34" charset="-122"/>
-                  <a:ea typeface="微软雅黑" panose="020B0503020204020204" pitchFamily="34" charset="-122"/>
-                </a:rPr>
-                <a:t>100</a:t>
-              </a:r>
-              <a:r>
-                <a:rPr lang="zh-CN" altLang="en-US" sz="1000" dirty="0">
-                  <a:solidFill>
-                    <a:schemeClr val="tx1"/>
-                  </a:solidFill>
-                  <a:latin typeface="微软雅黑" panose="020B0503020204020204" pitchFamily="34" charset="-122"/>
-                  <a:ea typeface="微软雅黑" panose="020B0503020204020204" pitchFamily="34" charset="-122"/>
-                </a:rPr>
-                <a:t>元</a:t>
-              </a:r>
-            </a:p>
-          </p:txBody>
-        </p:sp>
-        <p:sp>
-          <p:nvSpPr>
-            <p:cNvPr id="44" name="椭圆 43">
-              <a:extLst>
-                <a:ext uri="{FF2B5EF4-FFF2-40B4-BE49-F238E27FC236}">
-                  <a16:creationId xmlns:a16="http://schemas.microsoft.com/office/drawing/2014/main" id="{D0BC1156-6014-4E7B-B9EB-B39A8DB01E8D}"/>
-                </a:ext>
-              </a:extLst>
-            </p:cNvPr>
-            <p:cNvSpPr/>
-            <p:nvPr/>
-          </p:nvSpPr>
-          <p:spPr>
-            <a:xfrm>
-              <a:off x="3082744" y="1099829"/>
-              <a:ext cx="809061" cy="809061"/>
-            </a:xfrm>
-            <a:prstGeom prst="ellipse">
-              <a:avLst/>
-            </a:prstGeom>
-            <a:solidFill>
-              <a:schemeClr val="bg1"/>
-            </a:solidFill>
-            <a:ln>
-              <a:solidFill>
-                <a:srgbClr val="CECECE"/>
-              </a:solidFill>
-            </a:ln>
-          </p:spPr>
-          <p:style>
-            <a:lnRef idx="2">
-              <a:schemeClr val="accent1">
-                <a:shade val="50000"/>
-              </a:schemeClr>
-            </a:lnRef>
-            <a:fillRef idx="1">
-              <a:schemeClr val="accent1"/>
-            </a:fillRef>
-            <a:effectRef idx="0">
-              <a:schemeClr val="accent1"/>
-            </a:effectRef>
-            <a:fontRef idx="minor">
-              <a:schemeClr val="lt1"/>
-            </a:fontRef>
-          </p:style>
-          <p:txBody>
-            <a:bodyPr rtlCol="0" anchor="ctr"/>
-            <a:lstStyle/>
-            <a:p>
-              <a:pPr algn="ctr">
-                <a:lnSpc>
-                  <a:spcPct val="150000"/>
-                </a:lnSpc>
-              </a:pPr>
-              <a:r>
-                <a:rPr lang="en-US" altLang="zh-CN" sz="1000" dirty="0">
-                  <a:solidFill>
-                    <a:schemeClr val="tx1"/>
-                  </a:solidFill>
-                  <a:latin typeface="微软雅黑" panose="020B0503020204020204" pitchFamily="34" charset="-122"/>
-                  <a:ea typeface="微软雅黑" panose="020B0503020204020204" pitchFamily="34" charset="-122"/>
-                </a:rPr>
-                <a:t>…</a:t>
-              </a:r>
-              <a:endParaRPr lang="zh-CN" altLang="en-US" sz="1000" dirty="0">
-                <a:solidFill>
-                  <a:schemeClr val="tx1"/>
-                </a:solidFill>
-                <a:latin typeface="微软雅黑" panose="020B0503020204020204" pitchFamily="34" charset="-122"/>
-                <a:ea typeface="微软雅黑" panose="020B0503020204020204" pitchFamily="34" charset="-122"/>
-              </a:endParaRPr>
-            </a:p>
-          </p:txBody>
-        </p:sp>
-      </p:grpSp>
-      <p:sp>
-        <p:nvSpPr>
-          <p:cNvPr id="18" name="矩形: 圆角 17">
-            <a:extLst>
-              <a:ext uri="{FF2B5EF4-FFF2-40B4-BE49-F238E27FC236}">
-                <a16:creationId xmlns:a16="http://schemas.microsoft.com/office/drawing/2014/main" id="{D2857C05-210B-49A8-AD38-C1D97D257187}"/>
-              </a:ext>
-            </a:extLst>
-          </p:cNvPr>
-          <p:cNvSpPr/>
-          <p:nvPr/>
-        </p:nvSpPr>
-        <p:spPr>
-          <a:xfrm>
-            <a:off x="1364595" y="1665103"/>
-            <a:ext cx="405027" cy="142971"/>
-          </a:xfrm>
-          <a:prstGeom prst="roundRect">
-            <a:avLst>
-              <a:gd name="adj" fmla="val 6455"/>
-            </a:avLst>
-          </a:prstGeom>
-          <a:solidFill>
-            <a:srgbClr val="E94F4F"/>
-          </a:solidFill>
-          <a:ln>
-            <a:noFill/>
-          </a:ln>
-        </p:spPr>
-        <p:style>
-          <a:lnRef idx="2">
-            <a:schemeClr val="accent1">
-              <a:shade val="50000"/>
-            </a:schemeClr>
-          </a:lnRef>
-          <a:fillRef idx="1">
-            <a:schemeClr val="accent1"/>
-          </a:fillRef>
-          <a:effectRef idx="0">
-            <a:schemeClr val="accent1"/>
-          </a:effectRef>
-          <a:fontRef idx="minor">
-            <a:schemeClr val="lt1"/>
-          </a:fontRef>
-        </p:style>
-        <p:txBody>
-          <a:bodyPr rot="0" spcFirstLastPara="0" vertOverflow="overflow" horzOverflow="overflow" vert="horz" wrap="square" lIns="91440" tIns="45720" rIns="91440" bIns="45720" numCol="1" spcCol="0" rtlCol="0" fromWordArt="0" anchor="ctr" anchorCtr="0" forceAA="0" compatLnSpc="1">
-            <a:prstTxWarp prst="textNoShape">
-              <a:avLst/>
-            </a:prstTxWarp>
-            <a:noAutofit/>
-          </a:bodyPr>
-          <a:lstStyle/>
-          <a:p>
-            <a:pPr algn="ctr"/>
-            <a:r>
-              <a:rPr lang="en-US" altLang="zh-CN" sz="600" dirty="0">
-                <a:latin typeface="微软雅黑" panose="020B0503020204020204" pitchFamily="34" charset="-122"/>
-                <a:ea typeface="微软雅黑" panose="020B0503020204020204" pitchFamily="34" charset="-122"/>
-              </a:rPr>
-              <a:t>new</a:t>
-            </a:r>
-            <a:endParaRPr lang="zh-CN" altLang="en-US" sz="600" dirty="0">
-              <a:latin typeface="微软雅黑" panose="020B0503020204020204" pitchFamily="34" charset="-122"/>
-              <a:ea typeface="微软雅黑" panose="020B0503020204020204" pitchFamily="34" charset="-122"/>
-            </a:endParaRPr>
-          </a:p>
-        </p:txBody>
-      </p:sp>
-      <p:sp>
-        <p:nvSpPr>
-          <p:cNvPr id="19" name="矩形: 圆角 18">
-            <a:extLst>
-              <a:ext uri="{FF2B5EF4-FFF2-40B4-BE49-F238E27FC236}">
-                <a16:creationId xmlns:a16="http://schemas.microsoft.com/office/drawing/2014/main" id="{E17F49C1-B928-4402-9438-34351603AC8A}"/>
-              </a:ext>
-            </a:extLst>
-          </p:cNvPr>
-          <p:cNvSpPr/>
-          <p:nvPr/>
-        </p:nvSpPr>
-        <p:spPr>
-          <a:xfrm>
-            <a:off x="1981880" y="1665104"/>
-            <a:ext cx="405027" cy="142971"/>
-          </a:xfrm>
-          <a:prstGeom prst="roundRect">
-            <a:avLst>
-              <a:gd name="adj" fmla="val 6455"/>
-            </a:avLst>
-          </a:prstGeom>
-          <a:solidFill>
-            <a:srgbClr val="E94F4F"/>
-          </a:solidFill>
-          <a:ln>
-            <a:noFill/>
-          </a:ln>
-        </p:spPr>
-        <p:style>
-          <a:lnRef idx="2">
-            <a:schemeClr val="accent1">
-              <a:shade val="50000"/>
-            </a:schemeClr>
-          </a:lnRef>
-          <a:fillRef idx="1">
-            <a:schemeClr val="accent1"/>
-          </a:fillRef>
-          <a:effectRef idx="0">
-            <a:schemeClr val="accent1"/>
-          </a:effectRef>
-          <a:fontRef idx="minor">
-            <a:schemeClr val="lt1"/>
-          </a:fontRef>
-        </p:style>
-        <p:txBody>
-          <a:bodyPr rot="0" spcFirstLastPara="0" vertOverflow="overflow" horzOverflow="overflow" vert="horz" wrap="square" lIns="91440" tIns="45720" rIns="91440" bIns="45720" numCol="1" spcCol="0" rtlCol="0" fromWordArt="0" anchor="ctr" anchorCtr="0" forceAA="0" compatLnSpc="1">
-            <a:prstTxWarp prst="textNoShape">
-              <a:avLst/>
-            </a:prstTxWarp>
-            <a:noAutofit/>
-          </a:bodyPr>
-          <a:lstStyle/>
-          <a:p>
-            <a:pPr algn="ctr"/>
-            <a:r>
-              <a:rPr lang="en-US" altLang="zh-CN" sz="600" dirty="0">
-                <a:latin typeface="微软雅黑" panose="020B0503020204020204" pitchFamily="34" charset="-122"/>
-                <a:ea typeface="微软雅黑" panose="020B0503020204020204" pitchFamily="34" charset="-122"/>
-              </a:rPr>
-              <a:t>new</a:t>
-            </a:r>
-            <a:endParaRPr lang="zh-CN" altLang="en-US" sz="600" dirty="0">
-              <a:latin typeface="微软雅黑" panose="020B0503020204020204" pitchFamily="34" charset="-122"/>
-              <a:ea typeface="微软雅黑" panose="020B0503020204020204" pitchFamily="34" charset="-122"/>
-            </a:endParaRPr>
-          </a:p>
-        </p:txBody>
-      </p:sp>
-      <p:sp>
-        <p:nvSpPr>
-          <p:cNvPr id="20" name="矩形: 圆角 19">
-            <a:extLst>
-              <a:ext uri="{FF2B5EF4-FFF2-40B4-BE49-F238E27FC236}">
-                <a16:creationId xmlns:a16="http://schemas.microsoft.com/office/drawing/2014/main" id="{1DEBE4D4-94CD-499D-B50D-873DD6E7E11E}"/>
-              </a:ext>
-            </a:extLst>
-          </p:cNvPr>
-          <p:cNvSpPr/>
-          <p:nvPr/>
-        </p:nvSpPr>
-        <p:spPr>
-          <a:xfrm>
-            <a:off x="2640814" y="1664530"/>
-            <a:ext cx="405027" cy="142971"/>
-          </a:xfrm>
-          <a:prstGeom prst="roundRect">
-            <a:avLst>
-              <a:gd name="adj" fmla="val 6455"/>
-            </a:avLst>
-          </a:prstGeom>
-          <a:solidFill>
-            <a:srgbClr val="E94F4F"/>
-          </a:solidFill>
-          <a:ln>
-            <a:noFill/>
-          </a:ln>
-        </p:spPr>
-        <p:style>
-          <a:lnRef idx="2">
-            <a:schemeClr val="accent1">
-              <a:shade val="50000"/>
-            </a:schemeClr>
-          </a:lnRef>
-          <a:fillRef idx="1">
-            <a:schemeClr val="accent1"/>
-          </a:fillRef>
-          <a:effectRef idx="0">
-            <a:schemeClr val="accent1"/>
-          </a:effectRef>
-          <a:fontRef idx="minor">
-            <a:schemeClr val="lt1"/>
-          </a:fontRef>
-        </p:style>
-        <p:txBody>
-          <a:bodyPr rot="0" spcFirstLastPara="0" vertOverflow="overflow" horzOverflow="overflow" vert="horz" wrap="square" lIns="91440" tIns="45720" rIns="91440" bIns="45720" numCol="1" spcCol="0" rtlCol="0" fromWordArt="0" anchor="ctr" anchorCtr="0" forceAA="0" compatLnSpc="1">
-            <a:prstTxWarp prst="textNoShape">
-              <a:avLst/>
-            </a:prstTxWarp>
-            <a:noAutofit/>
-          </a:bodyPr>
-          <a:lstStyle/>
-          <a:p>
-            <a:pPr algn="ctr"/>
-            <a:r>
-              <a:rPr lang="en-US" altLang="zh-CN" sz="600" dirty="0">
-                <a:latin typeface="微软雅黑" panose="020B0503020204020204" pitchFamily="34" charset="-122"/>
-                <a:ea typeface="微软雅黑" panose="020B0503020204020204" pitchFamily="34" charset="-122"/>
-              </a:rPr>
-              <a:t>new</a:t>
-            </a:r>
-            <a:endParaRPr lang="zh-CN" altLang="en-US" sz="600" dirty="0">
-              <a:latin typeface="微软雅黑" panose="020B0503020204020204" pitchFamily="34" charset="-122"/>
-              <a:ea typeface="微软雅黑" panose="020B0503020204020204" pitchFamily="34" charset="-122"/>
-            </a:endParaRPr>
-          </a:p>
-        </p:txBody>
-      </p:sp>
-      <p:sp>
-        <p:nvSpPr>
-          <p:cNvPr id="4" name="椭圆 3">
-            <a:extLst>
-              <a:ext uri="{FF2B5EF4-FFF2-40B4-BE49-F238E27FC236}">
-                <a16:creationId xmlns:a16="http://schemas.microsoft.com/office/drawing/2014/main" id="{BB37438A-7281-479A-BB20-6E7CFDA89478}"/>
-              </a:ext>
-            </a:extLst>
-          </p:cNvPr>
-          <p:cNvSpPr/>
-          <p:nvPr/>
-        </p:nvSpPr>
-        <p:spPr>
-          <a:xfrm>
-            <a:off x="3221894" y="764409"/>
-            <a:ext cx="231904" cy="231904"/>
-          </a:xfrm>
-          <a:prstGeom prst="ellipse">
-            <a:avLst/>
-          </a:prstGeom>
-          <a:solidFill>
-            <a:srgbClr val="E94F4F"/>
-          </a:solidFill>
-          <a:ln>
-            <a:noFill/>
-          </a:ln>
-        </p:spPr>
-        <p:style>
-          <a:lnRef idx="2">
-            <a:schemeClr val="accent1">
-              <a:shade val="50000"/>
-            </a:schemeClr>
-          </a:lnRef>
-          <a:fillRef idx="1">
-            <a:schemeClr val="accent1"/>
-          </a:fillRef>
-          <a:effectRef idx="0">
-            <a:schemeClr val="accent1"/>
-          </a:effectRef>
-          <a:fontRef idx="minor">
-            <a:schemeClr val="lt1"/>
-          </a:fontRef>
-        </p:style>
-        <p:txBody>
-          <a:bodyPr rtlCol="0" anchor="ctr"/>
-          <a:lstStyle/>
-          <a:p>
-            <a:pPr algn="ctr"/>
-            <a:r>
-              <a:rPr lang="en-US" altLang="zh-CN" sz="600" dirty="0">
-                <a:latin typeface="微软雅黑" panose="020B0503020204020204" pitchFamily="34" charset="-122"/>
-                <a:ea typeface="微软雅黑" panose="020B0503020204020204" pitchFamily="34" charset="-122"/>
-              </a:rPr>
-              <a:t>4</a:t>
-            </a:r>
-            <a:endParaRPr lang="zh-CN" altLang="en-US" sz="600" dirty="0">
-              <a:latin typeface="微软雅黑" panose="020B0503020204020204" pitchFamily="34" charset="-122"/>
-              <a:ea typeface="微软雅黑" panose="020B0503020204020204" pitchFamily="34" charset="-122"/>
-            </a:endParaRPr>
-          </a:p>
-        </p:txBody>
-      </p:sp>
-      <p:pic>
-        <p:nvPicPr>
-          <p:cNvPr id="57" name="图片 56">
-            <a:extLst>
-              <a:ext uri="{FF2B5EF4-FFF2-40B4-BE49-F238E27FC236}">
-                <a16:creationId xmlns:a16="http://schemas.microsoft.com/office/drawing/2014/main" id="{16E199B7-A9C0-4AFC-BAC8-2E5BE3637FE1}"/>
-              </a:ext>
-            </a:extLst>
-          </p:cNvPr>
-          <p:cNvPicPr>
-            <a:picLocks noChangeAspect="1"/>
-          </p:cNvPicPr>
-          <p:nvPr/>
-        </p:nvPicPr>
-        <p:blipFill rotWithShape="1">
-          <a:blip r:embed="rId3" cstate="print">
-            <a:extLst>
-              <a:ext uri="{28A0092B-C50C-407E-A947-70E740481C1C}">
-                <a14:useLocalDpi xmlns:a14="http://schemas.microsoft.com/office/drawing/2010/main" val="0"/>
-              </a:ext>
-            </a:extLst>
-          </a:blip>
-          <a:srcRect t="50000" b="35619"/>
-          <a:stretch/>
-        </p:blipFill>
-        <p:spPr>
-          <a:xfrm>
-            <a:off x="952040" y="2012772"/>
-            <a:ext cx="3167500" cy="936340"/>
-          </a:xfrm>
-          <a:prstGeom prst="rect">
-            <a:avLst/>
-          </a:prstGeom>
-        </p:spPr>
-      </p:pic>
-      <p:grpSp>
-        <p:nvGrpSpPr>
-          <p:cNvPr id="64" name="组合 63">
-            <a:extLst>
-              <a:ext uri="{FF2B5EF4-FFF2-40B4-BE49-F238E27FC236}">
-                <a16:creationId xmlns:a16="http://schemas.microsoft.com/office/drawing/2014/main" id="{3E391EC9-0182-4825-8A71-92F79F4D1D3D}"/>
-              </a:ext>
-            </a:extLst>
-          </p:cNvPr>
-          <p:cNvGrpSpPr/>
-          <p:nvPr/>
-        </p:nvGrpSpPr>
-        <p:grpSpPr>
-          <a:xfrm>
-            <a:off x="948376" y="5265919"/>
-            <a:ext cx="3139069" cy="684079"/>
-            <a:chOff x="105603" y="4956210"/>
-            <a:chExt cx="3139069" cy="684079"/>
-          </a:xfrm>
-        </p:grpSpPr>
-        <p:sp>
-          <p:nvSpPr>
-            <p:cNvPr id="65" name="矩形 64">
-              <a:extLst>
-                <a:ext uri="{FF2B5EF4-FFF2-40B4-BE49-F238E27FC236}">
-                  <a16:creationId xmlns:a16="http://schemas.microsoft.com/office/drawing/2014/main" id="{7AC2149E-284B-4B66-8E7F-369750E4EEFC}"/>
-                </a:ext>
-              </a:extLst>
-            </p:cNvPr>
-            <p:cNvSpPr/>
-            <p:nvPr/>
-          </p:nvSpPr>
-          <p:spPr>
-            <a:xfrm>
-              <a:off x="105603" y="4956210"/>
-              <a:ext cx="3139069" cy="684079"/>
-            </a:xfrm>
-            <a:prstGeom prst="rect">
-              <a:avLst/>
-            </a:prstGeom>
-            <a:solidFill>
-              <a:schemeClr val="bg1"/>
-            </a:solidFill>
-            <a:ln>
-              <a:solidFill>
-                <a:srgbClr val="DBDBDB"/>
-              </a:solidFill>
-            </a:ln>
-          </p:spPr>
-          <p:style>
-            <a:lnRef idx="1">
-              <a:schemeClr val="accent1"/>
-            </a:lnRef>
-            <a:fillRef idx="0">
-              <a:schemeClr val="accent1"/>
-            </a:fillRef>
-            <a:effectRef idx="0">
-              <a:schemeClr val="accent1"/>
-            </a:effectRef>
-            <a:fontRef idx="minor">
-              <a:schemeClr val="tx1"/>
-            </a:fontRef>
-          </p:style>
-          <p:txBody>
-            <a:bodyPr rtlCol="0" anchor="ctr"/>
-            <a:lstStyle/>
-            <a:p>
-              <a:pPr algn="ctr"/>
-              <a:endParaRPr lang="zh-CN" altLang="en-US" sz="900">
-                <a:solidFill>
-                  <a:schemeClr val="tx1"/>
-                </a:solidFill>
-              </a:endParaRPr>
-            </a:p>
-          </p:txBody>
-        </p:sp>
-        <p:sp>
-          <p:nvSpPr>
-            <p:cNvPr id="66" name="文本框 65">
-              <a:extLst>
-                <a:ext uri="{FF2B5EF4-FFF2-40B4-BE49-F238E27FC236}">
-                  <a16:creationId xmlns:a16="http://schemas.microsoft.com/office/drawing/2014/main" id="{7BD7EF6B-CBAD-4C56-8FCF-A8C24DA954B1}"/>
-                </a:ext>
-              </a:extLst>
-            </p:cNvPr>
-            <p:cNvSpPr txBox="1"/>
-            <p:nvPr/>
-          </p:nvSpPr>
-          <p:spPr>
-            <a:xfrm>
-              <a:off x="577084" y="5037157"/>
-              <a:ext cx="2524903" cy="261610"/>
-            </a:xfrm>
-            <a:prstGeom prst="rect">
-              <a:avLst/>
-            </a:prstGeom>
-            <a:noFill/>
-          </p:spPr>
-          <p:txBody>
-            <a:bodyPr wrap="square" rtlCol="0">
-              <a:spAutoFit/>
-            </a:bodyPr>
-            <a:lstStyle/>
-            <a:p>
-              <a:r>
-                <a:rPr lang="zh-CN" altLang="en-US" sz="1050" dirty="0">
-                  <a:latin typeface="微软雅黑" panose="020B0503020204020204" pitchFamily="34" charset="-122"/>
-                  <a:ea typeface="微软雅黑" panose="020B0503020204020204" pitchFamily="34" charset="-122"/>
-                </a:rPr>
-                <a:t>爱车保养</a:t>
-              </a:r>
-            </a:p>
-          </p:txBody>
-        </p:sp>
-        <p:sp>
-          <p:nvSpPr>
-            <p:cNvPr id="67" name="文本框 66">
-              <a:extLst>
-                <a:ext uri="{FF2B5EF4-FFF2-40B4-BE49-F238E27FC236}">
-                  <a16:creationId xmlns:a16="http://schemas.microsoft.com/office/drawing/2014/main" id="{552CA390-FE9A-4E17-912A-BC42D1727541}"/>
-                </a:ext>
-              </a:extLst>
-            </p:cNvPr>
-            <p:cNvSpPr txBox="1"/>
-            <p:nvPr/>
-          </p:nvSpPr>
-          <p:spPr>
-            <a:xfrm>
-              <a:off x="577083" y="5263792"/>
-              <a:ext cx="2506802" cy="338554"/>
-            </a:xfrm>
-            <a:prstGeom prst="rect">
-              <a:avLst/>
-            </a:prstGeom>
-            <a:noFill/>
-          </p:spPr>
-          <p:txBody>
-            <a:bodyPr wrap="square" rtlCol="0">
-              <a:spAutoFit/>
-            </a:bodyPr>
-            <a:lstStyle/>
-            <a:p>
-              <a:r>
-                <a:rPr lang="zh-CN" altLang="en-US" sz="800" dirty="0">
-                  <a:solidFill>
-                    <a:schemeClr val="bg1">
-                      <a:lumMod val="75000"/>
-                    </a:schemeClr>
-                  </a:solidFill>
-                  <a:latin typeface="微软雅黑" panose="020B0503020204020204" pitchFamily="34" charset="-122"/>
-                  <a:ea typeface="微软雅黑" panose="020B0503020204020204" pitchFamily="34" charset="-122"/>
-                </a:rPr>
-                <a:t>根据车型自动匹配配件，省心省力，小白操作</a:t>
-              </a:r>
-              <a:endParaRPr lang="en-US" altLang="zh-CN" sz="800" dirty="0">
-                <a:solidFill>
-                  <a:schemeClr val="bg1">
-                    <a:lumMod val="75000"/>
-                  </a:schemeClr>
-                </a:solidFill>
-                <a:latin typeface="微软雅黑" panose="020B0503020204020204" pitchFamily="34" charset="-122"/>
-                <a:ea typeface="微软雅黑" panose="020B0503020204020204" pitchFamily="34" charset="-122"/>
-              </a:endParaRPr>
-            </a:p>
-            <a:p>
-              <a:r>
-                <a:rPr lang="zh-CN" altLang="en-US" sz="800" dirty="0">
-                  <a:solidFill>
-                    <a:schemeClr val="bg1">
-                      <a:lumMod val="75000"/>
-                    </a:schemeClr>
-                  </a:solidFill>
-                  <a:latin typeface="微软雅黑" panose="020B0503020204020204" pitchFamily="34" charset="-122"/>
-                  <a:ea typeface="微软雅黑" panose="020B0503020204020204" pitchFamily="34" charset="-122"/>
-                </a:rPr>
-                <a:t>全网最低价</a:t>
-              </a:r>
-            </a:p>
-          </p:txBody>
-        </p:sp>
-        <p:sp>
-          <p:nvSpPr>
-            <p:cNvPr id="68" name="矩形 67">
-              <a:extLst>
-                <a:ext uri="{FF2B5EF4-FFF2-40B4-BE49-F238E27FC236}">
-                  <a16:creationId xmlns:a16="http://schemas.microsoft.com/office/drawing/2014/main" id="{421D58C7-B762-4A38-ABE1-CD6DD9159F23}"/>
-                </a:ext>
-              </a:extLst>
-            </p:cNvPr>
-            <p:cNvSpPr/>
-            <p:nvPr/>
-          </p:nvSpPr>
-          <p:spPr>
-            <a:xfrm>
-              <a:off x="220371" y="5065237"/>
-              <a:ext cx="351018" cy="351018"/>
-            </a:xfrm>
-            <a:prstGeom prst="rect">
-              <a:avLst/>
-            </a:prstGeom>
-            <a:solidFill>
-              <a:schemeClr val="bg1">
-                <a:lumMod val="85000"/>
-              </a:schemeClr>
-            </a:solidFill>
-            <a:ln>
-              <a:noFill/>
-            </a:ln>
-          </p:spPr>
-          <p:style>
-            <a:lnRef idx="2">
-              <a:schemeClr val="accent1">
-                <a:shade val="50000"/>
-              </a:schemeClr>
-            </a:lnRef>
-            <a:fillRef idx="1">
-              <a:schemeClr val="accent1"/>
-            </a:fillRef>
-            <a:effectRef idx="0">
-              <a:schemeClr val="accent1"/>
-            </a:effectRef>
-            <a:fontRef idx="minor">
-              <a:schemeClr val="lt1"/>
-            </a:fontRef>
-          </p:style>
-          <p:txBody>
-            <a:bodyPr rtlCol="0" anchor="ctr"/>
-            <a:lstStyle/>
-            <a:p>
-              <a:pPr algn="ctr"/>
-              <a:endParaRPr lang="zh-CN" altLang="en-US" sz="900"/>
-            </a:p>
-          </p:txBody>
-        </p:sp>
-        <p:pic>
-          <p:nvPicPr>
-            <p:cNvPr id="69" name="图片 68">
-              <a:extLst>
-                <a:ext uri="{FF2B5EF4-FFF2-40B4-BE49-F238E27FC236}">
-                  <a16:creationId xmlns:a16="http://schemas.microsoft.com/office/drawing/2014/main" id="{5AC3311F-E472-4F75-8810-87FC233F8EC8}"/>
-                </a:ext>
-              </a:extLst>
-            </p:cNvPr>
-            <p:cNvPicPr>
-              <a:picLocks noChangeAspect="1"/>
-            </p:cNvPicPr>
-            <p:nvPr/>
-          </p:nvPicPr>
-          <p:blipFill rotWithShape="1">
-            <a:blip r:embed="rId4"/>
-            <a:srcRect l="89677" t="36384" r="6682" b="31513"/>
-            <a:stretch/>
-          </p:blipFill>
-          <p:spPr>
-            <a:xfrm>
-              <a:off x="3089580" y="5160106"/>
-              <a:ext cx="120972" cy="161814"/>
-            </a:xfrm>
-            <a:prstGeom prst="rect">
-              <a:avLst/>
-            </a:prstGeom>
-          </p:spPr>
-        </p:pic>
-      </p:grpSp>
-      <p:grpSp>
-        <p:nvGrpSpPr>
-          <p:cNvPr id="58" name="组合 57">
-            <a:extLst>
-              <a:ext uri="{FF2B5EF4-FFF2-40B4-BE49-F238E27FC236}">
-                <a16:creationId xmlns:a16="http://schemas.microsoft.com/office/drawing/2014/main" id="{F894AC6C-F586-4B4B-86A8-3054988E7217}"/>
-              </a:ext>
-            </a:extLst>
-          </p:cNvPr>
-          <p:cNvGrpSpPr/>
-          <p:nvPr/>
-        </p:nvGrpSpPr>
-        <p:grpSpPr>
-          <a:xfrm>
-            <a:off x="881508" y="2970631"/>
-            <a:ext cx="3308563" cy="2202906"/>
-            <a:chOff x="881508" y="2970631"/>
-            <a:chExt cx="3308563" cy="2202906"/>
-          </a:xfrm>
-        </p:grpSpPr>
-        <p:grpSp>
-          <p:nvGrpSpPr>
-            <p:cNvPr id="59" name="组合 58">
-              <a:extLst>
-                <a:ext uri="{FF2B5EF4-FFF2-40B4-BE49-F238E27FC236}">
-                  <a16:creationId xmlns:a16="http://schemas.microsoft.com/office/drawing/2014/main" id="{4E9EF8BA-25E1-4DB1-8CFB-24D0D01A9E72}"/>
-                </a:ext>
-              </a:extLst>
-            </p:cNvPr>
-            <p:cNvGrpSpPr/>
-            <p:nvPr/>
-          </p:nvGrpSpPr>
-          <p:grpSpPr>
-            <a:xfrm>
-              <a:off x="881508" y="2970631"/>
-              <a:ext cx="3308563" cy="2202906"/>
-              <a:chOff x="863629" y="2070920"/>
-              <a:chExt cx="3308563" cy="2202906"/>
-            </a:xfrm>
-          </p:grpSpPr>
-          <p:grpSp>
-            <p:nvGrpSpPr>
-              <p:cNvPr id="61" name="组合 60">
-                <a:extLst>
-                  <a:ext uri="{FF2B5EF4-FFF2-40B4-BE49-F238E27FC236}">
-                    <a16:creationId xmlns:a16="http://schemas.microsoft.com/office/drawing/2014/main" id="{2E4B546E-59B8-4A3F-92BB-8DF77CD694DB}"/>
-                  </a:ext>
-                </a:extLst>
-              </p:cNvPr>
-              <p:cNvGrpSpPr/>
-              <p:nvPr/>
-            </p:nvGrpSpPr>
-            <p:grpSpPr>
-              <a:xfrm>
-                <a:off x="952040" y="2070920"/>
-                <a:ext cx="3131743" cy="2202906"/>
-                <a:chOff x="109797" y="1729407"/>
-                <a:chExt cx="3131743" cy="2171627"/>
-              </a:xfrm>
-            </p:grpSpPr>
-            <p:sp>
-              <p:nvSpPr>
-                <p:cNvPr id="90" name="矩形 89">
-                  <a:extLst>
-                    <a:ext uri="{FF2B5EF4-FFF2-40B4-BE49-F238E27FC236}">
-                      <a16:creationId xmlns:a16="http://schemas.microsoft.com/office/drawing/2014/main" id="{F2F06A26-61D4-4593-AD0C-86FC2A2EE98C}"/>
-                    </a:ext>
-                  </a:extLst>
-                </p:cNvPr>
-                <p:cNvSpPr/>
-                <p:nvPr/>
-              </p:nvSpPr>
-              <p:spPr>
-                <a:xfrm>
-                  <a:off x="109797" y="1729407"/>
-                  <a:ext cx="3131743" cy="2171627"/>
-                </a:xfrm>
-                <a:prstGeom prst="rect">
-                  <a:avLst/>
-                </a:prstGeom>
-                <a:solidFill>
-                  <a:schemeClr val="bg1"/>
-                </a:solidFill>
-                <a:ln>
-                  <a:solidFill>
-                    <a:srgbClr val="DBDBDB"/>
-                  </a:solidFill>
-                </a:ln>
-              </p:spPr>
-              <p:style>
-                <a:lnRef idx="1">
-                  <a:schemeClr val="accent1"/>
-                </a:lnRef>
-                <a:fillRef idx="0">
-                  <a:schemeClr val="accent1"/>
-                </a:fillRef>
-                <a:effectRef idx="0">
-                  <a:schemeClr val="accent1"/>
-                </a:effectRef>
-                <a:fontRef idx="minor">
-                  <a:schemeClr val="tx1"/>
-                </a:fontRef>
-              </p:style>
-              <p:txBody>
-                <a:bodyPr rtlCol="0" anchor="ctr"/>
-                <a:lstStyle/>
-                <a:p>
-                  <a:pPr algn="ctr"/>
-                  <a:endParaRPr lang="zh-CN" altLang="en-US" sz="1000" dirty="0">
-                    <a:solidFill>
-                      <a:schemeClr val="tx1"/>
-                    </a:solidFill>
-                  </a:endParaRPr>
-                </a:p>
-              </p:txBody>
-            </p:sp>
-            <p:cxnSp>
-              <p:nvCxnSpPr>
-                <p:cNvPr id="91" name="直接连接符 90">
-                  <a:extLst>
-                    <a:ext uri="{FF2B5EF4-FFF2-40B4-BE49-F238E27FC236}">
-                      <a16:creationId xmlns:a16="http://schemas.microsoft.com/office/drawing/2014/main" id="{F7CF6C2A-C9CD-414E-9343-E8C5C00FE40A}"/>
-                    </a:ext>
-                  </a:extLst>
-                </p:cNvPr>
-                <p:cNvCxnSpPr>
-                  <a:cxnSpLocks/>
-                </p:cNvCxnSpPr>
-                <p:nvPr/>
-              </p:nvCxnSpPr>
-              <p:spPr>
-                <a:xfrm>
-                  <a:off x="242865" y="2009928"/>
-                  <a:ext cx="2998675" cy="0"/>
-                </a:xfrm>
-                <a:prstGeom prst="line">
-                  <a:avLst/>
-                </a:prstGeom>
-                <a:ln>
-                  <a:solidFill>
-                    <a:srgbClr val="DBDBDB"/>
-                  </a:solidFill>
-                </a:ln>
-              </p:spPr>
-              <p:style>
-                <a:lnRef idx="1">
-                  <a:schemeClr val="accent1"/>
-                </a:lnRef>
-                <a:fillRef idx="0">
-                  <a:schemeClr val="accent1"/>
-                </a:fillRef>
-                <a:effectRef idx="0">
-                  <a:schemeClr val="accent1"/>
-                </a:effectRef>
-                <a:fontRef idx="minor">
-                  <a:schemeClr val="tx1"/>
-                </a:fontRef>
-              </p:style>
-            </p:cxnSp>
-            <p:sp>
-              <p:nvSpPr>
-                <p:cNvPr id="92" name="文本框 91">
-                  <a:extLst>
-                    <a:ext uri="{FF2B5EF4-FFF2-40B4-BE49-F238E27FC236}">
-                      <a16:creationId xmlns:a16="http://schemas.microsoft.com/office/drawing/2014/main" id="{D585F6D6-B9D2-48A1-8775-AFF82ECAB7E6}"/>
-                    </a:ext>
-                  </a:extLst>
-                </p:cNvPr>
-                <p:cNvSpPr txBox="1"/>
-                <p:nvPr/>
-              </p:nvSpPr>
-              <p:spPr>
-                <a:xfrm>
-                  <a:off x="191804" y="1792668"/>
-                  <a:ext cx="824713" cy="212385"/>
-                </a:xfrm>
-                <a:prstGeom prst="rect">
-                  <a:avLst/>
-                </a:prstGeom>
-                <a:noFill/>
-              </p:spPr>
-              <p:txBody>
-                <a:bodyPr wrap="square" rtlCol="0">
-                  <a:spAutoFit/>
-                </a:bodyPr>
-                <a:lstStyle/>
-                <a:p>
-                  <a:r>
-                    <a:rPr lang="zh-CN" altLang="en-US" sz="800" dirty="0">
-                      <a:solidFill>
-                        <a:schemeClr val="bg1">
-                          <a:lumMod val="75000"/>
-                        </a:schemeClr>
-                      </a:solidFill>
-                      <a:latin typeface="微软雅黑" panose="020B0503020204020204" pitchFamily="34" charset="-122"/>
-                      <a:ea typeface="微软雅黑" panose="020B0503020204020204" pitchFamily="34" charset="-122"/>
-                    </a:rPr>
-                    <a:t>优惠生活</a:t>
-                  </a:r>
-                </a:p>
-              </p:txBody>
-            </p:sp>
-          </p:grpSp>
-          <p:grpSp>
-            <p:nvGrpSpPr>
-              <p:cNvPr id="62" name="组合 61">
-                <a:extLst>
-                  <a:ext uri="{FF2B5EF4-FFF2-40B4-BE49-F238E27FC236}">
-                    <a16:creationId xmlns:a16="http://schemas.microsoft.com/office/drawing/2014/main" id="{DACBA32C-A96A-400B-826C-0CB19C2FA9DE}"/>
-                  </a:ext>
-                </a:extLst>
-              </p:cNvPr>
-              <p:cNvGrpSpPr/>
-              <p:nvPr/>
-            </p:nvGrpSpPr>
-            <p:grpSpPr>
-              <a:xfrm>
-                <a:off x="863629" y="2489697"/>
-                <a:ext cx="3308563" cy="805733"/>
-                <a:chOff x="854415" y="2556530"/>
-                <a:chExt cx="3308563" cy="805733"/>
-              </a:xfrm>
-            </p:grpSpPr>
-            <p:grpSp>
-              <p:nvGrpSpPr>
-                <p:cNvPr id="81" name="组合 80">
-                  <a:extLst>
-                    <a:ext uri="{FF2B5EF4-FFF2-40B4-BE49-F238E27FC236}">
-                      <a16:creationId xmlns:a16="http://schemas.microsoft.com/office/drawing/2014/main" id="{8EE31B90-2881-46C0-A6DF-6BE71631C085}"/>
-                    </a:ext>
-                  </a:extLst>
-                </p:cNvPr>
-                <p:cNvGrpSpPr/>
-                <p:nvPr/>
-              </p:nvGrpSpPr>
-              <p:grpSpPr>
-                <a:xfrm>
-                  <a:off x="854415" y="2556530"/>
-                  <a:ext cx="1239857" cy="785598"/>
-                  <a:chOff x="997827" y="5345661"/>
-                  <a:chExt cx="494923" cy="313593"/>
-                </a:xfrm>
-              </p:grpSpPr>
-              <p:sp>
-                <p:nvSpPr>
-                  <p:cNvPr id="88" name="矩形: 圆角 87">
-                    <a:extLst>
-                      <a:ext uri="{FF2B5EF4-FFF2-40B4-BE49-F238E27FC236}">
-                        <a16:creationId xmlns:a16="http://schemas.microsoft.com/office/drawing/2014/main" id="{B15C092C-C8A7-4496-B4F5-B00930BE2AC5}"/>
-                      </a:ext>
-                    </a:extLst>
-                  </p:cNvPr>
-                  <p:cNvSpPr/>
-                  <p:nvPr/>
-                </p:nvSpPr>
-                <p:spPr>
-                  <a:xfrm>
-                    <a:off x="1130148" y="5345661"/>
-                    <a:ext cx="230282" cy="230282"/>
-                  </a:xfrm>
-                  <a:prstGeom prst="roundRect">
-                    <a:avLst/>
-                  </a:prstGeom>
-                  <a:solidFill>
-                    <a:srgbClr val="D9D9D9"/>
-                  </a:solidFill>
-                  <a:ln>
-                    <a:noFill/>
-                  </a:ln>
-                </p:spPr>
-                <p:style>
-                  <a:lnRef idx="2">
-                    <a:schemeClr val="accent1">
-                      <a:shade val="50000"/>
-                    </a:schemeClr>
-                  </a:lnRef>
-                  <a:fillRef idx="1">
-                    <a:schemeClr val="accent1"/>
-                  </a:fillRef>
-                  <a:effectRef idx="0">
-                    <a:schemeClr val="accent1"/>
-                  </a:effectRef>
-                  <a:fontRef idx="minor">
-                    <a:schemeClr val="lt1"/>
-                  </a:fontRef>
-                </p:style>
-                <p:txBody>
-                  <a:bodyPr rtlCol="0" anchor="ctr"/>
-                  <a:lstStyle/>
-                  <a:p>
-                    <a:pPr algn="ctr">
-                      <a:lnSpc>
-                        <a:spcPct val="150000"/>
-                      </a:lnSpc>
-                    </a:pPr>
-                    <a:endParaRPr lang="zh-CN" altLang="en-US" sz="1000" dirty="0">
-                      <a:solidFill>
-                        <a:schemeClr val="tx1"/>
-                      </a:solidFill>
-                      <a:latin typeface="微软雅黑" panose="020B0503020204020204" pitchFamily="34" charset="-122"/>
-                      <a:ea typeface="微软雅黑" panose="020B0503020204020204" pitchFamily="34" charset="-122"/>
-                    </a:endParaRPr>
-                  </a:p>
-                </p:txBody>
-              </p:sp>
-              <p:sp>
-                <p:nvSpPr>
-                  <p:cNvPr id="89" name="文本框 88">
-                    <a:extLst>
-                      <a:ext uri="{FF2B5EF4-FFF2-40B4-BE49-F238E27FC236}">
-                        <a16:creationId xmlns:a16="http://schemas.microsoft.com/office/drawing/2014/main" id="{B85772A0-EA3C-4BED-852E-E71AE7774905}"/>
-                      </a:ext>
-                    </a:extLst>
-                  </p:cNvPr>
-                  <p:cNvSpPr txBox="1"/>
-                  <p:nvPr/>
-                </p:nvSpPr>
-                <p:spPr>
-                  <a:xfrm>
-                    <a:off x="997827" y="5579397"/>
-                    <a:ext cx="494923" cy="79857"/>
-                  </a:xfrm>
-                  <a:prstGeom prst="rect">
-                    <a:avLst/>
-                  </a:prstGeom>
-                  <a:noFill/>
-                </p:spPr>
-                <p:txBody>
-                  <a:bodyPr wrap="square" rtlCol="0">
-                    <a:spAutoFit/>
-                  </a:bodyPr>
-                  <a:lstStyle/>
-                  <a:p>
-                    <a:pPr algn="ctr"/>
-                    <a:r>
-                      <a:rPr lang="zh-CN" altLang="en-US" sz="700" dirty="0">
-                        <a:latin typeface="微软雅黑" panose="020B0503020204020204" pitchFamily="34" charset="-122"/>
-                        <a:ea typeface="微软雅黑" panose="020B0503020204020204" pitchFamily="34" charset="-122"/>
-                      </a:rPr>
-                      <a:t>新车比价</a:t>
-                    </a:r>
-                  </a:p>
-                </p:txBody>
-              </p:sp>
-            </p:grpSp>
-            <p:grpSp>
-              <p:nvGrpSpPr>
-                <p:cNvPr id="82" name="组合 81">
-                  <a:extLst>
-                    <a:ext uri="{FF2B5EF4-FFF2-40B4-BE49-F238E27FC236}">
-                      <a16:creationId xmlns:a16="http://schemas.microsoft.com/office/drawing/2014/main" id="{6772F622-07C7-4070-BC11-D182C2BB3905}"/>
-                    </a:ext>
-                  </a:extLst>
-                </p:cNvPr>
-                <p:cNvGrpSpPr/>
-                <p:nvPr/>
-              </p:nvGrpSpPr>
-              <p:grpSpPr>
-                <a:xfrm>
-                  <a:off x="1888768" y="2576665"/>
-                  <a:ext cx="1239857" cy="785598"/>
-                  <a:chOff x="997827" y="5345661"/>
-                  <a:chExt cx="494923" cy="313593"/>
-                </a:xfrm>
-              </p:grpSpPr>
-              <p:sp>
-                <p:nvSpPr>
-                  <p:cNvPr id="86" name="矩形: 圆角 85">
-                    <a:extLst>
-                      <a:ext uri="{FF2B5EF4-FFF2-40B4-BE49-F238E27FC236}">
-                        <a16:creationId xmlns:a16="http://schemas.microsoft.com/office/drawing/2014/main" id="{8C4A8E3E-082E-4E3A-AC02-8A86E80B99F2}"/>
-                      </a:ext>
-                    </a:extLst>
-                  </p:cNvPr>
-                  <p:cNvSpPr/>
-                  <p:nvPr/>
-                </p:nvSpPr>
-                <p:spPr>
-                  <a:xfrm>
-                    <a:off x="1130148" y="5345661"/>
-                    <a:ext cx="230282" cy="230282"/>
-                  </a:xfrm>
-                  <a:prstGeom prst="roundRect">
-                    <a:avLst/>
-                  </a:prstGeom>
-                  <a:solidFill>
-                    <a:srgbClr val="D9D9D9"/>
-                  </a:solidFill>
-                  <a:ln>
-                    <a:noFill/>
-                  </a:ln>
-                </p:spPr>
-                <p:style>
-                  <a:lnRef idx="2">
-                    <a:schemeClr val="accent1">
-                      <a:shade val="50000"/>
-                    </a:schemeClr>
-                  </a:lnRef>
-                  <a:fillRef idx="1">
-                    <a:schemeClr val="accent1"/>
-                  </a:fillRef>
-                  <a:effectRef idx="0">
-                    <a:schemeClr val="accent1"/>
-                  </a:effectRef>
-                  <a:fontRef idx="minor">
-                    <a:schemeClr val="lt1"/>
-                  </a:fontRef>
-                </p:style>
-                <p:txBody>
-                  <a:bodyPr rtlCol="0" anchor="ctr"/>
-                  <a:lstStyle/>
-                  <a:p>
-                    <a:pPr algn="ctr">
-                      <a:lnSpc>
-                        <a:spcPct val="150000"/>
-                      </a:lnSpc>
-                    </a:pPr>
-                    <a:endParaRPr lang="zh-CN" altLang="en-US" sz="1000" dirty="0">
-                      <a:solidFill>
-                        <a:schemeClr val="tx1"/>
-                      </a:solidFill>
-                      <a:latin typeface="微软雅黑" panose="020B0503020204020204" pitchFamily="34" charset="-122"/>
-                      <a:ea typeface="微软雅黑" panose="020B0503020204020204" pitchFamily="34" charset="-122"/>
-                    </a:endParaRPr>
-                  </a:p>
-                </p:txBody>
-              </p:sp>
-              <p:sp>
-                <p:nvSpPr>
-                  <p:cNvPr id="87" name="文本框 86">
-                    <a:extLst>
-                      <a:ext uri="{FF2B5EF4-FFF2-40B4-BE49-F238E27FC236}">
-                        <a16:creationId xmlns:a16="http://schemas.microsoft.com/office/drawing/2014/main" id="{20C55D91-2D1A-4D73-8EF4-95BDBAB25212}"/>
-                      </a:ext>
-                    </a:extLst>
-                  </p:cNvPr>
-                  <p:cNvSpPr txBox="1"/>
-                  <p:nvPr/>
-                </p:nvSpPr>
-                <p:spPr>
-                  <a:xfrm>
-                    <a:off x="997827" y="5579397"/>
-                    <a:ext cx="494923" cy="79857"/>
-                  </a:xfrm>
-                  <a:prstGeom prst="rect">
-                    <a:avLst/>
-                  </a:prstGeom>
-                  <a:noFill/>
-                </p:spPr>
-                <p:txBody>
-                  <a:bodyPr wrap="square" rtlCol="0">
-                    <a:spAutoFit/>
-                  </a:bodyPr>
-                  <a:lstStyle/>
-                  <a:p>
-                    <a:pPr algn="ctr"/>
-                    <a:r>
-                      <a:rPr lang="zh-CN" altLang="en-US" sz="700" dirty="0">
-                        <a:latin typeface="微软雅黑" panose="020B0503020204020204" pitchFamily="34" charset="-122"/>
-                        <a:ea typeface="微软雅黑" panose="020B0503020204020204" pitchFamily="34" charset="-122"/>
-                      </a:rPr>
-                      <a:t>车险购买</a:t>
-                    </a:r>
-                  </a:p>
-                </p:txBody>
-              </p:sp>
-            </p:grpSp>
-            <p:grpSp>
-              <p:nvGrpSpPr>
-                <p:cNvPr id="83" name="组合 82">
-                  <a:extLst>
-                    <a:ext uri="{FF2B5EF4-FFF2-40B4-BE49-F238E27FC236}">
-                      <a16:creationId xmlns:a16="http://schemas.microsoft.com/office/drawing/2014/main" id="{056CD231-6D61-454C-A1BE-1E60617421C8}"/>
-                    </a:ext>
-                  </a:extLst>
-                </p:cNvPr>
-                <p:cNvGrpSpPr/>
-                <p:nvPr/>
-              </p:nvGrpSpPr>
-              <p:grpSpPr>
-                <a:xfrm>
-                  <a:off x="2923121" y="2576665"/>
-                  <a:ext cx="1239857" cy="785598"/>
-                  <a:chOff x="997827" y="5345661"/>
-                  <a:chExt cx="494923" cy="313593"/>
-                </a:xfrm>
-              </p:grpSpPr>
-              <p:sp>
-                <p:nvSpPr>
-                  <p:cNvPr id="84" name="矩形: 圆角 83">
-                    <a:extLst>
-                      <a:ext uri="{FF2B5EF4-FFF2-40B4-BE49-F238E27FC236}">
-                        <a16:creationId xmlns:a16="http://schemas.microsoft.com/office/drawing/2014/main" id="{02723D0B-3B2E-4C0B-A974-70C4189E7BEA}"/>
-                      </a:ext>
-                    </a:extLst>
-                  </p:cNvPr>
-                  <p:cNvSpPr/>
-                  <p:nvPr/>
-                </p:nvSpPr>
-                <p:spPr>
-                  <a:xfrm>
-                    <a:off x="1130148" y="5345661"/>
-                    <a:ext cx="230282" cy="230282"/>
-                  </a:xfrm>
-                  <a:prstGeom prst="roundRect">
-                    <a:avLst/>
-                  </a:prstGeom>
-                  <a:solidFill>
-                    <a:srgbClr val="D9D9D9"/>
-                  </a:solidFill>
-                  <a:ln>
-                    <a:noFill/>
-                  </a:ln>
-                </p:spPr>
-                <p:style>
-                  <a:lnRef idx="2">
-                    <a:schemeClr val="accent1">
-                      <a:shade val="50000"/>
-                    </a:schemeClr>
-                  </a:lnRef>
-                  <a:fillRef idx="1">
-                    <a:schemeClr val="accent1"/>
-                  </a:fillRef>
-                  <a:effectRef idx="0">
-                    <a:schemeClr val="accent1"/>
-                  </a:effectRef>
-                  <a:fontRef idx="minor">
-                    <a:schemeClr val="lt1"/>
-                  </a:fontRef>
-                </p:style>
-                <p:txBody>
-                  <a:bodyPr rtlCol="0" anchor="ctr"/>
-                  <a:lstStyle/>
-                  <a:p>
-                    <a:pPr algn="ctr">
-                      <a:lnSpc>
-                        <a:spcPct val="150000"/>
-                      </a:lnSpc>
-                    </a:pPr>
-                    <a:endParaRPr lang="zh-CN" altLang="en-US" sz="1000" dirty="0">
-                      <a:solidFill>
-                        <a:schemeClr val="tx1"/>
-                      </a:solidFill>
-                      <a:latin typeface="微软雅黑" panose="020B0503020204020204" pitchFamily="34" charset="-122"/>
-                      <a:ea typeface="微软雅黑" panose="020B0503020204020204" pitchFamily="34" charset="-122"/>
-                    </a:endParaRPr>
-                  </a:p>
-                </p:txBody>
-              </p:sp>
-              <p:sp>
-                <p:nvSpPr>
-                  <p:cNvPr id="85" name="文本框 84">
-                    <a:extLst>
-                      <a:ext uri="{FF2B5EF4-FFF2-40B4-BE49-F238E27FC236}">
-                        <a16:creationId xmlns:a16="http://schemas.microsoft.com/office/drawing/2014/main" id="{54F178BB-D062-4283-8324-697509D9FEE6}"/>
-                      </a:ext>
-                    </a:extLst>
-                  </p:cNvPr>
-                  <p:cNvSpPr txBox="1"/>
-                  <p:nvPr/>
-                </p:nvSpPr>
-                <p:spPr>
-                  <a:xfrm>
-                    <a:off x="997827" y="5579397"/>
-                    <a:ext cx="494923" cy="79857"/>
-                  </a:xfrm>
-                  <a:prstGeom prst="rect">
-                    <a:avLst/>
-                  </a:prstGeom>
-                  <a:noFill/>
-                </p:spPr>
-                <p:txBody>
-                  <a:bodyPr wrap="square" rtlCol="0">
-                    <a:spAutoFit/>
-                  </a:bodyPr>
-                  <a:lstStyle/>
-                  <a:p>
-                    <a:pPr algn="ctr"/>
-                    <a:r>
-                      <a:rPr lang="zh-CN" altLang="en-US" sz="700" dirty="0">
-                        <a:latin typeface="微软雅黑" panose="020B0503020204020204" pitchFamily="34" charset="-122"/>
-                        <a:ea typeface="微软雅黑" panose="020B0503020204020204" pitchFamily="34" charset="-122"/>
-                      </a:rPr>
-                      <a:t>意外健康险</a:t>
-                    </a:r>
-                  </a:p>
-                </p:txBody>
-              </p:sp>
-            </p:grpSp>
-          </p:grpSp>
-          <p:sp>
-            <p:nvSpPr>
-              <p:cNvPr id="63" name="矩形 62">
-                <a:extLst>
-                  <a:ext uri="{FF2B5EF4-FFF2-40B4-BE49-F238E27FC236}">
-                    <a16:creationId xmlns:a16="http://schemas.microsoft.com/office/drawing/2014/main" id="{4EEAE0C5-5F99-4BAF-823F-01AC7942B3C3}"/>
-                  </a:ext>
-                </a:extLst>
-              </p:cNvPr>
-              <p:cNvSpPr/>
-              <p:nvPr/>
-            </p:nvSpPr>
-            <p:spPr>
-              <a:xfrm rot="1844245">
-                <a:off x="2484625" y="2599344"/>
-                <a:ext cx="310086" cy="130809"/>
-              </a:xfrm>
-              <a:prstGeom prst="rect">
-                <a:avLst/>
-              </a:prstGeom>
-              <a:solidFill>
-                <a:srgbClr val="09BB07"/>
-              </a:solidFill>
-              <a:ln>
-                <a:noFill/>
-              </a:ln>
-            </p:spPr>
-            <p:style>
-              <a:lnRef idx="2">
-                <a:schemeClr val="accent1">
-                  <a:shade val="50000"/>
-                </a:schemeClr>
-              </a:lnRef>
-              <a:fillRef idx="1">
-                <a:schemeClr val="accent1"/>
-              </a:fillRef>
-              <a:effectRef idx="0">
-                <a:schemeClr val="accent1"/>
-              </a:effectRef>
-              <a:fontRef idx="minor">
-                <a:schemeClr val="lt1"/>
-              </a:fontRef>
-            </p:style>
-            <p:txBody>
-              <a:bodyPr rtlCol="0" anchor="ctr"/>
-              <a:lstStyle/>
-              <a:p>
-                <a:pPr algn="ctr"/>
-                <a:r>
-                  <a:rPr lang="zh-CN" altLang="en-US" sz="700" dirty="0">
-                    <a:latin typeface="微软雅黑" panose="020B0503020204020204" pitchFamily="34" charset="-122"/>
-                    <a:ea typeface="微软雅黑" panose="020B0503020204020204" pitchFamily="34" charset="-122"/>
-                  </a:rPr>
-                  <a:t>惠</a:t>
-                </a:r>
-              </a:p>
-            </p:txBody>
-          </p:sp>
-          <p:grpSp>
-            <p:nvGrpSpPr>
-              <p:cNvPr id="70" name="组合 69">
-                <a:extLst>
-                  <a:ext uri="{FF2B5EF4-FFF2-40B4-BE49-F238E27FC236}">
-                    <a16:creationId xmlns:a16="http://schemas.microsoft.com/office/drawing/2014/main" id="{D24BAFE2-F893-47EC-9FF2-68903DC39738}"/>
-                  </a:ext>
-                </a:extLst>
-              </p:cNvPr>
-              <p:cNvGrpSpPr/>
-              <p:nvPr/>
-            </p:nvGrpSpPr>
-            <p:grpSpPr>
-              <a:xfrm>
-                <a:off x="863629" y="3394014"/>
-                <a:ext cx="3308563" cy="805733"/>
-                <a:chOff x="854415" y="2556530"/>
-                <a:chExt cx="3308563" cy="805733"/>
-              </a:xfrm>
-            </p:grpSpPr>
-            <p:grpSp>
-              <p:nvGrpSpPr>
-                <p:cNvPr id="71" name="组合 70">
-                  <a:extLst>
-                    <a:ext uri="{FF2B5EF4-FFF2-40B4-BE49-F238E27FC236}">
-                      <a16:creationId xmlns:a16="http://schemas.microsoft.com/office/drawing/2014/main" id="{0C7A9167-64FB-4825-AECA-F99ADC273CF3}"/>
-                    </a:ext>
-                  </a:extLst>
-                </p:cNvPr>
-                <p:cNvGrpSpPr/>
-                <p:nvPr/>
-              </p:nvGrpSpPr>
-              <p:grpSpPr>
-                <a:xfrm>
-                  <a:off x="854415" y="2556530"/>
-                  <a:ext cx="1239857" cy="785598"/>
-                  <a:chOff x="997827" y="5345661"/>
-                  <a:chExt cx="494923" cy="313593"/>
-                </a:xfrm>
-              </p:grpSpPr>
-              <p:sp>
-                <p:nvSpPr>
-                  <p:cNvPr id="79" name="矩形: 圆角 78">
-                    <a:extLst>
-                      <a:ext uri="{FF2B5EF4-FFF2-40B4-BE49-F238E27FC236}">
-                        <a16:creationId xmlns:a16="http://schemas.microsoft.com/office/drawing/2014/main" id="{A535F93E-F121-4B9A-8A3A-D95AA07894FD}"/>
-                      </a:ext>
-                    </a:extLst>
-                  </p:cNvPr>
-                  <p:cNvSpPr/>
-                  <p:nvPr/>
-                </p:nvSpPr>
-                <p:spPr>
-                  <a:xfrm>
-                    <a:off x="1130148" y="5345661"/>
-                    <a:ext cx="230282" cy="230282"/>
-                  </a:xfrm>
-                  <a:prstGeom prst="roundRect">
-                    <a:avLst/>
-                  </a:prstGeom>
-                  <a:solidFill>
-                    <a:srgbClr val="D9D9D9"/>
-                  </a:solidFill>
-                  <a:ln>
-                    <a:noFill/>
-                  </a:ln>
-                </p:spPr>
-                <p:style>
-                  <a:lnRef idx="2">
-                    <a:schemeClr val="accent1">
-                      <a:shade val="50000"/>
-                    </a:schemeClr>
-                  </a:lnRef>
-                  <a:fillRef idx="1">
-                    <a:schemeClr val="accent1"/>
-                  </a:fillRef>
-                  <a:effectRef idx="0">
-                    <a:schemeClr val="accent1"/>
-                  </a:effectRef>
-                  <a:fontRef idx="minor">
-                    <a:schemeClr val="lt1"/>
-                  </a:fontRef>
-                </p:style>
-                <p:txBody>
-                  <a:bodyPr rtlCol="0" anchor="ctr"/>
-                  <a:lstStyle/>
-                  <a:p>
-                    <a:pPr algn="ctr">
-                      <a:lnSpc>
-                        <a:spcPct val="150000"/>
-                      </a:lnSpc>
-                    </a:pPr>
-                    <a:endParaRPr lang="zh-CN" altLang="en-US" sz="1000" dirty="0">
-                      <a:solidFill>
-                        <a:schemeClr val="tx1"/>
-                      </a:solidFill>
-                      <a:latin typeface="微软雅黑" panose="020B0503020204020204" pitchFamily="34" charset="-122"/>
-                      <a:ea typeface="微软雅黑" panose="020B0503020204020204" pitchFamily="34" charset="-122"/>
-                    </a:endParaRPr>
-                  </a:p>
-                </p:txBody>
-              </p:sp>
-              <p:sp>
-                <p:nvSpPr>
-                  <p:cNvPr id="80" name="文本框 79">
-                    <a:extLst>
-                      <a:ext uri="{FF2B5EF4-FFF2-40B4-BE49-F238E27FC236}">
-                        <a16:creationId xmlns:a16="http://schemas.microsoft.com/office/drawing/2014/main" id="{04457665-FDB7-4B4F-B08C-C4A08D92BB71}"/>
-                      </a:ext>
-                    </a:extLst>
-                  </p:cNvPr>
-                  <p:cNvSpPr txBox="1"/>
-                  <p:nvPr/>
-                </p:nvSpPr>
-                <p:spPr>
-                  <a:xfrm>
-                    <a:off x="997827" y="5579397"/>
-                    <a:ext cx="494923" cy="79857"/>
-                  </a:xfrm>
-                  <a:prstGeom prst="rect">
-                    <a:avLst/>
-                  </a:prstGeom>
-                  <a:noFill/>
-                </p:spPr>
-                <p:txBody>
-                  <a:bodyPr wrap="square" rtlCol="0">
-                    <a:spAutoFit/>
-                  </a:bodyPr>
-                  <a:lstStyle/>
-                  <a:p>
-                    <a:pPr algn="ctr"/>
-                    <a:r>
-                      <a:rPr lang="zh-CN" altLang="en-US" sz="700" dirty="0">
-                        <a:latin typeface="微软雅黑" panose="020B0503020204020204" pitchFamily="34" charset="-122"/>
-                        <a:ea typeface="微软雅黑" panose="020B0503020204020204" pitchFamily="34" charset="-122"/>
-                      </a:rPr>
-                      <a:t>国际租车</a:t>
-                    </a:r>
-                  </a:p>
-                </p:txBody>
-              </p:sp>
-            </p:grpSp>
-            <p:grpSp>
-              <p:nvGrpSpPr>
-                <p:cNvPr id="72" name="组合 71">
-                  <a:extLst>
-                    <a:ext uri="{FF2B5EF4-FFF2-40B4-BE49-F238E27FC236}">
-                      <a16:creationId xmlns:a16="http://schemas.microsoft.com/office/drawing/2014/main" id="{9DBD52E7-30C3-4615-993E-BBAEDF77A64A}"/>
-                    </a:ext>
-                  </a:extLst>
-                </p:cNvPr>
-                <p:cNvGrpSpPr/>
-                <p:nvPr/>
-              </p:nvGrpSpPr>
-              <p:grpSpPr>
-                <a:xfrm>
-                  <a:off x="1888768" y="2576665"/>
-                  <a:ext cx="1239857" cy="785598"/>
-                  <a:chOff x="997827" y="5345661"/>
-                  <a:chExt cx="494923" cy="313593"/>
-                </a:xfrm>
-              </p:grpSpPr>
-              <p:sp>
-                <p:nvSpPr>
-                  <p:cNvPr id="77" name="矩形: 圆角 76">
-                    <a:extLst>
-                      <a:ext uri="{FF2B5EF4-FFF2-40B4-BE49-F238E27FC236}">
-                        <a16:creationId xmlns:a16="http://schemas.microsoft.com/office/drawing/2014/main" id="{F7BC467F-38D4-4CF1-BC4F-63C3DECE1184}"/>
-                      </a:ext>
-                    </a:extLst>
-                  </p:cNvPr>
-                  <p:cNvSpPr/>
-                  <p:nvPr/>
-                </p:nvSpPr>
-                <p:spPr>
-                  <a:xfrm>
-                    <a:off x="1130148" y="5345661"/>
-                    <a:ext cx="230282" cy="230282"/>
-                  </a:xfrm>
-                  <a:prstGeom prst="roundRect">
-                    <a:avLst/>
-                  </a:prstGeom>
-                  <a:solidFill>
-                    <a:srgbClr val="D9D9D9"/>
-                  </a:solidFill>
-                  <a:ln>
-                    <a:noFill/>
-                  </a:ln>
-                </p:spPr>
-                <p:style>
-                  <a:lnRef idx="2">
-                    <a:schemeClr val="accent1">
-                      <a:shade val="50000"/>
-                    </a:schemeClr>
-                  </a:lnRef>
-                  <a:fillRef idx="1">
-                    <a:schemeClr val="accent1"/>
-                  </a:fillRef>
-                  <a:effectRef idx="0">
-                    <a:schemeClr val="accent1"/>
-                  </a:effectRef>
-                  <a:fontRef idx="minor">
-                    <a:schemeClr val="lt1"/>
-                  </a:fontRef>
-                </p:style>
-                <p:txBody>
-                  <a:bodyPr rtlCol="0" anchor="ctr"/>
-                  <a:lstStyle/>
-                  <a:p>
-                    <a:pPr algn="ctr">
-                      <a:lnSpc>
-                        <a:spcPct val="150000"/>
-                      </a:lnSpc>
-                    </a:pPr>
-                    <a:endParaRPr lang="zh-CN" altLang="en-US" sz="1000" dirty="0">
-                      <a:solidFill>
-                        <a:schemeClr val="tx1"/>
-                      </a:solidFill>
-                      <a:latin typeface="微软雅黑" panose="020B0503020204020204" pitchFamily="34" charset="-122"/>
-                      <a:ea typeface="微软雅黑" panose="020B0503020204020204" pitchFamily="34" charset="-122"/>
-                    </a:endParaRPr>
-                  </a:p>
-                </p:txBody>
-              </p:sp>
-              <p:sp>
-                <p:nvSpPr>
-                  <p:cNvPr id="78" name="文本框 77">
-                    <a:extLst>
-                      <a:ext uri="{FF2B5EF4-FFF2-40B4-BE49-F238E27FC236}">
-                        <a16:creationId xmlns:a16="http://schemas.microsoft.com/office/drawing/2014/main" id="{4684B083-C089-4F4E-A714-7C8C4408E9C7}"/>
-                      </a:ext>
-                    </a:extLst>
-                  </p:cNvPr>
-                  <p:cNvSpPr txBox="1"/>
-                  <p:nvPr/>
-                </p:nvSpPr>
-                <p:spPr>
-                  <a:xfrm>
-                    <a:off x="997827" y="5579397"/>
-                    <a:ext cx="494923" cy="79857"/>
-                  </a:xfrm>
-                  <a:prstGeom prst="rect">
-                    <a:avLst/>
-                  </a:prstGeom>
-                  <a:noFill/>
-                </p:spPr>
-                <p:txBody>
-                  <a:bodyPr wrap="square" rtlCol="0">
-                    <a:spAutoFit/>
-                  </a:bodyPr>
-                  <a:lstStyle/>
-                  <a:p>
-                    <a:pPr algn="ctr"/>
-                    <a:r>
-                      <a:rPr lang="zh-CN" altLang="en-US" sz="700" dirty="0">
-                        <a:latin typeface="微软雅黑" panose="020B0503020204020204" pitchFamily="34" charset="-122"/>
-                        <a:ea typeface="微软雅黑" panose="020B0503020204020204" pitchFamily="34" charset="-122"/>
-                      </a:rPr>
-                      <a:t>国际驾照</a:t>
-                    </a:r>
-                  </a:p>
-                </p:txBody>
-              </p:sp>
-            </p:grpSp>
-            <p:grpSp>
-              <p:nvGrpSpPr>
-                <p:cNvPr id="73" name="组合 72">
-                  <a:extLst>
-                    <a:ext uri="{FF2B5EF4-FFF2-40B4-BE49-F238E27FC236}">
-                      <a16:creationId xmlns:a16="http://schemas.microsoft.com/office/drawing/2014/main" id="{4E2084B3-E232-4BAF-8765-D91C05C6E70B}"/>
-                    </a:ext>
-                  </a:extLst>
-                </p:cNvPr>
-                <p:cNvGrpSpPr/>
-                <p:nvPr/>
-              </p:nvGrpSpPr>
-              <p:grpSpPr>
-                <a:xfrm>
-                  <a:off x="2923121" y="2576665"/>
-                  <a:ext cx="1239857" cy="785598"/>
-                  <a:chOff x="997827" y="5345661"/>
-                  <a:chExt cx="494923" cy="313593"/>
-                </a:xfrm>
-              </p:grpSpPr>
-              <p:sp>
-                <p:nvSpPr>
-                  <p:cNvPr id="74" name="矩形: 圆角 73">
-                    <a:extLst>
-                      <a:ext uri="{FF2B5EF4-FFF2-40B4-BE49-F238E27FC236}">
-                        <a16:creationId xmlns:a16="http://schemas.microsoft.com/office/drawing/2014/main" id="{BB0DA932-F9CA-4B8C-A37B-780EA34F37B7}"/>
-                      </a:ext>
-                    </a:extLst>
-                  </p:cNvPr>
-                  <p:cNvSpPr/>
-                  <p:nvPr/>
-                </p:nvSpPr>
-                <p:spPr>
-                  <a:xfrm>
-                    <a:off x="1130148" y="5345661"/>
-                    <a:ext cx="230282" cy="230282"/>
-                  </a:xfrm>
-                  <a:prstGeom prst="roundRect">
-                    <a:avLst/>
-                  </a:prstGeom>
-                  <a:solidFill>
-                    <a:srgbClr val="D9D9D9"/>
-                  </a:solidFill>
-                  <a:ln>
-                    <a:noFill/>
-                  </a:ln>
-                </p:spPr>
-                <p:style>
-                  <a:lnRef idx="2">
-                    <a:schemeClr val="accent1">
-                      <a:shade val="50000"/>
-                    </a:schemeClr>
-                  </a:lnRef>
-                  <a:fillRef idx="1">
-                    <a:schemeClr val="accent1"/>
-                  </a:fillRef>
-                  <a:effectRef idx="0">
-                    <a:schemeClr val="accent1"/>
-                  </a:effectRef>
-                  <a:fontRef idx="minor">
-                    <a:schemeClr val="lt1"/>
-                  </a:fontRef>
-                </p:style>
-                <p:txBody>
-                  <a:bodyPr rtlCol="0" anchor="ctr"/>
-                  <a:lstStyle/>
-                  <a:p>
-                    <a:pPr algn="ctr">
-                      <a:lnSpc>
-                        <a:spcPct val="150000"/>
-                      </a:lnSpc>
-                    </a:pPr>
-                    <a:endParaRPr lang="zh-CN" altLang="en-US" sz="1000" dirty="0">
-                      <a:solidFill>
-                        <a:schemeClr val="tx1"/>
-                      </a:solidFill>
-                      <a:latin typeface="微软雅黑" panose="020B0503020204020204" pitchFamily="34" charset="-122"/>
-                      <a:ea typeface="微软雅黑" panose="020B0503020204020204" pitchFamily="34" charset="-122"/>
-                    </a:endParaRPr>
-                  </a:p>
-                </p:txBody>
-              </p:sp>
-              <p:sp>
-                <p:nvSpPr>
-                  <p:cNvPr id="75" name="文本框 74">
-                    <a:extLst>
-                      <a:ext uri="{FF2B5EF4-FFF2-40B4-BE49-F238E27FC236}">
-                        <a16:creationId xmlns:a16="http://schemas.microsoft.com/office/drawing/2014/main" id="{A207F50E-7FB7-43FC-94B5-76399CB16A5F}"/>
-                      </a:ext>
-                    </a:extLst>
-                  </p:cNvPr>
-                  <p:cNvSpPr txBox="1"/>
-                  <p:nvPr/>
-                </p:nvSpPr>
-                <p:spPr>
-                  <a:xfrm>
-                    <a:off x="997827" y="5579397"/>
-                    <a:ext cx="494923" cy="79857"/>
-                  </a:xfrm>
-                  <a:prstGeom prst="rect">
-                    <a:avLst/>
-                  </a:prstGeom>
-                  <a:noFill/>
-                </p:spPr>
-                <p:txBody>
-                  <a:bodyPr wrap="square" rtlCol="0">
-                    <a:spAutoFit/>
-                  </a:bodyPr>
-                  <a:lstStyle/>
-                  <a:p>
-                    <a:pPr algn="ctr"/>
-                    <a:r>
-                      <a:rPr lang="zh-CN" altLang="en-US" sz="700" dirty="0">
-                        <a:latin typeface="微软雅黑" panose="020B0503020204020204" pitchFamily="34" charset="-122"/>
-                        <a:ea typeface="微软雅黑" panose="020B0503020204020204" pitchFamily="34" charset="-122"/>
-                      </a:rPr>
-                      <a:t>违章查询</a:t>
-                    </a:r>
-                  </a:p>
-                </p:txBody>
-              </p:sp>
-            </p:grpSp>
-          </p:grpSp>
-        </p:grpSp>
-        <p:sp>
-          <p:nvSpPr>
-            <p:cNvPr id="60" name="矩形 59">
-              <a:extLst>
-                <a:ext uri="{FF2B5EF4-FFF2-40B4-BE49-F238E27FC236}">
-                  <a16:creationId xmlns:a16="http://schemas.microsoft.com/office/drawing/2014/main" id="{FC8537F9-3ABF-40A4-84FC-B8D7CC128375}"/>
-                </a:ext>
-              </a:extLst>
-            </p:cNvPr>
-            <p:cNvSpPr/>
-            <p:nvPr/>
-          </p:nvSpPr>
-          <p:spPr>
-            <a:xfrm rot="1844245">
-              <a:off x="3536855" y="3495300"/>
-              <a:ext cx="310086" cy="130809"/>
-            </a:xfrm>
-            <a:prstGeom prst="rect">
-              <a:avLst/>
-            </a:prstGeom>
-            <a:solidFill>
-              <a:srgbClr val="09BB07"/>
-            </a:solidFill>
-            <a:ln>
-              <a:noFill/>
-            </a:ln>
-          </p:spPr>
-          <p:style>
-            <a:lnRef idx="2">
-              <a:schemeClr val="accent1">
-                <a:shade val="50000"/>
-              </a:schemeClr>
-            </a:lnRef>
-            <a:fillRef idx="1">
-              <a:schemeClr val="accent1"/>
-            </a:fillRef>
-            <a:effectRef idx="0">
-              <a:schemeClr val="accent1"/>
-            </a:effectRef>
-            <a:fontRef idx="minor">
-              <a:schemeClr val="lt1"/>
-            </a:fontRef>
-          </p:style>
-          <p:txBody>
-            <a:bodyPr rtlCol="0" anchor="ctr"/>
-            <a:lstStyle/>
-            <a:p>
-              <a:pPr algn="ctr"/>
-              <a:r>
-                <a:rPr lang="zh-CN" altLang="en-US" sz="700" dirty="0">
-                  <a:latin typeface="微软雅黑" panose="020B0503020204020204" pitchFamily="34" charset="-122"/>
-                  <a:ea typeface="微软雅黑" panose="020B0503020204020204" pitchFamily="34" charset="-122"/>
-                </a:rPr>
-                <a:t>惠</a:t>
-              </a:r>
-            </a:p>
-          </p:txBody>
-        </p:sp>
-      </p:grpSp>
-    </p:spTree>
-    <p:extLst>
-      <p:ext uri="{BB962C8B-B14F-4D97-AF65-F5344CB8AC3E}">
-        <p14:creationId xmlns:p14="http://schemas.microsoft.com/office/powerpoint/2010/main" val="286263216"/>
-      </p:ext>
-    </p:extLst>
-  </p:cSld>
-  <p:clrMapOvr>
-    <a:masterClrMapping/>
-  </p:clrMapOvr>
-</p:sld>
-</file>
-
-<file path=ppt/slides/slide8.xml><?xml version="1.0" encoding="utf-8"?>
-<p:sld xmlns:a="http://schemas.openxmlformats.org/drawingml/2006/main" xmlns:r="http://schemas.openxmlformats.org/officeDocument/2006/relationships" xmlns:p="http://schemas.openxmlformats.org/presentationml/2006/main">
-  <p:cSld>
-    <p:spTree>
-      <p:nvGrpSpPr>
-        <p:cNvPr id="1" name=""/>
-        <p:cNvGrpSpPr/>
-        <p:nvPr/>
-      </p:nvGrpSpPr>
-      <p:grpSpPr>
-        <a:xfrm>
-          <a:off x="0" y="0"/>
-          <a:ext cx="0" cy="0"/>
-          <a:chOff x="0" y="0"/>
-          <a:chExt cx="0" cy="0"/>
-        </a:xfrm>
-      </p:grpSpPr>
-      <p:sp>
-        <p:nvSpPr>
-          <p:cNvPr id="2" name="内容占位符 1">
-            <a:extLst>
-              <a:ext uri="{FF2B5EF4-FFF2-40B4-BE49-F238E27FC236}">
-                <a16:creationId xmlns:a16="http://schemas.microsoft.com/office/drawing/2014/main" id="{9EDFC4F7-B30D-459F-A82A-62856EA3AEF1}"/>
-              </a:ext>
-            </a:extLst>
-          </p:cNvPr>
-          <p:cNvSpPr>
-            <a:spLocks noGrp="1"/>
-          </p:cNvSpPr>
-          <p:nvPr>
-            <p:ph sz="quarter" idx="10"/>
-          </p:nvPr>
-        </p:nvSpPr>
-        <p:spPr/>
-        <p:txBody>
-          <a:bodyPr/>
-          <a:lstStyle/>
-          <a:p>
-            <a:pPr lvl="0">
-              <a:lnSpc>
-                <a:spcPct val="150000"/>
-              </a:lnSpc>
-              <a:spcBef>
-                <a:spcPts val="0"/>
-              </a:spcBef>
-            </a:pPr>
-            <a:r>
-              <a:rPr lang="en-US" altLang="zh-CN" sz="1200" dirty="0">
-                <a:solidFill>
-                  <a:prstClr val="black"/>
-                </a:solidFill>
-              </a:rPr>
-              <a:t>1</a:t>
-            </a:r>
-            <a:r>
-              <a:rPr lang="zh-CN" altLang="en-US" sz="1200" dirty="0">
-                <a:solidFill>
-                  <a:prstClr val="black"/>
-                </a:solidFill>
-              </a:rPr>
-              <a:t>、所有业务服务统一时间节点上线切换</a:t>
-            </a:r>
-            <a:endParaRPr lang="en-US" altLang="zh-CN" sz="1200" dirty="0">
-              <a:solidFill>
-                <a:prstClr val="black"/>
-              </a:solidFill>
-            </a:endParaRPr>
-          </a:p>
-          <a:p>
-            <a:pPr lvl="0">
-              <a:lnSpc>
-                <a:spcPct val="150000"/>
-              </a:lnSpc>
-              <a:spcBef>
-                <a:spcPts val="0"/>
-              </a:spcBef>
-            </a:pPr>
-            <a:r>
-              <a:rPr lang="en-US" altLang="zh-CN" sz="1200" dirty="0">
-                <a:solidFill>
-                  <a:prstClr val="black"/>
-                </a:solidFill>
-              </a:rPr>
-              <a:t>2</a:t>
-            </a:r>
-            <a:r>
-              <a:rPr lang="zh-CN" altLang="en-US" sz="1200" dirty="0">
-                <a:solidFill>
-                  <a:prstClr val="black"/>
-                </a:solidFill>
-              </a:rPr>
-              <a:t>、需要冠德公众号的软文配合：次文？</a:t>
-            </a:r>
-            <a:endParaRPr lang="en-US" altLang="zh-CN" sz="1200" dirty="0">
-              <a:solidFill>
-                <a:prstClr val="black"/>
-              </a:solidFill>
-            </a:endParaRPr>
-          </a:p>
-          <a:p>
-            <a:pPr lvl="0">
-              <a:lnSpc>
-                <a:spcPct val="150000"/>
-              </a:lnSpc>
-              <a:spcBef>
-                <a:spcPts val="0"/>
-              </a:spcBef>
-            </a:pPr>
-            <a:r>
-              <a:rPr lang="en-US" altLang="zh-CN" sz="1200" dirty="0">
-                <a:solidFill>
-                  <a:prstClr val="black"/>
-                </a:solidFill>
-              </a:rPr>
-              <a:t>4</a:t>
-            </a:r>
-            <a:r>
-              <a:rPr lang="zh-CN" altLang="en-US" sz="1200" dirty="0">
-                <a:solidFill>
-                  <a:prstClr val="black"/>
-                </a:solidFill>
-              </a:rPr>
-              <a:t>、其他的</a:t>
-            </a:r>
-            <a:r>
-              <a:rPr lang="en-US" altLang="zh-CN" sz="1200" dirty="0">
-                <a:solidFill>
-                  <a:prstClr val="black"/>
-                </a:solidFill>
-              </a:rPr>
-              <a:t>PR</a:t>
-            </a:r>
-          </a:p>
-        </p:txBody>
-      </p:sp>
-      <p:sp>
-        <p:nvSpPr>
-          <p:cNvPr id="3" name="标题 2">
-            <a:extLst>
-              <a:ext uri="{FF2B5EF4-FFF2-40B4-BE49-F238E27FC236}">
-                <a16:creationId xmlns:a16="http://schemas.microsoft.com/office/drawing/2014/main" id="{AE39EBFA-A12B-4758-B645-E214A0ECB1F7}"/>
-              </a:ext>
-            </a:extLst>
-          </p:cNvPr>
-          <p:cNvSpPr>
-            <a:spLocks noGrp="1"/>
-          </p:cNvSpPr>
-          <p:nvPr>
-            <p:ph type="title"/>
-          </p:nvPr>
-        </p:nvSpPr>
-        <p:spPr/>
-        <p:txBody>
-          <a:bodyPr/>
-          <a:lstStyle/>
-          <a:p>
-            <a:r>
-              <a:rPr lang="en-US" altLang="zh-CN" dirty="0"/>
-              <a:t>PR</a:t>
-            </a:r>
-            <a:r>
-              <a:rPr lang="zh-CN" altLang="en-US" dirty="0"/>
-              <a:t>相关</a:t>
-            </a:r>
-          </a:p>
-        </p:txBody>
-      </p:sp>
-    </p:spTree>
-    <p:extLst>
-      <p:ext uri="{BB962C8B-B14F-4D97-AF65-F5344CB8AC3E}">
-        <p14:creationId xmlns:p14="http://schemas.microsoft.com/office/powerpoint/2010/main" val="869934929"/>
       </p:ext>
     </p:extLst>
   </p:cSld>

--- a/product/冠德石油+/优惠生活/优惠生活的构想.pptx
+++ b/product/冠德石油+/优惠生活/优惠生活的构想.pptx
@@ -942,7 +942,11 @@
             </a:pPr>
             <a:r>
               <a:rPr lang="zh-CN" altLang="en-US" sz="1200" dirty="0"/>
-              <a:t>开发简单、对原有业务介入少，不影响冠德：</a:t>
+              <a:t>开发简单、对原有业务介入少，不影响</a:t>
+            </a:r>
+            <a:r>
+              <a:rPr lang="zh-CN" altLang="en-US" sz="1200"/>
+              <a:t>冠德现有业务，同时保障数据安全：</a:t>
             </a:r>
             <a:endParaRPr lang="en-US" altLang="zh-CN" sz="1200" dirty="0"/>
           </a:p>
